--- a/presentations/defense_unused.pptx
+++ b/presentations/defense_unused.pptx
@@ -4,9 +4,17 @@
   <p:sldMasterIdLst>
     <p:sldMasterId id="2147483660" r:id="rId1"/>
   </p:sldMasterIdLst>
+  <p:notesMasterIdLst>
+    <p:notesMasterId r:id="rId9"/>
+  </p:notesMasterIdLst>
   <p:sldIdLst>
     <p:sldId id="256" r:id="rId2"/>
     <p:sldId id="257" r:id="rId3"/>
+    <p:sldId id="258" r:id="rId4"/>
+    <p:sldId id="259" r:id="rId5"/>
+    <p:sldId id="260" r:id="rId6"/>
+    <p:sldId id="261" r:id="rId7"/>
+    <p:sldId id="262" r:id="rId8"/>
   </p:sldIdLst>
   <p:sldSz cx="9144000" cy="6858000" type="screen4x3"/>
   <p:notesSz cx="6858000" cy="9144000"/>
@@ -105,7 +113,568 @@
       </a:defRPr>
     </a:lvl9pPr>
   </p:defaultTextStyle>
+  <p:extLst>
+    <p:ext uri="{EFAFB233-063F-42B5-8137-9DF3F51BA10A}">
+      <p15:sldGuideLst xmlns:p15="http://schemas.microsoft.com/office/powerpoint/2012/main"/>
+    </p:ext>
+  </p:extLst>
 </p:presentation>
+</file>
+
+<file path=ppt/notesMasters/notesMaster1.xml><?xml version="1.0" encoding="utf-8"?>
+<p:notesMaster xmlns:a="http://schemas.openxmlformats.org/drawingml/2006/main" xmlns:r="http://schemas.openxmlformats.org/officeDocument/2006/relationships" xmlns:p="http://schemas.openxmlformats.org/presentationml/2006/main">
+  <p:cSld>
+    <p:bg>
+      <p:bgRef idx="1001">
+        <a:schemeClr val="bg1"/>
+      </p:bgRef>
+    </p:bg>
+    <p:spTree>
+      <p:nvGrpSpPr>
+        <p:cNvPr id="1" name=""/>
+        <p:cNvGrpSpPr/>
+        <p:nvPr/>
+      </p:nvGrpSpPr>
+      <p:grpSpPr>
+        <a:xfrm>
+          <a:off x="0" y="0"/>
+          <a:ext cx="0" cy="0"/>
+          <a:chOff x="0" y="0"/>
+          <a:chExt cx="0" cy="0"/>
+        </a:xfrm>
+      </p:grpSpPr>
+      <p:sp>
+        <p:nvSpPr>
+          <p:cNvPr id="2" name="Header Placeholder 1"/>
+          <p:cNvSpPr>
+            <a:spLocks noGrp="1"/>
+          </p:cNvSpPr>
+          <p:nvPr>
+            <p:ph type="hdr" sz="quarter"/>
+          </p:nvPr>
+        </p:nvSpPr>
+        <p:spPr>
+          <a:xfrm>
+            <a:off x="0" y="0"/>
+            <a:ext cx="2971800" cy="458788"/>
+          </a:xfrm>
+          <a:prstGeom prst="rect">
+            <a:avLst/>
+          </a:prstGeom>
+        </p:spPr>
+        <p:txBody>
+          <a:bodyPr vert="horz" lIns="91440" tIns="45720" rIns="91440" bIns="45720" rtlCol="0"/>
+          <a:lstStyle>
+            <a:lvl1pPr algn="l">
+              <a:defRPr sz="1200"/>
+            </a:lvl1pPr>
+          </a:lstStyle>
+          <a:p>
+            <a:endParaRPr lang="en-US"/>
+          </a:p>
+        </p:txBody>
+      </p:sp>
+      <p:sp>
+        <p:nvSpPr>
+          <p:cNvPr id="3" name="Date Placeholder 2"/>
+          <p:cNvSpPr>
+            <a:spLocks noGrp="1"/>
+          </p:cNvSpPr>
+          <p:nvPr>
+            <p:ph type="dt" idx="1"/>
+          </p:nvPr>
+        </p:nvSpPr>
+        <p:spPr>
+          <a:xfrm>
+            <a:off x="3884613" y="0"/>
+            <a:ext cx="2971800" cy="458788"/>
+          </a:xfrm>
+          <a:prstGeom prst="rect">
+            <a:avLst/>
+          </a:prstGeom>
+        </p:spPr>
+        <p:txBody>
+          <a:bodyPr vert="horz" lIns="91440" tIns="45720" rIns="91440" bIns="45720" rtlCol="0"/>
+          <a:lstStyle>
+            <a:lvl1pPr algn="r">
+              <a:defRPr sz="1200"/>
+            </a:lvl1pPr>
+          </a:lstStyle>
+          <a:p>
+            <a:fld id="{C2D1810C-8537-7C43-94D9-B55806CC4B23}" type="datetimeFigureOut">
+              <a:rPr lang="en-US" smtClean="0"/>
+              <a:t>11/21/15</a:t>
+            </a:fld>
+            <a:endParaRPr lang="en-US"/>
+          </a:p>
+        </p:txBody>
+      </p:sp>
+      <p:sp>
+        <p:nvSpPr>
+          <p:cNvPr id="4" name="Slide Image Placeholder 3"/>
+          <p:cNvSpPr>
+            <a:spLocks noGrp="1" noRot="1" noChangeAspect="1"/>
+          </p:cNvSpPr>
+          <p:nvPr>
+            <p:ph type="sldImg" idx="2"/>
+          </p:nvPr>
+        </p:nvSpPr>
+        <p:spPr>
+          <a:xfrm>
+            <a:off x="1371600" y="1143000"/>
+            <a:ext cx="4114800" cy="3086100"/>
+          </a:xfrm>
+          <a:prstGeom prst="rect">
+            <a:avLst/>
+          </a:prstGeom>
+          <a:noFill/>
+          <a:ln w="12700">
+            <a:solidFill>
+              <a:prstClr val="black"/>
+            </a:solidFill>
+          </a:ln>
+        </p:spPr>
+        <p:txBody>
+          <a:bodyPr vert="horz" lIns="91440" tIns="45720" rIns="91440" bIns="45720" rtlCol="0" anchor="ctr"/>
+          <a:lstStyle/>
+          <a:p>
+            <a:endParaRPr lang="en-US"/>
+          </a:p>
+        </p:txBody>
+      </p:sp>
+      <p:sp>
+        <p:nvSpPr>
+          <p:cNvPr id="5" name="Notes Placeholder 4"/>
+          <p:cNvSpPr>
+            <a:spLocks noGrp="1"/>
+          </p:cNvSpPr>
+          <p:nvPr>
+            <p:ph type="body" sz="quarter" idx="3"/>
+          </p:nvPr>
+        </p:nvSpPr>
+        <p:spPr>
+          <a:xfrm>
+            <a:off x="685800" y="4400550"/>
+            <a:ext cx="5486400" cy="3600450"/>
+          </a:xfrm>
+          <a:prstGeom prst="rect">
+            <a:avLst/>
+          </a:prstGeom>
+        </p:spPr>
+        <p:txBody>
+          <a:bodyPr vert="horz" lIns="91440" tIns="45720" rIns="91440" bIns="45720" rtlCol="0"/>
+          <a:lstStyle/>
+          <a:p>
+            <a:pPr lvl="0"/>
+            <a:r>
+              <a:rPr lang="en-US" smtClean="0"/>
+              <a:t>Click to edit Master text styles</a:t>
+            </a:r>
+          </a:p>
+          <a:p>
+            <a:pPr lvl="1"/>
+            <a:r>
+              <a:rPr lang="en-US" smtClean="0"/>
+              <a:t>Second level</a:t>
+            </a:r>
+          </a:p>
+          <a:p>
+            <a:pPr lvl="2"/>
+            <a:r>
+              <a:rPr lang="en-US" smtClean="0"/>
+              <a:t>Third level</a:t>
+            </a:r>
+          </a:p>
+          <a:p>
+            <a:pPr lvl="3"/>
+            <a:r>
+              <a:rPr lang="en-US" smtClean="0"/>
+              <a:t>Fourth level</a:t>
+            </a:r>
+          </a:p>
+          <a:p>
+            <a:pPr lvl="4"/>
+            <a:r>
+              <a:rPr lang="en-US" smtClean="0"/>
+              <a:t>Fifth level</a:t>
+            </a:r>
+            <a:endParaRPr lang="en-US"/>
+          </a:p>
+        </p:txBody>
+      </p:sp>
+      <p:sp>
+        <p:nvSpPr>
+          <p:cNvPr id="6" name="Footer Placeholder 5"/>
+          <p:cNvSpPr>
+            <a:spLocks noGrp="1"/>
+          </p:cNvSpPr>
+          <p:nvPr>
+            <p:ph type="ftr" sz="quarter" idx="4"/>
+          </p:nvPr>
+        </p:nvSpPr>
+        <p:spPr>
+          <a:xfrm>
+            <a:off x="0" y="8685213"/>
+            <a:ext cx="2971800" cy="458787"/>
+          </a:xfrm>
+          <a:prstGeom prst="rect">
+            <a:avLst/>
+          </a:prstGeom>
+        </p:spPr>
+        <p:txBody>
+          <a:bodyPr vert="horz" lIns="91440" tIns="45720" rIns="91440" bIns="45720" rtlCol="0" anchor="b"/>
+          <a:lstStyle>
+            <a:lvl1pPr algn="l">
+              <a:defRPr sz="1200"/>
+            </a:lvl1pPr>
+          </a:lstStyle>
+          <a:p>
+            <a:endParaRPr lang="en-US"/>
+          </a:p>
+        </p:txBody>
+      </p:sp>
+      <p:sp>
+        <p:nvSpPr>
+          <p:cNvPr id="7" name="Slide Number Placeholder 6"/>
+          <p:cNvSpPr>
+            <a:spLocks noGrp="1"/>
+          </p:cNvSpPr>
+          <p:nvPr>
+            <p:ph type="sldNum" sz="quarter" idx="5"/>
+          </p:nvPr>
+        </p:nvSpPr>
+        <p:spPr>
+          <a:xfrm>
+            <a:off x="3884613" y="8685213"/>
+            <a:ext cx="2971800" cy="458787"/>
+          </a:xfrm>
+          <a:prstGeom prst="rect">
+            <a:avLst/>
+          </a:prstGeom>
+        </p:spPr>
+        <p:txBody>
+          <a:bodyPr vert="horz" lIns="91440" tIns="45720" rIns="91440" bIns="45720" rtlCol="0" anchor="b"/>
+          <a:lstStyle>
+            <a:lvl1pPr algn="r">
+              <a:defRPr sz="1200"/>
+            </a:lvl1pPr>
+          </a:lstStyle>
+          <a:p>
+            <a:fld id="{B45DF96B-1157-E443-A6E7-453F341D08DB}" type="slidenum">
+              <a:rPr lang="en-US" smtClean="0"/>
+              <a:t>‹#›</a:t>
+            </a:fld>
+            <a:endParaRPr lang="en-US"/>
+          </a:p>
+        </p:txBody>
+      </p:sp>
+    </p:spTree>
+    <p:extLst>
+      <p:ext uri="{BB962C8B-B14F-4D97-AF65-F5344CB8AC3E}">
+        <p14:creationId xmlns:p14="http://schemas.microsoft.com/office/powerpoint/2010/main" val="1019407579"/>
+      </p:ext>
+    </p:extLst>
+  </p:cSld>
+  <p:clrMap bg1="lt1" tx1="dk1" bg2="lt2" tx2="dk2" accent1="accent1" accent2="accent2" accent3="accent3" accent4="accent4" accent5="accent5" accent6="accent6" hlink="hlink" folHlink="folHlink"/>
+  <p:notesStyle>
+    <a:lvl1pPr marL="0" algn="l" defTabSz="914400" rtl="0" eaLnBrk="1" latinLnBrk="0" hangingPunct="1">
+      <a:defRPr sz="1200" kern="1200">
+        <a:solidFill>
+          <a:schemeClr val="tx1"/>
+        </a:solidFill>
+        <a:latin typeface="+mn-lt"/>
+        <a:ea typeface="+mn-ea"/>
+        <a:cs typeface="+mn-cs"/>
+      </a:defRPr>
+    </a:lvl1pPr>
+    <a:lvl2pPr marL="457200" algn="l" defTabSz="914400" rtl="0" eaLnBrk="1" latinLnBrk="0" hangingPunct="1">
+      <a:defRPr sz="1200" kern="1200">
+        <a:solidFill>
+          <a:schemeClr val="tx1"/>
+        </a:solidFill>
+        <a:latin typeface="+mn-lt"/>
+        <a:ea typeface="+mn-ea"/>
+        <a:cs typeface="+mn-cs"/>
+      </a:defRPr>
+    </a:lvl2pPr>
+    <a:lvl3pPr marL="914400" algn="l" defTabSz="914400" rtl="0" eaLnBrk="1" latinLnBrk="0" hangingPunct="1">
+      <a:defRPr sz="1200" kern="1200">
+        <a:solidFill>
+          <a:schemeClr val="tx1"/>
+        </a:solidFill>
+        <a:latin typeface="+mn-lt"/>
+        <a:ea typeface="+mn-ea"/>
+        <a:cs typeface="+mn-cs"/>
+      </a:defRPr>
+    </a:lvl3pPr>
+    <a:lvl4pPr marL="1371600" algn="l" defTabSz="914400" rtl="0" eaLnBrk="1" latinLnBrk="0" hangingPunct="1">
+      <a:defRPr sz="1200" kern="1200">
+        <a:solidFill>
+          <a:schemeClr val="tx1"/>
+        </a:solidFill>
+        <a:latin typeface="+mn-lt"/>
+        <a:ea typeface="+mn-ea"/>
+        <a:cs typeface="+mn-cs"/>
+      </a:defRPr>
+    </a:lvl4pPr>
+    <a:lvl5pPr marL="1828800" algn="l" defTabSz="914400" rtl="0" eaLnBrk="1" latinLnBrk="0" hangingPunct="1">
+      <a:defRPr sz="1200" kern="1200">
+        <a:solidFill>
+          <a:schemeClr val="tx1"/>
+        </a:solidFill>
+        <a:latin typeface="+mn-lt"/>
+        <a:ea typeface="+mn-ea"/>
+        <a:cs typeface="+mn-cs"/>
+      </a:defRPr>
+    </a:lvl5pPr>
+    <a:lvl6pPr marL="2286000" algn="l" defTabSz="914400" rtl="0" eaLnBrk="1" latinLnBrk="0" hangingPunct="1">
+      <a:defRPr sz="1200" kern="1200">
+        <a:solidFill>
+          <a:schemeClr val="tx1"/>
+        </a:solidFill>
+        <a:latin typeface="+mn-lt"/>
+        <a:ea typeface="+mn-ea"/>
+        <a:cs typeface="+mn-cs"/>
+      </a:defRPr>
+    </a:lvl6pPr>
+    <a:lvl7pPr marL="2743200" algn="l" defTabSz="914400" rtl="0" eaLnBrk="1" latinLnBrk="0" hangingPunct="1">
+      <a:defRPr sz="1200" kern="1200">
+        <a:solidFill>
+          <a:schemeClr val="tx1"/>
+        </a:solidFill>
+        <a:latin typeface="+mn-lt"/>
+        <a:ea typeface="+mn-ea"/>
+        <a:cs typeface="+mn-cs"/>
+      </a:defRPr>
+    </a:lvl7pPr>
+    <a:lvl8pPr marL="3200400" algn="l" defTabSz="914400" rtl="0" eaLnBrk="1" latinLnBrk="0" hangingPunct="1">
+      <a:defRPr sz="1200" kern="1200">
+        <a:solidFill>
+          <a:schemeClr val="tx1"/>
+        </a:solidFill>
+        <a:latin typeface="+mn-lt"/>
+        <a:ea typeface="+mn-ea"/>
+        <a:cs typeface="+mn-cs"/>
+      </a:defRPr>
+    </a:lvl8pPr>
+    <a:lvl9pPr marL="3657600" algn="l" defTabSz="914400" rtl="0" eaLnBrk="1" latinLnBrk="0" hangingPunct="1">
+      <a:defRPr sz="1200" kern="1200">
+        <a:solidFill>
+          <a:schemeClr val="tx1"/>
+        </a:solidFill>
+        <a:latin typeface="+mn-lt"/>
+        <a:ea typeface="+mn-ea"/>
+        <a:cs typeface="+mn-cs"/>
+      </a:defRPr>
+    </a:lvl9pPr>
+  </p:notesStyle>
+</p:notesMaster>
+</file>
+
+<file path=ppt/notesSlides/notesSlide1.xml><?xml version="1.0" encoding="utf-8"?>
+<p:notes xmlns:a="http://schemas.openxmlformats.org/drawingml/2006/main" xmlns:r="http://schemas.openxmlformats.org/officeDocument/2006/relationships" xmlns:p="http://schemas.openxmlformats.org/presentationml/2006/main">
+  <p:cSld>
+    <p:spTree>
+      <p:nvGrpSpPr>
+        <p:cNvPr id="1" name=""/>
+        <p:cNvGrpSpPr/>
+        <p:nvPr/>
+      </p:nvGrpSpPr>
+      <p:grpSpPr>
+        <a:xfrm>
+          <a:off x="0" y="0"/>
+          <a:ext cx="0" cy="0"/>
+          <a:chOff x="0" y="0"/>
+          <a:chExt cx="0" cy="0"/>
+        </a:xfrm>
+      </p:grpSpPr>
+      <p:sp>
+        <p:nvSpPr>
+          <p:cNvPr id="2" name="Slide Image Placeholder 1"/>
+          <p:cNvSpPr>
+            <a:spLocks noGrp="1" noRot="1" noChangeAspect="1"/>
+          </p:cNvSpPr>
+          <p:nvPr>
+            <p:ph type="sldImg"/>
+          </p:nvPr>
+        </p:nvSpPr>
+        <p:spPr/>
+      </p:sp>
+      <p:sp>
+        <p:nvSpPr>
+          <p:cNvPr id="3" name="Notes Placeholder 2"/>
+          <p:cNvSpPr>
+            <a:spLocks noGrp="1"/>
+          </p:cNvSpPr>
+          <p:nvPr>
+            <p:ph type="body" idx="1"/>
+          </p:nvPr>
+        </p:nvSpPr>
+        <p:spPr/>
+        <p:txBody>
+          <a:bodyPr/>
+          <a:lstStyle/>
+          <a:p>
+            <a:r>
+              <a:rPr lang="en-US" dirty="0" smtClean="0"/>
+              <a:t>Legend</a:t>
+            </a:r>
+          </a:p>
+          <a:p>
+            <a:r>
+              <a:rPr lang="en-US" dirty="0" smtClean="0"/>
+              <a:t>High</a:t>
+            </a:r>
+            <a:r>
+              <a:rPr lang="en-US" baseline="0" dirty="0" smtClean="0"/>
+              <a:t> accessibility</a:t>
+            </a:r>
+          </a:p>
+          <a:p>
+            <a:r>
+              <a:rPr lang="en-US" baseline="0" dirty="0" smtClean="0"/>
+              <a:t>HOT region explanation</a:t>
+            </a:r>
+            <a:endParaRPr lang="en-US" dirty="0"/>
+          </a:p>
+        </p:txBody>
+      </p:sp>
+      <p:sp>
+        <p:nvSpPr>
+          <p:cNvPr id="4" name="Slide Number Placeholder 3"/>
+          <p:cNvSpPr>
+            <a:spLocks noGrp="1"/>
+          </p:cNvSpPr>
+          <p:nvPr>
+            <p:ph type="sldNum" sz="quarter" idx="10"/>
+          </p:nvPr>
+        </p:nvSpPr>
+        <p:spPr/>
+        <p:txBody>
+          <a:bodyPr/>
+          <a:lstStyle/>
+          <a:p>
+            <a:fld id="{72D62022-544B-4C4F-96A3-6045A2BA2447}" type="slidenum">
+              <a:rPr lang="en-US" smtClean="0"/>
+              <a:t>5</a:t>
+            </a:fld>
+            <a:endParaRPr lang="en-US"/>
+          </a:p>
+        </p:txBody>
+      </p:sp>
+    </p:spTree>
+    <p:extLst>
+      <p:ext uri="{BB962C8B-B14F-4D97-AF65-F5344CB8AC3E}">
+        <p14:creationId xmlns:p14="http://schemas.microsoft.com/office/powerpoint/2010/main" val="339388325"/>
+      </p:ext>
+    </p:extLst>
+  </p:cSld>
+  <p:clrMapOvr>
+    <a:masterClrMapping/>
+  </p:clrMapOvr>
+</p:notes>
+</file>
+
+<file path=ppt/notesSlides/notesSlide2.xml><?xml version="1.0" encoding="utf-8"?>
+<p:notes xmlns:a="http://schemas.openxmlformats.org/drawingml/2006/main" xmlns:r="http://schemas.openxmlformats.org/officeDocument/2006/relationships" xmlns:p="http://schemas.openxmlformats.org/presentationml/2006/main">
+  <p:cSld>
+    <p:spTree>
+      <p:nvGrpSpPr>
+        <p:cNvPr id="1" name=""/>
+        <p:cNvGrpSpPr/>
+        <p:nvPr/>
+      </p:nvGrpSpPr>
+      <p:grpSpPr>
+        <a:xfrm>
+          <a:off x="0" y="0"/>
+          <a:ext cx="0" cy="0"/>
+          <a:chOff x="0" y="0"/>
+          <a:chExt cx="0" cy="0"/>
+        </a:xfrm>
+      </p:grpSpPr>
+      <p:sp>
+        <p:nvSpPr>
+          <p:cNvPr id="2" name="Slide Image Placeholder 1"/>
+          <p:cNvSpPr>
+            <a:spLocks noGrp="1" noRot="1" noChangeAspect="1"/>
+          </p:cNvSpPr>
+          <p:nvPr>
+            <p:ph type="sldImg"/>
+          </p:nvPr>
+        </p:nvSpPr>
+        <p:spPr/>
+      </p:sp>
+      <p:sp>
+        <p:nvSpPr>
+          <p:cNvPr id="3" name="Notes Placeholder 2"/>
+          <p:cNvSpPr>
+            <a:spLocks noGrp="1"/>
+          </p:cNvSpPr>
+          <p:nvPr>
+            <p:ph type="body" idx="1"/>
+          </p:nvPr>
+        </p:nvSpPr>
+        <p:spPr/>
+        <p:txBody>
+          <a:bodyPr/>
+          <a:lstStyle/>
+          <a:p>
+            <a:r>
+              <a:rPr lang="en-US" dirty="0" smtClean="0"/>
+              <a:t>y-axis</a:t>
+            </a:r>
+          </a:p>
+          <a:p>
+            <a:r>
+              <a:rPr lang="en-US" dirty="0" err="1" smtClean="0"/>
+              <a:t>Zaret</a:t>
+            </a:r>
+            <a:r>
+              <a:rPr lang="en-US" dirty="0" smtClean="0"/>
+              <a:t> lab</a:t>
+            </a:r>
+            <a:r>
+              <a:rPr lang="en-US" baseline="0" dirty="0" smtClean="0"/>
+              <a:t> data</a:t>
+            </a:r>
+            <a:endParaRPr lang="en-US" dirty="0"/>
+          </a:p>
+        </p:txBody>
+      </p:sp>
+      <p:sp>
+        <p:nvSpPr>
+          <p:cNvPr id="4" name="Slide Number Placeholder 3"/>
+          <p:cNvSpPr>
+            <a:spLocks noGrp="1"/>
+          </p:cNvSpPr>
+          <p:nvPr>
+            <p:ph type="sldNum" sz="quarter" idx="10"/>
+          </p:nvPr>
+        </p:nvSpPr>
+        <p:spPr/>
+        <p:txBody>
+          <a:bodyPr/>
+          <a:lstStyle/>
+          <a:p>
+            <a:fld id="{72D62022-544B-4C4F-96A3-6045A2BA2447}" type="slidenum">
+              <a:rPr lang="en-US" smtClean="0"/>
+              <a:t>7</a:t>
+            </a:fld>
+            <a:endParaRPr lang="en-US"/>
+          </a:p>
+        </p:txBody>
+      </p:sp>
+    </p:spTree>
+    <p:extLst>
+      <p:ext uri="{BB962C8B-B14F-4D97-AF65-F5344CB8AC3E}">
+        <p14:creationId xmlns:p14="http://schemas.microsoft.com/office/powerpoint/2010/main" val="1567599120"/>
+      </p:ext>
+    </p:extLst>
+  </p:cSld>
+  <p:clrMapOvr>
+    <a:masterClrMapping/>
+  </p:clrMapOvr>
+</p:notes>
 </file>
 
 <file path=ppt/slideLayouts/slideLayout1.xml><?xml version="1.0" encoding="utf-8"?>
@@ -239,7 +808,7 @@
           <a:p>
             <a:fld id="{7F2384CB-82DB-9D43-A1C1-666AB832DC68}" type="datetimeFigureOut">
               <a:rPr lang="en-US" smtClean="0"/>
-              <a:t>11/19/15</a:t>
+              <a:t>11/21/15</a:t>
             </a:fld>
             <a:endParaRPr lang="en-US"/>
           </a:p>
@@ -409,7 +978,7 @@
           <a:p>
             <a:fld id="{7F2384CB-82DB-9D43-A1C1-666AB832DC68}" type="datetimeFigureOut">
               <a:rPr lang="en-US" smtClean="0"/>
-              <a:t>11/19/15</a:t>
+              <a:t>11/21/15</a:t>
             </a:fld>
             <a:endParaRPr lang="en-US"/>
           </a:p>
@@ -589,7 +1158,7 @@
           <a:p>
             <a:fld id="{7F2384CB-82DB-9D43-A1C1-666AB832DC68}" type="datetimeFigureOut">
               <a:rPr lang="en-US" smtClean="0"/>
-              <a:t>11/19/15</a:t>
+              <a:t>11/21/15</a:t>
             </a:fld>
             <a:endParaRPr lang="en-US"/>
           </a:p>
@@ -759,7 +1328,7 @@
           <a:p>
             <a:fld id="{7F2384CB-82DB-9D43-A1C1-666AB832DC68}" type="datetimeFigureOut">
               <a:rPr lang="en-US" smtClean="0"/>
-              <a:t>11/19/15</a:t>
+              <a:t>11/21/15</a:t>
             </a:fld>
             <a:endParaRPr lang="en-US"/>
           </a:p>
@@ -1003,7 +1572,7 @@
           <a:p>
             <a:fld id="{7F2384CB-82DB-9D43-A1C1-666AB832DC68}" type="datetimeFigureOut">
               <a:rPr lang="en-US" smtClean="0"/>
-              <a:t>11/19/15</a:t>
+              <a:t>11/21/15</a:t>
             </a:fld>
             <a:endParaRPr lang="en-US"/>
           </a:p>
@@ -1235,7 +1804,7 @@
           <a:p>
             <a:fld id="{7F2384CB-82DB-9D43-A1C1-666AB832DC68}" type="datetimeFigureOut">
               <a:rPr lang="en-US" smtClean="0"/>
-              <a:t>11/19/15</a:t>
+              <a:t>11/21/15</a:t>
             </a:fld>
             <a:endParaRPr lang="en-US"/>
           </a:p>
@@ -1602,7 +2171,7 @@
           <a:p>
             <a:fld id="{7F2384CB-82DB-9D43-A1C1-666AB832DC68}" type="datetimeFigureOut">
               <a:rPr lang="en-US" smtClean="0"/>
-              <a:t>11/19/15</a:t>
+              <a:t>11/21/15</a:t>
             </a:fld>
             <a:endParaRPr lang="en-US"/>
           </a:p>
@@ -1720,7 +2289,7 @@
           <a:p>
             <a:fld id="{7F2384CB-82DB-9D43-A1C1-666AB832DC68}" type="datetimeFigureOut">
               <a:rPr lang="en-US" smtClean="0"/>
-              <a:t>11/19/15</a:t>
+              <a:t>11/21/15</a:t>
             </a:fld>
             <a:endParaRPr lang="en-US"/>
           </a:p>
@@ -1815,7 +2384,7 @@
           <a:p>
             <a:fld id="{7F2384CB-82DB-9D43-A1C1-666AB832DC68}" type="datetimeFigureOut">
               <a:rPr lang="en-US" smtClean="0"/>
-              <a:t>11/19/15</a:t>
+              <a:t>11/21/15</a:t>
             </a:fld>
             <a:endParaRPr lang="en-US"/>
           </a:p>
@@ -2092,7 +2661,7 @@
           <a:p>
             <a:fld id="{7F2384CB-82DB-9D43-A1C1-666AB832DC68}" type="datetimeFigureOut">
               <a:rPr lang="en-US" smtClean="0"/>
-              <a:t>11/19/15</a:t>
+              <a:t>11/21/15</a:t>
             </a:fld>
             <a:endParaRPr lang="en-US"/>
           </a:p>
@@ -2349,7 +2918,7 @@
           <a:p>
             <a:fld id="{7F2384CB-82DB-9D43-A1C1-666AB832DC68}" type="datetimeFigureOut">
               <a:rPr lang="en-US" smtClean="0"/>
-              <a:t>11/19/15</a:t>
+              <a:t>11/21/15</a:t>
             </a:fld>
             <a:endParaRPr lang="en-US"/>
           </a:p>
@@ -2562,7 +3131,7 @@
           <a:p>
             <a:fld id="{7F2384CB-82DB-9D43-A1C1-666AB832DC68}" type="datetimeFigureOut">
               <a:rPr lang="en-US" smtClean="0"/>
-              <a:t>11/19/15</a:t>
+              <a:t>11/21/15</a:t>
             </a:fld>
             <a:endParaRPr lang="en-US"/>
           </a:p>
@@ -5121,6 +5690,1342 @@
 </p:sld>
 </file>
 
+<file path=ppt/slides/slide3.xml><?xml version="1.0" encoding="utf-8"?>
+<p:sld xmlns:a="http://schemas.openxmlformats.org/drawingml/2006/main" xmlns:r="http://schemas.openxmlformats.org/officeDocument/2006/relationships" xmlns:p="http://schemas.openxmlformats.org/presentationml/2006/main">
+  <p:cSld>
+    <p:spTree>
+      <p:nvGrpSpPr>
+        <p:cNvPr id="1" name=""/>
+        <p:cNvGrpSpPr/>
+        <p:nvPr/>
+      </p:nvGrpSpPr>
+      <p:grpSpPr>
+        <a:xfrm>
+          <a:off x="0" y="0"/>
+          <a:ext cx="0" cy="0"/>
+          <a:chOff x="0" y="0"/>
+          <a:chExt cx="0" cy="0"/>
+        </a:xfrm>
+      </p:grpSpPr>
+      <p:sp>
+        <p:nvSpPr>
+          <p:cNvPr id="2" name="Title 1"/>
+          <p:cNvSpPr>
+            <a:spLocks noGrp="1"/>
+          </p:cNvSpPr>
+          <p:nvPr>
+            <p:ph type="title"/>
+          </p:nvPr>
+        </p:nvSpPr>
+        <p:spPr/>
+        <p:txBody>
+          <a:bodyPr>
+            <a:normAutofit/>
+          </a:bodyPr>
+          <a:lstStyle/>
+          <a:p>
+            <a:r>
+              <a:rPr lang="en-US" dirty="0" smtClean="0"/>
+              <a:t>Gro </a:t>
+            </a:r>
+            <a:r>
+              <a:rPr lang="en-US" dirty="0" err="1" smtClean="0"/>
+              <a:t>colocalizes</a:t>
+            </a:r>
+            <a:r>
+              <a:rPr lang="en-US" dirty="0" smtClean="0"/>
+              <a:t> with multiple developmental factors</a:t>
+            </a:r>
+            <a:endParaRPr lang="en-US" dirty="0"/>
+          </a:p>
+        </p:txBody>
+      </p:sp>
+      <p:pic>
+        <p:nvPicPr>
+          <p:cNvPr id="20" name="Picture 19"/>
+          <p:cNvPicPr>
+            <a:picLocks noChangeAspect="1"/>
+          </p:cNvPicPr>
+          <p:nvPr/>
+        </p:nvPicPr>
+        <p:blipFill rotWithShape="1">
+          <a:blip r:embed="rId2">
+            <a:extLst>
+              <a:ext uri="{28A0092B-C50C-407E-A947-70E740481C1C}">
+                <a14:useLocalDpi xmlns:a14="http://schemas.microsoft.com/office/drawing/2010/main" val="0"/>
+              </a:ext>
+            </a:extLst>
+          </a:blip>
+          <a:srcRect l="24771" t="49787"/>
+          <a:stretch/>
+        </p:blipFill>
+        <p:spPr>
+          <a:xfrm>
+            <a:off x="4404360" y="2582387"/>
+            <a:ext cx="3139440" cy="3139440"/>
+          </a:xfrm>
+          <a:prstGeom prst="rect">
+            <a:avLst/>
+          </a:prstGeom>
+        </p:spPr>
+      </p:pic>
+      <p:pic>
+        <p:nvPicPr>
+          <p:cNvPr id="21" name="Picture 20"/>
+          <p:cNvPicPr>
+            <a:picLocks noChangeAspect="1"/>
+          </p:cNvPicPr>
+          <p:nvPr/>
+        </p:nvPicPr>
+        <p:blipFill rotWithShape="1">
+          <a:blip r:embed="rId2">
+            <a:extLst>
+              <a:ext uri="{28A0092B-C50C-407E-A947-70E740481C1C}">
+                <a14:useLocalDpi xmlns:a14="http://schemas.microsoft.com/office/drawing/2010/main" val="0"/>
+              </a:ext>
+            </a:extLst>
+          </a:blip>
+          <a:srcRect l="24771" t="11761" b="49726"/>
+          <a:stretch/>
+        </p:blipFill>
+        <p:spPr>
+          <a:xfrm>
+            <a:off x="914400" y="2582387"/>
+            <a:ext cx="3139440" cy="2407920"/>
+          </a:xfrm>
+          <a:prstGeom prst="rect">
+            <a:avLst/>
+          </a:prstGeom>
+        </p:spPr>
+      </p:pic>
+      <p:pic>
+        <p:nvPicPr>
+          <p:cNvPr id="22" name="Picture 21"/>
+          <p:cNvPicPr>
+            <a:picLocks noChangeAspect="1"/>
+          </p:cNvPicPr>
+          <p:nvPr/>
+        </p:nvPicPr>
+        <p:blipFill rotWithShape="1">
+          <a:blip r:embed="rId2">
+            <a:extLst>
+              <a:ext uri="{28A0092B-C50C-407E-A947-70E740481C1C}">
+                <a14:useLocalDpi xmlns:a14="http://schemas.microsoft.com/office/drawing/2010/main" val="0"/>
+              </a:ext>
+            </a:extLst>
+          </a:blip>
+          <a:srcRect l="24771" t="88185" b="1"/>
+          <a:stretch/>
+        </p:blipFill>
+        <p:spPr>
+          <a:xfrm>
+            <a:off x="914400" y="4983163"/>
+            <a:ext cx="3139440" cy="738664"/>
+          </a:xfrm>
+          <a:prstGeom prst="rect">
+            <a:avLst/>
+          </a:prstGeom>
+        </p:spPr>
+      </p:pic>
+    </p:spTree>
+    <p:extLst>
+      <p:ext uri="{BB962C8B-B14F-4D97-AF65-F5344CB8AC3E}">
+        <p14:creationId xmlns:p14="http://schemas.microsoft.com/office/powerpoint/2010/main" val="996956877"/>
+      </p:ext>
+    </p:extLst>
+  </p:cSld>
+  <p:clrMapOvr>
+    <a:masterClrMapping/>
+  </p:clrMapOvr>
+  <p:timing>
+    <p:tnLst>
+      <p:par>
+        <p:cTn id="1" dur="indefinite" restart="never" nodeType="tmRoot"/>
+      </p:par>
+    </p:tnLst>
+  </p:timing>
+</p:sld>
+</file>
+
+<file path=ppt/slides/slide4.xml><?xml version="1.0" encoding="utf-8"?>
+<p:sld xmlns:a="http://schemas.openxmlformats.org/drawingml/2006/main" xmlns:r="http://schemas.openxmlformats.org/officeDocument/2006/relationships" xmlns:p="http://schemas.openxmlformats.org/presentationml/2006/main">
+  <p:cSld>
+    <p:spTree>
+      <p:nvGrpSpPr>
+        <p:cNvPr id="1" name=""/>
+        <p:cNvGrpSpPr/>
+        <p:nvPr/>
+      </p:nvGrpSpPr>
+      <p:grpSpPr>
+        <a:xfrm>
+          <a:off x="0" y="0"/>
+          <a:ext cx="0" cy="0"/>
+          <a:chOff x="0" y="0"/>
+          <a:chExt cx="0" cy="0"/>
+        </a:xfrm>
+      </p:grpSpPr>
+      <p:sp>
+        <p:nvSpPr>
+          <p:cNvPr id="2" name="Title 1"/>
+          <p:cNvSpPr>
+            <a:spLocks noGrp="1"/>
+          </p:cNvSpPr>
+          <p:nvPr>
+            <p:ph type="title"/>
+          </p:nvPr>
+        </p:nvSpPr>
+        <p:spPr>
+          <a:xfrm>
+            <a:off x="628650" y="92373"/>
+            <a:ext cx="7886700" cy="1325563"/>
+          </a:xfrm>
+        </p:spPr>
+        <p:txBody>
+          <a:bodyPr/>
+          <a:lstStyle/>
+          <a:p>
+            <a:r>
+              <a:rPr lang="en-US" dirty="0" smtClean="0"/>
+              <a:t>Gro binding sites overlap many additional TFs</a:t>
+            </a:r>
+            <a:endParaRPr lang="en-US" dirty="0"/>
+          </a:p>
+        </p:txBody>
+      </p:sp>
+      <p:pic>
+        <p:nvPicPr>
+          <p:cNvPr id="5" name="Picture 4"/>
+          <p:cNvPicPr>
+            <a:picLocks noChangeAspect="1"/>
+          </p:cNvPicPr>
+          <p:nvPr/>
+        </p:nvPicPr>
+        <p:blipFill rotWithShape="1">
+          <a:blip r:embed="rId2">
+            <a:extLst>
+              <a:ext uri="{28A0092B-C50C-407E-A947-70E740481C1C}">
+                <a14:useLocalDpi xmlns:a14="http://schemas.microsoft.com/office/drawing/2010/main" val="0"/>
+              </a:ext>
+            </a:extLst>
+          </a:blip>
+          <a:srcRect l="25942" t="26087" b="1449"/>
+          <a:stretch/>
+        </p:blipFill>
+        <p:spPr>
+          <a:xfrm>
+            <a:off x="2303396" y="1359975"/>
+            <a:ext cx="5078895" cy="4969565"/>
+          </a:xfrm>
+          <a:prstGeom prst="rect">
+            <a:avLst/>
+          </a:prstGeom>
+        </p:spPr>
+      </p:pic>
+      <p:sp>
+        <p:nvSpPr>
+          <p:cNvPr id="6" name="TextBox 5"/>
+          <p:cNvSpPr txBox="1"/>
+          <p:nvPr/>
+        </p:nvSpPr>
+        <p:spPr>
+          <a:xfrm>
+            <a:off x="2910925" y="5971900"/>
+            <a:ext cx="2857321" cy="307777"/>
+          </a:xfrm>
+          <a:prstGeom prst="rect">
+            <a:avLst/>
+          </a:prstGeom>
+          <a:noFill/>
+        </p:spPr>
+        <p:txBody>
+          <a:bodyPr wrap="none" rtlCol="0">
+            <a:spAutoFit/>
+          </a:bodyPr>
+          <a:lstStyle/>
+          <a:p>
+            <a:r>
+              <a:rPr lang="en-US" sz="1400" dirty="0" err="1" smtClean="0"/>
+              <a:t>Gro</a:t>
+            </a:r>
+            <a:r>
+              <a:rPr lang="en-US" sz="1400" dirty="0" smtClean="0"/>
+              <a:t> binding sites, 1.5 – 4 </a:t>
+            </a:r>
+            <a:r>
+              <a:rPr lang="en-US" sz="1400" dirty="0" err="1" smtClean="0"/>
+              <a:t>hr</a:t>
+            </a:r>
+            <a:r>
+              <a:rPr lang="en-US" sz="1400" dirty="0" smtClean="0"/>
+              <a:t> embryos</a:t>
+            </a:r>
+            <a:endParaRPr lang="en-US" sz="1400" dirty="0"/>
+          </a:p>
+        </p:txBody>
+      </p:sp>
+      <p:sp>
+        <p:nvSpPr>
+          <p:cNvPr id="7" name="Rectangle 6"/>
+          <p:cNvSpPr/>
+          <p:nvPr/>
+        </p:nvSpPr>
+        <p:spPr>
+          <a:xfrm>
+            <a:off x="2304637" y="6466262"/>
+            <a:ext cx="208722" cy="218661"/>
+          </a:xfrm>
+          <a:prstGeom prst="rect">
+            <a:avLst/>
+          </a:prstGeom>
+          <a:solidFill>
+            <a:srgbClr val="0432FF"/>
+          </a:solidFill>
+        </p:spPr>
+        <p:style>
+          <a:lnRef idx="2">
+            <a:schemeClr val="accent1">
+              <a:shade val="50000"/>
+            </a:schemeClr>
+          </a:lnRef>
+          <a:fillRef idx="1">
+            <a:schemeClr val="accent1"/>
+          </a:fillRef>
+          <a:effectRef idx="0">
+            <a:schemeClr val="accent1"/>
+          </a:effectRef>
+          <a:fontRef idx="minor">
+            <a:schemeClr val="lt1"/>
+          </a:fontRef>
+        </p:style>
+        <p:txBody>
+          <a:bodyPr rtlCol="0" anchor="ctr"/>
+          <a:lstStyle/>
+          <a:p>
+            <a:pPr algn="ctr"/>
+            <a:endParaRPr lang="en-US"/>
+          </a:p>
+        </p:txBody>
+      </p:sp>
+      <p:sp>
+        <p:nvSpPr>
+          <p:cNvPr id="8" name="TextBox 7"/>
+          <p:cNvSpPr txBox="1"/>
+          <p:nvPr/>
+        </p:nvSpPr>
+        <p:spPr>
+          <a:xfrm>
+            <a:off x="2513359" y="6379404"/>
+            <a:ext cx="1818062" cy="369332"/>
+          </a:xfrm>
+          <a:prstGeom prst="rect">
+            <a:avLst/>
+          </a:prstGeom>
+          <a:noFill/>
+        </p:spPr>
+        <p:txBody>
+          <a:bodyPr wrap="none" rtlCol="0">
+            <a:spAutoFit/>
+          </a:bodyPr>
+          <a:lstStyle/>
+          <a:p>
+            <a:r>
+              <a:rPr lang="en-US" dirty="0" smtClean="0"/>
+              <a:t>Factor occupancy</a:t>
+            </a:r>
+            <a:endParaRPr lang="en-US" dirty="0"/>
+          </a:p>
+        </p:txBody>
+      </p:sp>
+    </p:spTree>
+    <p:extLst>
+      <p:ext uri="{BB962C8B-B14F-4D97-AF65-F5344CB8AC3E}">
+        <p14:creationId xmlns:p14="http://schemas.microsoft.com/office/powerpoint/2010/main" val="1186817845"/>
+      </p:ext>
+    </p:extLst>
+  </p:cSld>
+  <p:clrMapOvr>
+    <a:masterClrMapping/>
+  </p:clrMapOvr>
+  <p:timing>
+    <p:tnLst>
+      <p:par>
+        <p:cTn id="1" dur="indefinite" restart="never" nodeType="tmRoot"/>
+      </p:par>
+    </p:tnLst>
+  </p:timing>
+</p:sld>
+</file>
+
+<file path=ppt/slides/slide5.xml><?xml version="1.0" encoding="utf-8"?>
+<p:sld xmlns:a="http://schemas.openxmlformats.org/drawingml/2006/main" xmlns:r="http://schemas.openxmlformats.org/officeDocument/2006/relationships" xmlns:p="http://schemas.openxmlformats.org/presentationml/2006/main">
+  <p:cSld>
+    <p:spTree>
+      <p:nvGrpSpPr>
+        <p:cNvPr id="1" name=""/>
+        <p:cNvGrpSpPr/>
+        <p:nvPr/>
+      </p:nvGrpSpPr>
+      <p:grpSpPr>
+        <a:xfrm>
+          <a:off x="0" y="0"/>
+          <a:ext cx="0" cy="0"/>
+          <a:chOff x="0" y="0"/>
+          <a:chExt cx="0" cy="0"/>
+        </a:xfrm>
+      </p:grpSpPr>
+      <p:sp>
+        <p:nvSpPr>
+          <p:cNvPr id="2" name="Title 1"/>
+          <p:cNvSpPr>
+            <a:spLocks noGrp="1"/>
+          </p:cNvSpPr>
+          <p:nvPr>
+            <p:ph type="title"/>
+          </p:nvPr>
+        </p:nvSpPr>
+        <p:spPr/>
+        <p:txBody>
+          <a:bodyPr/>
+          <a:lstStyle/>
+          <a:p>
+            <a:r>
+              <a:rPr lang="en-US" dirty="0" smtClean="0"/>
+              <a:t>Gro is frequently recruited to areas of high TF density</a:t>
+            </a:r>
+            <a:endParaRPr lang="en-US" dirty="0"/>
+          </a:p>
+        </p:txBody>
+      </p:sp>
+      <p:pic>
+        <p:nvPicPr>
+          <p:cNvPr id="4" name="Picture 3"/>
+          <p:cNvPicPr>
+            <a:picLocks noChangeAspect="1"/>
+          </p:cNvPicPr>
+          <p:nvPr/>
+        </p:nvPicPr>
+        <p:blipFill rotWithShape="1">
+          <a:blip r:embed="rId3">
+            <a:extLst>
+              <a:ext uri="{28A0092B-C50C-407E-A947-70E740481C1C}">
+                <a14:useLocalDpi xmlns:a14="http://schemas.microsoft.com/office/drawing/2010/main" val="0"/>
+              </a:ext>
+            </a:extLst>
+          </a:blip>
+          <a:srcRect r="14035"/>
+          <a:stretch/>
+        </p:blipFill>
+        <p:spPr>
+          <a:xfrm>
+            <a:off x="159487" y="2392325"/>
+            <a:ext cx="4866761" cy="3274828"/>
+          </a:xfrm>
+          <a:prstGeom prst="rect">
+            <a:avLst/>
+          </a:prstGeom>
+        </p:spPr>
+      </p:pic>
+      <p:pic>
+        <p:nvPicPr>
+          <p:cNvPr id="37" name="Picture 36"/>
+          <p:cNvPicPr>
+            <a:picLocks noChangeAspect="1"/>
+          </p:cNvPicPr>
+          <p:nvPr/>
+        </p:nvPicPr>
+        <p:blipFill>
+          <a:blip r:embed="rId4">
+            <a:extLst>
+              <a:ext uri="{28A0092B-C50C-407E-A947-70E740481C1C}">
+                <a14:useLocalDpi xmlns:a14="http://schemas.microsoft.com/office/drawing/2010/main" val="0"/>
+              </a:ext>
+            </a:extLst>
+          </a:blip>
+          <a:stretch>
+            <a:fillRect/>
+          </a:stretch>
+        </p:blipFill>
+        <p:spPr>
+          <a:xfrm>
+            <a:off x="5192051" y="1446027"/>
+            <a:ext cx="3323299" cy="4221126"/>
+          </a:xfrm>
+          <a:prstGeom prst="rect">
+            <a:avLst/>
+          </a:prstGeom>
+        </p:spPr>
+      </p:pic>
+    </p:spTree>
+    <p:extLst>
+      <p:ext uri="{BB962C8B-B14F-4D97-AF65-F5344CB8AC3E}">
+        <p14:creationId xmlns:p14="http://schemas.microsoft.com/office/powerpoint/2010/main" val="558644487"/>
+      </p:ext>
+    </p:extLst>
+  </p:cSld>
+  <p:clrMapOvr>
+    <a:masterClrMapping/>
+  </p:clrMapOvr>
+  <p:timing>
+    <p:tnLst>
+      <p:par>
+        <p:cTn id="1" dur="indefinite" restart="never" nodeType="tmRoot"/>
+      </p:par>
+    </p:tnLst>
+  </p:timing>
+</p:sld>
+</file>
+
+<file path=ppt/slides/slide6.xml><?xml version="1.0" encoding="utf-8"?>
+<p:sld xmlns:a="http://schemas.openxmlformats.org/drawingml/2006/main" xmlns:r="http://schemas.openxmlformats.org/officeDocument/2006/relationships" xmlns:p="http://schemas.openxmlformats.org/presentationml/2006/main">
+  <p:cSld>
+    <p:spTree>
+      <p:nvGrpSpPr>
+        <p:cNvPr id="1" name=""/>
+        <p:cNvGrpSpPr/>
+        <p:nvPr/>
+      </p:nvGrpSpPr>
+      <p:grpSpPr>
+        <a:xfrm>
+          <a:off x="0" y="0"/>
+          <a:ext cx="0" cy="0"/>
+          <a:chOff x="0" y="0"/>
+          <a:chExt cx="0" cy="0"/>
+        </a:xfrm>
+      </p:grpSpPr>
+      <p:pic>
+        <p:nvPicPr>
+          <p:cNvPr id="5" name="Picture 4"/>
+          <p:cNvPicPr>
+            <a:picLocks noChangeAspect="1"/>
+          </p:cNvPicPr>
+          <p:nvPr/>
+        </p:nvPicPr>
+        <p:blipFill>
+          <a:blip r:embed="rId2">
+            <a:extLst>
+              <a:ext uri="{28A0092B-C50C-407E-A947-70E740481C1C}">
+                <a14:useLocalDpi xmlns:a14="http://schemas.microsoft.com/office/drawing/2010/main" val="0"/>
+              </a:ext>
+            </a:extLst>
+          </a:blip>
+          <a:stretch>
+            <a:fillRect/>
+          </a:stretch>
+        </p:blipFill>
+        <p:spPr>
+          <a:xfrm flipH="1">
+            <a:off x="2167669" y="1980358"/>
+            <a:ext cx="4703736" cy="4703736"/>
+          </a:xfrm>
+          <a:prstGeom prst="rect">
+            <a:avLst/>
+          </a:prstGeom>
+        </p:spPr>
+      </p:pic>
+      <p:sp>
+        <p:nvSpPr>
+          <p:cNvPr id="2" name="Title 1"/>
+          <p:cNvSpPr>
+            <a:spLocks noGrp="1"/>
+          </p:cNvSpPr>
+          <p:nvPr>
+            <p:ph type="title"/>
+          </p:nvPr>
+        </p:nvSpPr>
+        <p:spPr/>
+        <p:txBody>
+          <a:bodyPr/>
+          <a:lstStyle/>
+          <a:p>
+            <a:endParaRPr lang="en-US" dirty="0"/>
+          </a:p>
+        </p:txBody>
+      </p:sp>
+      <p:sp>
+        <p:nvSpPr>
+          <p:cNvPr id="7" name="TextBox 6"/>
+          <p:cNvSpPr txBox="1"/>
+          <p:nvPr/>
+        </p:nvSpPr>
+        <p:spPr>
+          <a:xfrm>
+            <a:off x="1632905" y="2983255"/>
+            <a:ext cx="1069524" cy="369332"/>
+          </a:xfrm>
+          <a:prstGeom prst="rect">
+            <a:avLst/>
+          </a:prstGeom>
+          <a:solidFill>
+            <a:schemeClr val="bg1"/>
+          </a:solidFill>
+        </p:spPr>
+        <p:txBody>
+          <a:bodyPr wrap="none" rtlCol="0">
+            <a:spAutoFit/>
+          </a:bodyPr>
+          <a:lstStyle/>
+          <a:p>
+            <a:r>
+              <a:rPr lang="en-US" dirty="0" smtClean="0"/>
+              <a:t>1.5 – 4 </a:t>
+            </a:r>
+            <a:r>
+              <a:rPr lang="en-US" dirty="0" err="1" smtClean="0"/>
+              <a:t>hr</a:t>
+            </a:r>
+            <a:endParaRPr lang="en-US" dirty="0"/>
+          </a:p>
+        </p:txBody>
+      </p:sp>
+      <p:sp>
+        <p:nvSpPr>
+          <p:cNvPr id="8" name="TextBox 7"/>
+          <p:cNvSpPr txBox="1"/>
+          <p:nvPr/>
+        </p:nvSpPr>
+        <p:spPr>
+          <a:xfrm>
+            <a:off x="3984774" y="2331698"/>
+            <a:ext cx="1069524" cy="369332"/>
+          </a:xfrm>
+          <a:prstGeom prst="rect">
+            <a:avLst/>
+          </a:prstGeom>
+          <a:solidFill>
+            <a:schemeClr val="bg1"/>
+          </a:solidFill>
+        </p:spPr>
+        <p:txBody>
+          <a:bodyPr wrap="none" rtlCol="0">
+            <a:spAutoFit/>
+          </a:bodyPr>
+          <a:lstStyle/>
+          <a:p>
+            <a:r>
+              <a:rPr lang="en-US" dirty="0" smtClean="0"/>
+              <a:t>4 – 6.5 </a:t>
+            </a:r>
+            <a:r>
+              <a:rPr lang="en-US" dirty="0" err="1" smtClean="0"/>
+              <a:t>hr</a:t>
+            </a:r>
+            <a:endParaRPr lang="en-US" dirty="0"/>
+          </a:p>
+        </p:txBody>
+      </p:sp>
+      <p:sp>
+        <p:nvSpPr>
+          <p:cNvPr id="9" name="TextBox 8"/>
+          <p:cNvSpPr txBox="1"/>
+          <p:nvPr/>
+        </p:nvSpPr>
+        <p:spPr>
+          <a:xfrm>
+            <a:off x="6286024" y="2990699"/>
+            <a:ext cx="1069524" cy="369332"/>
+          </a:xfrm>
+          <a:prstGeom prst="rect">
+            <a:avLst/>
+          </a:prstGeom>
+          <a:solidFill>
+            <a:schemeClr val="bg1"/>
+          </a:solidFill>
+        </p:spPr>
+        <p:txBody>
+          <a:bodyPr wrap="none" rtlCol="0">
+            <a:spAutoFit/>
+          </a:bodyPr>
+          <a:lstStyle/>
+          <a:p>
+            <a:r>
+              <a:rPr lang="en-US" dirty="0" smtClean="0"/>
+              <a:t>6.5 – 9 </a:t>
+            </a:r>
+            <a:r>
+              <a:rPr lang="en-US" dirty="0" err="1" smtClean="0"/>
+              <a:t>hr</a:t>
+            </a:r>
+            <a:endParaRPr lang="en-US" dirty="0"/>
+          </a:p>
+        </p:txBody>
+      </p:sp>
+      <p:sp>
+        <p:nvSpPr>
+          <p:cNvPr id="10" name="Rectangle 9"/>
+          <p:cNvSpPr/>
+          <p:nvPr/>
+        </p:nvSpPr>
+        <p:spPr>
+          <a:xfrm>
+            <a:off x="6094888" y="6133767"/>
+            <a:ext cx="633663" cy="192506"/>
+          </a:xfrm>
+          <a:prstGeom prst="rect">
+            <a:avLst/>
+          </a:prstGeom>
+          <a:solidFill>
+            <a:schemeClr val="bg1"/>
+          </a:solidFill>
+          <a:ln>
+            <a:noFill/>
+          </a:ln>
+        </p:spPr>
+        <p:style>
+          <a:lnRef idx="2">
+            <a:schemeClr val="accent1">
+              <a:shade val="50000"/>
+            </a:schemeClr>
+          </a:lnRef>
+          <a:fillRef idx="1">
+            <a:schemeClr val="accent1"/>
+          </a:fillRef>
+          <a:effectRef idx="0">
+            <a:schemeClr val="accent1"/>
+          </a:effectRef>
+          <a:fontRef idx="minor">
+            <a:schemeClr val="lt1"/>
+          </a:fontRef>
+        </p:style>
+        <p:txBody>
+          <a:bodyPr rtlCol="0" anchor="ctr"/>
+          <a:lstStyle/>
+          <a:p>
+            <a:pPr algn="ctr"/>
+            <a:endParaRPr lang="en-US"/>
+          </a:p>
+        </p:txBody>
+      </p:sp>
+      <p:sp>
+        <p:nvSpPr>
+          <p:cNvPr id="11" name="Rectangle 10"/>
+          <p:cNvSpPr/>
+          <p:nvPr/>
+        </p:nvSpPr>
+        <p:spPr>
+          <a:xfrm flipV="1">
+            <a:off x="4202705" y="5801776"/>
+            <a:ext cx="633663" cy="331991"/>
+          </a:xfrm>
+          <a:prstGeom prst="rect">
+            <a:avLst/>
+          </a:prstGeom>
+          <a:solidFill>
+            <a:schemeClr val="bg1"/>
+          </a:solidFill>
+          <a:ln>
+            <a:noFill/>
+          </a:ln>
+        </p:spPr>
+        <p:style>
+          <a:lnRef idx="2">
+            <a:schemeClr val="accent1">
+              <a:shade val="50000"/>
+            </a:schemeClr>
+          </a:lnRef>
+          <a:fillRef idx="1">
+            <a:schemeClr val="accent1"/>
+          </a:fillRef>
+          <a:effectRef idx="0">
+            <a:schemeClr val="accent1"/>
+          </a:effectRef>
+          <a:fontRef idx="minor">
+            <a:schemeClr val="lt1"/>
+          </a:fontRef>
+        </p:style>
+        <p:txBody>
+          <a:bodyPr rtlCol="0" anchor="ctr"/>
+          <a:lstStyle/>
+          <a:p>
+            <a:pPr algn="ctr"/>
+            <a:endParaRPr lang="en-US"/>
+          </a:p>
+        </p:txBody>
+      </p:sp>
+      <p:sp>
+        <p:nvSpPr>
+          <p:cNvPr id="17" name="Rectangle 16"/>
+          <p:cNvSpPr/>
+          <p:nvPr/>
+        </p:nvSpPr>
+        <p:spPr>
+          <a:xfrm rot="10800000" flipV="1">
+            <a:off x="5993795" y="4319359"/>
+            <a:ext cx="734756" cy="331991"/>
+          </a:xfrm>
+          <a:prstGeom prst="rect">
+            <a:avLst/>
+          </a:prstGeom>
+          <a:solidFill>
+            <a:srgbClr val="8988FF"/>
+          </a:solidFill>
+          <a:ln>
+            <a:noFill/>
+          </a:ln>
+        </p:spPr>
+        <p:style>
+          <a:lnRef idx="2">
+            <a:schemeClr val="accent1">
+              <a:shade val="50000"/>
+            </a:schemeClr>
+          </a:lnRef>
+          <a:fillRef idx="1">
+            <a:schemeClr val="accent1"/>
+          </a:fillRef>
+          <a:effectRef idx="0">
+            <a:schemeClr val="accent1"/>
+          </a:effectRef>
+          <a:fontRef idx="minor">
+            <a:schemeClr val="lt1"/>
+          </a:fontRef>
+        </p:style>
+        <p:txBody>
+          <a:bodyPr rtlCol="0" anchor="ctr"/>
+          <a:lstStyle/>
+          <a:p>
+            <a:pPr algn="ctr"/>
+            <a:r>
+              <a:rPr lang="en-US" sz="1600" smtClean="0"/>
+              <a:t>2311</a:t>
+            </a:r>
+            <a:endParaRPr lang="en-US" sz="1600" dirty="0"/>
+          </a:p>
+        </p:txBody>
+      </p:sp>
+      <p:sp>
+        <p:nvSpPr>
+          <p:cNvPr id="18" name="Rectangle 17"/>
+          <p:cNvSpPr/>
+          <p:nvPr/>
+        </p:nvSpPr>
+        <p:spPr>
+          <a:xfrm rot="10800000" flipV="1">
+            <a:off x="5103565" y="3981825"/>
+            <a:ext cx="734756" cy="331991"/>
+          </a:xfrm>
+          <a:prstGeom prst="rect">
+            <a:avLst/>
+          </a:prstGeom>
+          <a:solidFill>
+            <a:srgbClr val="47AC9E"/>
+          </a:solidFill>
+          <a:ln>
+            <a:noFill/>
+          </a:ln>
+        </p:spPr>
+        <p:style>
+          <a:lnRef idx="2">
+            <a:schemeClr val="accent1">
+              <a:shade val="50000"/>
+            </a:schemeClr>
+          </a:lnRef>
+          <a:fillRef idx="1">
+            <a:schemeClr val="accent1"/>
+          </a:fillRef>
+          <a:effectRef idx="0">
+            <a:schemeClr val="accent1"/>
+          </a:effectRef>
+          <a:fontRef idx="minor">
+            <a:schemeClr val="lt1"/>
+          </a:fontRef>
+        </p:style>
+        <p:txBody>
+          <a:bodyPr rtlCol="0" anchor="ctr"/>
+          <a:lstStyle/>
+          <a:p>
+            <a:pPr algn="ctr"/>
+            <a:r>
+              <a:rPr lang="en-US" sz="1600" smtClean="0"/>
+              <a:t>1409</a:t>
+            </a:r>
+            <a:endParaRPr lang="en-US" sz="1600" dirty="0"/>
+          </a:p>
+        </p:txBody>
+      </p:sp>
+      <p:sp>
+        <p:nvSpPr>
+          <p:cNvPr id="19" name="Rectangle 18"/>
+          <p:cNvSpPr/>
+          <p:nvPr/>
+        </p:nvSpPr>
+        <p:spPr>
+          <a:xfrm rot="10800000" flipV="1">
+            <a:off x="4172464" y="4313815"/>
+            <a:ext cx="734756" cy="331991"/>
+          </a:xfrm>
+          <a:prstGeom prst="rect">
+            <a:avLst/>
+          </a:prstGeom>
+          <a:solidFill>
+            <a:srgbClr val="638961"/>
+          </a:solidFill>
+          <a:ln>
+            <a:noFill/>
+          </a:ln>
+        </p:spPr>
+        <p:style>
+          <a:lnRef idx="2">
+            <a:schemeClr val="accent1">
+              <a:shade val="50000"/>
+            </a:schemeClr>
+          </a:lnRef>
+          <a:fillRef idx="1">
+            <a:schemeClr val="accent1"/>
+          </a:fillRef>
+          <a:effectRef idx="0">
+            <a:schemeClr val="accent1"/>
+          </a:effectRef>
+          <a:fontRef idx="minor">
+            <a:schemeClr val="lt1"/>
+          </a:fontRef>
+        </p:style>
+        <p:txBody>
+          <a:bodyPr rtlCol="0" anchor="ctr"/>
+          <a:lstStyle/>
+          <a:p>
+            <a:pPr algn="ctr"/>
+            <a:r>
+              <a:rPr lang="en-US" sz="1600" dirty="0" smtClean="0"/>
+              <a:t>717</a:t>
+            </a:r>
+            <a:endParaRPr lang="en-US" sz="1600" dirty="0"/>
+          </a:p>
+        </p:txBody>
+      </p:sp>
+      <p:sp>
+        <p:nvSpPr>
+          <p:cNvPr id="20" name="Rectangle 19"/>
+          <p:cNvSpPr/>
+          <p:nvPr/>
+        </p:nvSpPr>
+        <p:spPr>
+          <a:xfrm rot="10800000" flipV="1">
+            <a:off x="4429778" y="2631318"/>
+            <a:ext cx="734756" cy="331991"/>
+          </a:xfrm>
+          <a:prstGeom prst="rect">
+            <a:avLst/>
+          </a:prstGeom>
+          <a:noFill/>
+          <a:ln>
+            <a:noFill/>
+          </a:ln>
+        </p:spPr>
+        <p:style>
+          <a:lnRef idx="2">
+            <a:schemeClr val="accent1">
+              <a:shade val="50000"/>
+            </a:schemeClr>
+          </a:lnRef>
+          <a:fillRef idx="1">
+            <a:schemeClr val="accent1"/>
+          </a:fillRef>
+          <a:effectRef idx="0">
+            <a:schemeClr val="accent1"/>
+          </a:effectRef>
+          <a:fontRef idx="minor">
+            <a:schemeClr val="lt1"/>
+          </a:fontRef>
+        </p:style>
+        <p:txBody>
+          <a:bodyPr rtlCol="0" anchor="ctr"/>
+          <a:lstStyle/>
+          <a:p>
+            <a:pPr algn="ctr"/>
+            <a:endParaRPr lang="en-US" sz="1600" dirty="0"/>
+          </a:p>
+        </p:txBody>
+      </p:sp>
+      <p:sp>
+        <p:nvSpPr>
+          <p:cNvPr id="21" name="Rectangle 20"/>
+          <p:cNvSpPr/>
+          <p:nvPr/>
+        </p:nvSpPr>
+        <p:spPr>
+          <a:xfrm rot="10800000" flipV="1">
+            <a:off x="3151999" y="3981825"/>
+            <a:ext cx="734756" cy="331991"/>
+          </a:xfrm>
+          <a:prstGeom prst="rect">
+            <a:avLst/>
+          </a:prstGeom>
+          <a:solidFill>
+            <a:srgbClr val="81A75E"/>
+          </a:solidFill>
+          <a:ln>
+            <a:noFill/>
+          </a:ln>
+        </p:spPr>
+        <p:style>
+          <a:lnRef idx="2">
+            <a:schemeClr val="accent1">
+              <a:shade val="50000"/>
+            </a:schemeClr>
+          </a:lnRef>
+          <a:fillRef idx="1">
+            <a:schemeClr val="accent1"/>
+          </a:fillRef>
+          <a:effectRef idx="0">
+            <a:schemeClr val="accent1"/>
+          </a:effectRef>
+          <a:fontRef idx="minor">
+            <a:schemeClr val="lt1"/>
+          </a:fontRef>
+        </p:style>
+        <p:txBody>
+          <a:bodyPr rtlCol="0" anchor="ctr"/>
+          <a:lstStyle/>
+          <a:p>
+            <a:pPr algn="ctr"/>
+            <a:r>
+              <a:rPr lang="en-US" sz="1600" smtClean="0"/>
+              <a:t>64</a:t>
+            </a:r>
+            <a:endParaRPr lang="en-US" sz="1600" dirty="0"/>
+          </a:p>
+        </p:txBody>
+      </p:sp>
+      <p:sp>
+        <p:nvSpPr>
+          <p:cNvPr id="22" name="Rectangle 21"/>
+          <p:cNvSpPr/>
+          <p:nvPr/>
+        </p:nvSpPr>
+        <p:spPr>
+          <a:xfrm rot="10800000" flipV="1">
+            <a:off x="2305019" y="4313816"/>
+            <a:ext cx="734756" cy="331991"/>
+          </a:xfrm>
+          <a:prstGeom prst="rect">
+            <a:avLst/>
+          </a:prstGeom>
+          <a:solidFill>
+            <a:srgbClr val="FF818C"/>
+          </a:solidFill>
+          <a:ln>
+            <a:noFill/>
+          </a:ln>
+        </p:spPr>
+        <p:style>
+          <a:lnRef idx="2">
+            <a:schemeClr val="accent1">
+              <a:shade val="50000"/>
+            </a:schemeClr>
+          </a:lnRef>
+          <a:fillRef idx="1">
+            <a:schemeClr val="accent1"/>
+          </a:fillRef>
+          <a:effectRef idx="0">
+            <a:schemeClr val="accent1"/>
+          </a:effectRef>
+          <a:fontRef idx="minor">
+            <a:schemeClr val="lt1"/>
+          </a:fontRef>
+        </p:style>
+        <p:txBody>
+          <a:bodyPr rtlCol="0" anchor="ctr"/>
+          <a:lstStyle/>
+          <a:p>
+            <a:pPr algn="ctr"/>
+            <a:r>
+              <a:rPr lang="en-US" sz="1600" smtClean="0"/>
+              <a:t>782</a:t>
+            </a:r>
+            <a:endParaRPr lang="en-US" sz="1600" dirty="0"/>
+          </a:p>
+        </p:txBody>
+      </p:sp>
+      <p:sp>
+        <p:nvSpPr>
+          <p:cNvPr id="23" name="Rectangle 22"/>
+          <p:cNvSpPr/>
+          <p:nvPr/>
+        </p:nvSpPr>
+        <p:spPr>
+          <a:xfrm flipV="1">
+            <a:off x="2357992" y="5994282"/>
+            <a:ext cx="633663" cy="331991"/>
+          </a:xfrm>
+          <a:prstGeom prst="rect">
+            <a:avLst/>
+          </a:prstGeom>
+          <a:solidFill>
+            <a:schemeClr val="bg1"/>
+          </a:solidFill>
+          <a:ln>
+            <a:noFill/>
+          </a:ln>
+        </p:spPr>
+        <p:style>
+          <a:lnRef idx="2">
+            <a:schemeClr val="accent1">
+              <a:shade val="50000"/>
+            </a:schemeClr>
+          </a:lnRef>
+          <a:fillRef idx="1">
+            <a:schemeClr val="accent1"/>
+          </a:fillRef>
+          <a:effectRef idx="0">
+            <a:schemeClr val="accent1"/>
+          </a:effectRef>
+          <a:fontRef idx="minor">
+            <a:schemeClr val="lt1"/>
+          </a:fontRef>
+        </p:style>
+        <p:txBody>
+          <a:bodyPr rtlCol="0" anchor="ctr"/>
+          <a:lstStyle/>
+          <a:p>
+            <a:pPr algn="ctr"/>
+            <a:endParaRPr lang="en-US"/>
+          </a:p>
+        </p:txBody>
+      </p:sp>
+      <p:sp>
+        <p:nvSpPr>
+          <p:cNvPr id="24" name="Rectangle 23"/>
+          <p:cNvSpPr/>
+          <p:nvPr/>
+        </p:nvSpPr>
+        <p:spPr>
+          <a:xfrm rot="10800000" flipV="1">
+            <a:off x="4292776" y="2828335"/>
+            <a:ext cx="494130" cy="295717"/>
+          </a:xfrm>
+          <a:prstGeom prst="rect">
+            <a:avLst/>
+          </a:prstGeom>
+          <a:solidFill>
+            <a:srgbClr val="82E698"/>
+          </a:solidFill>
+          <a:ln>
+            <a:noFill/>
+          </a:ln>
+        </p:spPr>
+        <p:style>
+          <a:lnRef idx="2">
+            <a:schemeClr val="accent1">
+              <a:shade val="50000"/>
+            </a:schemeClr>
+          </a:lnRef>
+          <a:fillRef idx="1">
+            <a:schemeClr val="accent1"/>
+          </a:fillRef>
+          <a:effectRef idx="0">
+            <a:schemeClr val="accent1"/>
+          </a:effectRef>
+          <a:fontRef idx="minor">
+            <a:schemeClr val="lt1"/>
+          </a:fontRef>
+        </p:style>
+        <p:txBody>
+          <a:bodyPr rtlCol="0" anchor="ctr"/>
+          <a:lstStyle/>
+          <a:p>
+            <a:pPr algn="ctr"/>
+            <a:endParaRPr lang="en-US" sz="1600" dirty="0"/>
+          </a:p>
+        </p:txBody>
+      </p:sp>
+      <p:sp>
+        <p:nvSpPr>
+          <p:cNvPr id="6" name="Rectangle 5"/>
+          <p:cNvSpPr/>
+          <p:nvPr/>
+        </p:nvSpPr>
+        <p:spPr>
+          <a:xfrm>
+            <a:off x="7609517" y="2471874"/>
+            <a:ext cx="656140" cy="356461"/>
+          </a:xfrm>
+          <a:prstGeom prst="rect">
+            <a:avLst/>
+          </a:prstGeom>
+          <a:solidFill>
+            <a:schemeClr val="bg1"/>
+          </a:solidFill>
+          <a:ln>
+            <a:solidFill>
+              <a:schemeClr val="bg1"/>
+            </a:solidFill>
+          </a:ln>
+        </p:spPr>
+        <p:style>
+          <a:lnRef idx="2">
+            <a:schemeClr val="accent1">
+              <a:shade val="50000"/>
+            </a:schemeClr>
+          </a:lnRef>
+          <a:fillRef idx="1">
+            <a:schemeClr val="accent1"/>
+          </a:fillRef>
+          <a:effectRef idx="0">
+            <a:schemeClr val="accent1"/>
+          </a:effectRef>
+          <a:fontRef idx="minor">
+            <a:schemeClr val="lt1"/>
+          </a:fontRef>
+        </p:style>
+        <p:txBody>
+          <a:bodyPr rtlCol="0" anchor="ctr"/>
+          <a:lstStyle/>
+          <a:p>
+            <a:pPr algn="ctr"/>
+            <a:endParaRPr lang="en-US"/>
+          </a:p>
+        </p:txBody>
+      </p:sp>
+      <p:sp>
+        <p:nvSpPr>
+          <p:cNvPr id="25" name="Rectangle 24"/>
+          <p:cNvSpPr/>
+          <p:nvPr/>
+        </p:nvSpPr>
+        <p:spPr>
+          <a:xfrm rot="10800000" flipV="1">
+            <a:off x="4152158" y="2828335"/>
+            <a:ext cx="734756" cy="331991"/>
+          </a:xfrm>
+          <a:prstGeom prst="rect">
+            <a:avLst/>
+          </a:prstGeom>
+          <a:noFill/>
+          <a:ln>
+            <a:noFill/>
+          </a:ln>
+        </p:spPr>
+        <p:style>
+          <a:lnRef idx="2">
+            <a:schemeClr val="accent1">
+              <a:shade val="50000"/>
+            </a:schemeClr>
+          </a:lnRef>
+          <a:fillRef idx="1">
+            <a:schemeClr val="accent1"/>
+          </a:fillRef>
+          <a:effectRef idx="0">
+            <a:schemeClr val="accent1"/>
+          </a:effectRef>
+          <a:fontRef idx="minor">
+            <a:schemeClr val="lt1"/>
+          </a:fontRef>
+        </p:style>
+        <p:txBody>
+          <a:bodyPr rtlCol="0" anchor="ctr"/>
+          <a:lstStyle/>
+          <a:p>
+            <a:pPr algn="ctr"/>
+            <a:r>
+              <a:rPr lang="en-US" sz="1600" smtClean="0"/>
+              <a:t>3056</a:t>
+            </a:r>
+            <a:endParaRPr lang="en-US" sz="1600" dirty="0"/>
+          </a:p>
+        </p:txBody>
+      </p:sp>
+    </p:spTree>
+    <p:extLst>
+      <p:ext uri="{BB962C8B-B14F-4D97-AF65-F5344CB8AC3E}">
+        <p14:creationId xmlns:p14="http://schemas.microsoft.com/office/powerpoint/2010/main" val="1003263866"/>
+      </p:ext>
+    </p:extLst>
+  </p:cSld>
+  <p:clrMapOvr>
+    <a:masterClrMapping/>
+  </p:clrMapOvr>
+</p:sld>
+</file>
+
+<file path=ppt/slides/slide7.xml><?xml version="1.0" encoding="utf-8"?>
+<p:sld xmlns:a="http://schemas.openxmlformats.org/drawingml/2006/main" xmlns:r="http://schemas.openxmlformats.org/officeDocument/2006/relationships" xmlns:p="http://schemas.openxmlformats.org/presentationml/2006/main">
+  <p:cSld>
+    <p:spTree>
+      <p:nvGrpSpPr>
+        <p:cNvPr id="1" name=""/>
+        <p:cNvGrpSpPr/>
+        <p:nvPr/>
+      </p:nvGrpSpPr>
+      <p:grpSpPr>
+        <a:xfrm>
+          <a:off x="0" y="0"/>
+          <a:ext cx="0" cy="0"/>
+          <a:chOff x="0" y="0"/>
+          <a:chExt cx="0" cy="0"/>
+        </a:xfrm>
+      </p:grpSpPr>
+      <p:sp>
+        <p:nvSpPr>
+          <p:cNvPr id="2" name="Title 1"/>
+          <p:cNvSpPr>
+            <a:spLocks noGrp="1"/>
+          </p:cNvSpPr>
+          <p:nvPr>
+            <p:ph type="title"/>
+          </p:nvPr>
+        </p:nvSpPr>
+        <p:spPr/>
+        <p:txBody>
+          <a:bodyPr/>
+          <a:lstStyle/>
+          <a:p>
+            <a:r>
+              <a:rPr lang="en-US" dirty="0" smtClean="0"/>
+              <a:t>Gro binding is not indicative of spreading</a:t>
+            </a:r>
+            <a:endParaRPr lang="en-US" dirty="0"/>
+          </a:p>
+        </p:txBody>
+      </p:sp>
+      <p:pic>
+        <p:nvPicPr>
+          <p:cNvPr id="3" name="Picture 2"/>
+          <p:cNvPicPr>
+            <a:picLocks noChangeAspect="1"/>
+          </p:cNvPicPr>
+          <p:nvPr/>
+        </p:nvPicPr>
+        <p:blipFill>
+          <a:blip r:embed="rId3">
+            <a:extLst>
+              <a:ext uri="{28A0092B-C50C-407E-A947-70E740481C1C}">
+                <a14:useLocalDpi xmlns:a14="http://schemas.microsoft.com/office/drawing/2010/main" val="0"/>
+              </a:ext>
+            </a:extLst>
+          </a:blip>
+          <a:stretch>
+            <a:fillRect/>
+          </a:stretch>
+        </p:blipFill>
+        <p:spPr>
+          <a:xfrm>
+            <a:off x="1206500" y="2169388"/>
+            <a:ext cx="3176751" cy="4447452"/>
+          </a:xfrm>
+          <a:prstGeom prst="rect">
+            <a:avLst/>
+          </a:prstGeom>
+        </p:spPr>
+      </p:pic>
+    </p:spTree>
+    <p:extLst>
+      <p:ext uri="{BB962C8B-B14F-4D97-AF65-F5344CB8AC3E}">
+        <p14:creationId xmlns:p14="http://schemas.microsoft.com/office/powerpoint/2010/main" val="1657950135"/>
+      </p:ext>
+    </p:extLst>
+  </p:cSld>
+  <p:clrMapOvr>
+    <a:masterClrMapping/>
+  </p:clrMapOvr>
+  <p:timing>
+    <p:tnLst>
+      <p:par>
+        <p:cTn id="1" dur="indefinite" restart="never" nodeType="tmRoot"/>
+      </p:par>
+    </p:tnLst>
+  </p:timing>
+</p:sld>
+</file>
+
 <file path=ppt/theme/theme1.xml><?xml version="1.0" encoding="utf-8"?>
 <a:theme xmlns:a="http://schemas.openxmlformats.org/drawingml/2006/main" name="Office Theme">
   <a:themeElements>
@@ -5380,4 +7285,265 @@
     </a:ext>
   </a:extLst>
 </a:theme>
+</file>
+
+<file path=ppt/theme/theme2.xml><?xml version="1.0" encoding="utf-8"?>
+<a:theme xmlns:a="http://schemas.openxmlformats.org/drawingml/2006/main" name="Office Theme">
+  <a:themeElements>
+    <a:clrScheme name="Office">
+      <a:dk1>
+        <a:sysClr val="windowText" lastClr="000000"/>
+      </a:dk1>
+      <a:lt1>
+        <a:sysClr val="window" lastClr="FFFFFF"/>
+      </a:lt1>
+      <a:dk2>
+        <a:srgbClr val="44546A"/>
+      </a:dk2>
+      <a:lt2>
+        <a:srgbClr val="E7E6E6"/>
+      </a:lt2>
+      <a:accent1>
+        <a:srgbClr val="5B9BD5"/>
+      </a:accent1>
+      <a:accent2>
+        <a:srgbClr val="ED7D31"/>
+      </a:accent2>
+      <a:accent3>
+        <a:srgbClr val="A5A5A5"/>
+      </a:accent3>
+      <a:accent4>
+        <a:srgbClr val="FFC000"/>
+      </a:accent4>
+      <a:accent5>
+        <a:srgbClr val="4472C4"/>
+      </a:accent5>
+      <a:accent6>
+        <a:srgbClr val="70AD47"/>
+      </a:accent6>
+      <a:hlink>
+        <a:srgbClr val="0563C1"/>
+      </a:hlink>
+      <a:folHlink>
+        <a:srgbClr val="954F72"/>
+      </a:folHlink>
+    </a:clrScheme>
+    <a:fontScheme name="Office">
+      <a:majorFont>
+        <a:latin typeface="Calibri Light" panose="020F0302020204030204"/>
+        <a:ea typeface=""/>
+        <a:cs typeface=""/>
+        <a:font script="Jpan" typeface="Yu Gothic Light"/>
+        <a:font script="Hang" typeface="맑은 고딕"/>
+        <a:font script="Hans" typeface="DengXian Light"/>
+        <a:font script="Hant" typeface="新細明體"/>
+        <a:font script="Arab" typeface="Times New Roman"/>
+        <a:font script="Hebr" typeface="Times New Roman"/>
+        <a:font script="Thai" typeface="Angsana New"/>
+        <a:font script="Ethi" typeface="Nyala"/>
+        <a:font script="Beng" typeface="Vrinda"/>
+        <a:font script="Gujr" typeface="Shruti"/>
+        <a:font script="Khmr" typeface="MoolBoran"/>
+        <a:font script="Knda" typeface="Tunga"/>
+        <a:font script="Guru" typeface="Raavi"/>
+        <a:font script="Cans" typeface="Euphemia"/>
+        <a:font script="Cher" typeface="Plantagenet Cherokee"/>
+        <a:font script="Yiii" typeface="Microsoft Yi Baiti"/>
+        <a:font script="Tibt" typeface="Microsoft Himalaya"/>
+        <a:font script="Thaa" typeface="MV Boli"/>
+        <a:font script="Deva" typeface="Mangal"/>
+        <a:font script="Telu" typeface="Gautami"/>
+        <a:font script="Taml" typeface="Latha"/>
+        <a:font script="Syrc" typeface="Estrangelo Edessa"/>
+        <a:font script="Orya" typeface="Kalinga"/>
+        <a:font script="Mlym" typeface="Kartika"/>
+        <a:font script="Laoo" typeface="DokChampa"/>
+        <a:font script="Sinh" typeface="Iskoola Pota"/>
+        <a:font script="Mong" typeface="Mongolian Baiti"/>
+        <a:font script="Viet" typeface="Times New Roman"/>
+        <a:font script="Uigh" typeface="Microsoft Uighur"/>
+        <a:font script="Geor" typeface="Sylfaen"/>
+      </a:majorFont>
+      <a:minorFont>
+        <a:latin typeface="Calibri" panose="020F0502020204030204"/>
+        <a:ea typeface=""/>
+        <a:cs typeface=""/>
+        <a:font script="Jpan" typeface="Yu Gothic"/>
+        <a:font script="Hang" typeface="맑은 고딕"/>
+        <a:font script="Hans" typeface="DengXian"/>
+        <a:font script="Hant" typeface="新細明體"/>
+        <a:font script="Arab" typeface="Arial"/>
+        <a:font script="Hebr" typeface="Arial"/>
+        <a:font script="Thai" typeface="Cordia New"/>
+        <a:font script="Ethi" typeface="Nyala"/>
+        <a:font script="Beng" typeface="Vrinda"/>
+        <a:font script="Gujr" typeface="Shruti"/>
+        <a:font script="Khmr" typeface="DaunPenh"/>
+        <a:font script="Knda" typeface="Tunga"/>
+        <a:font script="Guru" typeface="Raavi"/>
+        <a:font script="Cans" typeface="Euphemia"/>
+        <a:font script="Cher" typeface="Plantagenet Cherokee"/>
+        <a:font script="Yiii" typeface="Microsoft Yi Baiti"/>
+        <a:font script="Tibt" typeface="Microsoft Himalaya"/>
+        <a:font script="Thaa" typeface="MV Boli"/>
+        <a:font script="Deva" typeface="Mangal"/>
+        <a:font script="Telu" typeface="Gautami"/>
+        <a:font script="Taml" typeface="Latha"/>
+        <a:font script="Syrc" typeface="Estrangelo Edessa"/>
+        <a:font script="Orya" typeface="Kalinga"/>
+        <a:font script="Mlym" typeface="Kartika"/>
+        <a:font script="Laoo" typeface="DokChampa"/>
+        <a:font script="Sinh" typeface="Iskoola Pota"/>
+        <a:font script="Mong" typeface="Mongolian Baiti"/>
+        <a:font script="Viet" typeface="Arial"/>
+        <a:font script="Uigh" typeface="Microsoft Uighur"/>
+        <a:font script="Geor" typeface="Sylfaen"/>
+      </a:minorFont>
+    </a:fontScheme>
+    <a:fmtScheme name="Office">
+      <a:fillStyleLst>
+        <a:solidFill>
+          <a:schemeClr val="phClr"/>
+        </a:solidFill>
+        <a:gradFill rotWithShape="1">
+          <a:gsLst>
+            <a:gs pos="0">
+              <a:schemeClr val="phClr">
+                <a:lumMod val="110000"/>
+                <a:satMod val="105000"/>
+                <a:tint val="67000"/>
+              </a:schemeClr>
+            </a:gs>
+            <a:gs pos="50000">
+              <a:schemeClr val="phClr">
+                <a:lumMod val="105000"/>
+                <a:satMod val="103000"/>
+                <a:tint val="73000"/>
+              </a:schemeClr>
+            </a:gs>
+            <a:gs pos="100000">
+              <a:schemeClr val="phClr">
+                <a:lumMod val="105000"/>
+                <a:satMod val="109000"/>
+                <a:tint val="81000"/>
+              </a:schemeClr>
+            </a:gs>
+          </a:gsLst>
+          <a:lin ang="5400000" scaled="0"/>
+        </a:gradFill>
+        <a:gradFill rotWithShape="1">
+          <a:gsLst>
+            <a:gs pos="0">
+              <a:schemeClr val="phClr">
+                <a:satMod val="103000"/>
+                <a:lumMod val="102000"/>
+                <a:tint val="94000"/>
+              </a:schemeClr>
+            </a:gs>
+            <a:gs pos="50000">
+              <a:schemeClr val="phClr">
+                <a:satMod val="110000"/>
+                <a:lumMod val="100000"/>
+                <a:shade val="100000"/>
+              </a:schemeClr>
+            </a:gs>
+            <a:gs pos="100000">
+              <a:schemeClr val="phClr">
+                <a:lumMod val="99000"/>
+                <a:satMod val="120000"/>
+                <a:shade val="78000"/>
+              </a:schemeClr>
+            </a:gs>
+          </a:gsLst>
+          <a:lin ang="5400000" scaled="0"/>
+        </a:gradFill>
+      </a:fillStyleLst>
+      <a:lnStyleLst>
+        <a:ln w="6350" cap="flat" cmpd="sng" algn="ctr">
+          <a:solidFill>
+            <a:schemeClr val="phClr"/>
+          </a:solidFill>
+          <a:prstDash val="solid"/>
+          <a:miter lim="800000"/>
+        </a:ln>
+        <a:ln w="12700" cap="flat" cmpd="sng" algn="ctr">
+          <a:solidFill>
+            <a:schemeClr val="phClr"/>
+          </a:solidFill>
+          <a:prstDash val="solid"/>
+          <a:miter lim="800000"/>
+        </a:ln>
+        <a:ln w="19050" cap="flat" cmpd="sng" algn="ctr">
+          <a:solidFill>
+            <a:schemeClr val="phClr"/>
+          </a:solidFill>
+          <a:prstDash val="solid"/>
+          <a:miter lim="800000"/>
+        </a:ln>
+      </a:lnStyleLst>
+      <a:effectStyleLst>
+        <a:effectStyle>
+          <a:effectLst/>
+        </a:effectStyle>
+        <a:effectStyle>
+          <a:effectLst/>
+        </a:effectStyle>
+        <a:effectStyle>
+          <a:effectLst>
+            <a:outerShdw blurRad="57150" dist="19050" dir="5400000" algn="ctr" rotWithShape="0">
+              <a:srgbClr val="000000">
+                <a:alpha val="63000"/>
+              </a:srgbClr>
+            </a:outerShdw>
+          </a:effectLst>
+        </a:effectStyle>
+      </a:effectStyleLst>
+      <a:bgFillStyleLst>
+        <a:solidFill>
+          <a:schemeClr val="phClr"/>
+        </a:solidFill>
+        <a:solidFill>
+          <a:schemeClr val="phClr">
+            <a:tint val="95000"/>
+            <a:satMod val="170000"/>
+          </a:schemeClr>
+        </a:solidFill>
+        <a:gradFill rotWithShape="1">
+          <a:gsLst>
+            <a:gs pos="0">
+              <a:schemeClr val="phClr">
+                <a:tint val="93000"/>
+                <a:satMod val="150000"/>
+                <a:shade val="98000"/>
+                <a:lumMod val="102000"/>
+              </a:schemeClr>
+            </a:gs>
+            <a:gs pos="50000">
+              <a:schemeClr val="phClr">
+                <a:tint val="98000"/>
+                <a:satMod val="130000"/>
+                <a:shade val="90000"/>
+                <a:lumMod val="103000"/>
+              </a:schemeClr>
+            </a:gs>
+            <a:gs pos="100000">
+              <a:schemeClr val="phClr">
+                <a:shade val="63000"/>
+                <a:satMod val="120000"/>
+              </a:schemeClr>
+            </a:gs>
+          </a:gsLst>
+          <a:lin ang="5400000" scaled="0"/>
+        </a:gradFill>
+      </a:bgFillStyleLst>
+    </a:fmtScheme>
+  </a:themeElements>
+  <a:objectDefaults/>
+  <a:extraClrSchemeLst/>
+  <a:extLst>
+    <a:ext uri="{05A4C25C-085E-4340-85A3-A5531E510DB2}">
+      <thm15:themeFamily xmlns:thm15="http://schemas.microsoft.com/office/thememl/2012/main" name="Office Theme" id="{62F939B6-93AF-4DB8-9C6B-D6C7DFDC589F}" vid="{4A3C46E8-61CC-4603-A589-7422A47A8E4A}"/>
+    </a:ext>
+  </a:extLst>
+</a:theme>
 </file>
--- a/presentations/defense_unused.pptx
+++ b/presentations/defense_unused.pptx
@@ -5,7 +5,7 @@
     <p:sldMasterId id="2147483660" r:id="rId1"/>
   </p:sldMasterIdLst>
   <p:notesMasterIdLst>
-    <p:notesMasterId r:id="rId9"/>
+    <p:notesMasterId r:id="rId18"/>
   </p:notesMasterIdLst>
   <p:sldIdLst>
     <p:sldId id="256" r:id="rId2"/>
@@ -15,6 +15,15 @@
     <p:sldId id="260" r:id="rId6"/>
     <p:sldId id="261" r:id="rId7"/>
     <p:sldId id="262" r:id="rId8"/>
+    <p:sldId id="264" r:id="rId9"/>
+    <p:sldId id="265" r:id="rId10"/>
+    <p:sldId id="266" r:id="rId11"/>
+    <p:sldId id="267" r:id="rId12"/>
+    <p:sldId id="268" r:id="rId13"/>
+    <p:sldId id="269" r:id="rId14"/>
+    <p:sldId id="270" r:id="rId15"/>
+    <p:sldId id="271" r:id="rId16"/>
+    <p:sldId id="263" r:id="rId17"/>
   </p:sldIdLst>
   <p:sldSz cx="9144000" cy="6858000" type="screen4x3"/>
   <p:notesSz cx="6858000" cy="9144000"/>
@@ -621,21 +630,15 @@
           <a:p>
             <a:r>
               <a:rPr lang="en-US" dirty="0" smtClean="0"/>
-              <a:t>y-axis</a:t>
-            </a:r>
-          </a:p>
-          <a:p>
+              <a:t>Focus on </a:t>
+            </a:r>
             <a:r>
               <a:rPr lang="en-US" dirty="0" err="1" smtClean="0"/>
-              <a:t>Zaret</a:t>
+              <a:t>gro</a:t>
             </a:r>
             <a:r>
               <a:rPr lang="en-US" dirty="0" smtClean="0"/>
-              <a:t> lab</a:t>
-            </a:r>
-            <a:r>
-              <a:rPr lang="en-US" baseline="0" dirty="0" smtClean="0"/>
-              <a:t> data</a:t>
+              <a:t> occupancy </a:t>
             </a:r>
             <a:endParaRPr lang="en-US" dirty="0"/>
           </a:p>
@@ -658,7 +661,7 @@
           <a:p>
             <a:fld id="{72D62022-544B-4C4F-96A3-6045A2BA2447}" type="slidenum">
               <a:rPr lang="en-US" smtClean="0"/>
-              <a:t>7</a:t>
+              <a:t>10</a:t>
             </a:fld>
             <a:endParaRPr lang="en-US"/>
           </a:p>
@@ -667,7 +670,107 @@
     </p:spTree>
     <p:extLst>
       <p:ext uri="{BB962C8B-B14F-4D97-AF65-F5344CB8AC3E}">
-        <p14:creationId xmlns:p14="http://schemas.microsoft.com/office/powerpoint/2010/main" val="1567599120"/>
+        <p14:creationId xmlns:p14="http://schemas.microsoft.com/office/powerpoint/2010/main" val="1190729741"/>
+      </p:ext>
+    </p:extLst>
+  </p:cSld>
+  <p:clrMapOvr>
+    <a:masterClrMapping/>
+  </p:clrMapOvr>
+</p:notes>
+</file>
+
+<file path=ppt/notesSlides/notesSlide3.xml><?xml version="1.0" encoding="utf-8"?>
+<p:notes xmlns:a="http://schemas.openxmlformats.org/drawingml/2006/main" xmlns:r="http://schemas.openxmlformats.org/officeDocument/2006/relationships" xmlns:p="http://schemas.openxmlformats.org/presentationml/2006/main">
+  <p:cSld>
+    <p:spTree>
+      <p:nvGrpSpPr>
+        <p:cNvPr id="1" name=""/>
+        <p:cNvGrpSpPr/>
+        <p:nvPr/>
+      </p:nvGrpSpPr>
+      <p:grpSpPr>
+        <a:xfrm>
+          <a:off x="0" y="0"/>
+          <a:ext cx="0" cy="0"/>
+          <a:chOff x="0" y="0"/>
+          <a:chExt cx="0" cy="0"/>
+        </a:xfrm>
+      </p:grpSpPr>
+      <p:sp>
+        <p:nvSpPr>
+          <p:cNvPr id="2" name="Slide Image Placeholder 1"/>
+          <p:cNvSpPr>
+            <a:spLocks noGrp="1" noRot="1" noChangeAspect="1"/>
+          </p:cNvSpPr>
+          <p:nvPr>
+            <p:ph type="sldImg"/>
+          </p:nvPr>
+        </p:nvSpPr>
+        <p:spPr/>
+      </p:sp>
+      <p:sp>
+        <p:nvSpPr>
+          <p:cNvPr id="3" name="Notes Placeholder 2"/>
+          <p:cNvSpPr>
+            <a:spLocks noGrp="1"/>
+          </p:cNvSpPr>
+          <p:nvPr>
+            <p:ph type="body" idx="1"/>
+          </p:nvPr>
+        </p:nvSpPr>
+        <p:spPr/>
+        <p:txBody>
+          <a:bodyPr/>
+          <a:lstStyle/>
+          <a:p>
+            <a:r>
+              <a:rPr lang="en-US" dirty="0" smtClean="0"/>
+              <a:t>Title</a:t>
+            </a:r>
+            <a:r>
+              <a:rPr lang="en-US" baseline="0" dirty="0" smtClean="0"/>
+              <a:t> </a:t>
+            </a:r>
+            <a:r>
+              <a:rPr lang="en-US" baseline="0" dirty="0" err="1" smtClean="0"/>
+              <a:t>chip-seq</a:t>
+            </a:r>
+            <a:r>
+              <a:rPr lang="en-US" baseline="0" dirty="0" smtClean="0"/>
+              <a:t> validation</a:t>
+            </a:r>
+            <a:endParaRPr lang="en-US" dirty="0"/>
+          </a:p>
+        </p:txBody>
+      </p:sp>
+      <p:sp>
+        <p:nvSpPr>
+          <p:cNvPr id="4" name="Slide Number Placeholder 3"/>
+          <p:cNvSpPr>
+            <a:spLocks noGrp="1"/>
+          </p:cNvSpPr>
+          <p:nvPr>
+            <p:ph type="sldNum" sz="quarter" idx="10"/>
+          </p:nvPr>
+        </p:nvSpPr>
+        <p:spPr/>
+        <p:txBody>
+          <a:bodyPr/>
+          <a:lstStyle/>
+          <a:p>
+            <a:fld id="{72D62022-544B-4C4F-96A3-6045A2BA2447}" type="slidenum">
+              <a:rPr lang="en-US" smtClean="0"/>
+              <a:t>11</a:t>
+            </a:fld>
+            <a:endParaRPr lang="en-US"/>
+          </a:p>
+        </p:txBody>
+      </p:sp>
+    </p:spTree>
+    <p:extLst>
+      <p:ext uri="{BB962C8B-B14F-4D97-AF65-F5344CB8AC3E}">
+        <p14:creationId xmlns:p14="http://schemas.microsoft.com/office/powerpoint/2010/main" val="1444356214"/>
       </p:ext>
     </p:extLst>
   </p:cSld>
@@ -3578,6 +3681,1950 @@
     <p:extLst>
       <p:ext uri="{BB962C8B-B14F-4D97-AF65-F5344CB8AC3E}">
         <p14:creationId xmlns:p14="http://schemas.microsoft.com/office/powerpoint/2010/main" val="1784229822"/>
+      </p:ext>
+    </p:extLst>
+  </p:cSld>
+  <p:clrMapOvr>
+    <a:masterClrMapping/>
+  </p:clrMapOvr>
+</p:sld>
+</file>
+
+<file path=ppt/slides/slide10.xml><?xml version="1.0" encoding="utf-8"?>
+<p:sld xmlns:a="http://schemas.openxmlformats.org/drawingml/2006/main" xmlns:r="http://schemas.openxmlformats.org/officeDocument/2006/relationships" xmlns:p="http://schemas.openxmlformats.org/presentationml/2006/main">
+  <p:cSld>
+    <p:spTree>
+      <p:nvGrpSpPr>
+        <p:cNvPr id="1" name=""/>
+        <p:cNvGrpSpPr/>
+        <p:nvPr/>
+      </p:nvGrpSpPr>
+      <p:grpSpPr>
+        <a:xfrm>
+          <a:off x="0" y="0"/>
+          <a:ext cx="0" cy="0"/>
+          <a:chOff x="0" y="0"/>
+          <a:chExt cx="0" cy="0"/>
+        </a:xfrm>
+      </p:grpSpPr>
+      <p:sp>
+        <p:nvSpPr>
+          <p:cNvPr id="2" name="Title 1"/>
+          <p:cNvSpPr>
+            <a:spLocks noGrp="1"/>
+          </p:cNvSpPr>
+          <p:nvPr>
+            <p:ph type="title"/>
+          </p:nvPr>
+        </p:nvSpPr>
+        <p:spPr/>
+        <p:txBody>
+          <a:bodyPr/>
+          <a:lstStyle/>
+          <a:p>
+            <a:endParaRPr lang="en-US"/>
+          </a:p>
+        </p:txBody>
+      </p:sp>
+      <p:pic>
+        <p:nvPicPr>
+          <p:cNvPr id="6" name="Picture 5"/>
+          <p:cNvPicPr>
+            <a:picLocks noChangeAspect="1"/>
+          </p:cNvPicPr>
+          <p:nvPr/>
+        </p:nvPicPr>
+        <p:blipFill>
+          <a:blip r:embed="rId3">
+            <a:extLst>
+              <a:ext uri="{28A0092B-C50C-407E-A947-70E740481C1C}">
+                <a14:useLocalDpi xmlns:a14="http://schemas.microsoft.com/office/drawing/2010/main" val="0"/>
+              </a:ext>
+            </a:extLst>
+          </a:blip>
+          <a:stretch>
+            <a:fillRect/>
+          </a:stretch>
+        </p:blipFill>
+        <p:spPr>
+          <a:xfrm>
+            <a:off x="408150" y="2380549"/>
+            <a:ext cx="3420899" cy="3417860"/>
+          </a:xfrm>
+          <a:prstGeom prst="rect">
+            <a:avLst/>
+          </a:prstGeom>
+        </p:spPr>
+      </p:pic>
+      <p:pic>
+        <p:nvPicPr>
+          <p:cNvPr id="7" name="Picture 6"/>
+          <p:cNvPicPr>
+            <a:picLocks noChangeAspect="1"/>
+          </p:cNvPicPr>
+          <p:nvPr/>
+        </p:nvPicPr>
+        <p:blipFill>
+          <a:blip r:embed="rId4">
+            <a:extLst>
+              <a:ext uri="{28A0092B-C50C-407E-A947-70E740481C1C}">
+                <a14:useLocalDpi xmlns:a14="http://schemas.microsoft.com/office/drawing/2010/main" val="0"/>
+              </a:ext>
+            </a:extLst>
+          </a:blip>
+          <a:stretch>
+            <a:fillRect/>
+          </a:stretch>
+        </p:blipFill>
+        <p:spPr>
+          <a:xfrm>
+            <a:off x="4657725" y="1858016"/>
+            <a:ext cx="3857625" cy="2231463"/>
+          </a:xfrm>
+          <a:prstGeom prst="rect">
+            <a:avLst/>
+          </a:prstGeom>
+        </p:spPr>
+      </p:pic>
+      <p:pic>
+        <p:nvPicPr>
+          <p:cNvPr id="8" name="Picture 7"/>
+          <p:cNvPicPr>
+            <a:picLocks noChangeAspect="1"/>
+          </p:cNvPicPr>
+          <p:nvPr/>
+        </p:nvPicPr>
+        <p:blipFill>
+          <a:blip r:embed="rId5">
+            <a:extLst>
+              <a:ext uri="{28A0092B-C50C-407E-A947-70E740481C1C}">
+                <a14:useLocalDpi xmlns:a14="http://schemas.microsoft.com/office/drawing/2010/main" val="0"/>
+              </a:ext>
+            </a:extLst>
+          </a:blip>
+          <a:stretch>
+            <a:fillRect/>
+          </a:stretch>
+        </p:blipFill>
+        <p:spPr>
+          <a:xfrm>
+            <a:off x="4657725" y="4210115"/>
+            <a:ext cx="3857625" cy="2231463"/>
+          </a:xfrm>
+          <a:prstGeom prst="rect">
+            <a:avLst/>
+          </a:prstGeom>
+        </p:spPr>
+      </p:pic>
+      <p:sp>
+        <p:nvSpPr>
+          <p:cNvPr id="9" name="TextBox 8"/>
+          <p:cNvSpPr txBox="1"/>
+          <p:nvPr/>
+        </p:nvSpPr>
+        <p:spPr>
+          <a:xfrm rot="16200000">
+            <a:off x="3425982" y="5002680"/>
+            <a:ext cx="1817156" cy="646331"/>
+          </a:xfrm>
+          <a:prstGeom prst="rect">
+            <a:avLst/>
+          </a:prstGeom>
+          <a:noFill/>
+        </p:spPr>
+        <p:txBody>
+          <a:bodyPr wrap="square" rtlCol="0">
+            <a:spAutoFit/>
+          </a:bodyPr>
+          <a:lstStyle/>
+          <a:p>
+            <a:r>
+              <a:rPr lang="en-US" dirty="0" smtClean="0"/>
+              <a:t>Gro Targets by Occupancy Score </a:t>
+            </a:r>
+            <a:endParaRPr lang="en-US" dirty="0"/>
+          </a:p>
+        </p:txBody>
+      </p:sp>
+      <p:sp>
+        <p:nvSpPr>
+          <p:cNvPr id="10" name="TextBox 9"/>
+          <p:cNvSpPr txBox="1"/>
+          <p:nvPr/>
+        </p:nvSpPr>
+        <p:spPr>
+          <a:xfrm rot="16200000">
+            <a:off x="3428939" y="2650581"/>
+            <a:ext cx="1811241" cy="646331"/>
+          </a:xfrm>
+          <a:prstGeom prst="rect">
+            <a:avLst/>
+          </a:prstGeom>
+          <a:noFill/>
+        </p:spPr>
+        <p:txBody>
+          <a:bodyPr wrap="square" rtlCol="0">
+            <a:spAutoFit/>
+          </a:bodyPr>
+          <a:lstStyle/>
+          <a:p>
+            <a:r>
+              <a:rPr lang="en-US" dirty="0" smtClean="0"/>
+              <a:t>Gro Targets by Dosage Response</a:t>
+            </a:r>
+            <a:endParaRPr lang="en-US" dirty="0"/>
+          </a:p>
+        </p:txBody>
+      </p:sp>
+    </p:spTree>
+    <p:extLst>
+      <p:ext uri="{BB962C8B-B14F-4D97-AF65-F5344CB8AC3E}">
+        <p14:creationId xmlns:p14="http://schemas.microsoft.com/office/powerpoint/2010/main" val="2080729127"/>
+      </p:ext>
+    </p:extLst>
+  </p:cSld>
+  <p:clrMapOvr>
+    <a:masterClrMapping/>
+  </p:clrMapOvr>
+  <p:timing>
+    <p:tnLst>
+      <p:par>
+        <p:cTn id="1" dur="indefinite" restart="never" nodeType="tmRoot"/>
+      </p:par>
+    </p:tnLst>
+  </p:timing>
+</p:sld>
+</file>
+
+<file path=ppt/slides/slide11.xml><?xml version="1.0" encoding="utf-8"?>
+<p:sld xmlns:a="http://schemas.openxmlformats.org/drawingml/2006/main" xmlns:r="http://schemas.openxmlformats.org/officeDocument/2006/relationships" xmlns:p="http://schemas.openxmlformats.org/presentationml/2006/main">
+  <p:cSld>
+    <p:spTree>
+      <p:nvGrpSpPr>
+        <p:cNvPr id="1" name=""/>
+        <p:cNvGrpSpPr/>
+        <p:nvPr/>
+      </p:nvGrpSpPr>
+      <p:grpSpPr>
+        <a:xfrm>
+          <a:off x="0" y="0"/>
+          <a:ext cx="0" cy="0"/>
+          <a:chOff x="0" y="0"/>
+          <a:chExt cx="0" cy="0"/>
+        </a:xfrm>
+      </p:grpSpPr>
+      <p:sp>
+        <p:nvSpPr>
+          <p:cNvPr id="2" name="Title 1"/>
+          <p:cNvSpPr>
+            <a:spLocks noGrp="1"/>
+          </p:cNvSpPr>
+          <p:nvPr>
+            <p:ph type="title"/>
+          </p:nvPr>
+        </p:nvSpPr>
+        <p:spPr/>
+        <p:txBody>
+          <a:bodyPr/>
+          <a:lstStyle/>
+          <a:p>
+            <a:endParaRPr lang="en-US"/>
+          </a:p>
+        </p:txBody>
+      </p:sp>
+      <p:grpSp>
+        <p:nvGrpSpPr>
+          <p:cNvPr id="21" name="Group 20"/>
+          <p:cNvGrpSpPr/>
+          <p:nvPr/>
+        </p:nvGrpSpPr>
+        <p:grpSpPr>
+          <a:xfrm>
+            <a:off x="3643544" y="3729428"/>
+            <a:ext cx="5258506" cy="3550023"/>
+            <a:chOff x="3879686" y="2043953"/>
+            <a:chExt cx="5258506" cy="3550023"/>
+          </a:xfrm>
+        </p:grpSpPr>
+        <p:pic>
+          <p:nvPicPr>
+            <p:cNvPr id="5" name="Picture 4"/>
+            <p:cNvPicPr>
+              <a:picLocks noChangeAspect="1"/>
+            </p:cNvPicPr>
+            <p:nvPr/>
+          </p:nvPicPr>
+          <p:blipFill>
+            <a:blip r:embed="rId3">
+              <a:extLst>
+                <a:ext uri="{28A0092B-C50C-407E-A947-70E740481C1C}">
+                  <a14:useLocalDpi xmlns:a14="http://schemas.microsoft.com/office/drawing/2010/main" val="0"/>
+                </a:ext>
+              </a:extLst>
+            </a:blip>
+            <a:stretch>
+              <a:fillRect/>
+            </a:stretch>
+          </p:blipFill>
+          <p:spPr>
+            <a:xfrm flipH="1">
+              <a:off x="4558553" y="2043953"/>
+              <a:ext cx="3550023" cy="3550023"/>
+            </a:xfrm>
+            <a:prstGeom prst="rect">
+              <a:avLst/>
+            </a:prstGeom>
+          </p:spPr>
+        </p:pic>
+        <p:sp>
+          <p:nvSpPr>
+            <p:cNvPr id="9" name="Rectangle 8"/>
+            <p:cNvSpPr/>
+            <p:nvPr/>
+          </p:nvSpPr>
+          <p:spPr>
+            <a:xfrm>
+              <a:off x="7637929" y="4552293"/>
+              <a:ext cx="1075764" cy="504727"/>
+            </a:xfrm>
+            <a:prstGeom prst="rect">
+              <a:avLst/>
+            </a:prstGeom>
+            <a:solidFill>
+              <a:schemeClr val="bg1"/>
+            </a:solidFill>
+            <a:ln>
+              <a:noFill/>
+            </a:ln>
+          </p:spPr>
+          <p:style>
+            <a:lnRef idx="2">
+              <a:schemeClr val="accent1">
+                <a:shade val="50000"/>
+              </a:schemeClr>
+            </a:lnRef>
+            <a:fillRef idx="1">
+              <a:schemeClr val="accent1"/>
+            </a:fillRef>
+            <a:effectRef idx="0">
+              <a:schemeClr val="accent1"/>
+            </a:effectRef>
+            <a:fontRef idx="minor">
+              <a:schemeClr val="lt1"/>
+            </a:fontRef>
+          </p:style>
+          <p:txBody>
+            <a:bodyPr rtlCol="0" anchor="ctr"/>
+            <a:lstStyle/>
+            <a:p>
+              <a:pPr algn="ctr"/>
+              <a:endParaRPr lang="en-US"/>
+            </a:p>
+          </p:txBody>
+        </p:sp>
+        <p:sp>
+          <p:nvSpPr>
+            <p:cNvPr id="10" name="Rectangle 9"/>
+            <p:cNvSpPr/>
+            <p:nvPr/>
+          </p:nvSpPr>
+          <p:spPr>
+            <a:xfrm>
+              <a:off x="7301753" y="4992914"/>
+              <a:ext cx="1075764" cy="504727"/>
+            </a:xfrm>
+            <a:prstGeom prst="rect">
+              <a:avLst/>
+            </a:prstGeom>
+            <a:solidFill>
+              <a:schemeClr val="bg1"/>
+            </a:solidFill>
+            <a:ln>
+              <a:noFill/>
+            </a:ln>
+          </p:spPr>
+          <p:style>
+            <a:lnRef idx="2">
+              <a:schemeClr val="accent1">
+                <a:shade val="50000"/>
+              </a:schemeClr>
+            </a:lnRef>
+            <a:fillRef idx="1">
+              <a:schemeClr val="accent1"/>
+            </a:fillRef>
+            <a:effectRef idx="0">
+              <a:schemeClr val="accent1"/>
+            </a:effectRef>
+            <a:fontRef idx="minor">
+              <a:schemeClr val="lt1"/>
+            </a:fontRef>
+          </p:style>
+          <p:txBody>
+            <a:bodyPr rtlCol="0" anchor="ctr"/>
+            <a:lstStyle/>
+            <a:p>
+              <a:pPr algn="ctr"/>
+              <a:endParaRPr lang="en-US"/>
+            </a:p>
+          </p:txBody>
+        </p:sp>
+        <p:sp>
+          <p:nvSpPr>
+            <p:cNvPr id="11" name="Rectangle 10"/>
+            <p:cNvSpPr/>
+            <p:nvPr/>
+          </p:nvSpPr>
+          <p:spPr>
+            <a:xfrm>
+              <a:off x="4148419" y="4552293"/>
+              <a:ext cx="1075764" cy="809443"/>
+            </a:xfrm>
+            <a:prstGeom prst="rect">
+              <a:avLst/>
+            </a:prstGeom>
+            <a:solidFill>
+              <a:schemeClr val="bg1"/>
+            </a:solidFill>
+            <a:ln>
+              <a:noFill/>
+            </a:ln>
+          </p:spPr>
+          <p:style>
+            <a:lnRef idx="2">
+              <a:schemeClr val="accent1">
+                <a:shade val="50000"/>
+              </a:schemeClr>
+            </a:lnRef>
+            <a:fillRef idx="1">
+              <a:schemeClr val="accent1"/>
+            </a:fillRef>
+            <a:effectRef idx="0">
+              <a:schemeClr val="accent1"/>
+            </a:effectRef>
+            <a:fontRef idx="minor">
+              <a:schemeClr val="lt1"/>
+            </a:fontRef>
+          </p:style>
+          <p:txBody>
+            <a:bodyPr rtlCol="0" anchor="ctr"/>
+            <a:lstStyle/>
+            <a:p>
+              <a:pPr algn="ctr"/>
+              <a:endParaRPr lang="en-US"/>
+            </a:p>
+          </p:txBody>
+        </p:sp>
+        <p:sp>
+          <p:nvSpPr>
+            <p:cNvPr id="14" name="TextBox 13"/>
+            <p:cNvSpPr txBox="1"/>
+            <p:nvPr/>
+          </p:nvSpPr>
+          <p:spPr>
+            <a:xfrm>
+              <a:off x="3879686" y="3495366"/>
+              <a:ext cx="738023" cy="646331"/>
+            </a:xfrm>
+            <a:prstGeom prst="rect">
+              <a:avLst/>
+            </a:prstGeom>
+            <a:noFill/>
+          </p:spPr>
+          <p:txBody>
+            <a:bodyPr wrap="none" rtlCol="0">
+              <a:spAutoFit/>
+            </a:bodyPr>
+            <a:lstStyle/>
+            <a:p>
+              <a:r>
+                <a:rPr lang="en-US" sz="1200" dirty="0" smtClean="0"/>
+                <a:t>Embryo</a:t>
+              </a:r>
+            </a:p>
+            <a:p>
+              <a:r>
+                <a:rPr lang="en-US" sz="1200" dirty="0" err="1" smtClean="0"/>
+                <a:t>Gro</a:t>
+              </a:r>
+              <a:r>
+                <a:rPr lang="en-US" sz="1200" dirty="0" smtClean="0"/>
+                <a:t> </a:t>
+              </a:r>
+              <a:r>
+                <a:rPr lang="en-US" sz="1200" dirty="0" err="1" smtClean="0"/>
+                <a:t>ChIP</a:t>
+              </a:r>
+              <a:endParaRPr lang="en-US" sz="1200" dirty="0" smtClean="0"/>
+            </a:p>
+            <a:p>
+              <a:r>
+                <a:rPr lang="en-US" sz="1200" dirty="0" smtClean="0"/>
+                <a:t>All Peaks</a:t>
+              </a:r>
+              <a:endParaRPr lang="en-US" sz="1200" dirty="0"/>
+            </a:p>
+          </p:txBody>
+        </p:sp>
+        <p:sp>
+          <p:nvSpPr>
+            <p:cNvPr id="15" name="Rectangle 14"/>
+            <p:cNvSpPr/>
+            <p:nvPr/>
+          </p:nvSpPr>
+          <p:spPr>
+            <a:xfrm>
+              <a:off x="4982955" y="3577458"/>
+              <a:ext cx="640581" cy="564239"/>
+            </a:xfrm>
+            <a:prstGeom prst="rect">
+              <a:avLst/>
+            </a:prstGeom>
+            <a:solidFill>
+              <a:srgbClr val="9398FF"/>
+            </a:solidFill>
+            <a:ln>
+              <a:noFill/>
+            </a:ln>
+          </p:spPr>
+          <p:style>
+            <a:lnRef idx="2">
+              <a:schemeClr val="accent1">
+                <a:shade val="50000"/>
+              </a:schemeClr>
+            </a:lnRef>
+            <a:fillRef idx="1">
+              <a:schemeClr val="accent1"/>
+            </a:fillRef>
+            <a:effectRef idx="0">
+              <a:schemeClr val="accent1"/>
+            </a:effectRef>
+            <a:fontRef idx="minor">
+              <a:schemeClr val="lt1"/>
+            </a:fontRef>
+          </p:style>
+          <p:txBody>
+            <a:bodyPr rtlCol="0" anchor="ctr"/>
+            <a:lstStyle/>
+            <a:p>
+              <a:pPr algn="ctr"/>
+              <a:r>
+                <a:rPr lang="en-US" sz="1200" dirty="0" smtClean="0">
+                  <a:solidFill>
+                    <a:sysClr val="windowText" lastClr="000000"/>
+                  </a:solidFill>
+                </a:rPr>
+                <a:t>3823</a:t>
+              </a:r>
+              <a:endParaRPr lang="en-US" sz="1200" dirty="0">
+                <a:solidFill>
+                  <a:sysClr val="windowText" lastClr="000000"/>
+                </a:solidFill>
+              </a:endParaRPr>
+            </a:p>
+          </p:txBody>
+        </p:sp>
+        <p:sp>
+          <p:nvSpPr>
+            <p:cNvPr id="16" name="Rectangle 15"/>
+            <p:cNvSpPr/>
+            <p:nvPr/>
+          </p:nvSpPr>
+          <p:spPr>
+            <a:xfrm>
+              <a:off x="5778649" y="3727094"/>
+              <a:ext cx="554916" cy="264965"/>
+            </a:xfrm>
+            <a:prstGeom prst="rect">
+              <a:avLst/>
+            </a:prstGeom>
+            <a:solidFill>
+              <a:srgbClr val="5894CC"/>
+            </a:solidFill>
+            <a:ln>
+              <a:noFill/>
+            </a:ln>
+          </p:spPr>
+          <p:style>
+            <a:lnRef idx="2">
+              <a:schemeClr val="accent1">
+                <a:shade val="50000"/>
+              </a:schemeClr>
+            </a:lnRef>
+            <a:fillRef idx="1">
+              <a:schemeClr val="accent1"/>
+            </a:fillRef>
+            <a:effectRef idx="0">
+              <a:schemeClr val="accent1"/>
+            </a:effectRef>
+            <a:fontRef idx="minor">
+              <a:schemeClr val="lt1"/>
+            </a:fontRef>
+          </p:style>
+          <p:txBody>
+            <a:bodyPr rtlCol="0" anchor="ctr"/>
+            <a:lstStyle/>
+            <a:p>
+              <a:pPr algn="ctr"/>
+              <a:r>
+                <a:rPr lang="en-US" sz="1200" dirty="0" smtClean="0">
+                  <a:solidFill>
+                    <a:sysClr val="windowText" lastClr="000000"/>
+                  </a:solidFill>
+                </a:rPr>
+                <a:t>1885</a:t>
+              </a:r>
+              <a:endParaRPr lang="en-US" sz="1200" dirty="0">
+                <a:solidFill>
+                  <a:sysClr val="windowText" lastClr="000000"/>
+                </a:solidFill>
+              </a:endParaRPr>
+            </a:p>
+          </p:txBody>
+        </p:sp>
+        <p:sp>
+          <p:nvSpPr>
+            <p:cNvPr id="17" name="Rectangle 16"/>
+            <p:cNvSpPr/>
+            <p:nvPr/>
+          </p:nvSpPr>
+          <p:spPr>
+            <a:xfrm>
+              <a:off x="6843631" y="3727094"/>
+              <a:ext cx="554916" cy="264965"/>
+            </a:xfrm>
+            <a:prstGeom prst="rect">
+              <a:avLst/>
+            </a:prstGeom>
+            <a:solidFill>
+              <a:srgbClr val="9FFC95"/>
+            </a:solidFill>
+            <a:ln>
+              <a:noFill/>
+            </a:ln>
+          </p:spPr>
+          <p:style>
+            <a:lnRef idx="2">
+              <a:schemeClr val="accent1">
+                <a:shade val="50000"/>
+              </a:schemeClr>
+            </a:lnRef>
+            <a:fillRef idx="1">
+              <a:schemeClr val="accent1"/>
+            </a:fillRef>
+            <a:effectRef idx="0">
+              <a:schemeClr val="accent1"/>
+            </a:effectRef>
+            <a:fontRef idx="minor">
+              <a:schemeClr val="lt1"/>
+            </a:fontRef>
+          </p:style>
+          <p:txBody>
+            <a:bodyPr rtlCol="0" anchor="ctr"/>
+            <a:lstStyle/>
+            <a:p>
+              <a:pPr algn="ctr"/>
+              <a:r>
+                <a:rPr lang="en-US" sz="1200" smtClean="0">
+                  <a:solidFill>
+                    <a:sysClr val="windowText" lastClr="000000"/>
+                  </a:solidFill>
+                </a:rPr>
+                <a:t>9137</a:t>
+              </a:r>
+              <a:endParaRPr lang="en-US" sz="1200" dirty="0">
+                <a:solidFill>
+                  <a:sysClr val="windowText" lastClr="000000"/>
+                </a:solidFill>
+              </a:endParaRPr>
+            </a:p>
+          </p:txBody>
+        </p:sp>
+        <p:sp>
+          <p:nvSpPr>
+            <p:cNvPr id="18" name="TextBox 17"/>
+            <p:cNvSpPr txBox="1"/>
+            <p:nvPr/>
+          </p:nvSpPr>
+          <p:spPr>
+            <a:xfrm>
+              <a:off x="7894262" y="3420452"/>
+              <a:ext cx="1243930" cy="646331"/>
+            </a:xfrm>
+            <a:prstGeom prst="rect">
+              <a:avLst/>
+            </a:prstGeom>
+            <a:noFill/>
+          </p:spPr>
+          <p:txBody>
+            <a:bodyPr wrap="none" rtlCol="0">
+              <a:spAutoFit/>
+            </a:bodyPr>
+            <a:lstStyle/>
+            <a:p>
+              <a:r>
+                <a:rPr lang="en-US" sz="1200" dirty="0" err="1" smtClean="0"/>
+                <a:t>modENCODE</a:t>
+              </a:r>
+              <a:endParaRPr lang="en-US" sz="1200" dirty="0" smtClean="0"/>
+            </a:p>
+            <a:p>
+              <a:r>
+                <a:rPr lang="en-US" sz="1200" dirty="0" smtClean="0"/>
+                <a:t>White Pre-Pupae</a:t>
+              </a:r>
+            </a:p>
+            <a:p>
+              <a:r>
+                <a:rPr lang="en-US" sz="1200" dirty="0" err="1" smtClean="0"/>
+                <a:t>Gro</a:t>
+              </a:r>
+              <a:r>
+                <a:rPr lang="en-US" sz="1200" dirty="0" smtClean="0"/>
+                <a:t> </a:t>
+              </a:r>
+              <a:r>
+                <a:rPr lang="en-US" sz="1200" dirty="0" err="1" smtClean="0"/>
+                <a:t>ChIP</a:t>
+              </a:r>
+              <a:r>
+                <a:rPr lang="en-US" sz="1200" dirty="0" smtClean="0"/>
+                <a:t>-chip</a:t>
+              </a:r>
+              <a:endParaRPr lang="en-US" sz="1200" dirty="0"/>
+            </a:p>
+          </p:txBody>
+        </p:sp>
+      </p:grpSp>
+      <p:grpSp>
+        <p:nvGrpSpPr>
+          <p:cNvPr id="20" name="Group 19"/>
+          <p:cNvGrpSpPr/>
+          <p:nvPr/>
+        </p:nvGrpSpPr>
+        <p:grpSpPr>
+          <a:xfrm>
+            <a:off x="214937" y="857803"/>
+            <a:ext cx="5020013" cy="3556285"/>
+            <a:chOff x="313749" y="1363959"/>
+            <a:chExt cx="5020013" cy="3556285"/>
+          </a:xfrm>
+        </p:grpSpPr>
+        <p:pic>
+          <p:nvPicPr>
+            <p:cNvPr id="23" name="Picture 22"/>
+            <p:cNvPicPr>
+              <a:picLocks noChangeAspect="1"/>
+            </p:cNvPicPr>
+            <p:nvPr/>
+          </p:nvPicPr>
+          <p:blipFill>
+            <a:blip r:embed="rId4">
+              <a:extLst>
+                <a:ext uri="{28A0092B-C50C-407E-A947-70E740481C1C}">
+                  <a14:useLocalDpi xmlns:a14="http://schemas.microsoft.com/office/drawing/2010/main" val="0"/>
+                </a:ext>
+              </a:extLst>
+            </a:blip>
+            <a:stretch>
+              <a:fillRect/>
+            </a:stretch>
+          </p:blipFill>
+          <p:spPr>
+            <a:xfrm>
+              <a:off x="1119006" y="1363959"/>
+              <a:ext cx="3556285" cy="3556285"/>
+            </a:xfrm>
+            <a:prstGeom prst="rect">
+              <a:avLst/>
+            </a:prstGeom>
+          </p:spPr>
+        </p:pic>
+        <p:sp>
+          <p:nvSpPr>
+            <p:cNvPr id="24" name="Rectangle 23"/>
+            <p:cNvSpPr/>
+            <p:nvPr/>
+          </p:nvSpPr>
+          <p:spPr>
+            <a:xfrm>
+              <a:off x="4131147" y="2123257"/>
+              <a:ext cx="1075764" cy="504727"/>
+            </a:xfrm>
+            <a:prstGeom prst="rect">
+              <a:avLst/>
+            </a:prstGeom>
+            <a:solidFill>
+              <a:schemeClr val="bg1"/>
+            </a:solidFill>
+            <a:ln>
+              <a:noFill/>
+            </a:ln>
+          </p:spPr>
+          <p:style>
+            <a:lnRef idx="2">
+              <a:schemeClr val="accent1">
+                <a:shade val="50000"/>
+              </a:schemeClr>
+            </a:lnRef>
+            <a:fillRef idx="1">
+              <a:schemeClr val="accent1"/>
+            </a:fillRef>
+            <a:effectRef idx="0">
+              <a:schemeClr val="accent1"/>
+            </a:effectRef>
+            <a:fontRef idx="minor">
+              <a:schemeClr val="lt1"/>
+            </a:fontRef>
+          </p:style>
+          <p:txBody>
+            <a:bodyPr rtlCol="0" anchor="ctr"/>
+            <a:lstStyle/>
+            <a:p>
+              <a:pPr algn="ctr"/>
+              <a:endParaRPr lang="en-US"/>
+            </a:p>
+          </p:txBody>
+        </p:sp>
+        <p:sp>
+          <p:nvSpPr>
+            <p:cNvPr id="25" name="Rectangle 24"/>
+            <p:cNvSpPr/>
+            <p:nvPr/>
+          </p:nvSpPr>
+          <p:spPr>
+            <a:xfrm>
+              <a:off x="581124" y="1518951"/>
+              <a:ext cx="1075764" cy="504727"/>
+            </a:xfrm>
+            <a:prstGeom prst="rect">
+              <a:avLst/>
+            </a:prstGeom>
+            <a:solidFill>
+              <a:schemeClr val="bg1"/>
+            </a:solidFill>
+            <a:ln>
+              <a:noFill/>
+            </a:ln>
+          </p:spPr>
+          <p:style>
+            <a:lnRef idx="2">
+              <a:schemeClr val="accent1">
+                <a:shade val="50000"/>
+              </a:schemeClr>
+            </a:lnRef>
+            <a:fillRef idx="1">
+              <a:schemeClr val="accent1"/>
+            </a:fillRef>
+            <a:effectRef idx="0">
+              <a:schemeClr val="accent1"/>
+            </a:effectRef>
+            <a:fontRef idx="minor">
+              <a:schemeClr val="lt1"/>
+            </a:fontRef>
+          </p:style>
+          <p:txBody>
+            <a:bodyPr rtlCol="0" anchor="ctr"/>
+            <a:lstStyle/>
+            <a:p>
+              <a:pPr algn="ctr"/>
+              <a:endParaRPr lang="en-US"/>
+            </a:p>
+          </p:txBody>
+        </p:sp>
+        <p:sp>
+          <p:nvSpPr>
+            <p:cNvPr id="26" name="Rectangle 25"/>
+            <p:cNvSpPr/>
+            <p:nvPr/>
+          </p:nvSpPr>
+          <p:spPr>
+            <a:xfrm>
+              <a:off x="3865337" y="4227260"/>
+              <a:ext cx="1075764" cy="504727"/>
+            </a:xfrm>
+            <a:prstGeom prst="rect">
+              <a:avLst/>
+            </a:prstGeom>
+            <a:solidFill>
+              <a:schemeClr val="bg1"/>
+            </a:solidFill>
+            <a:ln>
+              <a:noFill/>
+            </a:ln>
+          </p:spPr>
+          <p:style>
+            <a:lnRef idx="2">
+              <a:schemeClr val="accent1">
+                <a:shade val="50000"/>
+              </a:schemeClr>
+            </a:lnRef>
+            <a:fillRef idx="1">
+              <a:schemeClr val="accent1"/>
+            </a:fillRef>
+            <a:effectRef idx="0">
+              <a:schemeClr val="accent1"/>
+            </a:effectRef>
+            <a:fontRef idx="minor">
+              <a:schemeClr val="lt1"/>
+            </a:fontRef>
+          </p:style>
+          <p:txBody>
+            <a:bodyPr rtlCol="0" anchor="ctr"/>
+            <a:lstStyle/>
+            <a:p>
+              <a:pPr algn="ctr"/>
+              <a:endParaRPr lang="en-US"/>
+            </a:p>
+          </p:txBody>
+        </p:sp>
+        <p:sp>
+          <p:nvSpPr>
+            <p:cNvPr id="27" name="TextBox 26"/>
+            <p:cNvSpPr txBox="1"/>
+            <p:nvPr/>
+          </p:nvSpPr>
+          <p:spPr>
+            <a:xfrm>
+              <a:off x="313749" y="2815372"/>
+              <a:ext cx="990464" cy="646331"/>
+            </a:xfrm>
+            <a:prstGeom prst="rect">
+              <a:avLst/>
+            </a:prstGeom>
+            <a:noFill/>
+          </p:spPr>
+          <p:txBody>
+            <a:bodyPr wrap="none" rtlCol="0">
+              <a:spAutoFit/>
+            </a:bodyPr>
+            <a:lstStyle/>
+            <a:p>
+              <a:r>
+                <a:rPr lang="en-US" sz="1200" dirty="0" smtClean="0"/>
+                <a:t>Embryo</a:t>
+              </a:r>
+            </a:p>
+            <a:p>
+              <a:r>
+                <a:rPr lang="en-US" sz="1200" dirty="0" err="1" smtClean="0"/>
+                <a:t>Gro</a:t>
+              </a:r>
+              <a:r>
+                <a:rPr lang="en-US" sz="1200" dirty="0" smtClean="0"/>
+                <a:t> ChIP-seq</a:t>
+              </a:r>
+            </a:p>
+            <a:p>
+              <a:r>
+                <a:rPr lang="en-US" sz="1200" dirty="0" smtClean="0"/>
+                <a:t>All Peaks</a:t>
+              </a:r>
+              <a:endParaRPr lang="en-US" sz="1200" dirty="0"/>
+            </a:p>
+          </p:txBody>
+        </p:sp>
+        <p:sp>
+          <p:nvSpPr>
+            <p:cNvPr id="28" name="TextBox 27"/>
+            <p:cNvSpPr txBox="1"/>
+            <p:nvPr/>
+          </p:nvSpPr>
+          <p:spPr>
+            <a:xfrm>
+              <a:off x="4300017" y="2815372"/>
+              <a:ext cx="1033745" cy="646331"/>
+            </a:xfrm>
+            <a:prstGeom prst="rect">
+              <a:avLst/>
+            </a:prstGeom>
+            <a:noFill/>
+          </p:spPr>
+          <p:txBody>
+            <a:bodyPr wrap="none" rtlCol="0">
+              <a:spAutoFit/>
+            </a:bodyPr>
+            <a:lstStyle/>
+            <a:p>
+              <a:r>
+                <a:rPr lang="en-US" sz="1200" dirty="0" err="1" smtClean="0"/>
+                <a:t>modENCODE</a:t>
+              </a:r>
+              <a:endParaRPr lang="en-US" sz="1200" dirty="0" smtClean="0"/>
+            </a:p>
+            <a:p>
+              <a:r>
+                <a:rPr lang="en-US" sz="1200" dirty="0" smtClean="0"/>
+                <a:t>Embryo</a:t>
+              </a:r>
+            </a:p>
+            <a:p>
+              <a:r>
+                <a:rPr lang="en-US" sz="1200" dirty="0" err="1" smtClean="0"/>
+                <a:t>Gro</a:t>
+              </a:r>
+              <a:r>
+                <a:rPr lang="en-US" sz="1200" dirty="0" smtClean="0"/>
+                <a:t> </a:t>
+              </a:r>
+              <a:r>
+                <a:rPr lang="en-US" sz="1200" dirty="0" err="1" smtClean="0"/>
+                <a:t>ChIP</a:t>
+              </a:r>
+              <a:r>
+                <a:rPr lang="en-US" sz="1200" dirty="0" smtClean="0"/>
+                <a:t>-chip</a:t>
+              </a:r>
+              <a:endParaRPr lang="en-US" sz="1200" dirty="0"/>
+            </a:p>
+          </p:txBody>
+        </p:sp>
+      </p:grpSp>
+    </p:spTree>
+    <p:extLst>
+      <p:ext uri="{BB962C8B-B14F-4D97-AF65-F5344CB8AC3E}">
+        <p14:creationId xmlns:p14="http://schemas.microsoft.com/office/powerpoint/2010/main" val="1205753558"/>
+      </p:ext>
+    </p:extLst>
+  </p:cSld>
+  <p:clrMapOvr>
+    <a:masterClrMapping/>
+  </p:clrMapOvr>
+  <p:timing>
+    <p:tnLst>
+      <p:par>
+        <p:cTn id="1" dur="indefinite" restart="never" nodeType="tmRoot"/>
+      </p:par>
+    </p:tnLst>
+  </p:timing>
+</p:sld>
+</file>
+
+<file path=ppt/slides/slide12.xml><?xml version="1.0" encoding="utf-8"?>
+<p:sld xmlns:a="http://schemas.openxmlformats.org/drawingml/2006/main" xmlns:r="http://schemas.openxmlformats.org/officeDocument/2006/relationships" xmlns:p="http://schemas.openxmlformats.org/presentationml/2006/main">
+  <p:cSld>
+    <p:spTree>
+      <p:nvGrpSpPr>
+        <p:cNvPr id="1" name=""/>
+        <p:cNvGrpSpPr/>
+        <p:nvPr/>
+      </p:nvGrpSpPr>
+      <p:grpSpPr>
+        <a:xfrm>
+          <a:off x="0" y="0"/>
+          <a:ext cx="0" cy="0"/>
+          <a:chOff x="0" y="0"/>
+          <a:chExt cx="0" cy="0"/>
+        </a:xfrm>
+      </p:grpSpPr>
+      <p:sp>
+        <p:nvSpPr>
+          <p:cNvPr id="5" name="TextBox 4"/>
+          <p:cNvSpPr txBox="1"/>
+          <p:nvPr/>
+        </p:nvSpPr>
+        <p:spPr>
+          <a:xfrm>
+            <a:off x="1641353" y="4748587"/>
+            <a:ext cx="4881489" cy="646331"/>
+          </a:xfrm>
+          <a:prstGeom prst="rect">
+            <a:avLst/>
+          </a:prstGeom>
+          <a:solidFill>
+            <a:schemeClr val="bg1"/>
+          </a:solidFill>
+        </p:spPr>
+        <p:txBody>
+          <a:bodyPr wrap="square" rtlCol="0">
+            <a:spAutoFit/>
+          </a:bodyPr>
+          <a:lstStyle/>
+          <a:p>
+            <a:pPr algn="ctr"/>
+            <a:r>
+              <a:rPr lang="en-US" dirty="0"/>
+              <a:t>p</a:t>
+            </a:r>
+            <a:r>
+              <a:rPr lang="en-US" dirty="0" smtClean="0"/>
+              <a:t>oly(A)+ mRNA</a:t>
+            </a:r>
+          </a:p>
+          <a:p>
+            <a:pPr algn="ctr"/>
+            <a:r>
+              <a:rPr lang="en-US" dirty="0" smtClean="0"/>
+              <a:t>Normalized Expression Level </a:t>
+            </a:r>
+            <a:r>
+              <a:rPr lang="en-US" dirty="0" smtClean="0"/>
+              <a:t>(</a:t>
+            </a:r>
+            <a:r>
+              <a:rPr lang="en-US" dirty="0" smtClean="0"/>
+              <a:t>log</a:t>
+            </a:r>
+            <a:r>
+              <a:rPr lang="en-US" baseline="-25000" dirty="0" smtClean="0"/>
+              <a:t>2</a:t>
+            </a:r>
+            <a:r>
+              <a:rPr lang="en-US" dirty="0" smtClean="0"/>
+              <a:t>FPM</a:t>
+            </a:r>
+            <a:r>
+              <a:rPr lang="en-US" dirty="0" smtClean="0"/>
+              <a:t>)</a:t>
+            </a:r>
+            <a:endParaRPr lang="en-US" dirty="0"/>
+          </a:p>
+        </p:txBody>
+      </p:sp>
+      <p:sp>
+        <p:nvSpPr>
+          <p:cNvPr id="6" name="TextBox 5"/>
+          <p:cNvSpPr txBox="1"/>
+          <p:nvPr/>
+        </p:nvSpPr>
+        <p:spPr>
+          <a:xfrm rot="16200000">
+            <a:off x="-1596464" y="2390236"/>
+            <a:ext cx="4881489" cy="646331"/>
+          </a:xfrm>
+          <a:prstGeom prst="rect">
+            <a:avLst/>
+          </a:prstGeom>
+          <a:solidFill>
+            <a:schemeClr val="bg1"/>
+          </a:solidFill>
+        </p:spPr>
+        <p:txBody>
+          <a:bodyPr wrap="square" rtlCol="0">
+            <a:spAutoFit/>
+          </a:bodyPr>
+          <a:lstStyle/>
+          <a:p>
+            <a:pPr algn="ctr"/>
+            <a:r>
+              <a:rPr lang="en-US" dirty="0" smtClean="0"/>
+              <a:t>Nascent RNA</a:t>
+            </a:r>
+          </a:p>
+          <a:p>
+            <a:pPr algn="ctr"/>
+            <a:r>
+              <a:rPr lang="en-US" dirty="0" smtClean="0"/>
+              <a:t>Normalized Expression Level </a:t>
+            </a:r>
+            <a:r>
+              <a:rPr lang="en-US" dirty="0" smtClean="0"/>
+              <a:t>(log</a:t>
+            </a:r>
+            <a:r>
+              <a:rPr lang="en-US" baseline="-25000" dirty="0" smtClean="0"/>
+              <a:t>2</a:t>
+            </a:r>
+            <a:r>
+              <a:rPr lang="en-US" dirty="0" smtClean="0"/>
+              <a:t>FPM)</a:t>
+            </a:r>
+            <a:endParaRPr lang="en-US" dirty="0"/>
+          </a:p>
+        </p:txBody>
+      </p:sp>
+      <p:pic>
+        <p:nvPicPr>
+          <p:cNvPr id="8" name="Picture 7"/>
+          <p:cNvPicPr>
+            <a:picLocks noChangeAspect="1"/>
+          </p:cNvPicPr>
+          <p:nvPr/>
+        </p:nvPicPr>
+        <p:blipFill rotWithShape="1">
+          <a:blip r:embed="rId2">
+            <a:extLst>
+              <a:ext uri="{28A0092B-C50C-407E-A947-70E740481C1C}">
+                <a14:useLocalDpi xmlns:a14="http://schemas.microsoft.com/office/drawing/2010/main" val="0"/>
+              </a:ext>
+            </a:extLst>
+          </a:blip>
+          <a:srcRect l="3439" r="10820" b="6631"/>
+          <a:stretch/>
+        </p:blipFill>
+        <p:spPr>
+          <a:xfrm>
+            <a:off x="1167447" y="1001335"/>
+            <a:ext cx="5830761" cy="3692586"/>
+          </a:xfrm>
+          <a:prstGeom prst="rect">
+            <a:avLst/>
+          </a:prstGeom>
+        </p:spPr>
+      </p:pic>
+    </p:spTree>
+    <p:extLst>
+      <p:ext uri="{BB962C8B-B14F-4D97-AF65-F5344CB8AC3E}">
+        <p14:creationId xmlns:p14="http://schemas.microsoft.com/office/powerpoint/2010/main" val="1918597903"/>
+      </p:ext>
+    </p:extLst>
+  </p:cSld>
+  <p:clrMapOvr>
+    <a:masterClrMapping/>
+  </p:clrMapOvr>
+</p:sld>
+</file>
+
+<file path=ppt/slides/slide13.xml><?xml version="1.0" encoding="utf-8"?>
+<p:sld xmlns:a="http://schemas.openxmlformats.org/drawingml/2006/main" xmlns:r="http://schemas.openxmlformats.org/officeDocument/2006/relationships" xmlns:p="http://schemas.openxmlformats.org/presentationml/2006/main">
+  <p:cSld>
+    <p:spTree>
+      <p:nvGrpSpPr>
+        <p:cNvPr id="1" name=""/>
+        <p:cNvGrpSpPr/>
+        <p:nvPr/>
+      </p:nvGrpSpPr>
+      <p:grpSpPr>
+        <a:xfrm>
+          <a:off x="0" y="0"/>
+          <a:ext cx="0" cy="0"/>
+          <a:chOff x="0" y="0"/>
+          <a:chExt cx="0" cy="0"/>
+        </a:xfrm>
+      </p:grpSpPr>
+      <p:pic>
+        <p:nvPicPr>
+          <p:cNvPr id="2" name="Picture 1"/>
+          <p:cNvPicPr>
+            <a:picLocks noChangeAspect="1"/>
+          </p:cNvPicPr>
+          <p:nvPr/>
+        </p:nvPicPr>
+        <p:blipFill>
+          <a:blip r:embed="rId2">
+            <a:extLst>
+              <a:ext uri="{28A0092B-C50C-407E-A947-70E740481C1C}">
+                <a14:useLocalDpi xmlns:a14="http://schemas.microsoft.com/office/drawing/2010/main" val="0"/>
+              </a:ext>
+            </a:extLst>
+          </a:blip>
+          <a:stretch>
+            <a:fillRect/>
+          </a:stretch>
+        </p:blipFill>
+        <p:spPr>
+          <a:xfrm>
+            <a:off x="5984045" y="2055479"/>
+            <a:ext cx="1551256" cy="1472711"/>
+          </a:xfrm>
+          <a:prstGeom prst="rect">
+            <a:avLst/>
+          </a:prstGeom>
+        </p:spPr>
+      </p:pic>
+      <p:pic>
+        <p:nvPicPr>
+          <p:cNvPr id="3" name="Picture 2"/>
+          <p:cNvPicPr>
+            <a:picLocks noChangeAspect="1"/>
+          </p:cNvPicPr>
+          <p:nvPr/>
+        </p:nvPicPr>
+        <p:blipFill>
+          <a:blip r:embed="rId3">
+            <a:extLst>
+              <a:ext uri="{28A0092B-C50C-407E-A947-70E740481C1C}">
+                <a14:useLocalDpi xmlns:a14="http://schemas.microsoft.com/office/drawing/2010/main" val="0"/>
+              </a:ext>
+            </a:extLst>
+          </a:blip>
+          <a:stretch>
+            <a:fillRect/>
+          </a:stretch>
+        </p:blipFill>
+        <p:spPr>
+          <a:xfrm>
+            <a:off x="5984045" y="3528190"/>
+            <a:ext cx="1580727" cy="1495072"/>
+          </a:xfrm>
+          <a:prstGeom prst="rect">
+            <a:avLst/>
+          </a:prstGeom>
+        </p:spPr>
+      </p:pic>
+      <p:pic>
+        <p:nvPicPr>
+          <p:cNvPr id="4" name="Picture 3"/>
+          <p:cNvPicPr>
+            <a:picLocks noChangeAspect="1"/>
+          </p:cNvPicPr>
+          <p:nvPr/>
+        </p:nvPicPr>
+        <p:blipFill>
+          <a:blip r:embed="rId4">
+            <a:extLst>
+              <a:ext uri="{28A0092B-C50C-407E-A947-70E740481C1C}">
+                <a14:useLocalDpi xmlns:a14="http://schemas.microsoft.com/office/drawing/2010/main" val="0"/>
+              </a:ext>
+            </a:extLst>
+          </a:blip>
+          <a:stretch>
+            <a:fillRect/>
+          </a:stretch>
+        </p:blipFill>
+        <p:spPr>
+          <a:xfrm>
+            <a:off x="5817790" y="4899783"/>
+            <a:ext cx="2031799" cy="1716954"/>
+          </a:xfrm>
+          <a:prstGeom prst="rect">
+            <a:avLst/>
+          </a:prstGeom>
+        </p:spPr>
+      </p:pic>
+    </p:spTree>
+    <p:extLst>
+      <p:ext uri="{BB962C8B-B14F-4D97-AF65-F5344CB8AC3E}">
+        <p14:creationId xmlns:p14="http://schemas.microsoft.com/office/powerpoint/2010/main" val="750383954"/>
+      </p:ext>
+    </p:extLst>
+  </p:cSld>
+  <p:clrMapOvr>
+    <a:masterClrMapping/>
+  </p:clrMapOvr>
+</p:sld>
+</file>
+
+<file path=ppt/slides/slide14.xml><?xml version="1.0" encoding="utf-8"?>
+<p:sld xmlns:a="http://schemas.openxmlformats.org/drawingml/2006/main" xmlns:r="http://schemas.openxmlformats.org/officeDocument/2006/relationships" xmlns:p="http://schemas.openxmlformats.org/presentationml/2006/main">
+  <p:cSld>
+    <p:spTree>
+      <p:nvGrpSpPr>
+        <p:cNvPr id="1" name=""/>
+        <p:cNvGrpSpPr/>
+        <p:nvPr/>
+      </p:nvGrpSpPr>
+      <p:grpSpPr>
+        <a:xfrm>
+          <a:off x="0" y="0"/>
+          <a:ext cx="0" cy="0"/>
+          <a:chOff x="0" y="0"/>
+          <a:chExt cx="0" cy="0"/>
+        </a:xfrm>
+      </p:grpSpPr>
+      <p:pic>
+        <p:nvPicPr>
+          <p:cNvPr id="7" name="Picture 6"/>
+          <p:cNvPicPr>
+            <a:picLocks noChangeAspect="1"/>
+          </p:cNvPicPr>
+          <p:nvPr/>
+        </p:nvPicPr>
+        <p:blipFill rotWithShape="1">
+          <a:blip r:embed="rId2">
+            <a:extLst>
+              <a:ext uri="{28A0092B-C50C-407E-A947-70E740481C1C}">
+                <a14:useLocalDpi xmlns:a14="http://schemas.microsoft.com/office/drawing/2010/main" val="0"/>
+              </a:ext>
+            </a:extLst>
+          </a:blip>
+          <a:srcRect l="30353" t="17172" r="29912" b="15862"/>
+          <a:stretch/>
+        </p:blipFill>
+        <p:spPr>
+          <a:xfrm>
+            <a:off x="4504944" y="1133856"/>
+            <a:ext cx="1374668" cy="1365504"/>
+          </a:xfrm>
+          <a:prstGeom prst="rect">
+            <a:avLst/>
+          </a:prstGeom>
+        </p:spPr>
+      </p:pic>
+      <p:pic>
+        <p:nvPicPr>
+          <p:cNvPr id="8" name="Picture 7"/>
+          <p:cNvPicPr>
+            <a:picLocks noChangeAspect="1"/>
+          </p:cNvPicPr>
+          <p:nvPr/>
+        </p:nvPicPr>
+        <p:blipFill rotWithShape="1">
+          <a:blip r:embed="rId3">
+            <a:extLst>
+              <a:ext uri="{28A0092B-C50C-407E-A947-70E740481C1C}">
+                <a14:useLocalDpi xmlns:a14="http://schemas.microsoft.com/office/drawing/2010/main" val="0"/>
+              </a:ext>
+            </a:extLst>
+          </a:blip>
+          <a:srcRect l="30128" t="15375" r="30084" b="15861"/>
+          <a:stretch/>
+        </p:blipFill>
+        <p:spPr>
+          <a:xfrm>
+            <a:off x="4504944" y="2450592"/>
+            <a:ext cx="1374669" cy="1402162"/>
+          </a:xfrm>
+          <a:prstGeom prst="rect">
+            <a:avLst/>
+          </a:prstGeom>
+        </p:spPr>
+      </p:pic>
+      <p:pic>
+        <p:nvPicPr>
+          <p:cNvPr id="9" name="Picture 8"/>
+          <p:cNvPicPr>
+            <a:picLocks noChangeAspect="1"/>
+          </p:cNvPicPr>
+          <p:nvPr/>
+        </p:nvPicPr>
+        <p:blipFill rotWithShape="1">
+          <a:blip r:embed="rId4">
+            <a:extLst>
+              <a:ext uri="{28A0092B-C50C-407E-A947-70E740481C1C}">
+                <a14:useLocalDpi xmlns:a14="http://schemas.microsoft.com/office/drawing/2010/main" val="0"/>
+              </a:ext>
+            </a:extLst>
+          </a:blip>
+          <a:srcRect l="29824" t="17397" r="30442" b="15637"/>
+          <a:stretch/>
+        </p:blipFill>
+        <p:spPr>
+          <a:xfrm>
+            <a:off x="4504944" y="3852754"/>
+            <a:ext cx="1374668" cy="1365504"/>
+          </a:xfrm>
+          <a:prstGeom prst="rect">
+            <a:avLst/>
+          </a:prstGeom>
+        </p:spPr>
+      </p:pic>
+    </p:spTree>
+    <p:extLst>
+      <p:ext uri="{BB962C8B-B14F-4D97-AF65-F5344CB8AC3E}">
+        <p14:creationId xmlns:p14="http://schemas.microsoft.com/office/powerpoint/2010/main" val="277967301"/>
+      </p:ext>
+    </p:extLst>
+  </p:cSld>
+  <p:clrMapOvr>
+    <a:masterClrMapping/>
+  </p:clrMapOvr>
+</p:sld>
+</file>
+
+<file path=ppt/slides/slide15.xml><?xml version="1.0" encoding="utf-8"?>
+<p:sld xmlns:a="http://schemas.openxmlformats.org/drawingml/2006/main" xmlns:r="http://schemas.openxmlformats.org/officeDocument/2006/relationships" xmlns:p="http://schemas.openxmlformats.org/presentationml/2006/main">
+  <p:cSld>
+    <p:spTree>
+      <p:nvGrpSpPr>
+        <p:cNvPr id="1" name=""/>
+        <p:cNvGrpSpPr/>
+        <p:nvPr/>
+      </p:nvGrpSpPr>
+      <p:grpSpPr>
+        <a:xfrm>
+          <a:off x="0" y="0"/>
+          <a:ext cx="0" cy="0"/>
+          <a:chOff x="0" y="0"/>
+          <a:chExt cx="0" cy="0"/>
+        </a:xfrm>
+      </p:grpSpPr>
+      <p:pic>
+        <p:nvPicPr>
+          <p:cNvPr id="2" name="Picture 1"/>
+          <p:cNvPicPr>
+            <a:picLocks noChangeAspect="1"/>
+          </p:cNvPicPr>
+          <p:nvPr/>
+        </p:nvPicPr>
+        <p:blipFill rotWithShape="1">
+          <a:blip r:embed="rId2">
+            <a:extLst>
+              <a:ext uri="{28A0092B-C50C-407E-A947-70E740481C1C}">
+                <a14:useLocalDpi xmlns:a14="http://schemas.microsoft.com/office/drawing/2010/main" val="0"/>
+              </a:ext>
+            </a:extLst>
+          </a:blip>
+          <a:srcRect l="20357" t="3669" r="19803" b="3411"/>
+          <a:stretch/>
+        </p:blipFill>
+        <p:spPr>
+          <a:xfrm>
+            <a:off x="1780032" y="877010"/>
+            <a:ext cx="1816608" cy="1695501"/>
+          </a:xfrm>
+          <a:prstGeom prst="rect">
+            <a:avLst/>
+          </a:prstGeom>
+        </p:spPr>
+      </p:pic>
+      <p:pic>
+        <p:nvPicPr>
+          <p:cNvPr id="3" name="Picture 2"/>
+          <p:cNvPicPr>
+            <a:picLocks noChangeAspect="1"/>
+          </p:cNvPicPr>
+          <p:nvPr/>
+        </p:nvPicPr>
+        <p:blipFill rotWithShape="1">
+          <a:blip r:embed="rId3">
+            <a:extLst>
+              <a:ext uri="{28A0092B-C50C-407E-A947-70E740481C1C}">
+                <a14:useLocalDpi xmlns:a14="http://schemas.microsoft.com/office/drawing/2010/main" val="0"/>
+              </a:ext>
+            </a:extLst>
+          </a:blip>
+          <a:srcRect l="20091" t="3669" r="20069" b="3411"/>
+          <a:stretch/>
+        </p:blipFill>
+        <p:spPr>
+          <a:xfrm>
+            <a:off x="1780032" y="2572511"/>
+            <a:ext cx="1816608" cy="1695501"/>
+          </a:xfrm>
+          <a:prstGeom prst="rect">
+            <a:avLst/>
+          </a:prstGeom>
+        </p:spPr>
+      </p:pic>
+      <p:pic>
+        <p:nvPicPr>
+          <p:cNvPr id="4" name="Picture 3"/>
+          <p:cNvPicPr>
+            <a:picLocks noChangeAspect="1"/>
+          </p:cNvPicPr>
+          <p:nvPr/>
+        </p:nvPicPr>
+        <p:blipFill rotWithShape="1">
+          <a:blip r:embed="rId4">
+            <a:extLst>
+              <a:ext uri="{28A0092B-C50C-407E-A947-70E740481C1C}">
+                <a14:useLocalDpi xmlns:a14="http://schemas.microsoft.com/office/drawing/2010/main" val="0"/>
+              </a:ext>
+            </a:extLst>
+          </a:blip>
+          <a:srcRect l="20091" t="3226" r="20069" b="3853"/>
+          <a:stretch/>
+        </p:blipFill>
+        <p:spPr>
+          <a:xfrm>
+            <a:off x="1780032" y="4268012"/>
+            <a:ext cx="1816608" cy="1695501"/>
+          </a:xfrm>
+          <a:prstGeom prst="rect">
+            <a:avLst/>
+          </a:prstGeom>
+        </p:spPr>
+      </p:pic>
+    </p:spTree>
+    <p:extLst>
+      <p:ext uri="{BB962C8B-B14F-4D97-AF65-F5344CB8AC3E}">
+        <p14:creationId xmlns:p14="http://schemas.microsoft.com/office/powerpoint/2010/main" val="1474262147"/>
+      </p:ext>
+    </p:extLst>
+  </p:cSld>
+  <p:clrMapOvr>
+    <a:masterClrMapping/>
+  </p:clrMapOvr>
+</p:sld>
+</file>
+
+<file path=ppt/slides/slide16.xml><?xml version="1.0" encoding="utf-8"?>
+<p:sld xmlns:a="http://schemas.openxmlformats.org/drawingml/2006/main" xmlns:r="http://schemas.openxmlformats.org/officeDocument/2006/relationships" xmlns:p="http://schemas.openxmlformats.org/presentationml/2006/main">
+  <p:cSld>
+    <p:spTree>
+      <p:nvGrpSpPr>
+        <p:cNvPr id="1" name=""/>
+        <p:cNvGrpSpPr/>
+        <p:nvPr/>
+      </p:nvGrpSpPr>
+      <p:grpSpPr>
+        <a:xfrm>
+          <a:off x="0" y="0"/>
+          <a:ext cx="0" cy="0"/>
+          <a:chOff x="0" y="0"/>
+          <a:chExt cx="0" cy="0"/>
+        </a:xfrm>
+      </p:grpSpPr>
+      <p:pic>
+        <p:nvPicPr>
+          <p:cNvPr id="2" name="Picture 1"/>
+          <p:cNvPicPr>
+            <a:picLocks noChangeAspect="1"/>
+          </p:cNvPicPr>
+          <p:nvPr/>
+        </p:nvPicPr>
+        <p:blipFill rotWithShape="1">
+          <a:blip r:embed="rId2">
+            <a:extLst>
+              <a:ext uri="{28A0092B-C50C-407E-A947-70E740481C1C}">
+                <a14:useLocalDpi xmlns:a14="http://schemas.microsoft.com/office/drawing/2010/main" val="0"/>
+              </a:ext>
+            </a:extLst>
+          </a:blip>
+          <a:srcRect l="28125" t="20313" r="24777" b="29018"/>
+          <a:stretch/>
+        </p:blipFill>
+        <p:spPr>
+          <a:xfrm>
+            <a:off x="285749" y="542926"/>
+            <a:ext cx="3014663" cy="3243262"/>
+          </a:xfrm>
+          <a:prstGeom prst="rect">
+            <a:avLst/>
+          </a:prstGeom>
+        </p:spPr>
+      </p:pic>
+      <p:pic>
+        <p:nvPicPr>
+          <p:cNvPr id="3" name="Picture 2"/>
+          <p:cNvPicPr>
+            <a:picLocks noChangeAspect="1"/>
+          </p:cNvPicPr>
+          <p:nvPr/>
+        </p:nvPicPr>
+        <p:blipFill rotWithShape="1">
+          <a:blip r:embed="rId3">
+            <a:extLst>
+              <a:ext uri="{28A0092B-C50C-407E-A947-70E740481C1C}">
+                <a14:useLocalDpi xmlns:a14="http://schemas.microsoft.com/office/drawing/2010/main" val="0"/>
+              </a:ext>
+            </a:extLst>
+          </a:blip>
+          <a:srcRect l="26116" t="20089" r="24777" b="29018"/>
+          <a:stretch/>
+        </p:blipFill>
+        <p:spPr>
+          <a:xfrm>
+            <a:off x="221455" y="228601"/>
+            <a:ext cx="3143250" cy="3257550"/>
+          </a:xfrm>
+          <a:prstGeom prst="rect">
+            <a:avLst/>
+          </a:prstGeom>
+        </p:spPr>
+      </p:pic>
+      <p:grpSp>
+        <p:nvGrpSpPr>
+          <p:cNvPr id="12" name="Group 11"/>
+          <p:cNvGrpSpPr/>
+          <p:nvPr/>
+        </p:nvGrpSpPr>
+        <p:grpSpPr>
+          <a:xfrm>
+            <a:off x="3914775" y="3308983"/>
+            <a:ext cx="1824609" cy="2734630"/>
+            <a:chOff x="3914775" y="3308983"/>
+            <a:chExt cx="1824609" cy="2734630"/>
+          </a:xfrm>
+        </p:grpSpPr>
+        <p:pic>
+          <p:nvPicPr>
+            <p:cNvPr id="4" name="Picture 3"/>
+            <p:cNvPicPr>
+              <a:picLocks noChangeAspect="1"/>
+            </p:cNvPicPr>
+            <p:nvPr/>
+          </p:nvPicPr>
+          <p:blipFill rotWithShape="1">
+            <a:blip r:embed="rId4">
+              <a:extLst>
+                <a:ext uri="{28A0092B-C50C-407E-A947-70E740481C1C}">
+                  <a14:useLocalDpi xmlns:a14="http://schemas.microsoft.com/office/drawing/2010/main" val="0"/>
+                </a:ext>
+              </a:extLst>
+            </a:blip>
+            <a:srcRect l="75001" t="29241" r="20534" b="44866"/>
+            <a:stretch/>
+          </p:blipFill>
+          <p:spPr>
+            <a:xfrm>
+              <a:off x="3914775" y="3308983"/>
+              <a:ext cx="471488" cy="2734630"/>
+            </a:xfrm>
+            <a:prstGeom prst="rect">
+              <a:avLst/>
+            </a:prstGeom>
+          </p:spPr>
+        </p:pic>
+        <p:sp>
+          <p:nvSpPr>
+            <p:cNvPr id="5" name="TextBox 4"/>
+            <p:cNvSpPr txBox="1"/>
+            <p:nvPr/>
+          </p:nvSpPr>
+          <p:spPr>
+            <a:xfrm>
+              <a:off x="4269302" y="3389414"/>
+              <a:ext cx="652743" cy="307777"/>
+            </a:xfrm>
+            <a:prstGeom prst="rect">
+              <a:avLst/>
+            </a:prstGeom>
+            <a:noFill/>
+          </p:spPr>
+          <p:txBody>
+            <a:bodyPr wrap="none" rtlCol="0">
+              <a:spAutoFit/>
+            </a:bodyPr>
+            <a:lstStyle/>
+            <a:p>
+              <a:r>
+                <a:rPr lang="en-US" sz="1400" smtClean="0">
+                  <a:latin typeface="Helvetica Neue" charset="0"/>
+                  <a:ea typeface="Helvetica Neue" charset="0"/>
+                  <a:cs typeface="Helvetica Neue" charset="0"/>
+                </a:rPr>
+                <a:t>Genic</a:t>
+              </a:r>
+              <a:endParaRPr lang="en-US" sz="1400">
+                <a:latin typeface="Helvetica Neue" charset="0"/>
+                <a:ea typeface="Helvetica Neue" charset="0"/>
+                <a:cs typeface="Helvetica Neue" charset="0"/>
+              </a:endParaRPr>
+            </a:p>
+          </p:txBody>
+        </p:sp>
+        <p:sp>
+          <p:nvSpPr>
+            <p:cNvPr id="6" name="TextBox 5"/>
+            <p:cNvSpPr txBox="1"/>
+            <p:nvPr/>
+          </p:nvSpPr>
+          <p:spPr>
+            <a:xfrm>
+              <a:off x="4269302" y="3752182"/>
+              <a:ext cx="971548" cy="307777"/>
+            </a:xfrm>
+            <a:prstGeom prst="rect">
+              <a:avLst/>
+            </a:prstGeom>
+            <a:noFill/>
+          </p:spPr>
+          <p:txBody>
+            <a:bodyPr wrap="none" rtlCol="0">
+              <a:spAutoFit/>
+            </a:bodyPr>
+            <a:lstStyle/>
+            <a:p>
+              <a:r>
+                <a:rPr lang="en-US" sz="1400" dirty="0" err="1" smtClean="0">
+                  <a:latin typeface="Helvetica Neue" charset="0"/>
+                  <a:ea typeface="Helvetica Neue" charset="0"/>
+                  <a:cs typeface="Helvetica Neue" charset="0"/>
+                </a:rPr>
+                <a:t>Intergenic</a:t>
+              </a:r>
+              <a:endParaRPr lang="en-US" sz="1400" dirty="0">
+                <a:latin typeface="Helvetica Neue" charset="0"/>
+                <a:ea typeface="Helvetica Neue" charset="0"/>
+                <a:cs typeface="Helvetica Neue" charset="0"/>
+              </a:endParaRPr>
+            </a:p>
+          </p:txBody>
+        </p:sp>
+        <p:sp>
+          <p:nvSpPr>
+            <p:cNvPr id="7" name="TextBox 6"/>
+            <p:cNvSpPr txBox="1"/>
+            <p:nvPr/>
+          </p:nvSpPr>
+          <p:spPr>
+            <a:xfrm>
+              <a:off x="4269302" y="4114950"/>
+              <a:ext cx="644728" cy="307777"/>
+            </a:xfrm>
+            <a:prstGeom prst="rect">
+              <a:avLst/>
+            </a:prstGeom>
+            <a:noFill/>
+          </p:spPr>
+          <p:txBody>
+            <a:bodyPr wrap="none" rtlCol="0">
+              <a:spAutoFit/>
+            </a:bodyPr>
+            <a:lstStyle/>
+            <a:p>
+              <a:r>
+                <a:rPr lang="en-US" sz="1400" dirty="0" smtClean="0">
+                  <a:latin typeface="Helvetica Neue" charset="0"/>
+                  <a:ea typeface="Helvetica Neue" charset="0"/>
+                  <a:cs typeface="Helvetica Neue" charset="0"/>
+                </a:rPr>
+                <a:t>Intron</a:t>
+              </a:r>
+              <a:endParaRPr lang="en-US" sz="1400" dirty="0">
+                <a:latin typeface="Helvetica Neue" charset="0"/>
+                <a:ea typeface="Helvetica Neue" charset="0"/>
+                <a:cs typeface="Helvetica Neue" charset="0"/>
+              </a:endParaRPr>
+            </a:p>
+          </p:txBody>
+        </p:sp>
+        <p:sp>
+          <p:nvSpPr>
+            <p:cNvPr id="8" name="TextBox 7"/>
+            <p:cNvSpPr txBox="1"/>
+            <p:nvPr/>
+          </p:nvSpPr>
+          <p:spPr>
+            <a:xfrm>
+              <a:off x="4269302" y="4477718"/>
+              <a:ext cx="588623" cy="307777"/>
+            </a:xfrm>
+            <a:prstGeom prst="rect">
+              <a:avLst/>
+            </a:prstGeom>
+            <a:noFill/>
+          </p:spPr>
+          <p:txBody>
+            <a:bodyPr wrap="none" rtlCol="0">
+              <a:spAutoFit/>
+            </a:bodyPr>
+            <a:lstStyle/>
+            <a:p>
+              <a:r>
+                <a:rPr lang="en-US" sz="1400" dirty="0" smtClean="0">
+                  <a:latin typeface="Helvetica Neue" charset="0"/>
+                  <a:ea typeface="Helvetica Neue" charset="0"/>
+                  <a:cs typeface="Helvetica Neue" charset="0"/>
+                </a:rPr>
+                <a:t>Exon</a:t>
+              </a:r>
+              <a:endParaRPr lang="en-US" sz="1400" dirty="0">
+                <a:latin typeface="Helvetica Neue" charset="0"/>
+                <a:ea typeface="Helvetica Neue" charset="0"/>
+                <a:cs typeface="Helvetica Neue" charset="0"/>
+              </a:endParaRPr>
+            </a:p>
+          </p:txBody>
+        </p:sp>
+        <p:sp>
+          <p:nvSpPr>
+            <p:cNvPr id="9" name="TextBox 8"/>
+            <p:cNvSpPr txBox="1"/>
+            <p:nvPr/>
+          </p:nvSpPr>
+          <p:spPr>
+            <a:xfrm>
+              <a:off x="4269302" y="4840486"/>
+              <a:ext cx="968535" cy="307777"/>
+            </a:xfrm>
+            <a:prstGeom prst="rect">
+              <a:avLst/>
+            </a:prstGeom>
+            <a:noFill/>
+          </p:spPr>
+          <p:txBody>
+            <a:bodyPr wrap="none" rtlCol="0">
+              <a:spAutoFit/>
+            </a:bodyPr>
+            <a:lstStyle/>
+            <a:p>
+              <a:r>
+                <a:rPr lang="en-US" sz="1400" dirty="0" smtClean="0">
+                  <a:latin typeface="Helvetica Neue" charset="0"/>
+                  <a:ea typeface="Helvetica Neue" charset="0"/>
+                  <a:cs typeface="Helvetica Neue" charset="0"/>
+                </a:rPr>
+                <a:t>Upstream</a:t>
+              </a:r>
+              <a:endParaRPr lang="en-US" sz="1400" dirty="0">
+                <a:latin typeface="Helvetica Neue" charset="0"/>
+                <a:ea typeface="Helvetica Neue" charset="0"/>
+                <a:cs typeface="Helvetica Neue" charset="0"/>
+              </a:endParaRPr>
+            </a:p>
+          </p:txBody>
+        </p:sp>
+        <p:sp>
+          <p:nvSpPr>
+            <p:cNvPr id="10" name="TextBox 9"/>
+            <p:cNvSpPr txBox="1"/>
+            <p:nvPr/>
+          </p:nvSpPr>
+          <p:spPr>
+            <a:xfrm>
+              <a:off x="4269302" y="5203254"/>
+              <a:ext cx="1197764" cy="307777"/>
+            </a:xfrm>
+            <a:prstGeom prst="rect">
+              <a:avLst/>
+            </a:prstGeom>
+            <a:noFill/>
+          </p:spPr>
+          <p:txBody>
+            <a:bodyPr wrap="none" rtlCol="0">
+              <a:spAutoFit/>
+            </a:bodyPr>
+            <a:lstStyle/>
+            <a:p>
+              <a:r>
+                <a:rPr lang="en-US" sz="1400" dirty="0" smtClean="0">
+                  <a:latin typeface="Helvetica Neue" charset="0"/>
+                  <a:ea typeface="Helvetica Neue" charset="0"/>
+                  <a:cs typeface="Helvetica Neue" charset="0"/>
+                </a:rPr>
+                <a:t>Downstream</a:t>
+              </a:r>
+              <a:endParaRPr lang="en-US" sz="1400" dirty="0">
+                <a:latin typeface="Helvetica Neue" charset="0"/>
+                <a:ea typeface="Helvetica Neue" charset="0"/>
+                <a:cs typeface="Helvetica Neue" charset="0"/>
+              </a:endParaRPr>
+            </a:p>
+          </p:txBody>
+        </p:sp>
+        <p:sp>
+          <p:nvSpPr>
+            <p:cNvPr id="11" name="TextBox 10"/>
+            <p:cNvSpPr txBox="1"/>
+            <p:nvPr/>
+          </p:nvSpPr>
+          <p:spPr>
+            <a:xfrm>
+              <a:off x="4269302" y="5566022"/>
+              <a:ext cx="1470082" cy="307777"/>
+            </a:xfrm>
+            <a:prstGeom prst="rect">
+              <a:avLst/>
+            </a:prstGeom>
+            <a:noFill/>
+          </p:spPr>
+          <p:txBody>
+            <a:bodyPr wrap="none" rtlCol="0">
+              <a:spAutoFit/>
+            </a:bodyPr>
+            <a:lstStyle/>
+            <a:p>
+              <a:r>
+                <a:rPr lang="en-US" sz="1400" dirty="0" smtClean="0">
+                  <a:latin typeface="Helvetica Neue" charset="0"/>
+                  <a:ea typeface="Helvetica Neue" charset="0"/>
+                  <a:cs typeface="Helvetica Neue" charset="0"/>
+                </a:rPr>
+                <a:t>Distal </a:t>
+              </a:r>
+              <a:r>
+                <a:rPr lang="en-US" sz="1400" dirty="0" err="1" smtClean="0">
+                  <a:latin typeface="Helvetica Neue" charset="0"/>
+                  <a:ea typeface="Helvetica Neue" charset="0"/>
+                  <a:cs typeface="Helvetica Neue" charset="0"/>
+                </a:rPr>
+                <a:t>Intergenic</a:t>
+              </a:r>
+              <a:endParaRPr lang="en-US" sz="1400" dirty="0">
+                <a:latin typeface="Helvetica Neue" charset="0"/>
+                <a:ea typeface="Helvetica Neue" charset="0"/>
+                <a:cs typeface="Helvetica Neue" charset="0"/>
+              </a:endParaRPr>
+            </a:p>
+          </p:txBody>
+        </p:sp>
+      </p:grpSp>
+    </p:spTree>
+    <p:extLst>
+      <p:ext uri="{BB962C8B-B14F-4D97-AF65-F5344CB8AC3E}">
+        <p14:creationId xmlns:p14="http://schemas.microsoft.com/office/powerpoint/2010/main" val="200002462"/>
       </p:ext>
     </p:extLst>
   </p:cSld>
@@ -6953,6 +9000,155 @@
           <a:chExt cx="0" cy="0"/>
         </a:xfrm>
       </p:grpSpPr>
+      <p:grpSp>
+        <p:nvGrpSpPr>
+          <p:cNvPr id="6" name="Group 5"/>
+          <p:cNvGrpSpPr/>
+          <p:nvPr/>
+        </p:nvGrpSpPr>
+        <p:grpSpPr>
+          <a:xfrm>
+            <a:off x="809520" y="415734"/>
+            <a:ext cx="3898760" cy="3947449"/>
+            <a:chOff x="2924070" y="1187259"/>
+            <a:chExt cx="3898760" cy="3947449"/>
+          </a:xfrm>
+        </p:grpSpPr>
+        <p:pic>
+          <p:nvPicPr>
+            <p:cNvPr id="2" name="Picture 1"/>
+            <p:cNvPicPr>
+              <a:picLocks noChangeAspect="1"/>
+            </p:cNvPicPr>
+            <p:nvPr/>
+          </p:nvPicPr>
+          <p:blipFill rotWithShape="1">
+            <a:blip r:embed="rId2">
+              <a:extLst>
+                <a:ext uri="{28A0092B-C50C-407E-A947-70E740481C1C}">
+                  <a14:useLocalDpi xmlns:a14="http://schemas.microsoft.com/office/drawing/2010/main" val="0"/>
+                </a:ext>
+              </a:extLst>
+            </a:blip>
+            <a:srcRect l="24254" t="20447" r="21586" b="23352"/>
+            <a:stretch/>
+          </p:blipFill>
+          <p:spPr>
+            <a:xfrm>
+              <a:off x="2924070" y="1537398"/>
+              <a:ext cx="3466682" cy="3597310"/>
+            </a:xfrm>
+            <a:prstGeom prst="rect">
+              <a:avLst/>
+            </a:prstGeom>
+          </p:spPr>
+        </p:pic>
+        <p:sp>
+          <p:nvSpPr>
+            <p:cNvPr id="3" name="Rectangle 2"/>
+            <p:cNvSpPr/>
+            <p:nvPr/>
+          </p:nvSpPr>
+          <p:spPr>
+            <a:xfrm>
+              <a:off x="6159639" y="2150347"/>
+              <a:ext cx="663191" cy="1517301"/>
+            </a:xfrm>
+            <a:prstGeom prst="rect">
+              <a:avLst/>
+            </a:prstGeom>
+            <a:solidFill>
+              <a:schemeClr val="bg1"/>
+            </a:solidFill>
+            <a:ln>
+              <a:noFill/>
+            </a:ln>
+          </p:spPr>
+          <p:style>
+            <a:lnRef idx="2">
+              <a:schemeClr val="accent1">
+                <a:shade val="50000"/>
+              </a:schemeClr>
+            </a:lnRef>
+            <a:fillRef idx="1">
+              <a:schemeClr val="accent1"/>
+            </a:fillRef>
+            <a:effectRef idx="0">
+              <a:schemeClr val="accent1"/>
+            </a:effectRef>
+            <a:fontRef idx="minor">
+              <a:schemeClr val="lt1"/>
+            </a:fontRef>
+          </p:style>
+          <p:txBody>
+            <a:bodyPr rtlCol="0" anchor="ctr"/>
+            <a:lstStyle/>
+            <a:p>
+              <a:pPr algn="ctr"/>
+              <a:endParaRPr lang="en-US"/>
+            </a:p>
+          </p:txBody>
+        </p:sp>
+        <p:pic>
+          <p:nvPicPr>
+            <p:cNvPr id="5" name="Picture 4"/>
+            <p:cNvPicPr>
+              <a:picLocks noChangeAspect="1"/>
+            </p:cNvPicPr>
+            <p:nvPr/>
+          </p:nvPicPr>
+          <p:blipFill rotWithShape="1">
+            <a:blip r:embed="rId2">
+              <a:extLst>
+                <a:ext uri="{28A0092B-C50C-407E-A947-70E740481C1C}">
+                  <a14:useLocalDpi xmlns:a14="http://schemas.microsoft.com/office/drawing/2010/main" val="0"/>
+                </a:ext>
+              </a:extLst>
+            </a:blip>
+            <a:srcRect l="52799" t="20447" r="21586" b="72064"/>
+            <a:stretch/>
+          </p:blipFill>
+          <p:spPr>
+            <a:xfrm rot="4148019" flipH="1">
+              <a:off x="5096737" y="1767354"/>
+              <a:ext cx="1639557" cy="479367"/>
+            </a:xfrm>
+            <a:prstGeom prst="rect">
+              <a:avLst/>
+            </a:prstGeom>
+          </p:spPr>
+        </p:pic>
+      </p:grpSp>
+    </p:spTree>
+    <p:extLst>
+      <p:ext uri="{BB962C8B-B14F-4D97-AF65-F5344CB8AC3E}">
+        <p14:creationId xmlns:p14="http://schemas.microsoft.com/office/powerpoint/2010/main" val="252709738"/>
+      </p:ext>
+    </p:extLst>
+  </p:cSld>
+  <p:clrMapOvr>
+    <a:masterClrMapping/>
+  </p:clrMapOvr>
+</p:sld>
+</file>
+
+<file path=ppt/slides/slide8.xml><?xml version="1.0" encoding="utf-8"?>
+<p:sld xmlns:a="http://schemas.openxmlformats.org/drawingml/2006/main" xmlns:r="http://schemas.openxmlformats.org/officeDocument/2006/relationships" xmlns:p="http://schemas.openxmlformats.org/presentationml/2006/main">
+  <p:cSld>
+    <p:spTree>
+      <p:nvGrpSpPr>
+        <p:cNvPr id="1" name=""/>
+        <p:cNvGrpSpPr/>
+        <p:nvPr/>
+      </p:nvGrpSpPr>
+      <p:grpSpPr>
+        <a:xfrm>
+          <a:off x="0" y="0"/>
+          <a:ext cx="0" cy="0"/>
+          <a:chOff x="0" y="0"/>
+          <a:chExt cx="0" cy="0"/>
+        </a:xfrm>
+      </p:grpSpPr>
       <p:sp>
         <p:nvSpPr>
           <p:cNvPr id="2" name="Title 1"/>
@@ -6970,15 +9166,134 @@
           <a:p>
             <a:r>
               <a:rPr lang="en-US" dirty="0" smtClean="0"/>
-              <a:t>Gro binding is not indicative of spreading</a:t>
+              <a:t>Gro binding is enriched within 5’ segments of genes</a:t>
             </a:r>
             <a:endParaRPr lang="en-US" dirty="0"/>
           </a:p>
         </p:txBody>
       </p:sp>
+      <p:grpSp>
+        <p:nvGrpSpPr>
+          <p:cNvPr id="7" name="Group 6"/>
+          <p:cNvGrpSpPr/>
+          <p:nvPr/>
+        </p:nvGrpSpPr>
+        <p:grpSpPr>
+          <a:xfrm>
+            <a:off x="358953" y="2229906"/>
+            <a:ext cx="3502658" cy="1748118"/>
+            <a:chOff x="402561" y="5446058"/>
+            <a:chExt cx="3502658" cy="1748118"/>
+          </a:xfrm>
+        </p:grpSpPr>
+        <p:pic>
+          <p:nvPicPr>
+            <p:cNvPr id="5" name="Picture 4"/>
+            <p:cNvPicPr>
+              <a:picLocks noChangeAspect="1"/>
+            </p:cNvPicPr>
+            <p:nvPr/>
+          </p:nvPicPr>
+          <p:blipFill rotWithShape="1">
+            <a:blip r:embed="rId2">
+              <a:extLst>
+                <a:ext uri="{28A0092B-C50C-407E-A947-70E740481C1C}">
+                  <a14:useLocalDpi xmlns:a14="http://schemas.microsoft.com/office/drawing/2010/main" val="0"/>
+                </a:ext>
+              </a:extLst>
+            </a:blip>
+            <a:srcRect t="31956" r="42075" b="30488"/>
+            <a:stretch/>
+          </p:blipFill>
+          <p:spPr>
+            <a:xfrm>
+              <a:off x="416008" y="5446058"/>
+              <a:ext cx="3489211" cy="1748118"/>
+            </a:xfrm>
+            <a:prstGeom prst="rect">
+              <a:avLst/>
+            </a:prstGeom>
+          </p:spPr>
+        </p:pic>
+        <p:sp>
+          <p:nvSpPr>
+            <p:cNvPr id="6" name="Rectangle 5"/>
+            <p:cNvSpPr/>
+            <p:nvPr/>
+          </p:nvSpPr>
+          <p:spPr>
+            <a:xfrm>
+              <a:off x="402561" y="5739098"/>
+              <a:ext cx="277710" cy="645703"/>
+            </a:xfrm>
+            <a:prstGeom prst="rect">
+              <a:avLst/>
+            </a:prstGeom>
+            <a:solidFill>
+              <a:schemeClr val="bg1"/>
+            </a:solidFill>
+            <a:ln>
+              <a:noFill/>
+            </a:ln>
+          </p:spPr>
+          <p:style>
+            <a:lnRef idx="2">
+              <a:schemeClr val="accent1">
+                <a:shade val="50000"/>
+              </a:schemeClr>
+            </a:lnRef>
+            <a:fillRef idx="1">
+              <a:schemeClr val="accent1"/>
+            </a:fillRef>
+            <a:effectRef idx="0">
+              <a:schemeClr val="accent1"/>
+            </a:effectRef>
+            <a:fontRef idx="minor">
+              <a:schemeClr val="lt1"/>
+            </a:fontRef>
+          </p:style>
+          <p:txBody>
+            <a:bodyPr rtlCol="0" anchor="ctr"/>
+            <a:lstStyle/>
+            <a:p>
+              <a:pPr algn="ctr"/>
+              <a:endParaRPr lang="en-US"/>
+            </a:p>
+          </p:txBody>
+        </p:sp>
+      </p:grpSp>
       <p:pic>
         <p:nvPicPr>
-          <p:cNvPr id="3" name="Picture 2"/>
+          <p:cNvPr id="10" name="Picture 9"/>
+          <p:cNvPicPr>
+            <a:picLocks noChangeAspect="1"/>
+          </p:cNvPicPr>
+          <p:nvPr/>
+        </p:nvPicPr>
+        <p:blipFill rotWithShape="1">
+          <a:blip r:embed="rId2">
+            <a:extLst>
+              <a:ext uri="{28A0092B-C50C-407E-A947-70E740481C1C}">
+                <a14:useLocalDpi xmlns:a14="http://schemas.microsoft.com/office/drawing/2010/main" val="0"/>
+              </a:ext>
+            </a:extLst>
+          </a:blip>
+          <a:srcRect l="57813" t="31956" b="30488"/>
+          <a:stretch/>
+        </p:blipFill>
+        <p:spPr>
+          <a:xfrm>
+            <a:off x="1495228" y="3978024"/>
+            <a:ext cx="2541195" cy="1748118"/>
+          </a:xfrm>
+          <a:prstGeom prst="rect">
+            <a:avLst/>
+          </a:prstGeom>
+        </p:spPr>
+      </p:pic>
+      <p:pic>
+        <p:nvPicPr>
+          <p:cNvPr id="12" name="Picture 11"/>
           <p:cNvPicPr>
             <a:picLocks noChangeAspect="1"/>
           </p:cNvPicPr>
@@ -6998,8 +9313,163 @@
         </p:blipFill>
         <p:spPr>
           <a:xfrm>
-            <a:off x="1206500" y="2169388"/>
-            <a:ext cx="3176751" cy="4447452"/>
+            <a:off x="4984439" y="2078808"/>
+            <a:ext cx="3375346" cy="4368095"/>
+          </a:xfrm>
+          <a:prstGeom prst="rect">
+            <a:avLst/>
+          </a:prstGeom>
+        </p:spPr>
+      </p:pic>
+      <p:sp>
+        <p:nvSpPr>
+          <p:cNvPr id="13" name="TextBox 12"/>
+          <p:cNvSpPr txBox="1"/>
+          <p:nvPr/>
+        </p:nvSpPr>
+        <p:spPr>
+          <a:xfrm>
+            <a:off x="5431639" y="1645131"/>
+            <a:ext cx="2820580" cy="584775"/>
+          </a:xfrm>
+          <a:prstGeom prst="rect">
+            <a:avLst/>
+          </a:prstGeom>
+          <a:noFill/>
+        </p:spPr>
+        <p:txBody>
+          <a:bodyPr wrap="none" rtlCol="0">
+            <a:spAutoFit/>
+          </a:bodyPr>
+          <a:lstStyle/>
+          <a:p>
+            <a:pPr algn="ctr"/>
+            <a:r>
+              <a:rPr lang="en-US" dirty="0" smtClean="0"/>
+              <a:t>Fraction of Gro binding sites</a:t>
+            </a:r>
+          </a:p>
+          <a:p>
+            <a:pPr algn="ctr"/>
+            <a:r>
+              <a:rPr lang="en-US" sz="1400" dirty="0" smtClean="0"/>
+              <a:t>Feature length normalized</a:t>
+            </a:r>
+          </a:p>
+        </p:txBody>
+      </p:sp>
+    </p:spTree>
+    <p:extLst>
+      <p:ext uri="{BB962C8B-B14F-4D97-AF65-F5344CB8AC3E}">
+        <p14:creationId xmlns:p14="http://schemas.microsoft.com/office/powerpoint/2010/main" val="753470030"/>
+      </p:ext>
+    </p:extLst>
+  </p:cSld>
+  <p:clrMapOvr>
+    <a:masterClrMapping/>
+  </p:clrMapOvr>
+  <p:timing>
+    <p:tnLst>
+      <p:par>
+        <p:cTn id="1" dur="indefinite" restart="never" nodeType="tmRoot"/>
+      </p:par>
+    </p:tnLst>
+  </p:timing>
+</p:sld>
+</file>
+
+<file path=ppt/slides/slide9.xml><?xml version="1.0" encoding="utf-8"?>
+<p:sld xmlns:a="http://schemas.openxmlformats.org/drawingml/2006/main" xmlns:r="http://schemas.openxmlformats.org/officeDocument/2006/relationships" xmlns:p="http://schemas.openxmlformats.org/presentationml/2006/main">
+  <p:cSld>
+    <p:spTree>
+      <p:nvGrpSpPr>
+        <p:cNvPr id="1" name=""/>
+        <p:cNvGrpSpPr/>
+        <p:nvPr/>
+      </p:nvGrpSpPr>
+      <p:grpSpPr>
+        <a:xfrm>
+          <a:off x="0" y="0"/>
+          <a:ext cx="0" cy="0"/>
+          <a:chOff x="0" y="0"/>
+          <a:chExt cx="0" cy="0"/>
+        </a:xfrm>
+      </p:grpSpPr>
+      <p:sp>
+        <p:nvSpPr>
+          <p:cNvPr id="2" name="Title 1"/>
+          <p:cNvSpPr>
+            <a:spLocks noGrp="1"/>
+          </p:cNvSpPr>
+          <p:nvPr>
+            <p:ph type="title"/>
+          </p:nvPr>
+        </p:nvSpPr>
+        <p:spPr/>
+        <p:txBody>
+          <a:bodyPr/>
+          <a:lstStyle/>
+          <a:p>
+            <a:r>
+              <a:rPr lang="en-US" dirty="0" smtClean="0"/>
+              <a:t>Binding sites are enriched for motifs of Gro-interacting factors</a:t>
+            </a:r>
+            <a:endParaRPr lang="en-US" dirty="0"/>
+          </a:p>
+        </p:txBody>
+      </p:sp>
+      <p:pic>
+        <p:nvPicPr>
+          <p:cNvPr id="4" name="Picture 3"/>
+          <p:cNvPicPr>
+            <a:picLocks noChangeAspect="1"/>
+          </p:cNvPicPr>
+          <p:nvPr/>
+        </p:nvPicPr>
+        <p:blipFill rotWithShape="1">
+          <a:blip r:embed="rId2">
+            <a:extLst>
+              <a:ext uri="{28A0092B-C50C-407E-A947-70E740481C1C}">
+                <a14:useLocalDpi xmlns:a14="http://schemas.microsoft.com/office/drawing/2010/main" val="0"/>
+              </a:ext>
+            </a:extLst>
+          </a:blip>
+          <a:srcRect r="20000"/>
+          <a:stretch/>
+        </p:blipFill>
+        <p:spPr>
+          <a:xfrm>
+            <a:off x="1329722" y="1747800"/>
+            <a:ext cx="5188644" cy="4577893"/>
+          </a:xfrm>
+          <a:prstGeom prst="rect">
+            <a:avLst/>
+          </a:prstGeom>
+        </p:spPr>
+      </p:pic>
+      <p:pic>
+        <p:nvPicPr>
+          <p:cNvPr id="5" name="Picture 4"/>
+          <p:cNvPicPr>
+            <a:picLocks noChangeAspect="1"/>
+          </p:cNvPicPr>
+          <p:nvPr/>
+        </p:nvPicPr>
+        <p:blipFill rotWithShape="1">
+          <a:blip r:embed="rId2">
+            <a:extLst>
+              <a:ext uri="{28A0092B-C50C-407E-A947-70E740481C1C}">
+                <a14:useLocalDpi xmlns:a14="http://schemas.microsoft.com/office/drawing/2010/main" val="0"/>
+              </a:ext>
+            </a:extLst>
+          </a:blip>
+          <a:srcRect l="79883" t="41192" b="43729"/>
+          <a:stretch/>
+        </p:blipFill>
+        <p:spPr>
+          <a:xfrm>
+            <a:off x="6518366" y="3388140"/>
+            <a:ext cx="1836001" cy="971373"/>
           </a:xfrm>
           <a:prstGeom prst="rect">
             <a:avLst/>
@@ -7009,7 +9479,7 @@
     </p:spTree>
     <p:extLst>
       <p:ext uri="{BB962C8B-B14F-4D97-AF65-F5344CB8AC3E}">
-        <p14:creationId xmlns:p14="http://schemas.microsoft.com/office/powerpoint/2010/main" val="1657950135"/>
+        <p14:creationId xmlns:p14="http://schemas.microsoft.com/office/powerpoint/2010/main" val="2007211498"/>
       </p:ext>
     </p:extLst>
   </p:cSld>

--- a/presentations/defense_unused.pptx
+++ b/presentations/defense_unused.pptx
@@ -5,7 +5,7 @@
     <p:sldMasterId id="2147483660" r:id="rId1"/>
   </p:sldMasterIdLst>
   <p:notesMasterIdLst>
-    <p:notesMasterId r:id="rId18"/>
+    <p:notesMasterId r:id="rId22"/>
   </p:notesMasterIdLst>
   <p:sldIdLst>
     <p:sldId id="256" r:id="rId2"/>
@@ -24,6 +24,10 @@
     <p:sldId id="270" r:id="rId15"/>
     <p:sldId id="271" r:id="rId16"/>
     <p:sldId id="263" r:id="rId17"/>
+    <p:sldId id="272" r:id="rId18"/>
+    <p:sldId id="273" r:id="rId19"/>
+    <p:sldId id="274" r:id="rId20"/>
+    <p:sldId id="275" r:id="rId21"/>
   </p:sldIdLst>
   <p:sldSz cx="9144000" cy="6858000" type="screen4x3"/>
   <p:notesSz cx="6858000" cy="9144000"/>
@@ -5625,6 +5629,7721 @@
     <p:extLst>
       <p:ext uri="{BB962C8B-B14F-4D97-AF65-F5344CB8AC3E}">
         <p14:creationId xmlns:p14="http://schemas.microsoft.com/office/powerpoint/2010/main" val="200002462"/>
+      </p:ext>
+    </p:extLst>
+  </p:cSld>
+  <p:clrMapOvr>
+    <a:masterClrMapping/>
+  </p:clrMapOvr>
+</p:sld>
+</file>
+
+<file path=ppt/slides/slide17.xml><?xml version="1.0" encoding="utf-8"?>
+<p:sld xmlns:a="http://schemas.openxmlformats.org/drawingml/2006/main" xmlns:r="http://schemas.openxmlformats.org/officeDocument/2006/relationships" xmlns:p="http://schemas.openxmlformats.org/presentationml/2006/main">
+  <p:cSld>
+    <p:spTree>
+      <p:nvGrpSpPr>
+        <p:cNvPr id="1" name=""/>
+        <p:cNvGrpSpPr/>
+        <p:nvPr/>
+      </p:nvGrpSpPr>
+      <p:grpSpPr>
+        <a:xfrm>
+          <a:off x="0" y="0"/>
+          <a:ext cx="0" cy="0"/>
+          <a:chOff x="0" y="0"/>
+          <a:chExt cx="0" cy="0"/>
+        </a:xfrm>
+      </p:grpSpPr>
+      <p:cxnSp>
+        <p:nvCxnSpPr>
+          <p:cNvPr id="5" name="Straight Connector 4"/>
+          <p:cNvCxnSpPr/>
+          <p:nvPr/>
+        </p:nvCxnSpPr>
+        <p:spPr>
+          <a:xfrm>
+            <a:off x="2875347" y="2440001"/>
+            <a:ext cx="2278780" cy="1"/>
+          </a:xfrm>
+          <a:prstGeom prst="line">
+            <a:avLst/>
+          </a:prstGeom>
+          <a:ln w="63500">
+            <a:solidFill>
+              <a:schemeClr val="tx1"/>
+            </a:solidFill>
+          </a:ln>
+        </p:spPr>
+        <p:style>
+          <a:lnRef idx="1">
+            <a:schemeClr val="accent1"/>
+          </a:lnRef>
+          <a:fillRef idx="0">
+            <a:schemeClr val="accent1"/>
+          </a:fillRef>
+          <a:effectRef idx="0">
+            <a:schemeClr val="accent1"/>
+          </a:effectRef>
+          <a:fontRef idx="minor">
+            <a:schemeClr val="tx1"/>
+          </a:fontRef>
+        </p:style>
+      </p:cxnSp>
+      <p:cxnSp>
+        <p:nvCxnSpPr>
+          <p:cNvPr id="6" name="Straight Connector 5"/>
+          <p:cNvCxnSpPr/>
+          <p:nvPr/>
+        </p:nvCxnSpPr>
+        <p:spPr>
+          <a:xfrm>
+            <a:off x="5800284" y="2153967"/>
+            <a:ext cx="0" cy="308542"/>
+          </a:xfrm>
+          <a:prstGeom prst="line">
+            <a:avLst/>
+          </a:prstGeom>
+          <a:ln w="63500">
+            <a:solidFill>
+              <a:schemeClr val="tx1"/>
+            </a:solidFill>
+          </a:ln>
+        </p:spPr>
+        <p:style>
+          <a:lnRef idx="1">
+            <a:schemeClr val="accent1"/>
+          </a:lnRef>
+          <a:fillRef idx="0">
+            <a:schemeClr val="accent1"/>
+          </a:fillRef>
+          <a:effectRef idx="0">
+            <a:schemeClr val="accent1"/>
+          </a:effectRef>
+          <a:fontRef idx="minor">
+            <a:schemeClr val="tx1"/>
+          </a:fontRef>
+        </p:style>
+      </p:cxnSp>
+      <p:cxnSp>
+        <p:nvCxnSpPr>
+          <p:cNvPr id="7" name="Straight Arrow Connector 6"/>
+          <p:cNvCxnSpPr/>
+          <p:nvPr/>
+        </p:nvCxnSpPr>
+        <p:spPr>
+          <a:xfrm>
+            <a:off x="5804158" y="2176332"/>
+            <a:ext cx="308542" cy="0"/>
+          </a:xfrm>
+          <a:prstGeom prst="straightConnector1">
+            <a:avLst/>
+          </a:prstGeom>
+          <a:ln w="63500">
+            <a:solidFill>
+              <a:schemeClr val="tx1"/>
+            </a:solidFill>
+            <a:tailEnd type="triangle"/>
+          </a:ln>
+        </p:spPr>
+        <p:style>
+          <a:lnRef idx="1">
+            <a:schemeClr val="accent1"/>
+          </a:lnRef>
+          <a:fillRef idx="0">
+            <a:schemeClr val="accent1"/>
+          </a:fillRef>
+          <a:effectRef idx="0">
+            <a:schemeClr val="accent1"/>
+          </a:effectRef>
+          <a:fontRef idx="minor">
+            <a:schemeClr val="tx1"/>
+          </a:fontRef>
+        </p:style>
+      </p:cxnSp>
+      <p:cxnSp>
+        <p:nvCxnSpPr>
+          <p:cNvPr id="8" name="Straight Connector 7"/>
+          <p:cNvCxnSpPr/>
+          <p:nvPr/>
+        </p:nvCxnSpPr>
+        <p:spPr>
+          <a:xfrm>
+            <a:off x="5395057" y="2446886"/>
+            <a:ext cx="1173229" cy="0"/>
+          </a:xfrm>
+          <a:prstGeom prst="line">
+            <a:avLst/>
+          </a:prstGeom>
+          <a:ln w="63500">
+            <a:solidFill>
+              <a:schemeClr val="tx1"/>
+            </a:solidFill>
+          </a:ln>
+        </p:spPr>
+        <p:style>
+          <a:lnRef idx="1">
+            <a:schemeClr val="accent1"/>
+          </a:lnRef>
+          <a:fillRef idx="0">
+            <a:schemeClr val="accent1"/>
+          </a:fillRef>
+          <a:effectRef idx="0">
+            <a:schemeClr val="accent1"/>
+          </a:effectRef>
+          <a:fontRef idx="minor">
+            <a:schemeClr val="tx1"/>
+          </a:fontRef>
+        </p:style>
+      </p:cxnSp>
+      <p:sp>
+        <p:nvSpPr>
+          <p:cNvPr id="9" name="Rectangle 8"/>
+          <p:cNvSpPr/>
+          <p:nvPr/>
+        </p:nvSpPr>
+        <p:spPr>
+          <a:xfrm>
+            <a:off x="4154411" y="2397062"/>
+            <a:ext cx="567997" cy="85877"/>
+          </a:xfrm>
+          <a:prstGeom prst="rect">
+            <a:avLst/>
+          </a:prstGeom>
+          <a:solidFill>
+            <a:schemeClr val="accent2">
+              <a:lumMod val="75000"/>
+            </a:schemeClr>
+          </a:solidFill>
+          <a:ln>
+            <a:noFill/>
+          </a:ln>
+        </p:spPr>
+        <p:style>
+          <a:lnRef idx="2">
+            <a:schemeClr val="accent1">
+              <a:shade val="50000"/>
+            </a:schemeClr>
+          </a:lnRef>
+          <a:fillRef idx="1">
+            <a:schemeClr val="accent1"/>
+          </a:fillRef>
+          <a:effectRef idx="0">
+            <a:schemeClr val="accent1"/>
+          </a:effectRef>
+          <a:fontRef idx="minor">
+            <a:schemeClr val="lt1"/>
+          </a:fontRef>
+        </p:style>
+        <p:txBody>
+          <a:bodyPr rot="0" spcFirstLastPara="0" vertOverflow="overflow" horzOverflow="overflow" vert="horz" wrap="square" lIns="91440" tIns="45720" rIns="91440" bIns="45720" numCol="1" spcCol="0" rtlCol="0" fromWordArt="0" anchor="ctr" anchorCtr="0" forceAA="0" compatLnSpc="1">
+            <a:prstTxWarp prst="textNoShape">
+              <a:avLst/>
+            </a:prstTxWarp>
+            <a:noAutofit/>
+          </a:bodyPr>
+          <a:lstStyle/>
+          <a:p>
+            <a:pPr algn="ctr"/>
+            <a:endParaRPr lang="en-US"/>
+          </a:p>
+        </p:txBody>
+      </p:sp>
+      <p:sp>
+        <p:nvSpPr>
+          <p:cNvPr id="10" name="Rectangle 9"/>
+          <p:cNvSpPr/>
+          <p:nvPr/>
+        </p:nvSpPr>
+        <p:spPr>
+          <a:xfrm flipV="1">
+            <a:off x="3230881" y="2397062"/>
+            <a:ext cx="567997" cy="85877"/>
+          </a:xfrm>
+          <a:prstGeom prst="rect">
+            <a:avLst/>
+          </a:prstGeom>
+          <a:solidFill>
+            <a:schemeClr val="accent2">
+              <a:lumMod val="75000"/>
+            </a:schemeClr>
+          </a:solidFill>
+          <a:ln>
+            <a:noFill/>
+          </a:ln>
+        </p:spPr>
+        <p:style>
+          <a:lnRef idx="2">
+            <a:schemeClr val="accent1">
+              <a:shade val="50000"/>
+            </a:schemeClr>
+          </a:lnRef>
+          <a:fillRef idx="1">
+            <a:schemeClr val="accent1"/>
+          </a:fillRef>
+          <a:effectRef idx="0">
+            <a:schemeClr val="accent1"/>
+          </a:effectRef>
+          <a:fontRef idx="minor">
+            <a:schemeClr val="lt1"/>
+          </a:fontRef>
+        </p:style>
+        <p:txBody>
+          <a:bodyPr rot="0" spcFirstLastPara="0" vertOverflow="overflow" horzOverflow="overflow" vert="horz" wrap="square" lIns="91440" tIns="45720" rIns="91440" bIns="45720" numCol="1" spcCol="0" rtlCol="0" fromWordArt="0" anchor="ctr" anchorCtr="0" forceAA="0" compatLnSpc="1">
+            <a:prstTxWarp prst="textNoShape">
+              <a:avLst/>
+            </a:prstTxWarp>
+            <a:noAutofit/>
+          </a:bodyPr>
+          <a:lstStyle/>
+          <a:p>
+            <a:pPr algn="ctr"/>
+            <a:endParaRPr lang="en-US"/>
+          </a:p>
+        </p:txBody>
+      </p:sp>
+      <p:cxnSp>
+        <p:nvCxnSpPr>
+          <p:cNvPr id="11" name="Straight Connector 10"/>
+          <p:cNvCxnSpPr/>
+          <p:nvPr/>
+        </p:nvCxnSpPr>
+        <p:spPr>
+          <a:xfrm flipH="1">
+            <a:off x="5292733" y="2359230"/>
+            <a:ext cx="200310" cy="161540"/>
+          </a:xfrm>
+          <a:prstGeom prst="line">
+            <a:avLst/>
+          </a:prstGeom>
+          <a:ln w="63500">
+            <a:solidFill>
+              <a:schemeClr val="tx1"/>
+            </a:solidFill>
+          </a:ln>
+        </p:spPr>
+        <p:style>
+          <a:lnRef idx="1">
+            <a:schemeClr val="accent1"/>
+          </a:lnRef>
+          <a:fillRef idx="0">
+            <a:schemeClr val="accent1"/>
+          </a:fillRef>
+          <a:effectRef idx="0">
+            <a:schemeClr val="accent1"/>
+          </a:effectRef>
+          <a:fontRef idx="minor">
+            <a:schemeClr val="tx1"/>
+          </a:fontRef>
+        </p:style>
+      </p:cxnSp>
+      <p:cxnSp>
+        <p:nvCxnSpPr>
+          <p:cNvPr id="12" name="Straight Connector 11"/>
+          <p:cNvCxnSpPr/>
+          <p:nvPr/>
+        </p:nvCxnSpPr>
+        <p:spPr>
+          <a:xfrm flipH="1">
+            <a:off x="5053626" y="2359230"/>
+            <a:ext cx="200310" cy="161540"/>
+          </a:xfrm>
+          <a:prstGeom prst="line">
+            <a:avLst/>
+          </a:prstGeom>
+          <a:ln w="63500">
+            <a:solidFill>
+              <a:schemeClr val="tx1"/>
+            </a:solidFill>
+          </a:ln>
+        </p:spPr>
+        <p:style>
+          <a:lnRef idx="1">
+            <a:schemeClr val="accent1"/>
+          </a:lnRef>
+          <a:fillRef idx="0">
+            <a:schemeClr val="accent1"/>
+          </a:fillRef>
+          <a:effectRef idx="0">
+            <a:schemeClr val="accent1"/>
+          </a:effectRef>
+          <a:fontRef idx="minor">
+            <a:schemeClr val="tx1"/>
+          </a:fontRef>
+        </p:style>
+      </p:cxnSp>
+      <p:sp>
+        <p:nvSpPr>
+          <p:cNvPr id="15" name="Oval 14"/>
+          <p:cNvSpPr/>
+          <p:nvPr/>
+        </p:nvSpPr>
+        <p:spPr>
+          <a:xfrm>
+            <a:off x="3232593" y="1876102"/>
+            <a:ext cx="570784" cy="570784"/>
+          </a:xfrm>
+          <a:prstGeom prst="ellipse">
+            <a:avLst/>
+          </a:prstGeom>
+        </p:spPr>
+        <p:style>
+          <a:lnRef idx="2">
+            <a:schemeClr val="accent1">
+              <a:shade val="50000"/>
+            </a:schemeClr>
+          </a:lnRef>
+          <a:fillRef idx="1">
+            <a:schemeClr val="accent1"/>
+          </a:fillRef>
+          <a:effectRef idx="0">
+            <a:schemeClr val="accent1"/>
+          </a:effectRef>
+          <a:fontRef idx="minor">
+            <a:schemeClr val="lt1"/>
+          </a:fontRef>
+        </p:style>
+        <p:txBody>
+          <a:bodyPr rot="0" spcFirstLastPara="0" vertOverflow="overflow" horzOverflow="overflow" vert="horz" wrap="square" lIns="91440" tIns="45720" rIns="91440" bIns="45720" numCol="1" spcCol="0" rtlCol="0" fromWordArt="0" anchor="ctr" anchorCtr="0" forceAA="0" compatLnSpc="1">
+            <a:prstTxWarp prst="textNoShape">
+              <a:avLst/>
+            </a:prstTxWarp>
+            <a:noAutofit/>
+          </a:bodyPr>
+          <a:lstStyle/>
+          <a:p>
+            <a:pPr algn="ctr"/>
+            <a:r>
+              <a:rPr lang="en-US" dirty="0"/>
+              <a:t>R</a:t>
+            </a:r>
+            <a:endParaRPr lang="en-US" dirty="0"/>
+          </a:p>
+        </p:txBody>
+      </p:sp>
+      <p:sp>
+        <p:nvSpPr>
+          <p:cNvPr id="16" name="Arc 15"/>
+          <p:cNvSpPr/>
+          <p:nvPr/>
+        </p:nvSpPr>
+        <p:spPr>
+          <a:xfrm>
+            <a:off x="3718560" y="4623855"/>
+            <a:ext cx="1208657" cy="1207008"/>
+          </a:xfrm>
+          <a:prstGeom prst="arc">
+            <a:avLst>
+              <a:gd name="adj1" fmla="val 16200000"/>
+              <a:gd name="adj2" fmla="val 5307272"/>
+            </a:avLst>
+          </a:prstGeom>
+          <a:ln w="63500">
+            <a:solidFill>
+              <a:schemeClr val="tx1"/>
+            </a:solidFill>
+          </a:ln>
+        </p:spPr>
+        <p:style>
+          <a:lnRef idx="1">
+            <a:schemeClr val="accent1"/>
+          </a:lnRef>
+          <a:fillRef idx="0">
+            <a:schemeClr val="accent1"/>
+          </a:fillRef>
+          <a:effectRef idx="0">
+            <a:schemeClr val="accent1"/>
+          </a:effectRef>
+          <a:fontRef idx="minor">
+            <a:schemeClr val="tx1"/>
+          </a:fontRef>
+        </p:style>
+        <p:txBody>
+          <a:bodyPr rtlCol="0" anchor="ctr"/>
+          <a:lstStyle/>
+          <a:p>
+            <a:pPr algn="ctr"/>
+            <a:endParaRPr lang="en-US"/>
+          </a:p>
+        </p:txBody>
+      </p:sp>
+      <p:cxnSp>
+        <p:nvCxnSpPr>
+          <p:cNvPr id="17" name="Straight Connector 16"/>
+          <p:cNvCxnSpPr/>
+          <p:nvPr/>
+        </p:nvCxnSpPr>
+        <p:spPr>
+          <a:xfrm>
+            <a:off x="835347" y="4623855"/>
+            <a:ext cx="3513638" cy="0"/>
+          </a:xfrm>
+          <a:prstGeom prst="line">
+            <a:avLst/>
+          </a:prstGeom>
+          <a:ln w="63500">
+            <a:solidFill>
+              <a:schemeClr val="tx1"/>
+            </a:solidFill>
+          </a:ln>
+        </p:spPr>
+        <p:style>
+          <a:lnRef idx="1">
+            <a:schemeClr val="accent1"/>
+          </a:lnRef>
+          <a:fillRef idx="0">
+            <a:schemeClr val="accent1"/>
+          </a:fillRef>
+          <a:effectRef idx="0">
+            <a:schemeClr val="accent1"/>
+          </a:effectRef>
+          <a:fontRef idx="minor">
+            <a:schemeClr val="tx1"/>
+          </a:fontRef>
+        </p:style>
+      </p:cxnSp>
+      <p:cxnSp>
+        <p:nvCxnSpPr>
+          <p:cNvPr id="18" name="Straight Connector 17"/>
+          <p:cNvCxnSpPr/>
+          <p:nvPr/>
+        </p:nvCxnSpPr>
+        <p:spPr>
+          <a:xfrm>
+            <a:off x="3424976" y="5830863"/>
+            <a:ext cx="941193" cy="0"/>
+          </a:xfrm>
+          <a:prstGeom prst="line">
+            <a:avLst/>
+          </a:prstGeom>
+          <a:ln w="63500">
+            <a:solidFill>
+              <a:schemeClr val="tx1"/>
+            </a:solidFill>
+          </a:ln>
+        </p:spPr>
+        <p:style>
+          <a:lnRef idx="1">
+            <a:schemeClr val="accent1"/>
+          </a:lnRef>
+          <a:fillRef idx="0">
+            <a:schemeClr val="accent1"/>
+          </a:fillRef>
+          <a:effectRef idx="0">
+            <a:schemeClr val="accent1"/>
+          </a:effectRef>
+          <a:fontRef idx="minor">
+            <a:schemeClr val="tx1"/>
+          </a:fontRef>
+        </p:style>
+      </p:cxnSp>
+      <p:cxnSp>
+        <p:nvCxnSpPr>
+          <p:cNvPr id="29" name="Straight Connector 28"/>
+          <p:cNvCxnSpPr/>
+          <p:nvPr/>
+        </p:nvCxnSpPr>
+        <p:spPr>
+          <a:xfrm>
+            <a:off x="1607378" y="4593982"/>
+            <a:ext cx="0" cy="308542"/>
+          </a:xfrm>
+          <a:prstGeom prst="line">
+            <a:avLst/>
+          </a:prstGeom>
+          <a:ln w="63500">
+            <a:solidFill>
+              <a:schemeClr val="tx1"/>
+            </a:solidFill>
+          </a:ln>
+        </p:spPr>
+        <p:style>
+          <a:lnRef idx="1">
+            <a:schemeClr val="accent1"/>
+          </a:lnRef>
+          <a:fillRef idx="0">
+            <a:schemeClr val="accent1"/>
+          </a:fillRef>
+          <a:effectRef idx="0">
+            <a:schemeClr val="accent1"/>
+          </a:effectRef>
+          <a:fontRef idx="minor">
+            <a:schemeClr val="tx1"/>
+          </a:fontRef>
+        </p:style>
+      </p:cxnSp>
+      <p:cxnSp>
+        <p:nvCxnSpPr>
+          <p:cNvPr id="30" name="Straight Arrow Connector 29"/>
+          <p:cNvCxnSpPr/>
+          <p:nvPr/>
+        </p:nvCxnSpPr>
+        <p:spPr>
+          <a:xfrm flipH="1">
+            <a:off x="1306729" y="4879640"/>
+            <a:ext cx="330253" cy="0"/>
+          </a:xfrm>
+          <a:prstGeom prst="straightConnector1">
+            <a:avLst/>
+          </a:prstGeom>
+          <a:ln w="63500">
+            <a:solidFill>
+              <a:schemeClr val="tx1"/>
+            </a:solidFill>
+            <a:tailEnd type="triangle"/>
+          </a:ln>
+        </p:spPr>
+        <p:style>
+          <a:lnRef idx="1">
+            <a:schemeClr val="accent1"/>
+          </a:lnRef>
+          <a:fillRef idx="0">
+            <a:schemeClr val="accent1"/>
+          </a:fillRef>
+          <a:effectRef idx="0">
+            <a:schemeClr val="accent1"/>
+          </a:effectRef>
+          <a:fontRef idx="minor">
+            <a:schemeClr val="tx1"/>
+          </a:fontRef>
+        </p:style>
+      </p:cxnSp>
+      <p:cxnSp>
+        <p:nvCxnSpPr>
+          <p:cNvPr id="32" name="Straight Connector 31"/>
+          <p:cNvCxnSpPr/>
+          <p:nvPr/>
+        </p:nvCxnSpPr>
+        <p:spPr>
+          <a:xfrm flipH="1">
+            <a:off x="3334410" y="5750093"/>
+            <a:ext cx="200310" cy="161540"/>
+          </a:xfrm>
+          <a:prstGeom prst="line">
+            <a:avLst/>
+          </a:prstGeom>
+          <a:ln w="63500">
+            <a:solidFill>
+              <a:schemeClr val="tx1"/>
+            </a:solidFill>
+          </a:ln>
+        </p:spPr>
+        <p:style>
+          <a:lnRef idx="1">
+            <a:schemeClr val="accent1"/>
+          </a:lnRef>
+          <a:fillRef idx="0">
+            <a:schemeClr val="accent1"/>
+          </a:fillRef>
+          <a:effectRef idx="0">
+            <a:schemeClr val="accent1"/>
+          </a:effectRef>
+          <a:fontRef idx="minor">
+            <a:schemeClr val="tx1"/>
+          </a:fontRef>
+        </p:style>
+      </p:cxnSp>
+      <p:cxnSp>
+        <p:nvCxnSpPr>
+          <p:cNvPr id="33" name="Straight Connector 32"/>
+          <p:cNvCxnSpPr/>
+          <p:nvPr/>
+        </p:nvCxnSpPr>
+        <p:spPr>
+          <a:xfrm flipH="1">
+            <a:off x="3130028" y="5750093"/>
+            <a:ext cx="200310" cy="161540"/>
+          </a:xfrm>
+          <a:prstGeom prst="line">
+            <a:avLst/>
+          </a:prstGeom>
+          <a:ln w="63500">
+            <a:solidFill>
+              <a:schemeClr val="tx1"/>
+            </a:solidFill>
+          </a:ln>
+        </p:spPr>
+        <p:style>
+          <a:lnRef idx="1">
+            <a:schemeClr val="accent1"/>
+          </a:lnRef>
+          <a:fillRef idx="0">
+            <a:schemeClr val="accent1"/>
+          </a:fillRef>
+          <a:effectRef idx="0">
+            <a:schemeClr val="accent1"/>
+          </a:effectRef>
+          <a:fontRef idx="minor">
+            <a:schemeClr val="tx1"/>
+          </a:fontRef>
+        </p:style>
+      </p:cxnSp>
+      <p:cxnSp>
+        <p:nvCxnSpPr>
+          <p:cNvPr id="35" name="Straight Connector 34"/>
+          <p:cNvCxnSpPr/>
+          <p:nvPr/>
+        </p:nvCxnSpPr>
+        <p:spPr>
+          <a:xfrm>
+            <a:off x="835347" y="5830863"/>
+            <a:ext cx="2378828" cy="0"/>
+          </a:xfrm>
+          <a:prstGeom prst="line">
+            <a:avLst/>
+          </a:prstGeom>
+          <a:ln w="63500">
+            <a:solidFill>
+              <a:schemeClr val="tx1"/>
+            </a:solidFill>
+          </a:ln>
+        </p:spPr>
+        <p:style>
+          <a:lnRef idx="1">
+            <a:schemeClr val="accent1"/>
+          </a:lnRef>
+          <a:fillRef idx="0">
+            <a:schemeClr val="accent1"/>
+          </a:fillRef>
+          <a:effectRef idx="0">
+            <a:schemeClr val="accent1"/>
+          </a:effectRef>
+          <a:fontRef idx="minor">
+            <a:schemeClr val="tx1"/>
+          </a:fontRef>
+        </p:style>
+      </p:cxnSp>
+      <p:sp>
+        <p:nvSpPr>
+          <p:cNvPr id="23" name="Rectangle 22"/>
+          <p:cNvSpPr/>
+          <p:nvPr/>
+        </p:nvSpPr>
+        <p:spPr>
+          <a:xfrm flipV="1">
+            <a:off x="1949661" y="5781039"/>
+            <a:ext cx="567997" cy="85877"/>
+          </a:xfrm>
+          <a:prstGeom prst="rect">
+            <a:avLst/>
+          </a:prstGeom>
+          <a:solidFill>
+            <a:schemeClr val="accent2">
+              <a:lumMod val="75000"/>
+            </a:schemeClr>
+          </a:solidFill>
+          <a:ln>
+            <a:noFill/>
+          </a:ln>
+        </p:spPr>
+        <p:style>
+          <a:lnRef idx="2">
+            <a:schemeClr val="accent1">
+              <a:shade val="50000"/>
+            </a:schemeClr>
+          </a:lnRef>
+          <a:fillRef idx="1">
+            <a:schemeClr val="accent1"/>
+          </a:fillRef>
+          <a:effectRef idx="0">
+            <a:schemeClr val="accent1"/>
+          </a:effectRef>
+          <a:fontRef idx="minor">
+            <a:schemeClr val="lt1"/>
+          </a:fontRef>
+        </p:style>
+        <p:txBody>
+          <a:bodyPr rot="0" spcFirstLastPara="0" vertOverflow="overflow" horzOverflow="overflow" vert="horz" wrap="square" lIns="91440" tIns="45720" rIns="91440" bIns="45720" numCol="1" spcCol="0" rtlCol="0" fromWordArt="0" anchor="ctr" anchorCtr="0" forceAA="0" compatLnSpc="1">
+            <a:prstTxWarp prst="textNoShape">
+              <a:avLst/>
+            </a:prstTxWarp>
+            <a:noAutofit/>
+          </a:bodyPr>
+          <a:lstStyle/>
+          <a:p>
+            <a:pPr algn="ctr"/>
+            <a:endParaRPr lang="en-US"/>
+          </a:p>
+        </p:txBody>
+      </p:sp>
+      <p:sp>
+        <p:nvSpPr>
+          <p:cNvPr id="24" name="Oval 23"/>
+          <p:cNvSpPr/>
+          <p:nvPr/>
+        </p:nvSpPr>
+        <p:spPr>
+          <a:xfrm>
+            <a:off x="1948267" y="5260079"/>
+            <a:ext cx="570784" cy="570784"/>
+          </a:xfrm>
+          <a:prstGeom prst="ellipse">
+            <a:avLst/>
+          </a:prstGeom>
+        </p:spPr>
+        <p:style>
+          <a:lnRef idx="2">
+            <a:schemeClr val="accent1">
+              <a:shade val="50000"/>
+            </a:schemeClr>
+          </a:lnRef>
+          <a:fillRef idx="1">
+            <a:schemeClr val="accent1"/>
+          </a:fillRef>
+          <a:effectRef idx="0">
+            <a:schemeClr val="accent1"/>
+          </a:effectRef>
+          <a:fontRef idx="minor">
+            <a:schemeClr val="lt1"/>
+          </a:fontRef>
+        </p:style>
+        <p:txBody>
+          <a:bodyPr rot="0" spcFirstLastPara="0" vertOverflow="overflow" horzOverflow="overflow" vert="horz" wrap="square" lIns="91440" tIns="45720" rIns="91440" bIns="45720" numCol="1" spcCol="0" rtlCol="0" fromWordArt="0" anchor="ctr" anchorCtr="0" forceAA="0" compatLnSpc="1">
+            <a:prstTxWarp prst="textNoShape">
+              <a:avLst/>
+            </a:prstTxWarp>
+            <a:noAutofit/>
+          </a:bodyPr>
+          <a:lstStyle/>
+          <a:p>
+            <a:pPr algn="ctr"/>
+            <a:r>
+              <a:rPr lang="en-US" dirty="0"/>
+              <a:t>R</a:t>
+            </a:r>
+            <a:endParaRPr lang="en-US" dirty="0"/>
+          </a:p>
+        </p:txBody>
+      </p:sp>
+      <p:sp>
+        <p:nvSpPr>
+          <p:cNvPr id="25" name="Oval 24"/>
+          <p:cNvSpPr/>
+          <p:nvPr/>
+        </p:nvSpPr>
+        <p:spPr>
+          <a:xfrm rot="16200000">
+            <a:off x="2043114" y="5129122"/>
+            <a:ext cx="753071" cy="371982"/>
+          </a:xfrm>
+          <a:prstGeom prst="ellipse">
+            <a:avLst/>
+          </a:prstGeom>
+          <a:solidFill>
+            <a:schemeClr val="accent2"/>
+          </a:solidFill>
+        </p:spPr>
+        <p:style>
+          <a:lnRef idx="2">
+            <a:schemeClr val="accent1">
+              <a:shade val="50000"/>
+            </a:schemeClr>
+          </a:lnRef>
+          <a:fillRef idx="1">
+            <a:schemeClr val="accent1"/>
+          </a:fillRef>
+          <a:effectRef idx="0">
+            <a:schemeClr val="accent1"/>
+          </a:effectRef>
+          <a:fontRef idx="minor">
+            <a:schemeClr val="lt1"/>
+          </a:fontRef>
+        </p:style>
+        <p:txBody>
+          <a:bodyPr rot="0" spcFirstLastPara="0" vertOverflow="overflow" horzOverflow="overflow" vert="horz" wrap="square" lIns="91440" tIns="45720" rIns="91440" bIns="45720" numCol="1" spcCol="0" rtlCol="0" fromWordArt="0" anchor="ctr" anchorCtr="0" forceAA="0" compatLnSpc="1">
+            <a:prstTxWarp prst="textNoShape">
+              <a:avLst/>
+            </a:prstTxWarp>
+            <a:noAutofit/>
+          </a:bodyPr>
+          <a:lstStyle/>
+          <a:p>
+            <a:pPr algn="ctr"/>
+            <a:r>
+              <a:rPr lang="en-US" smtClean="0"/>
+              <a:t>Gro</a:t>
+            </a:r>
+            <a:endParaRPr lang="en-US" dirty="0"/>
+          </a:p>
+        </p:txBody>
+      </p:sp>
+      <p:sp>
+        <p:nvSpPr>
+          <p:cNvPr id="26" name="Oval 25"/>
+          <p:cNvSpPr/>
+          <p:nvPr/>
+        </p:nvSpPr>
+        <p:spPr>
+          <a:xfrm rot="16200000">
+            <a:off x="2282951" y="5129122"/>
+            <a:ext cx="753071" cy="371982"/>
+          </a:xfrm>
+          <a:prstGeom prst="ellipse">
+            <a:avLst/>
+          </a:prstGeom>
+          <a:solidFill>
+            <a:schemeClr val="accent2"/>
+          </a:solidFill>
+        </p:spPr>
+        <p:style>
+          <a:lnRef idx="2">
+            <a:schemeClr val="accent1">
+              <a:shade val="50000"/>
+            </a:schemeClr>
+          </a:lnRef>
+          <a:fillRef idx="1">
+            <a:schemeClr val="accent1"/>
+          </a:fillRef>
+          <a:effectRef idx="0">
+            <a:schemeClr val="accent1"/>
+          </a:effectRef>
+          <a:fontRef idx="minor">
+            <a:schemeClr val="lt1"/>
+          </a:fontRef>
+        </p:style>
+        <p:txBody>
+          <a:bodyPr rot="0" spcFirstLastPara="0" vertOverflow="overflow" horzOverflow="overflow" vert="horz" wrap="square" lIns="91440" tIns="45720" rIns="91440" bIns="45720" numCol="1" spcCol="0" rtlCol="0" fromWordArt="0" anchor="ctr" anchorCtr="0" forceAA="0" compatLnSpc="1">
+            <a:prstTxWarp prst="textNoShape">
+              <a:avLst/>
+            </a:prstTxWarp>
+            <a:noAutofit/>
+          </a:bodyPr>
+          <a:lstStyle/>
+          <a:p>
+            <a:pPr algn="ctr"/>
+            <a:r>
+              <a:rPr lang="en-US" smtClean="0"/>
+              <a:t>Gro</a:t>
+            </a:r>
+            <a:endParaRPr lang="en-US" dirty="0"/>
+          </a:p>
+        </p:txBody>
+      </p:sp>
+      <p:sp>
+        <p:nvSpPr>
+          <p:cNvPr id="27" name="Oval 26"/>
+          <p:cNvSpPr/>
+          <p:nvPr/>
+        </p:nvSpPr>
+        <p:spPr>
+          <a:xfrm rot="16200000">
+            <a:off x="2029640" y="4716533"/>
+            <a:ext cx="753071" cy="371982"/>
+          </a:xfrm>
+          <a:prstGeom prst="ellipse">
+            <a:avLst/>
+          </a:prstGeom>
+          <a:solidFill>
+            <a:schemeClr val="accent2"/>
+          </a:solidFill>
+        </p:spPr>
+        <p:style>
+          <a:lnRef idx="2">
+            <a:schemeClr val="accent1">
+              <a:shade val="50000"/>
+            </a:schemeClr>
+          </a:lnRef>
+          <a:fillRef idx="1">
+            <a:schemeClr val="accent1"/>
+          </a:fillRef>
+          <a:effectRef idx="0">
+            <a:schemeClr val="accent1"/>
+          </a:effectRef>
+          <a:fontRef idx="minor">
+            <a:schemeClr val="lt1"/>
+          </a:fontRef>
+        </p:style>
+        <p:txBody>
+          <a:bodyPr rot="0" spcFirstLastPara="0" vertOverflow="overflow" horzOverflow="overflow" vert="horz" wrap="square" lIns="91440" tIns="45720" rIns="91440" bIns="45720" numCol="1" spcCol="0" rtlCol="0" fromWordArt="0" anchor="ctr" anchorCtr="0" forceAA="0" compatLnSpc="1">
+            <a:prstTxWarp prst="textNoShape">
+              <a:avLst/>
+            </a:prstTxWarp>
+            <a:noAutofit/>
+          </a:bodyPr>
+          <a:lstStyle/>
+          <a:p>
+            <a:pPr algn="ctr"/>
+            <a:r>
+              <a:rPr lang="en-US" smtClean="0"/>
+              <a:t>Gro</a:t>
+            </a:r>
+            <a:endParaRPr lang="en-US" dirty="0"/>
+          </a:p>
+        </p:txBody>
+      </p:sp>
+      <p:sp>
+        <p:nvSpPr>
+          <p:cNvPr id="28" name="Oval 27"/>
+          <p:cNvSpPr/>
+          <p:nvPr/>
+        </p:nvSpPr>
+        <p:spPr>
+          <a:xfrm rot="16200000">
+            <a:off x="2301558" y="4693649"/>
+            <a:ext cx="753071" cy="371982"/>
+          </a:xfrm>
+          <a:prstGeom prst="ellipse">
+            <a:avLst/>
+          </a:prstGeom>
+          <a:solidFill>
+            <a:schemeClr val="accent2"/>
+          </a:solidFill>
+        </p:spPr>
+        <p:style>
+          <a:lnRef idx="2">
+            <a:schemeClr val="accent1">
+              <a:shade val="50000"/>
+            </a:schemeClr>
+          </a:lnRef>
+          <a:fillRef idx="1">
+            <a:schemeClr val="accent1"/>
+          </a:fillRef>
+          <a:effectRef idx="0">
+            <a:schemeClr val="accent1"/>
+          </a:effectRef>
+          <a:fontRef idx="minor">
+            <a:schemeClr val="lt1"/>
+          </a:fontRef>
+        </p:style>
+        <p:txBody>
+          <a:bodyPr rot="0" spcFirstLastPara="0" vertOverflow="overflow" horzOverflow="overflow" vert="horz" wrap="square" lIns="91440" tIns="45720" rIns="91440" bIns="45720" numCol="1" spcCol="0" rtlCol="0" fromWordArt="0" anchor="ctr" anchorCtr="0" forceAA="0" compatLnSpc="1">
+            <a:prstTxWarp prst="textNoShape">
+              <a:avLst/>
+            </a:prstTxWarp>
+            <a:noAutofit/>
+          </a:bodyPr>
+          <a:lstStyle/>
+          <a:p>
+            <a:pPr algn="ctr"/>
+            <a:r>
+              <a:rPr lang="en-US" smtClean="0"/>
+              <a:t>Gro</a:t>
+            </a:r>
+            <a:endParaRPr lang="en-US" dirty="0"/>
+          </a:p>
+        </p:txBody>
+      </p:sp>
+      <p:cxnSp>
+        <p:nvCxnSpPr>
+          <p:cNvPr id="49" name="Straight Connector 48"/>
+          <p:cNvCxnSpPr/>
+          <p:nvPr/>
+        </p:nvCxnSpPr>
+        <p:spPr>
+          <a:xfrm>
+            <a:off x="5197885" y="5207287"/>
+            <a:ext cx="2278780" cy="1"/>
+          </a:xfrm>
+          <a:prstGeom prst="line">
+            <a:avLst/>
+          </a:prstGeom>
+          <a:ln w="63500">
+            <a:solidFill>
+              <a:schemeClr val="tx1"/>
+            </a:solidFill>
+          </a:ln>
+        </p:spPr>
+        <p:style>
+          <a:lnRef idx="1">
+            <a:schemeClr val="accent1"/>
+          </a:lnRef>
+          <a:fillRef idx="0">
+            <a:schemeClr val="accent1"/>
+          </a:fillRef>
+          <a:effectRef idx="0">
+            <a:schemeClr val="accent1"/>
+          </a:effectRef>
+          <a:fontRef idx="minor">
+            <a:schemeClr val="tx1"/>
+          </a:fontRef>
+        </p:style>
+      </p:cxnSp>
+      <p:cxnSp>
+        <p:nvCxnSpPr>
+          <p:cNvPr id="50" name="Straight Connector 49"/>
+          <p:cNvCxnSpPr/>
+          <p:nvPr/>
+        </p:nvCxnSpPr>
+        <p:spPr>
+          <a:xfrm>
+            <a:off x="8122822" y="4921253"/>
+            <a:ext cx="0" cy="308542"/>
+          </a:xfrm>
+          <a:prstGeom prst="line">
+            <a:avLst/>
+          </a:prstGeom>
+          <a:ln w="63500">
+            <a:solidFill>
+              <a:schemeClr val="tx1"/>
+            </a:solidFill>
+          </a:ln>
+        </p:spPr>
+        <p:style>
+          <a:lnRef idx="1">
+            <a:schemeClr val="accent1"/>
+          </a:lnRef>
+          <a:fillRef idx="0">
+            <a:schemeClr val="accent1"/>
+          </a:fillRef>
+          <a:effectRef idx="0">
+            <a:schemeClr val="accent1"/>
+          </a:effectRef>
+          <a:fontRef idx="minor">
+            <a:schemeClr val="tx1"/>
+          </a:fontRef>
+        </p:style>
+      </p:cxnSp>
+      <p:cxnSp>
+        <p:nvCxnSpPr>
+          <p:cNvPr id="51" name="Straight Arrow Connector 50"/>
+          <p:cNvCxnSpPr/>
+          <p:nvPr/>
+        </p:nvCxnSpPr>
+        <p:spPr>
+          <a:xfrm>
+            <a:off x="8126696" y="4943618"/>
+            <a:ext cx="308542" cy="0"/>
+          </a:xfrm>
+          <a:prstGeom prst="straightConnector1">
+            <a:avLst/>
+          </a:prstGeom>
+          <a:ln w="63500">
+            <a:solidFill>
+              <a:schemeClr val="tx1"/>
+            </a:solidFill>
+            <a:tailEnd type="triangle"/>
+          </a:ln>
+        </p:spPr>
+        <p:style>
+          <a:lnRef idx="1">
+            <a:schemeClr val="accent1"/>
+          </a:lnRef>
+          <a:fillRef idx="0">
+            <a:schemeClr val="accent1"/>
+          </a:fillRef>
+          <a:effectRef idx="0">
+            <a:schemeClr val="accent1"/>
+          </a:effectRef>
+          <a:fontRef idx="minor">
+            <a:schemeClr val="tx1"/>
+          </a:fontRef>
+        </p:style>
+      </p:cxnSp>
+      <p:cxnSp>
+        <p:nvCxnSpPr>
+          <p:cNvPr id="52" name="Straight Connector 51"/>
+          <p:cNvCxnSpPr/>
+          <p:nvPr/>
+        </p:nvCxnSpPr>
+        <p:spPr>
+          <a:xfrm>
+            <a:off x="7717595" y="5214172"/>
+            <a:ext cx="1173229" cy="0"/>
+          </a:xfrm>
+          <a:prstGeom prst="line">
+            <a:avLst/>
+          </a:prstGeom>
+          <a:ln w="63500">
+            <a:solidFill>
+              <a:schemeClr val="tx1"/>
+            </a:solidFill>
+          </a:ln>
+        </p:spPr>
+        <p:style>
+          <a:lnRef idx="1">
+            <a:schemeClr val="accent1"/>
+          </a:lnRef>
+          <a:fillRef idx="0">
+            <a:schemeClr val="accent1"/>
+          </a:fillRef>
+          <a:effectRef idx="0">
+            <a:schemeClr val="accent1"/>
+          </a:effectRef>
+          <a:fontRef idx="minor">
+            <a:schemeClr val="tx1"/>
+          </a:fontRef>
+        </p:style>
+      </p:cxnSp>
+      <p:sp>
+        <p:nvSpPr>
+          <p:cNvPr id="53" name="Rectangle 52"/>
+          <p:cNvSpPr/>
+          <p:nvPr/>
+        </p:nvSpPr>
+        <p:spPr>
+          <a:xfrm>
+            <a:off x="6476949" y="5164348"/>
+            <a:ext cx="567997" cy="85877"/>
+          </a:xfrm>
+          <a:prstGeom prst="rect">
+            <a:avLst/>
+          </a:prstGeom>
+          <a:solidFill>
+            <a:schemeClr val="accent2">
+              <a:lumMod val="75000"/>
+            </a:schemeClr>
+          </a:solidFill>
+          <a:ln>
+            <a:noFill/>
+          </a:ln>
+        </p:spPr>
+        <p:style>
+          <a:lnRef idx="2">
+            <a:schemeClr val="accent1">
+              <a:shade val="50000"/>
+            </a:schemeClr>
+          </a:lnRef>
+          <a:fillRef idx="1">
+            <a:schemeClr val="accent1"/>
+          </a:fillRef>
+          <a:effectRef idx="0">
+            <a:schemeClr val="accent1"/>
+          </a:effectRef>
+          <a:fontRef idx="minor">
+            <a:schemeClr val="lt1"/>
+          </a:fontRef>
+        </p:style>
+        <p:txBody>
+          <a:bodyPr rot="0" spcFirstLastPara="0" vertOverflow="overflow" horzOverflow="overflow" vert="horz" wrap="square" lIns="91440" tIns="45720" rIns="91440" bIns="45720" numCol="1" spcCol="0" rtlCol="0" fromWordArt="0" anchor="ctr" anchorCtr="0" forceAA="0" compatLnSpc="1">
+            <a:prstTxWarp prst="textNoShape">
+              <a:avLst/>
+            </a:prstTxWarp>
+            <a:noAutofit/>
+          </a:bodyPr>
+          <a:lstStyle/>
+          <a:p>
+            <a:pPr algn="ctr"/>
+            <a:endParaRPr lang="en-US"/>
+          </a:p>
+        </p:txBody>
+      </p:sp>
+      <p:sp>
+        <p:nvSpPr>
+          <p:cNvPr id="54" name="Rectangle 53"/>
+          <p:cNvSpPr/>
+          <p:nvPr/>
+        </p:nvSpPr>
+        <p:spPr>
+          <a:xfrm flipV="1">
+            <a:off x="5553419" y="5164348"/>
+            <a:ext cx="567997" cy="85877"/>
+          </a:xfrm>
+          <a:prstGeom prst="rect">
+            <a:avLst/>
+          </a:prstGeom>
+          <a:solidFill>
+            <a:schemeClr val="accent2">
+              <a:lumMod val="75000"/>
+            </a:schemeClr>
+          </a:solidFill>
+          <a:ln>
+            <a:noFill/>
+          </a:ln>
+        </p:spPr>
+        <p:style>
+          <a:lnRef idx="2">
+            <a:schemeClr val="accent1">
+              <a:shade val="50000"/>
+            </a:schemeClr>
+          </a:lnRef>
+          <a:fillRef idx="1">
+            <a:schemeClr val="accent1"/>
+          </a:fillRef>
+          <a:effectRef idx="0">
+            <a:schemeClr val="accent1"/>
+          </a:effectRef>
+          <a:fontRef idx="minor">
+            <a:schemeClr val="lt1"/>
+          </a:fontRef>
+        </p:style>
+        <p:txBody>
+          <a:bodyPr rot="0" spcFirstLastPara="0" vertOverflow="overflow" horzOverflow="overflow" vert="horz" wrap="square" lIns="91440" tIns="45720" rIns="91440" bIns="45720" numCol="1" spcCol="0" rtlCol="0" fromWordArt="0" anchor="ctr" anchorCtr="0" forceAA="0" compatLnSpc="1">
+            <a:prstTxWarp prst="textNoShape">
+              <a:avLst/>
+            </a:prstTxWarp>
+            <a:noAutofit/>
+          </a:bodyPr>
+          <a:lstStyle/>
+          <a:p>
+            <a:pPr algn="ctr"/>
+            <a:endParaRPr lang="en-US"/>
+          </a:p>
+        </p:txBody>
+      </p:sp>
+      <p:cxnSp>
+        <p:nvCxnSpPr>
+          <p:cNvPr id="55" name="Straight Connector 54"/>
+          <p:cNvCxnSpPr/>
+          <p:nvPr/>
+        </p:nvCxnSpPr>
+        <p:spPr>
+          <a:xfrm flipH="1">
+            <a:off x="7615271" y="5126516"/>
+            <a:ext cx="200310" cy="161540"/>
+          </a:xfrm>
+          <a:prstGeom prst="line">
+            <a:avLst/>
+          </a:prstGeom>
+          <a:ln w="63500">
+            <a:solidFill>
+              <a:schemeClr val="tx1"/>
+            </a:solidFill>
+          </a:ln>
+        </p:spPr>
+        <p:style>
+          <a:lnRef idx="1">
+            <a:schemeClr val="accent1"/>
+          </a:lnRef>
+          <a:fillRef idx="0">
+            <a:schemeClr val="accent1"/>
+          </a:fillRef>
+          <a:effectRef idx="0">
+            <a:schemeClr val="accent1"/>
+          </a:effectRef>
+          <a:fontRef idx="minor">
+            <a:schemeClr val="tx1"/>
+          </a:fontRef>
+        </p:style>
+      </p:cxnSp>
+      <p:cxnSp>
+        <p:nvCxnSpPr>
+          <p:cNvPr id="56" name="Straight Connector 55"/>
+          <p:cNvCxnSpPr/>
+          <p:nvPr/>
+        </p:nvCxnSpPr>
+        <p:spPr>
+          <a:xfrm flipH="1">
+            <a:off x="7376164" y="5126516"/>
+            <a:ext cx="200310" cy="161540"/>
+          </a:xfrm>
+          <a:prstGeom prst="line">
+            <a:avLst/>
+          </a:prstGeom>
+          <a:ln w="63500">
+            <a:solidFill>
+              <a:schemeClr val="tx1"/>
+            </a:solidFill>
+          </a:ln>
+        </p:spPr>
+        <p:style>
+          <a:lnRef idx="1">
+            <a:schemeClr val="accent1"/>
+          </a:lnRef>
+          <a:fillRef idx="0">
+            <a:schemeClr val="accent1"/>
+          </a:fillRef>
+          <a:effectRef idx="0">
+            <a:schemeClr val="accent1"/>
+          </a:effectRef>
+          <a:fontRef idx="minor">
+            <a:schemeClr val="tx1"/>
+          </a:fontRef>
+        </p:style>
+      </p:cxnSp>
+      <p:sp>
+        <p:nvSpPr>
+          <p:cNvPr id="57" name="Oval 56"/>
+          <p:cNvSpPr/>
+          <p:nvPr/>
+        </p:nvSpPr>
+        <p:spPr>
+          <a:xfrm>
+            <a:off x="5555131" y="4643388"/>
+            <a:ext cx="570784" cy="570784"/>
+          </a:xfrm>
+          <a:prstGeom prst="ellipse">
+            <a:avLst/>
+          </a:prstGeom>
+        </p:spPr>
+        <p:style>
+          <a:lnRef idx="2">
+            <a:schemeClr val="accent1">
+              <a:shade val="50000"/>
+            </a:schemeClr>
+          </a:lnRef>
+          <a:fillRef idx="1">
+            <a:schemeClr val="accent1"/>
+          </a:fillRef>
+          <a:effectRef idx="0">
+            <a:schemeClr val="accent1"/>
+          </a:effectRef>
+          <a:fontRef idx="minor">
+            <a:schemeClr val="lt1"/>
+          </a:fontRef>
+        </p:style>
+        <p:txBody>
+          <a:bodyPr rot="0" spcFirstLastPara="0" vertOverflow="overflow" horzOverflow="overflow" vert="horz" wrap="square" lIns="91440" tIns="45720" rIns="91440" bIns="45720" numCol="1" spcCol="0" rtlCol="0" fromWordArt="0" anchor="ctr" anchorCtr="0" forceAA="0" compatLnSpc="1">
+            <a:prstTxWarp prst="textNoShape">
+              <a:avLst/>
+            </a:prstTxWarp>
+            <a:noAutofit/>
+          </a:bodyPr>
+          <a:lstStyle/>
+          <a:p>
+            <a:pPr algn="ctr"/>
+            <a:r>
+              <a:rPr lang="en-US" dirty="0"/>
+              <a:t>R</a:t>
+            </a:r>
+            <a:endParaRPr lang="en-US" dirty="0"/>
+          </a:p>
+        </p:txBody>
+      </p:sp>
+      <p:grpSp>
+        <p:nvGrpSpPr>
+          <p:cNvPr id="48" name="Group 47"/>
+          <p:cNvGrpSpPr/>
+          <p:nvPr/>
+        </p:nvGrpSpPr>
+        <p:grpSpPr>
+          <a:xfrm>
+            <a:off x="5781692" y="4461101"/>
+            <a:ext cx="2860476" cy="753071"/>
+            <a:chOff x="5729557" y="3362104"/>
+            <a:chExt cx="2860476" cy="753071"/>
+          </a:xfrm>
+        </p:grpSpPr>
+        <p:sp>
+          <p:nvSpPr>
+            <p:cNvPr id="22" name="Oval 21"/>
+            <p:cNvSpPr/>
+            <p:nvPr/>
+          </p:nvSpPr>
+          <p:spPr>
+            <a:xfrm rot="16200000">
+              <a:off x="5539012" y="3552649"/>
+              <a:ext cx="753071" cy="371982"/>
+            </a:xfrm>
+            <a:prstGeom prst="ellipse">
+              <a:avLst/>
+            </a:prstGeom>
+            <a:solidFill>
+              <a:schemeClr val="accent2"/>
+            </a:solidFill>
+          </p:spPr>
+          <p:style>
+            <a:lnRef idx="2">
+              <a:schemeClr val="accent1">
+                <a:shade val="50000"/>
+              </a:schemeClr>
+            </a:lnRef>
+            <a:fillRef idx="1">
+              <a:schemeClr val="accent1"/>
+            </a:fillRef>
+            <a:effectRef idx="0">
+              <a:schemeClr val="accent1"/>
+            </a:effectRef>
+            <a:fontRef idx="minor">
+              <a:schemeClr val="lt1"/>
+            </a:fontRef>
+          </p:style>
+          <p:txBody>
+            <a:bodyPr rot="0" spcFirstLastPara="0" vertOverflow="overflow" horzOverflow="overflow" vert="horz" wrap="square" lIns="91440" tIns="45720" rIns="91440" bIns="45720" numCol="1" spcCol="0" rtlCol="0" fromWordArt="0" anchor="ctr" anchorCtr="0" forceAA="0" compatLnSpc="1">
+              <a:prstTxWarp prst="textNoShape">
+                <a:avLst/>
+              </a:prstTxWarp>
+              <a:noAutofit/>
+            </a:bodyPr>
+            <a:lstStyle/>
+            <a:p>
+              <a:pPr algn="ctr"/>
+              <a:r>
+                <a:rPr lang="en-US" smtClean="0"/>
+                <a:t>Gro</a:t>
+              </a:r>
+              <a:endParaRPr lang="en-US" dirty="0"/>
+            </a:p>
+          </p:txBody>
+        </p:sp>
+        <p:sp>
+          <p:nvSpPr>
+            <p:cNvPr id="37" name="Oval 36"/>
+            <p:cNvSpPr/>
+            <p:nvPr/>
+          </p:nvSpPr>
+          <p:spPr>
+            <a:xfrm rot="16200000">
+              <a:off x="5765239" y="3552649"/>
+              <a:ext cx="753071" cy="371982"/>
+            </a:xfrm>
+            <a:prstGeom prst="ellipse">
+              <a:avLst/>
+            </a:prstGeom>
+            <a:solidFill>
+              <a:schemeClr val="accent2"/>
+            </a:solidFill>
+          </p:spPr>
+          <p:style>
+            <a:lnRef idx="2">
+              <a:schemeClr val="accent1">
+                <a:shade val="50000"/>
+              </a:schemeClr>
+            </a:lnRef>
+            <a:fillRef idx="1">
+              <a:schemeClr val="accent1"/>
+            </a:fillRef>
+            <a:effectRef idx="0">
+              <a:schemeClr val="accent1"/>
+            </a:effectRef>
+            <a:fontRef idx="minor">
+              <a:schemeClr val="lt1"/>
+            </a:fontRef>
+          </p:style>
+          <p:txBody>
+            <a:bodyPr rot="0" spcFirstLastPara="0" vertOverflow="overflow" horzOverflow="overflow" vert="horz" wrap="square" lIns="91440" tIns="45720" rIns="91440" bIns="45720" numCol="1" spcCol="0" rtlCol="0" fromWordArt="0" anchor="ctr" anchorCtr="0" forceAA="0" compatLnSpc="1">
+              <a:prstTxWarp prst="textNoShape">
+                <a:avLst/>
+              </a:prstTxWarp>
+              <a:noAutofit/>
+            </a:bodyPr>
+            <a:lstStyle/>
+            <a:p>
+              <a:pPr algn="ctr"/>
+              <a:r>
+                <a:rPr lang="en-US" smtClean="0"/>
+                <a:t>Gro</a:t>
+              </a:r>
+              <a:endParaRPr lang="en-US" dirty="0"/>
+            </a:p>
+          </p:txBody>
+        </p:sp>
+        <p:sp>
+          <p:nvSpPr>
+            <p:cNvPr id="38" name="Oval 37"/>
+            <p:cNvSpPr/>
+            <p:nvPr/>
+          </p:nvSpPr>
+          <p:spPr>
+            <a:xfrm rot="16200000">
+              <a:off x="5991466" y="3552649"/>
+              <a:ext cx="753071" cy="371982"/>
+            </a:xfrm>
+            <a:prstGeom prst="ellipse">
+              <a:avLst/>
+            </a:prstGeom>
+            <a:solidFill>
+              <a:schemeClr val="accent2"/>
+            </a:solidFill>
+          </p:spPr>
+          <p:style>
+            <a:lnRef idx="2">
+              <a:schemeClr val="accent1">
+                <a:shade val="50000"/>
+              </a:schemeClr>
+            </a:lnRef>
+            <a:fillRef idx="1">
+              <a:schemeClr val="accent1"/>
+            </a:fillRef>
+            <a:effectRef idx="0">
+              <a:schemeClr val="accent1"/>
+            </a:effectRef>
+            <a:fontRef idx="minor">
+              <a:schemeClr val="lt1"/>
+            </a:fontRef>
+          </p:style>
+          <p:txBody>
+            <a:bodyPr rot="0" spcFirstLastPara="0" vertOverflow="overflow" horzOverflow="overflow" vert="horz" wrap="square" lIns="91440" tIns="45720" rIns="91440" bIns="45720" numCol="1" spcCol="0" rtlCol="0" fromWordArt="0" anchor="ctr" anchorCtr="0" forceAA="0" compatLnSpc="1">
+              <a:prstTxWarp prst="textNoShape">
+                <a:avLst/>
+              </a:prstTxWarp>
+              <a:noAutofit/>
+            </a:bodyPr>
+            <a:lstStyle/>
+            <a:p>
+              <a:pPr algn="ctr"/>
+              <a:r>
+                <a:rPr lang="en-US" smtClean="0"/>
+                <a:t>Gro</a:t>
+              </a:r>
+              <a:endParaRPr lang="en-US" dirty="0"/>
+            </a:p>
+          </p:txBody>
+        </p:sp>
+        <p:sp>
+          <p:nvSpPr>
+            <p:cNvPr id="39" name="Oval 38"/>
+            <p:cNvSpPr/>
+            <p:nvPr/>
+          </p:nvSpPr>
+          <p:spPr>
+            <a:xfrm rot="16200000">
+              <a:off x="6217693" y="3552649"/>
+              <a:ext cx="753071" cy="371982"/>
+            </a:xfrm>
+            <a:prstGeom prst="ellipse">
+              <a:avLst/>
+            </a:prstGeom>
+            <a:solidFill>
+              <a:schemeClr val="accent2"/>
+            </a:solidFill>
+          </p:spPr>
+          <p:style>
+            <a:lnRef idx="2">
+              <a:schemeClr val="accent1">
+                <a:shade val="50000"/>
+              </a:schemeClr>
+            </a:lnRef>
+            <a:fillRef idx="1">
+              <a:schemeClr val="accent1"/>
+            </a:fillRef>
+            <a:effectRef idx="0">
+              <a:schemeClr val="accent1"/>
+            </a:effectRef>
+            <a:fontRef idx="minor">
+              <a:schemeClr val="lt1"/>
+            </a:fontRef>
+          </p:style>
+          <p:txBody>
+            <a:bodyPr rot="0" spcFirstLastPara="0" vertOverflow="overflow" horzOverflow="overflow" vert="horz" wrap="square" lIns="91440" tIns="45720" rIns="91440" bIns="45720" numCol="1" spcCol="0" rtlCol="0" fromWordArt="0" anchor="ctr" anchorCtr="0" forceAA="0" compatLnSpc="1">
+              <a:prstTxWarp prst="textNoShape">
+                <a:avLst/>
+              </a:prstTxWarp>
+              <a:noAutofit/>
+            </a:bodyPr>
+            <a:lstStyle/>
+            <a:p>
+              <a:pPr algn="ctr"/>
+              <a:r>
+                <a:rPr lang="en-US" smtClean="0"/>
+                <a:t>Gro</a:t>
+              </a:r>
+              <a:endParaRPr lang="en-US" dirty="0"/>
+            </a:p>
+          </p:txBody>
+        </p:sp>
+        <p:sp>
+          <p:nvSpPr>
+            <p:cNvPr id="40" name="Oval 39"/>
+            <p:cNvSpPr/>
+            <p:nvPr/>
+          </p:nvSpPr>
+          <p:spPr>
+            <a:xfrm rot="16200000">
+              <a:off x="6443920" y="3552649"/>
+              <a:ext cx="753071" cy="371982"/>
+            </a:xfrm>
+            <a:prstGeom prst="ellipse">
+              <a:avLst/>
+            </a:prstGeom>
+            <a:solidFill>
+              <a:schemeClr val="accent2"/>
+            </a:solidFill>
+          </p:spPr>
+          <p:style>
+            <a:lnRef idx="2">
+              <a:schemeClr val="accent1">
+                <a:shade val="50000"/>
+              </a:schemeClr>
+            </a:lnRef>
+            <a:fillRef idx="1">
+              <a:schemeClr val="accent1"/>
+            </a:fillRef>
+            <a:effectRef idx="0">
+              <a:schemeClr val="accent1"/>
+            </a:effectRef>
+            <a:fontRef idx="minor">
+              <a:schemeClr val="lt1"/>
+            </a:fontRef>
+          </p:style>
+          <p:txBody>
+            <a:bodyPr rot="0" spcFirstLastPara="0" vertOverflow="overflow" horzOverflow="overflow" vert="horz" wrap="square" lIns="91440" tIns="45720" rIns="91440" bIns="45720" numCol="1" spcCol="0" rtlCol="0" fromWordArt="0" anchor="ctr" anchorCtr="0" forceAA="0" compatLnSpc="1">
+              <a:prstTxWarp prst="textNoShape">
+                <a:avLst/>
+              </a:prstTxWarp>
+              <a:noAutofit/>
+            </a:bodyPr>
+            <a:lstStyle/>
+            <a:p>
+              <a:pPr algn="ctr"/>
+              <a:r>
+                <a:rPr lang="en-US" smtClean="0"/>
+                <a:t>Gro</a:t>
+              </a:r>
+              <a:endParaRPr lang="en-US" dirty="0"/>
+            </a:p>
+          </p:txBody>
+        </p:sp>
+        <p:sp>
+          <p:nvSpPr>
+            <p:cNvPr id="41" name="Oval 40"/>
+            <p:cNvSpPr/>
+            <p:nvPr/>
+          </p:nvSpPr>
+          <p:spPr>
+            <a:xfrm rot="16200000">
+              <a:off x="6670147" y="3552649"/>
+              <a:ext cx="753071" cy="371982"/>
+            </a:xfrm>
+            <a:prstGeom prst="ellipse">
+              <a:avLst/>
+            </a:prstGeom>
+            <a:solidFill>
+              <a:schemeClr val="accent2"/>
+            </a:solidFill>
+          </p:spPr>
+          <p:style>
+            <a:lnRef idx="2">
+              <a:schemeClr val="accent1">
+                <a:shade val="50000"/>
+              </a:schemeClr>
+            </a:lnRef>
+            <a:fillRef idx="1">
+              <a:schemeClr val="accent1"/>
+            </a:fillRef>
+            <a:effectRef idx="0">
+              <a:schemeClr val="accent1"/>
+            </a:effectRef>
+            <a:fontRef idx="minor">
+              <a:schemeClr val="lt1"/>
+            </a:fontRef>
+          </p:style>
+          <p:txBody>
+            <a:bodyPr rot="0" spcFirstLastPara="0" vertOverflow="overflow" horzOverflow="overflow" vert="horz" wrap="square" lIns="91440" tIns="45720" rIns="91440" bIns="45720" numCol="1" spcCol="0" rtlCol="0" fromWordArt="0" anchor="ctr" anchorCtr="0" forceAA="0" compatLnSpc="1">
+              <a:prstTxWarp prst="textNoShape">
+                <a:avLst/>
+              </a:prstTxWarp>
+              <a:noAutofit/>
+            </a:bodyPr>
+            <a:lstStyle/>
+            <a:p>
+              <a:pPr algn="ctr"/>
+              <a:r>
+                <a:rPr lang="en-US" smtClean="0"/>
+                <a:t>Gro</a:t>
+              </a:r>
+              <a:endParaRPr lang="en-US" dirty="0"/>
+            </a:p>
+          </p:txBody>
+        </p:sp>
+        <p:sp>
+          <p:nvSpPr>
+            <p:cNvPr id="42" name="Oval 41"/>
+            <p:cNvSpPr/>
+            <p:nvPr/>
+          </p:nvSpPr>
+          <p:spPr>
+            <a:xfrm rot="16200000">
+              <a:off x="6896374" y="3552649"/>
+              <a:ext cx="753071" cy="371982"/>
+            </a:xfrm>
+            <a:prstGeom prst="ellipse">
+              <a:avLst/>
+            </a:prstGeom>
+            <a:solidFill>
+              <a:schemeClr val="accent2"/>
+            </a:solidFill>
+          </p:spPr>
+          <p:style>
+            <a:lnRef idx="2">
+              <a:schemeClr val="accent1">
+                <a:shade val="50000"/>
+              </a:schemeClr>
+            </a:lnRef>
+            <a:fillRef idx="1">
+              <a:schemeClr val="accent1"/>
+            </a:fillRef>
+            <a:effectRef idx="0">
+              <a:schemeClr val="accent1"/>
+            </a:effectRef>
+            <a:fontRef idx="minor">
+              <a:schemeClr val="lt1"/>
+            </a:fontRef>
+          </p:style>
+          <p:txBody>
+            <a:bodyPr rot="0" spcFirstLastPara="0" vertOverflow="overflow" horzOverflow="overflow" vert="horz" wrap="square" lIns="91440" tIns="45720" rIns="91440" bIns="45720" numCol="1" spcCol="0" rtlCol="0" fromWordArt="0" anchor="ctr" anchorCtr="0" forceAA="0" compatLnSpc="1">
+              <a:prstTxWarp prst="textNoShape">
+                <a:avLst/>
+              </a:prstTxWarp>
+              <a:noAutofit/>
+            </a:bodyPr>
+            <a:lstStyle/>
+            <a:p>
+              <a:pPr algn="ctr"/>
+              <a:r>
+                <a:rPr lang="en-US" smtClean="0"/>
+                <a:t>Gro</a:t>
+              </a:r>
+              <a:endParaRPr lang="en-US" dirty="0"/>
+            </a:p>
+          </p:txBody>
+        </p:sp>
+        <p:sp>
+          <p:nvSpPr>
+            <p:cNvPr id="43" name="Oval 42"/>
+            <p:cNvSpPr/>
+            <p:nvPr/>
+          </p:nvSpPr>
+          <p:spPr>
+            <a:xfrm rot="16200000">
+              <a:off x="7122601" y="3552649"/>
+              <a:ext cx="753071" cy="371982"/>
+            </a:xfrm>
+            <a:prstGeom prst="ellipse">
+              <a:avLst/>
+            </a:prstGeom>
+            <a:solidFill>
+              <a:schemeClr val="accent2"/>
+            </a:solidFill>
+          </p:spPr>
+          <p:style>
+            <a:lnRef idx="2">
+              <a:schemeClr val="accent1">
+                <a:shade val="50000"/>
+              </a:schemeClr>
+            </a:lnRef>
+            <a:fillRef idx="1">
+              <a:schemeClr val="accent1"/>
+            </a:fillRef>
+            <a:effectRef idx="0">
+              <a:schemeClr val="accent1"/>
+            </a:effectRef>
+            <a:fontRef idx="minor">
+              <a:schemeClr val="lt1"/>
+            </a:fontRef>
+          </p:style>
+          <p:txBody>
+            <a:bodyPr rot="0" spcFirstLastPara="0" vertOverflow="overflow" horzOverflow="overflow" vert="horz" wrap="square" lIns="91440" tIns="45720" rIns="91440" bIns="45720" numCol="1" spcCol="0" rtlCol="0" fromWordArt="0" anchor="ctr" anchorCtr="0" forceAA="0" compatLnSpc="1">
+              <a:prstTxWarp prst="textNoShape">
+                <a:avLst/>
+              </a:prstTxWarp>
+              <a:noAutofit/>
+            </a:bodyPr>
+            <a:lstStyle/>
+            <a:p>
+              <a:pPr algn="ctr"/>
+              <a:r>
+                <a:rPr lang="en-US" smtClean="0"/>
+                <a:t>Gro</a:t>
+              </a:r>
+              <a:endParaRPr lang="en-US" dirty="0"/>
+            </a:p>
+          </p:txBody>
+        </p:sp>
+        <p:sp>
+          <p:nvSpPr>
+            <p:cNvPr id="44" name="Oval 43"/>
+            <p:cNvSpPr/>
+            <p:nvPr/>
+          </p:nvSpPr>
+          <p:spPr>
+            <a:xfrm rot="16200000">
+              <a:off x="7348828" y="3552649"/>
+              <a:ext cx="753071" cy="371982"/>
+            </a:xfrm>
+            <a:prstGeom prst="ellipse">
+              <a:avLst/>
+            </a:prstGeom>
+            <a:solidFill>
+              <a:schemeClr val="accent2"/>
+            </a:solidFill>
+          </p:spPr>
+          <p:style>
+            <a:lnRef idx="2">
+              <a:schemeClr val="accent1">
+                <a:shade val="50000"/>
+              </a:schemeClr>
+            </a:lnRef>
+            <a:fillRef idx="1">
+              <a:schemeClr val="accent1"/>
+            </a:fillRef>
+            <a:effectRef idx="0">
+              <a:schemeClr val="accent1"/>
+            </a:effectRef>
+            <a:fontRef idx="minor">
+              <a:schemeClr val="lt1"/>
+            </a:fontRef>
+          </p:style>
+          <p:txBody>
+            <a:bodyPr rot="0" spcFirstLastPara="0" vertOverflow="overflow" horzOverflow="overflow" vert="horz" wrap="square" lIns="91440" tIns="45720" rIns="91440" bIns="45720" numCol="1" spcCol="0" rtlCol="0" fromWordArt="0" anchor="ctr" anchorCtr="0" forceAA="0" compatLnSpc="1">
+              <a:prstTxWarp prst="textNoShape">
+                <a:avLst/>
+              </a:prstTxWarp>
+              <a:noAutofit/>
+            </a:bodyPr>
+            <a:lstStyle/>
+            <a:p>
+              <a:pPr algn="ctr"/>
+              <a:r>
+                <a:rPr lang="en-US" smtClean="0"/>
+                <a:t>Gro</a:t>
+              </a:r>
+              <a:endParaRPr lang="en-US" dirty="0"/>
+            </a:p>
+          </p:txBody>
+        </p:sp>
+        <p:sp>
+          <p:nvSpPr>
+            <p:cNvPr id="45" name="Oval 44"/>
+            <p:cNvSpPr/>
+            <p:nvPr/>
+          </p:nvSpPr>
+          <p:spPr>
+            <a:xfrm rot="16200000">
+              <a:off x="7575055" y="3552649"/>
+              <a:ext cx="753071" cy="371982"/>
+            </a:xfrm>
+            <a:prstGeom prst="ellipse">
+              <a:avLst/>
+            </a:prstGeom>
+            <a:solidFill>
+              <a:schemeClr val="accent2"/>
+            </a:solidFill>
+          </p:spPr>
+          <p:style>
+            <a:lnRef idx="2">
+              <a:schemeClr val="accent1">
+                <a:shade val="50000"/>
+              </a:schemeClr>
+            </a:lnRef>
+            <a:fillRef idx="1">
+              <a:schemeClr val="accent1"/>
+            </a:fillRef>
+            <a:effectRef idx="0">
+              <a:schemeClr val="accent1"/>
+            </a:effectRef>
+            <a:fontRef idx="minor">
+              <a:schemeClr val="lt1"/>
+            </a:fontRef>
+          </p:style>
+          <p:txBody>
+            <a:bodyPr rot="0" spcFirstLastPara="0" vertOverflow="overflow" horzOverflow="overflow" vert="horz" wrap="square" lIns="91440" tIns="45720" rIns="91440" bIns="45720" numCol="1" spcCol="0" rtlCol="0" fromWordArt="0" anchor="ctr" anchorCtr="0" forceAA="0" compatLnSpc="1">
+              <a:prstTxWarp prst="textNoShape">
+                <a:avLst/>
+              </a:prstTxWarp>
+              <a:noAutofit/>
+            </a:bodyPr>
+            <a:lstStyle/>
+            <a:p>
+              <a:pPr algn="ctr"/>
+              <a:r>
+                <a:rPr lang="en-US" smtClean="0"/>
+                <a:t>Gro</a:t>
+              </a:r>
+              <a:endParaRPr lang="en-US" dirty="0"/>
+            </a:p>
+          </p:txBody>
+        </p:sp>
+        <p:sp>
+          <p:nvSpPr>
+            <p:cNvPr id="46" name="Oval 45"/>
+            <p:cNvSpPr/>
+            <p:nvPr/>
+          </p:nvSpPr>
+          <p:spPr>
+            <a:xfrm rot="16200000">
+              <a:off x="7801282" y="3552649"/>
+              <a:ext cx="753071" cy="371982"/>
+            </a:xfrm>
+            <a:prstGeom prst="ellipse">
+              <a:avLst/>
+            </a:prstGeom>
+            <a:solidFill>
+              <a:schemeClr val="accent2"/>
+            </a:solidFill>
+          </p:spPr>
+          <p:style>
+            <a:lnRef idx="2">
+              <a:schemeClr val="accent1">
+                <a:shade val="50000"/>
+              </a:schemeClr>
+            </a:lnRef>
+            <a:fillRef idx="1">
+              <a:schemeClr val="accent1"/>
+            </a:fillRef>
+            <a:effectRef idx="0">
+              <a:schemeClr val="accent1"/>
+            </a:effectRef>
+            <a:fontRef idx="minor">
+              <a:schemeClr val="lt1"/>
+            </a:fontRef>
+          </p:style>
+          <p:txBody>
+            <a:bodyPr rot="0" spcFirstLastPara="0" vertOverflow="overflow" horzOverflow="overflow" vert="horz" wrap="square" lIns="91440" tIns="45720" rIns="91440" bIns="45720" numCol="1" spcCol="0" rtlCol="0" fromWordArt="0" anchor="ctr" anchorCtr="0" forceAA="0" compatLnSpc="1">
+              <a:prstTxWarp prst="textNoShape">
+                <a:avLst/>
+              </a:prstTxWarp>
+              <a:noAutofit/>
+            </a:bodyPr>
+            <a:lstStyle/>
+            <a:p>
+              <a:pPr algn="ctr"/>
+              <a:r>
+                <a:rPr lang="en-US" smtClean="0"/>
+                <a:t>Gro</a:t>
+              </a:r>
+              <a:endParaRPr lang="en-US" dirty="0"/>
+            </a:p>
+          </p:txBody>
+        </p:sp>
+        <p:sp>
+          <p:nvSpPr>
+            <p:cNvPr id="47" name="Oval 46"/>
+            <p:cNvSpPr/>
+            <p:nvPr/>
+          </p:nvSpPr>
+          <p:spPr>
+            <a:xfrm rot="16200000">
+              <a:off x="8027506" y="3552649"/>
+              <a:ext cx="753071" cy="371982"/>
+            </a:xfrm>
+            <a:prstGeom prst="ellipse">
+              <a:avLst/>
+            </a:prstGeom>
+            <a:solidFill>
+              <a:schemeClr val="accent2"/>
+            </a:solidFill>
+          </p:spPr>
+          <p:style>
+            <a:lnRef idx="2">
+              <a:schemeClr val="accent1">
+                <a:shade val="50000"/>
+              </a:schemeClr>
+            </a:lnRef>
+            <a:fillRef idx="1">
+              <a:schemeClr val="accent1"/>
+            </a:fillRef>
+            <a:effectRef idx="0">
+              <a:schemeClr val="accent1"/>
+            </a:effectRef>
+            <a:fontRef idx="minor">
+              <a:schemeClr val="lt1"/>
+            </a:fontRef>
+          </p:style>
+          <p:txBody>
+            <a:bodyPr rot="0" spcFirstLastPara="0" vertOverflow="overflow" horzOverflow="overflow" vert="horz" wrap="square" lIns="91440" tIns="45720" rIns="91440" bIns="45720" numCol="1" spcCol="0" rtlCol="0" fromWordArt="0" anchor="ctr" anchorCtr="0" forceAA="0" compatLnSpc="1">
+              <a:prstTxWarp prst="textNoShape">
+                <a:avLst/>
+              </a:prstTxWarp>
+              <a:noAutofit/>
+            </a:bodyPr>
+            <a:lstStyle/>
+            <a:p>
+              <a:pPr algn="ctr"/>
+              <a:r>
+                <a:rPr lang="en-US" smtClean="0"/>
+                <a:t>Gro</a:t>
+              </a:r>
+              <a:endParaRPr lang="en-US" dirty="0"/>
+            </a:p>
+          </p:txBody>
+        </p:sp>
+      </p:grpSp>
+      <p:sp>
+        <p:nvSpPr>
+          <p:cNvPr id="63" name="Down Arrow 62"/>
+          <p:cNvSpPr/>
+          <p:nvPr/>
+        </p:nvSpPr>
+        <p:spPr>
+          <a:xfrm>
+            <a:off x="4561880" y="2931840"/>
+            <a:ext cx="481695" cy="972479"/>
+          </a:xfrm>
+          <a:prstGeom prst="downArrow">
+            <a:avLst/>
+          </a:prstGeom>
+        </p:spPr>
+        <p:style>
+          <a:lnRef idx="2">
+            <a:schemeClr val="accent1">
+              <a:shade val="50000"/>
+            </a:schemeClr>
+          </a:lnRef>
+          <a:fillRef idx="1">
+            <a:schemeClr val="accent1"/>
+          </a:fillRef>
+          <a:effectRef idx="0">
+            <a:schemeClr val="accent1"/>
+          </a:effectRef>
+          <a:fontRef idx="minor">
+            <a:schemeClr val="lt1"/>
+          </a:fontRef>
+        </p:style>
+        <p:txBody>
+          <a:bodyPr rtlCol="0" anchor="ctr"/>
+          <a:lstStyle/>
+          <a:p>
+            <a:pPr algn="ctr"/>
+            <a:endParaRPr lang="en-US"/>
+          </a:p>
+        </p:txBody>
+      </p:sp>
+      <p:sp>
+        <p:nvSpPr>
+          <p:cNvPr id="65" name="Title 64"/>
+          <p:cNvSpPr>
+            <a:spLocks noGrp="1"/>
+          </p:cNvSpPr>
+          <p:nvPr>
+            <p:ph type="title"/>
+          </p:nvPr>
+        </p:nvSpPr>
+        <p:spPr/>
+        <p:txBody>
+          <a:bodyPr/>
+          <a:lstStyle/>
+          <a:p>
+            <a:r>
+              <a:rPr lang="en-US" dirty="0" smtClean="0"/>
+              <a:t>Spreading or crosslinking as models of repression</a:t>
+            </a:r>
+            <a:endParaRPr lang="en-US" dirty="0"/>
+          </a:p>
+        </p:txBody>
+      </p:sp>
+    </p:spTree>
+    <p:extLst>
+      <p:ext uri="{BB962C8B-B14F-4D97-AF65-F5344CB8AC3E}">
+        <p14:creationId xmlns:p14="http://schemas.microsoft.com/office/powerpoint/2010/main" val="232572298"/>
+      </p:ext>
+    </p:extLst>
+  </p:cSld>
+  <p:clrMapOvr>
+    <a:masterClrMapping/>
+  </p:clrMapOvr>
+  <p:timing>
+    <p:tnLst>
+      <p:par>
+        <p:cTn id="1" dur="indefinite" restart="never" nodeType="tmRoot">
+          <p:childTnLst>
+            <p:seq concurrent="1" nextAc="seek">
+              <p:cTn id="2" dur="indefinite" nodeType="mainSeq">
+                <p:childTnLst>
+                  <p:par>
+                    <p:cTn id="3" fill="hold">
+                      <p:stCondLst>
+                        <p:cond delay="indefinite"/>
+                        <p:cond evt="onBegin" delay="0">
+                          <p:tn val="2"/>
+                        </p:cond>
+                      </p:stCondLst>
+                      <p:childTnLst>
+                        <p:par>
+                          <p:cTn id="4" fill="hold">
+                            <p:stCondLst>
+                              <p:cond delay="0"/>
+                            </p:stCondLst>
+                            <p:childTnLst>
+                              <p:par>
+                                <p:cTn id="5" presetID="1" presetClass="entr" presetSubtype="0" fill="hold" grpId="0" nodeType="withEffect">
+                                  <p:stCondLst>
+                                    <p:cond delay="0"/>
+                                  </p:stCondLst>
+                                  <p:childTnLst>
+                                    <p:set>
+                                      <p:cBhvr>
+                                        <p:cTn id="6" dur="1" fill="hold">
+                                          <p:stCondLst>
+                                            <p:cond delay="0"/>
+                                          </p:stCondLst>
+                                        </p:cTn>
+                                        <p:tgtEl>
+                                          <p:spTgt spid="15"/>
+                                        </p:tgtEl>
+                                        <p:attrNameLst>
+                                          <p:attrName>style.visibility</p:attrName>
+                                        </p:attrNameLst>
+                                      </p:cBhvr>
+                                      <p:to>
+                                        <p:strVal val="visible"/>
+                                      </p:to>
+                                    </p:set>
+                                  </p:childTnLst>
+                                </p:cTn>
+                              </p:par>
+                              <p:par>
+                                <p:cTn id="7" presetID="1" presetClass="entr" presetSubtype="0" fill="hold" grpId="0" nodeType="withEffect">
+                                  <p:stCondLst>
+                                    <p:cond delay="0"/>
+                                  </p:stCondLst>
+                                  <p:childTnLst>
+                                    <p:set>
+                                      <p:cBhvr>
+                                        <p:cTn id="8" dur="1" fill="hold">
+                                          <p:stCondLst>
+                                            <p:cond delay="0"/>
+                                          </p:stCondLst>
+                                        </p:cTn>
+                                        <p:tgtEl>
+                                          <p:spTgt spid="24"/>
+                                        </p:tgtEl>
+                                        <p:attrNameLst>
+                                          <p:attrName>style.visibility</p:attrName>
+                                        </p:attrNameLst>
+                                      </p:cBhvr>
+                                      <p:to>
+                                        <p:strVal val="visible"/>
+                                      </p:to>
+                                    </p:set>
+                                  </p:childTnLst>
+                                </p:cTn>
+                              </p:par>
+                              <p:par>
+                                <p:cTn id="9" presetID="1" presetClass="entr" presetSubtype="0" fill="hold" grpId="0" nodeType="withEffect">
+                                  <p:stCondLst>
+                                    <p:cond delay="0"/>
+                                  </p:stCondLst>
+                                  <p:childTnLst>
+                                    <p:set>
+                                      <p:cBhvr>
+                                        <p:cTn id="10" dur="1" fill="hold">
+                                          <p:stCondLst>
+                                            <p:cond delay="0"/>
+                                          </p:stCondLst>
+                                        </p:cTn>
+                                        <p:tgtEl>
+                                          <p:spTgt spid="25"/>
+                                        </p:tgtEl>
+                                        <p:attrNameLst>
+                                          <p:attrName>style.visibility</p:attrName>
+                                        </p:attrNameLst>
+                                      </p:cBhvr>
+                                      <p:to>
+                                        <p:strVal val="visible"/>
+                                      </p:to>
+                                    </p:set>
+                                  </p:childTnLst>
+                                </p:cTn>
+                              </p:par>
+                              <p:par>
+                                <p:cTn id="11" presetID="1" presetClass="entr" presetSubtype="0" fill="hold" grpId="0" nodeType="withEffect">
+                                  <p:stCondLst>
+                                    <p:cond delay="0"/>
+                                  </p:stCondLst>
+                                  <p:childTnLst>
+                                    <p:set>
+                                      <p:cBhvr>
+                                        <p:cTn id="12" dur="1" fill="hold">
+                                          <p:stCondLst>
+                                            <p:cond delay="0"/>
+                                          </p:stCondLst>
+                                        </p:cTn>
+                                        <p:tgtEl>
+                                          <p:spTgt spid="26"/>
+                                        </p:tgtEl>
+                                        <p:attrNameLst>
+                                          <p:attrName>style.visibility</p:attrName>
+                                        </p:attrNameLst>
+                                      </p:cBhvr>
+                                      <p:to>
+                                        <p:strVal val="visible"/>
+                                      </p:to>
+                                    </p:set>
+                                  </p:childTnLst>
+                                </p:cTn>
+                              </p:par>
+                              <p:par>
+                                <p:cTn id="13" presetID="1" presetClass="entr" presetSubtype="0" fill="hold" grpId="0" nodeType="withEffect">
+                                  <p:stCondLst>
+                                    <p:cond delay="0"/>
+                                  </p:stCondLst>
+                                  <p:childTnLst>
+                                    <p:set>
+                                      <p:cBhvr>
+                                        <p:cTn id="14" dur="1" fill="hold">
+                                          <p:stCondLst>
+                                            <p:cond delay="0"/>
+                                          </p:stCondLst>
+                                        </p:cTn>
+                                        <p:tgtEl>
+                                          <p:spTgt spid="27"/>
+                                        </p:tgtEl>
+                                        <p:attrNameLst>
+                                          <p:attrName>style.visibility</p:attrName>
+                                        </p:attrNameLst>
+                                      </p:cBhvr>
+                                      <p:to>
+                                        <p:strVal val="visible"/>
+                                      </p:to>
+                                    </p:set>
+                                  </p:childTnLst>
+                                </p:cTn>
+                              </p:par>
+                              <p:par>
+                                <p:cTn id="15" presetID="1" presetClass="entr" presetSubtype="0" fill="hold" grpId="0" nodeType="withEffect">
+                                  <p:stCondLst>
+                                    <p:cond delay="0"/>
+                                  </p:stCondLst>
+                                  <p:childTnLst>
+                                    <p:set>
+                                      <p:cBhvr>
+                                        <p:cTn id="16" dur="1" fill="hold">
+                                          <p:stCondLst>
+                                            <p:cond delay="0"/>
+                                          </p:stCondLst>
+                                        </p:cTn>
+                                        <p:tgtEl>
+                                          <p:spTgt spid="28"/>
+                                        </p:tgtEl>
+                                        <p:attrNameLst>
+                                          <p:attrName>style.visibility</p:attrName>
+                                        </p:attrNameLst>
+                                      </p:cBhvr>
+                                      <p:to>
+                                        <p:strVal val="visible"/>
+                                      </p:to>
+                                    </p:set>
+                                  </p:childTnLst>
+                                </p:cTn>
+                              </p:par>
+                              <p:par>
+                                <p:cTn id="17" presetID="1" presetClass="entr" presetSubtype="0" fill="hold" grpId="0" nodeType="withEffect">
+                                  <p:stCondLst>
+                                    <p:cond delay="0"/>
+                                  </p:stCondLst>
+                                  <p:childTnLst>
+                                    <p:set>
+                                      <p:cBhvr>
+                                        <p:cTn id="18" dur="1" fill="hold">
+                                          <p:stCondLst>
+                                            <p:cond delay="0"/>
+                                          </p:stCondLst>
+                                        </p:cTn>
+                                        <p:tgtEl>
+                                          <p:spTgt spid="57"/>
+                                        </p:tgtEl>
+                                        <p:attrNameLst>
+                                          <p:attrName>style.visibility</p:attrName>
+                                        </p:attrNameLst>
+                                      </p:cBhvr>
+                                      <p:to>
+                                        <p:strVal val="visible"/>
+                                      </p:to>
+                                    </p:set>
+                                  </p:childTnLst>
+                                </p:cTn>
+                              </p:par>
+                            </p:childTnLst>
+                          </p:cTn>
+                        </p:par>
+                      </p:childTnLst>
+                    </p:cTn>
+                  </p:par>
+                </p:childTnLst>
+              </p:cTn>
+              <p:prevCondLst>
+                <p:cond evt="onPrev" delay="0">
+                  <p:tgtEl>
+                    <p:sldTgt/>
+                  </p:tgtEl>
+                </p:cond>
+              </p:prevCondLst>
+              <p:nextCondLst>
+                <p:cond evt="onNext" delay="0">
+                  <p:tgtEl>
+                    <p:sldTgt/>
+                  </p:tgtEl>
+                </p:cond>
+              </p:nextCondLst>
+            </p:seq>
+          </p:childTnLst>
+        </p:cTn>
+      </p:par>
+    </p:tnLst>
+    <p:bldLst>
+      <p:bldP spid="15" grpId="0" animBg="1"/>
+      <p:bldP spid="24" grpId="0" animBg="1"/>
+      <p:bldP spid="25" grpId="0" animBg="1"/>
+      <p:bldP spid="26" grpId="0" animBg="1"/>
+      <p:bldP spid="27" grpId="0" animBg="1"/>
+      <p:bldP spid="28" grpId="0" animBg="1"/>
+      <p:bldP spid="57" grpId="0" animBg="1"/>
+    </p:bldLst>
+  </p:timing>
+</p:sld>
+</file>
+
+<file path=ppt/slides/slide18.xml><?xml version="1.0" encoding="utf-8"?>
+<p:sld xmlns:a="http://schemas.openxmlformats.org/drawingml/2006/main" xmlns:r="http://schemas.openxmlformats.org/officeDocument/2006/relationships" xmlns:p="http://schemas.openxmlformats.org/presentationml/2006/main">
+  <p:cSld>
+    <p:spTree>
+      <p:nvGrpSpPr>
+        <p:cNvPr id="1" name=""/>
+        <p:cNvGrpSpPr/>
+        <p:nvPr/>
+      </p:nvGrpSpPr>
+      <p:grpSpPr>
+        <a:xfrm>
+          <a:off x="0" y="0"/>
+          <a:ext cx="0" cy="0"/>
+          <a:chOff x="0" y="0"/>
+          <a:chExt cx="0" cy="0"/>
+        </a:xfrm>
+      </p:grpSpPr>
+      <p:pic>
+        <p:nvPicPr>
+          <p:cNvPr id="18" name="Picture 17"/>
+          <p:cNvPicPr>
+            <a:picLocks noChangeAspect="1"/>
+          </p:cNvPicPr>
+          <p:nvPr/>
+        </p:nvPicPr>
+        <p:blipFill>
+          <a:blip r:embed="rId2">
+            <a:extLst>
+              <a:ext uri="{28A0092B-C50C-407E-A947-70E740481C1C}">
+                <a14:useLocalDpi xmlns:a14="http://schemas.microsoft.com/office/drawing/2010/main" val="0"/>
+              </a:ext>
+            </a:extLst>
+          </a:blip>
+          <a:stretch>
+            <a:fillRect/>
+          </a:stretch>
+        </p:blipFill>
+        <p:spPr>
+          <a:xfrm>
+            <a:off x="-27370" y="4543281"/>
+            <a:ext cx="3162300" cy="1701800"/>
+          </a:xfrm>
+          <a:prstGeom prst="rect">
+            <a:avLst/>
+          </a:prstGeom>
+        </p:spPr>
+      </p:pic>
+      <p:pic>
+        <p:nvPicPr>
+          <p:cNvPr id="19" name="Picture 18"/>
+          <p:cNvPicPr>
+            <a:picLocks noChangeAspect="1"/>
+          </p:cNvPicPr>
+          <p:nvPr/>
+        </p:nvPicPr>
+        <p:blipFill>
+          <a:blip r:embed="rId3">
+            <a:extLst>
+              <a:ext uri="{28A0092B-C50C-407E-A947-70E740481C1C}">
+                <a14:useLocalDpi xmlns:a14="http://schemas.microsoft.com/office/drawing/2010/main" val="0"/>
+              </a:ext>
+            </a:extLst>
+          </a:blip>
+          <a:stretch>
+            <a:fillRect/>
+          </a:stretch>
+        </p:blipFill>
+        <p:spPr>
+          <a:xfrm>
+            <a:off x="2905154" y="4543281"/>
+            <a:ext cx="2946400" cy="1536700"/>
+          </a:xfrm>
+          <a:prstGeom prst="rect">
+            <a:avLst/>
+          </a:prstGeom>
+        </p:spPr>
+      </p:pic>
+      <p:sp>
+        <p:nvSpPr>
+          <p:cNvPr id="17" name="Freeform 16"/>
+          <p:cNvSpPr/>
+          <p:nvPr/>
+        </p:nvSpPr>
+        <p:spPr>
+          <a:xfrm>
+            <a:off x="599944" y="1279811"/>
+            <a:ext cx="2738486" cy="1272303"/>
+          </a:xfrm>
+          <a:custGeom>
+            <a:avLst/>
+            <a:gdLst>
+              <a:gd name="connsiteX0" fmla="*/ 936282 w 2355343"/>
+              <a:gd name="connsiteY0" fmla="*/ 63809 h 1020362"/>
+              <a:gd name="connsiteX1" fmla="*/ 1808641 w 2355343"/>
+              <a:gd name="connsiteY1" fmla="*/ 53299 h 1020362"/>
+              <a:gd name="connsiteX2" fmla="*/ 2334158 w 2355343"/>
+              <a:gd name="connsiteY2" fmla="*/ 505244 h 1020362"/>
+              <a:gd name="connsiteX3" fmla="*/ 1093937 w 2355343"/>
+              <a:gd name="connsiteY3" fmla="*/ 1020251 h 1020362"/>
+              <a:gd name="connsiteX4" fmla="*/ 862 w 2355343"/>
+              <a:gd name="connsiteY4" fmla="*/ 547285 h 1020362"/>
+              <a:gd name="connsiteX5" fmla="*/ 936282 w 2355343"/>
+              <a:gd name="connsiteY5" fmla="*/ 63809 h 1020362"/>
+              <a:gd name="connsiteX0" fmla="*/ 936282 w 2355343"/>
+              <a:gd name="connsiteY0" fmla="*/ 56594 h 1013116"/>
+              <a:gd name="connsiteX1" fmla="*/ 1808641 w 2355343"/>
+              <a:gd name="connsiteY1" fmla="*/ 46084 h 1013116"/>
+              <a:gd name="connsiteX2" fmla="*/ 2334158 w 2355343"/>
+              <a:gd name="connsiteY2" fmla="*/ 498029 h 1013116"/>
+              <a:gd name="connsiteX3" fmla="*/ 1093937 w 2355343"/>
+              <a:gd name="connsiteY3" fmla="*/ 1013036 h 1013116"/>
+              <a:gd name="connsiteX4" fmla="*/ 862 w 2355343"/>
+              <a:gd name="connsiteY4" fmla="*/ 413946 h 1013116"/>
+              <a:gd name="connsiteX5" fmla="*/ 936282 w 2355343"/>
+              <a:gd name="connsiteY5" fmla="*/ 56594 h 1013116"/>
+              <a:gd name="connsiteX0" fmla="*/ 771191 w 2359575"/>
+              <a:gd name="connsiteY0" fmla="*/ 122282 h 984209"/>
+              <a:gd name="connsiteX1" fmla="*/ 1811716 w 2359575"/>
+              <a:gd name="connsiteY1" fmla="*/ 17179 h 984209"/>
+              <a:gd name="connsiteX2" fmla="*/ 2337233 w 2359575"/>
+              <a:gd name="connsiteY2" fmla="*/ 469124 h 984209"/>
+              <a:gd name="connsiteX3" fmla="*/ 1097012 w 2359575"/>
+              <a:gd name="connsiteY3" fmla="*/ 984131 h 984209"/>
+              <a:gd name="connsiteX4" fmla="*/ 3937 w 2359575"/>
+              <a:gd name="connsiteY4" fmla="*/ 385041 h 984209"/>
+              <a:gd name="connsiteX5" fmla="*/ 771191 w 2359575"/>
+              <a:gd name="connsiteY5" fmla="*/ 122282 h 984209"/>
+              <a:gd name="connsiteX0" fmla="*/ 771156 w 2356731"/>
+              <a:gd name="connsiteY0" fmla="*/ 52261 h 914188"/>
+              <a:gd name="connsiteX1" fmla="*/ 1780150 w 2356731"/>
+              <a:gd name="connsiteY1" fmla="*/ 31240 h 914188"/>
+              <a:gd name="connsiteX2" fmla="*/ 2337198 w 2356731"/>
+              <a:gd name="connsiteY2" fmla="*/ 399103 h 914188"/>
+              <a:gd name="connsiteX3" fmla="*/ 1096977 w 2356731"/>
+              <a:gd name="connsiteY3" fmla="*/ 914110 h 914188"/>
+              <a:gd name="connsiteX4" fmla="*/ 3902 w 2356731"/>
+              <a:gd name="connsiteY4" fmla="*/ 315020 h 914188"/>
+              <a:gd name="connsiteX5" fmla="*/ 771156 w 2356731"/>
+              <a:gd name="connsiteY5" fmla="*/ 52261 h 914188"/>
+              <a:gd name="connsiteX0" fmla="*/ 771156 w 2255689"/>
+              <a:gd name="connsiteY0" fmla="*/ 60713 h 922640"/>
+              <a:gd name="connsiteX1" fmla="*/ 1780150 w 2255689"/>
+              <a:gd name="connsiteY1" fmla="*/ 39692 h 922640"/>
+              <a:gd name="connsiteX2" fmla="*/ 2232095 w 2255689"/>
+              <a:gd name="connsiteY2" fmla="*/ 523169 h 922640"/>
+              <a:gd name="connsiteX3" fmla="*/ 1096977 w 2255689"/>
+              <a:gd name="connsiteY3" fmla="*/ 922562 h 922640"/>
+              <a:gd name="connsiteX4" fmla="*/ 3902 w 2255689"/>
+              <a:gd name="connsiteY4" fmla="*/ 323472 h 922640"/>
+              <a:gd name="connsiteX5" fmla="*/ 771156 w 2255689"/>
+              <a:gd name="connsiteY5" fmla="*/ 60713 h 922640"/>
+              <a:gd name="connsiteX0" fmla="*/ 771156 w 2232351"/>
+              <a:gd name="connsiteY0" fmla="*/ 60713 h 922640"/>
+              <a:gd name="connsiteX1" fmla="*/ 1780150 w 2232351"/>
+              <a:gd name="connsiteY1" fmla="*/ 39692 h 922640"/>
+              <a:gd name="connsiteX2" fmla="*/ 2232095 w 2232351"/>
+              <a:gd name="connsiteY2" fmla="*/ 523169 h 922640"/>
+              <a:gd name="connsiteX3" fmla="*/ 1096977 w 2232351"/>
+              <a:gd name="connsiteY3" fmla="*/ 922562 h 922640"/>
+              <a:gd name="connsiteX4" fmla="*/ 3902 w 2232351"/>
+              <a:gd name="connsiteY4" fmla="*/ 323472 h 922640"/>
+              <a:gd name="connsiteX5" fmla="*/ 771156 w 2232351"/>
+              <a:gd name="connsiteY5" fmla="*/ 60713 h 922640"/>
+              <a:gd name="connsiteX0" fmla="*/ 771156 w 2232351"/>
+              <a:gd name="connsiteY0" fmla="*/ 55328 h 917255"/>
+              <a:gd name="connsiteX1" fmla="*/ 1780150 w 2232351"/>
+              <a:gd name="connsiteY1" fmla="*/ 34307 h 917255"/>
+              <a:gd name="connsiteX2" fmla="*/ 2232095 w 2232351"/>
+              <a:gd name="connsiteY2" fmla="*/ 444211 h 917255"/>
+              <a:gd name="connsiteX3" fmla="*/ 1096977 w 2232351"/>
+              <a:gd name="connsiteY3" fmla="*/ 917177 h 917255"/>
+              <a:gd name="connsiteX4" fmla="*/ 3902 w 2232351"/>
+              <a:gd name="connsiteY4" fmla="*/ 318087 h 917255"/>
+              <a:gd name="connsiteX5" fmla="*/ 771156 w 2232351"/>
+              <a:gd name="connsiteY5" fmla="*/ 55328 h 917255"/>
+              <a:gd name="connsiteX0" fmla="*/ 771156 w 2232351"/>
+              <a:gd name="connsiteY0" fmla="*/ 9202 h 1091853"/>
+              <a:gd name="connsiteX1" fmla="*/ 1780150 w 2232351"/>
+              <a:gd name="connsiteY1" fmla="*/ 208898 h 1091853"/>
+              <a:gd name="connsiteX2" fmla="*/ 2232095 w 2232351"/>
+              <a:gd name="connsiteY2" fmla="*/ 618802 h 1091853"/>
+              <a:gd name="connsiteX3" fmla="*/ 1096977 w 2232351"/>
+              <a:gd name="connsiteY3" fmla="*/ 1091768 h 1091853"/>
+              <a:gd name="connsiteX4" fmla="*/ 3902 w 2232351"/>
+              <a:gd name="connsiteY4" fmla="*/ 492678 h 1091853"/>
+              <a:gd name="connsiteX5" fmla="*/ 771156 w 2232351"/>
+              <a:gd name="connsiteY5" fmla="*/ 9202 h 1091853"/>
+              <a:gd name="connsiteX0" fmla="*/ 771405 w 2292176"/>
+              <a:gd name="connsiteY0" fmla="*/ 33877 h 1116528"/>
+              <a:gd name="connsiteX1" fmla="*/ 1990606 w 2292176"/>
+              <a:gd name="connsiteY1" fmla="*/ 107449 h 1116528"/>
+              <a:gd name="connsiteX2" fmla="*/ 2232344 w 2292176"/>
+              <a:gd name="connsiteY2" fmla="*/ 643477 h 1116528"/>
+              <a:gd name="connsiteX3" fmla="*/ 1097226 w 2292176"/>
+              <a:gd name="connsiteY3" fmla="*/ 1116443 h 1116528"/>
+              <a:gd name="connsiteX4" fmla="*/ 4151 w 2292176"/>
+              <a:gd name="connsiteY4" fmla="*/ 517353 h 1116528"/>
+              <a:gd name="connsiteX5" fmla="*/ 771405 w 2292176"/>
+              <a:gd name="connsiteY5" fmla="*/ 33877 h 1116528"/>
+              <a:gd name="connsiteX0" fmla="*/ 771672 w 2371330"/>
+              <a:gd name="connsiteY0" fmla="*/ 19835 h 1102486"/>
+              <a:gd name="connsiteX1" fmla="*/ 2190569 w 2371330"/>
+              <a:gd name="connsiteY1" fmla="*/ 145959 h 1102486"/>
+              <a:gd name="connsiteX2" fmla="*/ 2232611 w 2371330"/>
+              <a:gd name="connsiteY2" fmla="*/ 629435 h 1102486"/>
+              <a:gd name="connsiteX3" fmla="*/ 1097493 w 2371330"/>
+              <a:gd name="connsiteY3" fmla="*/ 1102401 h 1102486"/>
+              <a:gd name="connsiteX4" fmla="*/ 4418 w 2371330"/>
+              <a:gd name="connsiteY4" fmla="*/ 503311 h 1102486"/>
+              <a:gd name="connsiteX5" fmla="*/ 771672 w 2371330"/>
+              <a:gd name="connsiteY5" fmla="*/ 19835 h 1102486"/>
+              <a:gd name="connsiteX0" fmla="*/ 771672 w 2440055"/>
+              <a:gd name="connsiteY0" fmla="*/ 23506 h 1106157"/>
+              <a:gd name="connsiteX1" fmla="*/ 2190569 w 2440055"/>
+              <a:gd name="connsiteY1" fmla="*/ 149630 h 1106157"/>
+              <a:gd name="connsiteX2" fmla="*/ 2337714 w 2440055"/>
+              <a:gd name="connsiteY2" fmla="*/ 790762 h 1106157"/>
+              <a:gd name="connsiteX3" fmla="*/ 1097493 w 2440055"/>
+              <a:gd name="connsiteY3" fmla="*/ 1106072 h 1106157"/>
+              <a:gd name="connsiteX4" fmla="*/ 4418 w 2440055"/>
+              <a:gd name="connsiteY4" fmla="*/ 506982 h 1106157"/>
+              <a:gd name="connsiteX5" fmla="*/ 771672 w 2440055"/>
+              <a:gd name="connsiteY5" fmla="*/ 23506 h 1106157"/>
+              <a:gd name="connsiteX0" fmla="*/ 782486 w 2426409"/>
+              <a:gd name="connsiteY0" fmla="*/ 23506 h 1274301"/>
+              <a:gd name="connsiteX1" fmla="*/ 2201383 w 2426409"/>
+              <a:gd name="connsiteY1" fmla="*/ 149630 h 1274301"/>
+              <a:gd name="connsiteX2" fmla="*/ 2348528 w 2426409"/>
+              <a:gd name="connsiteY2" fmla="*/ 790762 h 1274301"/>
+              <a:gd name="connsiteX3" fmla="*/ 1444638 w 2426409"/>
+              <a:gd name="connsiteY3" fmla="*/ 1274237 h 1274301"/>
+              <a:gd name="connsiteX4" fmla="*/ 15232 w 2426409"/>
+              <a:gd name="connsiteY4" fmla="*/ 506982 h 1274301"/>
+              <a:gd name="connsiteX5" fmla="*/ 782486 w 2426409"/>
+              <a:gd name="connsiteY5" fmla="*/ 23506 h 1274301"/>
+              <a:gd name="connsiteX0" fmla="*/ 1030815 w 2674738"/>
+              <a:gd name="connsiteY0" fmla="*/ 23506 h 1274301"/>
+              <a:gd name="connsiteX1" fmla="*/ 2449712 w 2674738"/>
+              <a:gd name="connsiteY1" fmla="*/ 149630 h 1274301"/>
+              <a:gd name="connsiteX2" fmla="*/ 2596857 w 2674738"/>
+              <a:gd name="connsiteY2" fmla="*/ 790762 h 1274301"/>
+              <a:gd name="connsiteX3" fmla="*/ 1692967 w 2674738"/>
+              <a:gd name="connsiteY3" fmla="*/ 1274237 h 1274301"/>
+              <a:gd name="connsiteX4" fmla="*/ 11313 w 2674738"/>
+              <a:gd name="connsiteY4" fmla="*/ 506982 h 1274301"/>
+              <a:gd name="connsiteX5" fmla="*/ 1030815 w 2674738"/>
+              <a:gd name="connsiteY5" fmla="*/ 23506 h 1274301"/>
+              <a:gd name="connsiteX0" fmla="*/ 794714 w 2703461"/>
+              <a:gd name="connsiteY0" fmla="*/ 27079 h 1256854"/>
+              <a:gd name="connsiteX1" fmla="*/ 2465860 w 2703461"/>
+              <a:gd name="connsiteY1" fmla="*/ 132183 h 1256854"/>
+              <a:gd name="connsiteX2" fmla="*/ 2613005 w 2703461"/>
+              <a:gd name="connsiteY2" fmla="*/ 773315 h 1256854"/>
+              <a:gd name="connsiteX3" fmla="*/ 1709115 w 2703461"/>
+              <a:gd name="connsiteY3" fmla="*/ 1256790 h 1256854"/>
+              <a:gd name="connsiteX4" fmla="*/ 27461 w 2703461"/>
+              <a:gd name="connsiteY4" fmla="*/ 489535 h 1256854"/>
+              <a:gd name="connsiteX5" fmla="*/ 794714 w 2703461"/>
+              <a:gd name="connsiteY5" fmla="*/ 27079 h 1256854"/>
+              <a:gd name="connsiteX0" fmla="*/ 794714 w 2703461"/>
+              <a:gd name="connsiteY0" fmla="*/ 27079 h 1258034"/>
+              <a:gd name="connsiteX1" fmla="*/ 2465860 w 2703461"/>
+              <a:gd name="connsiteY1" fmla="*/ 132183 h 1258034"/>
+              <a:gd name="connsiteX2" fmla="*/ 2613005 w 2703461"/>
+              <a:gd name="connsiteY2" fmla="*/ 773315 h 1258034"/>
+              <a:gd name="connsiteX3" fmla="*/ 1709115 w 2703461"/>
+              <a:gd name="connsiteY3" fmla="*/ 1256790 h 1258034"/>
+              <a:gd name="connsiteX4" fmla="*/ 647571 w 2703461"/>
+              <a:gd name="connsiteY4" fmla="*/ 899437 h 1258034"/>
+              <a:gd name="connsiteX5" fmla="*/ 27461 w 2703461"/>
+              <a:gd name="connsiteY5" fmla="*/ 489535 h 1258034"/>
+              <a:gd name="connsiteX6" fmla="*/ 794714 w 2703461"/>
+              <a:gd name="connsiteY6" fmla="*/ 27079 h 1258034"/>
+              <a:gd name="connsiteX0" fmla="*/ 768429 w 2677176"/>
+              <a:gd name="connsiteY0" fmla="*/ 27079 h 1258708"/>
+              <a:gd name="connsiteX1" fmla="*/ 2439575 w 2677176"/>
+              <a:gd name="connsiteY1" fmla="*/ 132183 h 1258708"/>
+              <a:gd name="connsiteX2" fmla="*/ 2586720 w 2677176"/>
+              <a:gd name="connsiteY2" fmla="*/ 773315 h 1258708"/>
+              <a:gd name="connsiteX3" fmla="*/ 1682830 w 2677176"/>
+              <a:gd name="connsiteY3" fmla="*/ 1256790 h 1258708"/>
+              <a:gd name="connsiteX4" fmla="*/ 621286 w 2677176"/>
+              <a:gd name="connsiteY4" fmla="*/ 994030 h 1258708"/>
+              <a:gd name="connsiteX5" fmla="*/ 1176 w 2677176"/>
+              <a:gd name="connsiteY5" fmla="*/ 489535 h 1258708"/>
+              <a:gd name="connsiteX6" fmla="*/ 768429 w 2677176"/>
+              <a:gd name="connsiteY6" fmla="*/ 27079 h 1258708"/>
+              <a:gd name="connsiteX0" fmla="*/ 599135 w 2685144"/>
+              <a:gd name="connsiteY0" fmla="*/ 27079 h 1258708"/>
+              <a:gd name="connsiteX1" fmla="*/ 2438446 w 2685144"/>
+              <a:gd name="connsiteY1" fmla="*/ 132183 h 1258708"/>
+              <a:gd name="connsiteX2" fmla="*/ 2585591 w 2685144"/>
+              <a:gd name="connsiteY2" fmla="*/ 773315 h 1258708"/>
+              <a:gd name="connsiteX3" fmla="*/ 1681701 w 2685144"/>
+              <a:gd name="connsiteY3" fmla="*/ 1256790 h 1258708"/>
+              <a:gd name="connsiteX4" fmla="*/ 620157 w 2685144"/>
+              <a:gd name="connsiteY4" fmla="*/ 994030 h 1258708"/>
+              <a:gd name="connsiteX5" fmla="*/ 47 w 2685144"/>
+              <a:gd name="connsiteY5" fmla="*/ 489535 h 1258708"/>
+              <a:gd name="connsiteX6" fmla="*/ 599135 w 2685144"/>
+              <a:gd name="connsiteY6" fmla="*/ 27079 h 1258708"/>
+              <a:gd name="connsiteX0" fmla="*/ 599136 w 2713039"/>
+              <a:gd name="connsiteY0" fmla="*/ 38010 h 1269639"/>
+              <a:gd name="connsiteX1" fmla="*/ 2490998 w 2713039"/>
+              <a:gd name="connsiteY1" fmla="*/ 111583 h 1269639"/>
+              <a:gd name="connsiteX2" fmla="*/ 2585592 w 2713039"/>
+              <a:gd name="connsiteY2" fmla="*/ 784246 h 1269639"/>
+              <a:gd name="connsiteX3" fmla="*/ 1681702 w 2713039"/>
+              <a:gd name="connsiteY3" fmla="*/ 1267721 h 1269639"/>
+              <a:gd name="connsiteX4" fmla="*/ 620158 w 2713039"/>
+              <a:gd name="connsiteY4" fmla="*/ 1004961 h 1269639"/>
+              <a:gd name="connsiteX5" fmla="*/ 48 w 2713039"/>
+              <a:gd name="connsiteY5" fmla="*/ 500466 h 1269639"/>
+              <a:gd name="connsiteX6" fmla="*/ 599136 w 2713039"/>
+              <a:gd name="connsiteY6" fmla="*/ 38010 h 1269639"/>
+              <a:gd name="connsiteX0" fmla="*/ 599136 w 2737668"/>
+              <a:gd name="connsiteY0" fmla="*/ 38968 h 1270597"/>
+              <a:gd name="connsiteX1" fmla="*/ 2490998 w 2737668"/>
+              <a:gd name="connsiteY1" fmla="*/ 112541 h 1270597"/>
+              <a:gd name="connsiteX2" fmla="*/ 2627633 w 2737668"/>
+              <a:gd name="connsiteY2" fmla="*/ 806225 h 1270597"/>
+              <a:gd name="connsiteX3" fmla="*/ 1681702 w 2737668"/>
+              <a:gd name="connsiteY3" fmla="*/ 1268679 h 1270597"/>
+              <a:gd name="connsiteX4" fmla="*/ 620158 w 2737668"/>
+              <a:gd name="connsiteY4" fmla="*/ 1005919 h 1270597"/>
+              <a:gd name="connsiteX5" fmla="*/ 48 w 2737668"/>
+              <a:gd name="connsiteY5" fmla="*/ 501424 h 1270597"/>
+              <a:gd name="connsiteX6" fmla="*/ 599136 w 2737668"/>
+              <a:gd name="connsiteY6" fmla="*/ 38968 h 1270597"/>
+              <a:gd name="connsiteX0" fmla="*/ 599508 w 2738040"/>
+              <a:gd name="connsiteY0" fmla="*/ 38968 h 1270154"/>
+              <a:gd name="connsiteX1" fmla="*/ 2491370 w 2738040"/>
+              <a:gd name="connsiteY1" fmla="*/ 112541 h 1270154"/>
+              <a:gd name="connsiteX2" fmla="*/ 2628005 w 2738040"/>
+              <a:gd name="connsiteY2" fmla="*/ 806225 h 1270154"/>
+              <a:gd name="connsiteX3" fmla="*/ 1682074 w 2738040"/>
+              <a:gd name="connsiteY3" fmla="*/ 1268679 h 1270154"/>
+              <a:gd name="connsiteX4" fmla="*/ 525937 w 2738040"/>
+              <a:gd name="connsiteY4" fmla="*/ 953368 h 1270154"/>
+              <a:gd name="connsiteX5" fmla="*/ 420 w 2738040"/>
+              <a:gd name="connsiteY5" fmla="*/ 501424 h 1270154"/>
+              <a:gd name="connsiteX6" fmla="*/ 599508 w 2738040"/>
+              <a:gd name="connsiteY6" fmla="*/ 38968 h 1270154"/>
+              <a:gd name="connsiteX0" fmla="*/ 599494 w 2738026"/>
+              <a:gd name="connsiteY0" fmla="*/ 38968 h 1270154"/>
+              <a:gd name="connsiteX1" fmla="*/ 2491356 w 2738026"/>
+              <a:gd name="connsiteY1" fmla="*/ 112541 h 1270154"/>
+              <a:gd name="connsiteX2" fmla="*/ 2627991 w 2738026"/>
+              <a:gd name="connsiteY2" fmla="*/ 806225 h 1270154"/>
+              <a:gd name="connsiteX3" fmla="*/ 1682060 w 2738026"/>
+              <a:gd name="connsiteY3" fmla="*/ 1268679 h 1270154"/>
+              <a:gd name="connsiteX4" fmla="*/ 525923 w 2738026"/>
+              <a:gd name="connsiteY4" fmla="*/ 953368 h 1270154"/>
+              <a:gd name="connsiteX5" fmla="*/ 406 w 2738026"/>
+              <a:gd name="connsiteY5" fmla="*/ 501424 h 1270154"/>
+              <a:gd name="connsiteX6" fmla="*/ 599494 w 2738026"/>
+              <a:gd name="connsiteY6" fmla="*/ 38968 h 1270154"/>
+              <a:gd name="connsiteX0" fmla="*/ 603723 w 2742255"/>
+              <a:gd name="connsiteY0" fmla="*/ 38968 h 1270154"/>
+              <a:gd name="connsiteX1" fmla="*/ 2495585 w 2742255"/>
+              <a:gd name="connsiteY1" fmla="*/ 112541 h 1270154"/>
+              <a:gd name="connsiteX2" fmla="*/ 2632220 w 2742255"/>
+              <a:gd name="connsiteY2" fmla="*/ 806225 h 1270154"/>
+              <a:gd name="connsiteX3" fmla="*/ 1686289 w 2742255"/>
+              <a:gd name="connsiteY3" fmla="*/ 1268679 h 1270154"/>
+              <a:gd name="connsiteX4" fmla="*/ 530152 w 2742255"/>
+              <a:gd name="connsiteY4" fmla="*/ 953368 h 1270154"/>
+              <a:gd name="connsiteX5" fmla="*/ 4635 w 2742255"/>
+              <a:gd name="connsiteY5" fmla="*/ 501424 h 1270154"/>
+              <a:gd name="connsiteX6" fmla="*/ 603723 w 2742255"/>
+              <a:gd name="connsiteY6" fmla="*/ 38968 h 1270154"/>
+              <a:gd name="connsiteX0" fmla="*/ 599954 w 2738486"/>
+              <a:gd name="connsiteY0" fmla="*/ 38968 h 1272303"/>
+              <a:gd name="connsiteX1" fmla="*/ 2491816 w 2738486"/>
+              <a:gd name="connsiteY1" fmla="*/ 112541 h 1272303"/>
+              <a:gd name="connsiteX2" fmla="*/ 2628451 w 2738486"/>
+              <a:gd name="connsiteY2" fmla="*/ 806225 h 1272303"/>
+              <a:gd name="connsiteX3" fmla="*/ 1682520 w 2738486"/>
+              <a:gd name="connsiteY3" fmla="*/ 1268679 h 1272303"/>
+              <a:gd name="connsiteX4" fmla="*/ 694548 w 2738486"/>
+              <a:gd name="connsiteY4" fmla="*/ 1090003 h 1272303"/>
+              <a:gd name="connsiteX5" fmla="*/ 866 w 2738486"/>
+              <a:gd name="connsiteY5" fmla="*/ 501424 h 1272303"/>
+              <a:gd name="connsiteX6" fmla="*/ 599954 w 2738486"/>
+              <a:gd name="connsiteY6" fmla="*/ 38968 h 1272303"/>
+            </a:gdLst>
+            <a:ahLst/>
+            <a:cxnLst>
+              <a:cxn ang="0">
+                <a:pos x="connsiteX0" y="connsiteY0"/>
+              </a:cxn>
+              <a:cxn ang="0">
+                <a:pos x="connsiteX1" y="connsiteY1"/>
+              </a:cxn>
+              <a:cxn ang="0">
+                <a:pos x="connsiteX2" y="connsiteY2"/>
+              </a:cxn>
+              <a:cxn ang="0">
+                <a:pos x="connsiteX3" y="connsiteY3"/>
+              </a:cxn>
+              <a:cxn ang="0">
+                <a:pos x="connsiteX4" y="connsiteY4"/>
+              </a:cxn>
+              <a:cxn ang="0">
+                <a:pos x="connsiteX5" y="connsiteY5"/>
+              </a:cxn>
+              <a:cxn ang="0">
+                <a:pos x="connsiteX6" y="connsiteY6"/>
+              </a:cxn>
+            </a:cxnLst>
+            <a:rect l="l" t="t" r="r" b="b"/>
+            <a:pathLst>
+              <a:path w="2738486" h="1272303">
+                <a:moveTo>
+                  <a:pt x="599954" y="38968"/>
+                </a:moveTo>
+                <a:cubicBezTo>
+                  <a:pt x="1015112" y="-25846"/>
+                  <a:pt x="2153733" y="-15335"/>
+                  <a:pt x="2491816" y="112541"/>
+                </a:cubicBezTo>
+                <a:cubicBezTo>
+                  <a:pt x="2829899" y="240417"/>
+                  <a:pt x="2763334" y="613535"/>
+                  <a:pt x="2628451" y="806225"/>
+                </a:cubicBezTo>
+                <a:cubicBezTo>
+                  <a:pt x="2493568" y="998915"/>
+                  <a:pt x="2010092" y="1247659"/>
+                  <a:pt x="1682520" y="1268679"/>
+                </a:cubicBezTo>
+                <a:cubicBezTo>
+                  <a:pt x="1354948" y="1289699"/>
+                  <a:pt x="974824" y="1217879"/>
+                  <a:pt x="694548" y="1090003"/>
+                </a:cubicBezTo>
+                <a:cubicBezTo>
+                  <a:pt x="424783" y="941106"/>
+                  <a:pt x="16632" y="676596"/>
+                  <a:pt x="866" y="501424"/>
+                </a:cubicBezTo>
+                <a:cubicBezTo>
+                  <a:pt x="-14900" y="326252"/>
+                  <a:pt x="184796" y="103782"/>
+                  <a:pt x="599954" y="38968"/>
+                </a:cubicBezTo>
+                <a:close/>
+              </a:path>
+            </a:pathLst>
+          </a:custGeom>
+          <a:gradFill>
+            <a:gsLst>
+              <a:gs pos="100000">
+                <a:schemeClr val="accent1">
+                  <a:satMod val="110000"/>
+                  <a:lumMod val="100000"/>
+                  <a:shade val="100000"/>
+                </a:schemeClr>
+              </a:gs>
+              <a:gs pos="30000">
+                <a:schemeClr val="bg1"/>
+              </a:gs>
+            </a:gsLst>
+            <a:lin ang="0" scaled="1"/>
+          </a:gradFill>
+        </p:spPr>
+        <p:style>
+          <a:lnRef idx="2">
+            <a:schemeClr val="accent1">
+              <a:shade val="50000"/>
+            </a:schemeClr>
+          </a:lnRef>
+          <a:fillRef idx="1">
+            <a:schemeClr val="accent1"/>
+          </a:fillRef>
+          <a:effectRef idx="0">
+            <a:schemeClr val="accent1"/>
+          </a:effectRef>
+          <a:fontRef idx="minor">
+            <a:schemeClr val="lt1"/>
+          </a:fontRef>
+        </p:style>
+        <p:txBody>
+          <a:bodyPr rtlCol="0" anchor="ctr"/>
+          <a:lstStyle/>
+          <a:p>
+            <a:pPr algn="ctr"/>
+            <a:endParaRPr lang="en-US"/>
+          </a:p>
+        </p:txBody>
+      </p:sp>
+      <p:sp>
+        <p:nvSpPr>
+          <p:cNvPr id="20" name="Freeform 19"/>
+          <p:cNvSpPr/>
+          <p:nvPr/>
+        </p:nvSpPr>
+        <p:spPr>
+          <a:xfrm>
+            <a:off x="5335396" y="815656"/>
+            <a:ext cx="2738486" cy="1272303"/>
+          </a:xfrm>
+          <a:custGeom>
+            <a:avLst/>
+            <a:gdLst>
+              <a:gd name="connsiteX0" fmla="*/ 936282 w 2355343"/>
+              <a:gd name="connsiteY0" fmla="*/ 63809 h 1020362"/>
+              <a:gd name="connsiteX1" fmla="*/ 1808641 w 2355343"/>
+              <a:gd name="connsiteY1" fmla="*/ 53299 h 1020362"/>
+              <a:gd name="connsiteX2" fmla="*/ 2334158 w 2355343"/>
+              <a:gd name="connsiteY2" fmla="*/ 505244 h 1020362"/>
+              <a:gd name="connsiteX3" fmla="*/ 1093937 w 2355343"/>
+              <a:gd name="connsiteY3" fmla="*/ 1020251 h 1020362"/>
+              <a:gd name="connsiteX4" fmla="*/ 862 w 2355343"/>
+              <a:gd name="connsiteY4" fmla="*/ 547285 h 1020362"/>
+              <a:gd name="connsiteX5" fmla="*/ 936282 w 2355343"/>
+              <a:gd name="connsiteY5" fmla="*/ 63809 h 1020362"/>
+              <a:gd name="connsiteX0" fmla="*/ 936282 w 2355343"/>
+              <a:gd name="connsiteY0" fmla="*/ 56594 h 1013116"/>
+              <a:gd name="connsiteX1" fmla="*/ 1808641 w 2355343"/>
+              <a:gd name="connsiteY1" fmla="*/ 46084 h 1013116"/>
+              <a:gd name="connsiteX2" fmla="*/ 2334158 w 2355343"/>
+              <a:gd name="connsiteY2" fmla="*/ 498029 h 1013116"/>
+              <a:gd name="connsiteX3" fmla="*/ 1093937 w 2355343"/>
+              <a:gd name="connsiteY3" fmla="*/ 1013036 h 1013116"/>
+              <a:gd name="connsiteX4" fmla="*/ 862 w 2355343"/>
+              <a:gd name="connsiteY4" fmla="*/ 413946 h 1013116"/>
+              <a:gd name="connsiteX5" fmla="*/ 936282 w 2355343"/>
+              <a:gd name="connsiteY5" fmla="*/ 56594 h 1013116"/>
+              <a:gd name="connsiteX0" fmla="*/ 771191 w 2359575"/>
+              <a:gd name="connsiteY0" fmla="*/ 122282 h 984209"/>
+              <a:gd name="connsiteX1" fmla="*/ 1811716 w 2359575"/>
+              <a:gd name="connsiteY1" fmla="*/ 17179 h 984209"/>
+              <a:gd name="connsiteX2" fmla="*/ 2337233 w 2359575"/>
+              <a:gd name="connsiteY2" fmla="*/ 469124 h 984209"/>
+              <a:gd name="connsiteX3" fmla="*/ 1097012 w 2359575"/>
+              <a:gd name="connsiteY3" fmla="*/ 984131 h 984209"/>
+              <a:gd name="connsiteX4" fmla="*/ 3937 w 2359575"/>
+              <a:gd name="connsiteY4" fmla="*/ 385041 h 984209"/>
+              <a:gd name="connsiteX5" fmla="*/ 771191 w 2359575"/>
+              <a:gd name="connsiteY5" fmla="*/ 122282 h 984209"/>
+              <a:gd name="connsiteX0" fmla="*/ 771156 w 2356731"/>
+              <a:gd name="connsiteY0" fmla="*/ 52261 h 914188"/>
+              <a:gd name="connsiteX1" fmla="*/ 1780150 w 2356731"/>
+              <a:gd name="connsiteY1" fmla="*/ 31240 h 914188"/>
+              <a:gd name="connsiteX2" fmla="*/ 2337198 w 2356731"/>
+              <a:gd name="connsiteY2" fmla="*/ 399103 h 914188"/>
+              <a:gd name="connsiteX3" fmla="*/ 1096977 w 2356731"/>
+              <a:gd name="connsiteY3" fmla="*/ 914110 h 914188"/>
+              <a:gd name="connsiteX4" fmla="*/ 3902 w 2356731"/>
+              <a:gd name="connsiteY4" fmla="*/ 315020 h 914188"/>
+              <a:gd name="connsiteX5" fmla="*/ 771156 w 2356731"/>
+              <a:gd name="connsiteY5" fmla="*/ 52261 h 914188"/>
+              <a:gd name="connsiteX0" fmla="*/ 771156 w 2255689"/>
+              <a:gd name="connsiteY0" fmla="*/ 60713 h 922640"/>
+              <a:gd name="connsiteX1" fmla="*/ 1780150 w 2255689"/>
+              <a:gd name="connsiteY1" fmla="*/ 39692 h 922640"/>
+              <a:gd name="connsiteX2" fmla="*/ 2232095 w 2255689"/>
+              <a:gd name="connsiteY2" fmla="*/ 523169 h 922640"/>
+              <a:gd name="connsiteX3" fmla="*/ 1096977 w 2255689"/>
+              <a:gd name="connsiteY3" fmla="*/ 922562 h 922640"/>
+              <a:gd name="connsiteX4" fmla="*/ 3902 w 2255689"/>
+              <a:gd name="connsiteY4" fmla="*/ 323472 h 922640"/>
+              <a:gd name="connsiteX5" fmla="*/ 771156 w 2255689"/>
+              <a:gd name="connsiteY5" fmla="*/ 60713 h 922640"/>
+              <a:gd name="connsiteX0" fmla="*/ 771156 w 2232351"/>
+              <a:gd name="connsiteY0" fmla="*/ 60713 h 922640"/>
+              <a:gd name="connsiteX1" fmla="*/ 1780150 w 2232351"/>
+              <a:gd name="connsiteY1" fmla="*/ 39692 h 922640"/>
+              <a:gd name="connsiteX2" fmla="*/ 2232095 w 2232351"/>
+              <a:gd name="connsiteY2" fmla="*/ 523169 h 922640"/>
+              <a:gd name="connsiteX3" fmla="*/ 1096977 w 2232351"/>
+              <a:gd name="connsiteY3" fmla="*/ 922562 h 922640"/>
+              <a:gd name="connsiteX4" fmla="*/ 3902 w 2232351"/>
+              <a:gd name="connsiteY4" fmla="*/ 323472 h 922640"/>
+              <a:gd name="connsiteX5" fmla="*/ 771156 w 2232351"/>
+              <a:gd name="connsiteY5" fmla="*/ 60713 h 922640"/>
+              <a:gd name="connsiteX0" fmla="*/ 771156 w 2232351"/>
+              <a:gd name="connsiteY0" fmla="*/ 55328 h 917255"/>
+              <a:gd name="connsiteX1" fmla="*/ 1780150 w 2232351"/>
+              <a:gd name="connsiteY1" fmla="*/ 34307 h 917255"/>
+              <a:gd name="connsiteX2" fmla="*/ 2232095 w 2232351"/>
+              <a:gd name="connsiteY2" fmla="*/ 444211 h 917255"/>
+              <a:gd name="connsiteX3" fmla="*/ 1096977 w 2232351"/>
+              <a:gd name="connsiteY3" fmla="*/ 917177 h 917255"/>
+              <a:gd name="connsiteX4" fmla="*/ 3902 w 2232351"/>
+              <a:gd name="connsiteY4" fmla="*/ 318087 h 917255"/>
+              <a:gd name="connsiteX5" fmla="*/ 771156 w 2232351"/>
+              <a:gd name="connsiteY5" fmla="*/ 55328 h 917255"/>
+              <a:gd name="connsiteX0" fmla="*/ 771156 w 2232351"/>
+              <a:gd name="connsiteY0" fmla="*/ 9202 h 1091853"/>
+              <a:gd name="connsiteX1" fmla="*/ 1780150 w 2232351"/>
+              <a:gd name="connsiteY1" fmla="*/ 208898 h 1091853"/>
+              <a:gd name="connsiteX2" fmla="*/ 2232095 w 2232351"/>
+              <a:gd name="connsiteY2" fmla="*/ 618802 h 1091853"/>
+              <a:gd name="connsiteX3" fmla="*/ 1096977 w 2232351"/>
+              <a:gd name="connsiteY3" fmla="*/ 1091768 h 1091853"/>
+              <a:gd name="connsiteX4" fmla="*/ 3902 w 2232351"/>
+              <a:gd name="connsiteY4" fmla="*/ 492678 h 1091853"/>
+              <a:gd name="connsiteX5" fmla="*/ 771156 w 2232351"/>
+              <a:gd name="connsiteY5" fmla="*/ 9202 h 1091853"/>
+              <a:gd name="connsiteX0" fmla="*/ 771405 w 2292176"/>
+              <a:gd name="connsiteY0" fmla="*/ 33877 h 1116528"/>
+              <a:gd name="connsiteX1" fmla="*/ 1990606 w 2292176"/>
+              <a:gd name="connsiteY1" fmla="*/ 107449 h 1116528"/>
+              <a:gd name="connsiteX2" fmla="*/ 2232344 w 2292176"/>
+              <a:gd name="connsiteY2" fmla="*/ 643477 h 1116528"/>
+              <a:gd name="connsiteX3" fmla="*/ 1097226 w 2292176"/>
+              <a:gd name="connsiteY3" fmla="*/ 1116443 h 1116528"/>
+              <a:gd name="connsiteX4" fmla="*/ 4151 w 2292176"/>
+              <a:gd name="connsiteY4" fmla="*/ 517353 h 1116528"/>
+              <a:gd name="connsiteX5" fmla="*/ 771405 w 2292176"/>
+              <a:gd name="connsiteY5" fmla="*/ 33877 h 1116528"/>
+              <a:gd name="connsiteX0" fmla="*/ 771672 w 2371330"/>
+              <a:gd name="connsiteY0" fmla="*/ 19835 h 1102486"/>
+              <a:gd name="connsiteX1" fmla="*/ 2190569 w 2371330"/>
+              <a:gd name="connsiteY1" fmla="*/ 145959 h 1102486"/>
+              <a:gd name="connsiteX2" fmla="*/ 2232611 w 2371330"/>
+              <a:gd name="connsiteY2" fmla="*/ 629435 h 1102486"/>
+              <a:gd name="connsiteX3" fmla="*/ 1097493 w 2371330"/>
+              <a:gd name="connsiteY3" fmla="*/ 1102401 h 1102486"/>
+              <a:gd name="connsiteX4" fmla="*/ 4418 w 2371330"/>
+              <a:gd name="connsiteY4" fmla="*/ 503311 h 1102486"/>
+              <a:gd name="connsiteX5" fmla="*/ 771672 w 2371330"/>
+              <a:gd name="connsiteY5" fmla="*/ 19835 h 1102486"/>
+              <a:gd name="connsiteX0" fmla="*/ 771672 w 2440055"/>
+              <a:gd name="connsiteY0" fmla="*/ 23506 h 1106157"/>
+              <a:gd name="connsiteX1" fmla="*/ 2190569 w 2440055"/>
+              <a:gd name="connsiteY1" fmla="*/ 149630 h 1106157"/>
+              <a:gd name="connsiteX2" fmla="*/ 2337714 w 2440055"/>
+              <a:gd name="connsiteY2" fmla="*/ 790762 h 1106157"/>
+              <a:gd name="connsiteX3" fmla="*/ 1097493 w 2440055"/>
+              <a:gd name="connsiteY3" fmla="*/ 1106072 h 1106157"/>
+              <a:gd name="connsiteX4" fmla="*/ 4418 w 2440055"/>
+              <a:gd name="connsiteY4" fmla="*/ 506982 h 1106157"/>
+              <a:gd name="connsiteX5" fmla="*/ 771672 w 2440055"/>
+              <a:gd name="connsiteY5" fmla="*/ 23506 h 1106157"/>
+              <a:gd name="connsiteX0" fmla="*/ 782486 w 2426409"/>
+              <a:gd name="connsiteY0" fmla="*/ 23506 h 1274301"/>
+              <a:gd name="connsiteX1" fmla="*/ 2201383 w 2426409"/>
+              <a:gd name="connsiteY1" fmla="*/ 149630 h 1274301"/>
+              <a:gd name="connsiteX2" fmla="*/ 2348528 w 2426409"/>
+              <a:gd name="connsiteY2" fmla="*/ 790762 h 1274301"/>
+              <a:gd name="connsiteX3" fmla="*/ 1444638 w 2426409"/>
+              <a:gd name="connsiteY3" fmla="*/ 1274237 h 1274301"/>
+              <a:gd name="connsiteX4" fmla="*/ 15232 w 2426409"/>
+              <a:gd name="connsiteY4" fmla="*/ 506982 h 1274301"/>
+              <a:gd name="connsiteX5" fmla="*/ 782486 w 2426409"/>
+              <a:gd name="connsiteY5" fmla="*/ 23506 h 1274301"/>
+              <a:gd name="connsiteX0" fmla="*/ 1030815 w 2674738"/>
+              <a:gd name="connsiteY0" fmla="*/ 23506 h 1274301"/>
+              <a:gd name="connsiteX1" fmla="*/ 2449712 w 2674738"/>
+              <a:gd name="connsiteY1" fmla="*/ 149630 h 1274301"/>
+              <a:gd name="connsiteX2" fmla="*/ 2596857 w 2674738"/>
+              <a:gd name="connsiteY2" fmla="*/ 790762 h 1274301"/>
+              <a:gd name="connsiteX3" fmla="*/ 1692967 w 2674738"/>
+              <a:gd name="connsiteY3" fmla="*/ 1274237 h 1274301"/>
+              <a:gd name="connsiteX4" fmla="*/ 11313 w 2674738"/>
+              <a:gd name="connsiteY4" fmla="*/ 506982 h 1274301"/>
+              <a:gd name="connsiteX5" fmla="*/ 1030815 w 2674738"/>
+              <a:gd name="connsiteY5" fmla="*/ 23506 h 1274301"/>
+              <a:gd name="connsiteX0" fmla="*/ 794714 w 2703461"/>
+              <a:gd name="connsiteY0" fmla="*/ 27079 h 1256854"/>
+              <a:gd name="connsiteX1" fmla="*/ 2465860 w 2703461"/>
+              <a:gd name="connsiteY1" fmla="*/ 132183 h 1256854"/>
+              <a:gd name="connsiteX2" fmla="*/ 2613005 w 2703461"/>
+              <a:gd name="connsiteY2" fmla="*/ 773315 h 1256854"/>
+              <a:gd name="connsiteX3" fmla="*/ 1709115 w 2703461"/>
+              <a:gd name="connsiteY3" fmla="*/ 1256790 h 1256854"/>
+              <a:gd name="connsiteX4" fmla="*/ 27461 w 2703461"/>
+              <a:gd name="connsiteY4" fmla="*/ 489535 h 1256854"/>
+              <a:gd name="connsiteX5" fmla="*/ 794714 w 2703461"/>
+              <a:gd name="connsiteY5" fmla="*/ 27079 h 1256854"/>
+              <a:gd name="connsiteX0" fmla="*/ 794714 w 2703461"/>
+              <a:gd name="connsiteY0" fmla="*/ 27079 h 1258034"/>
+              <a:gd name="connsiteX1" fmla="*/ 2465860 w 2703461"/>
+              <a:gd name="connsiteY1" fmla="*/ 132183 h 1258034"/>
+              <a:gd name="connsiteX2" fmla="*/ 2613005 w 2703461"/>
+              <a:gd name="connsiteY2" fmla="*/ 773315 h 1258034"/>
+              <a:gd name="connsiteX3" fmla="*/ 1709115 w 2703461"/>
+              <a:gd name="connsiteY3" fmla="*/ 1256790 h 1258034"/>
+              <a:gd name="connsiteX4" fmla="*/ 647571 w 2703461"/>
+              <a:gd name="connsiteY4" fmla="*/ 899437 h 1258034"/>
+              <a:gd name="connsiteX5" fmla="*/ 27461 w 2703461"/>
+              <a:gd name="connsiteY5" fmla="*/ 489535 h 1258034"/>
+              <a:gd name="connsiteX6" fmla="*/ 794714 w 2703461"/>
+              <a:gd name="connsiteY6" fmla="*/ 27079 h 1258034"/>
+              <a:gd name="connsiteX0" fmla="*/ 768429 w 2677176"/>
+              <a:gd name="connsiteY0" fmla="*/ 27079 h 1258708"/>
+              <a:gd name="connsiteX1" fmla="*/ 2439575 w 2677176"/>
+              <a:gd name="connsiteY1" fmla="*/ 132183 h 1258708"/>
+              <a:gd name="connsiteX2" fmla="*/ 2586720 w 2677176"/>
+              <a:gd name="connsiteY2" fmla="*/ 773315 h 1258708"/>
+              <a:gd name="connsiteX3" fmla="*/ 1682830 w 2677176"/>
+              <a:gd name="connsiteY3" fmla="*/ 1256790 h 1258708"/>
+              <a:gd name="connsiteX4" fmla="*/ 621286 w 2677176"/>
+              <a:gd name="connsiteY4" fmla="*/ 994030 h 1258708"/>
+              <a:gd name="connsiteX5" fmla="*/ 1176 w 2677176"/>
+              <a:gd name="connsiteY5" fmla="*/ 489535 h 1258708"/>
+              <a:gd name="connsiteX6" fmla="*/ 768429 w 2677176"/>
+              <a:gd name="connsiteY6" fmla="*/ 27079 h 1258708"/>
+              <a:gd name="connsiteX0" fmla="*/ 599135 w 2685144"/>
+              <a:gd name="connsiteY0" fmla="*/ 27079 h 1258708"/>
+              <a:gd name="connsiteX1" fmla="*/ 2438446 w 2685144"/>
+              <a:gd name="connsiteY1" fmla="*/ 132183 h 1258708"/>
+              <a:gd name="connsiteX2" fmla="*/ 2585591 w 2685144"/>
+              <a:gd name="connsiteY2" fmla="*/ 773315 h 1258708"/>
+              <a:gd name="connsiteX3" fmla="*/ 1681701 w 2685144"/>
+              <a:gd name="connsiteY3" fmla="*/ 1256790 h 1258708"/>
+              <a:gd name="connsiteX4" fmla="*/ 620157 w 2685144"/>
+              <a:gd name="connsiteY4" fmla="*/ 994030 h 1258708"/>
+              <a:gd name="connsiteX5" fmla="*/ 47 w 2685144"/>
+              <a:gd name="connsiteY5" fmla="*/ 489535 h 1258708"/>
+              <a:gd name="connsiteX6" fmla="*/ 599135 w 2685144"/>
+              <a:gd name="connsiteY6" fmla="*/ 27079 h 1258708"/>
+              <a:gd name="connsiteX0" fmla="*/ 599136 w 2713039"/>
+              <a:gd name="connsiteY0" fmla="*/ 38010 h 1269639"/>
+              <a:gd name="connsiteX1" fmla="*/ 2490998 w 2713039"/>
+              <a:gd name="connsiteY1" fmla="*/ 111583 h 1269639"/>
+              <a:gd name="connsiteX2" fmla="*/ 2585592 w 2713039"/>
+              <a:gd name="connsiteY2" fmla="*/ 784246 h 1269639"/>
+              <a:gd name="connsiteX3" fmla="*/ 1681702 w 2713039"/>
+              <a:gd name="connsiteY3" fmla="*/ 1267721 h 1269639"/>
+              <a:gd name="connsiteX4" fmla="*/ 620158 w 2713039"/>
+              <a:gd name="connsiteY4" fmla="*/ 1004961 h 1269639"/>
+              <a:gd name="connsiteX5" fmla="*/ 48 w 2713039"/>
+              <a:gd name="connsiteY5" fmla="*/ 500466 h 1269639"/>
+              <a:gd name="connsiteX6" fmla="*/ 599136 w 2713039"/>
+              <a:gd name="connsiteY6" fmla="*/ 38010 h 1269639"/>
+              <a:gd name="connsiteX0" fmla="*/ 599136 w 2737668"/>
+              <a:gd name="connsiteY0" fmla="*/ 38968 h 1270597"/>
+              <a:gd name="connsiteX1" fmla="*/ 2490998 w 2737668"/>
+              <a:gd name="connsiteY1" fmla="*/ 112541 h 1270597"/>
+              <a:gd name="connsiteX2" fmla="*/ 2627633 w 2737668"/>
+              <a:gd name="connsiteY2" fmla="*/ 806225 h 1270597"/>
+              <a:gd name="connsiteX3" fmla="*/ 1681702 w 2737668"/>
+              <a:gd name="connsiteY3" fmla="*/ 1268679 h 1270597"/>
+              <a:gd name="connsiteX4" fmla="*/ 620158 w 2737668"/>
+              <a:gd name="connsiteY4" fmla="*/ 1005919 h 1270597"/>
+              <a:gd name="connsiteX5" fmla="*/ 48 w 2737668"/>
+              <a:gd name="connsiteY5" fmla="*/ 501424 h 1270597"/>
+              <a:gd name="connsiteX6" fmla="*/ 599136 w 2737668"/>
+              <a:gd name="connsiteY6" fmla="*/ 38968 h 1270597"/>
+              <a:gd name="connsiteX0" fmla="*/ 599508 w 2738040"/>
+              <a:gd name="connsiteY0" fmla="*/ 38968 h 1270154"/>
+              <a:gd name="connsiteX1" fmla="*/ 2491370 w 2738040"/>
+              <a:gd name="connsiteY1" fmla="*/ 112541 h 1270154"/>
+              <a:gd name="connsiteX2" fmla="*/ 2628005 w 2738040"/>
+              <a:gd name="connsiteY2" fmla="*/ 806225 h 1270154"/>
+              <a:gd name="connsiteX3" fmla="*/ 1682074 w 2738040"/>
+              <a:gd name="connsiteY3" fmla="*/ 1268679 h 1270154"/>
+              <a:gd name="connsiteX4" fmla="*/ 525937 w 2738040"/>
+              <a:gd name="connsiteY4" fmla="*/ 953368 h 1270154"/>
+              <a:gd name="connsiteX5" fmla="*/ 420 w 2738040"/>
+              <a:gd name="connsiteY5" fmla="*/ 501424 h 1270154"/>
+              <a:gd name="connsiteX6" fmla="*/ 599508 w 2738040"/>
+              <a:gd name="connsiteY6" fmla="*/ 38968 h 1270154"/>
+              <a:gd name="connsiteX0" fmla="*/ 599494 w 2738026"/>
+              <a:gd name="connsiteY0" fmla="*/ 38968 h 1270154"/>
+              <a:gd name="connsiteX1" fmla="*/ 2491356 w 2738026"/>
+              <a:gd name="connsiteY1" fmla="*/ 112541 h 1270154"/>
+              <a:gd name="connsiteX2" fmla="*/ 2627991 w 2738026"/>
+              <a:gd name="connsiteY2" fmla="*/ 806225 h 1270154"/>
+              <a:gd name="connsiteX3" fmla="*/ 1682060 w 2738026"/>
+              <a:gd name="connsiteY3" fmla="*/ 1268679 h 1270154"/>
+              <a:gd name="connsiteX4" fmla="*/ 525923 w 2738026"/>
+              <a:gd name="connsiteY4" fmla="*/ 953368 h 1270154"/>
+              <a:gd name="connsiteX5" fmla="*/ 406 w 2738026"/>
+              <a:gd name="connsiteY5" fmla="*/ 501424 h 1270154"/>
+              <a:gd name="connsiteX6" fmla="*/ 599494 w 2738026"/>
+              <a:gd name="connsiteY6" fmla="*/ 38968 h 1270154"/>
+              <a:gd name="connsiteX0" fmla="*/ 603723 w 2742255"/>
+              <a:gd name="connsiteY0" fmla="*/ 38968 h 1270154"/>
+              <a:gd name="connsiteX1" fmla="*/ 2495585 w 2742255"/>
+              <a:gd name="connsiteY1" fmla="*/ 112541 h 1270154"/>
+              <a:gd name="connsiteX2" fmla="*/ 2632220 w 2742255"/>
+              <a:gd name="connsiteY2" fmla="*/ 806225 h 1270154"/>
+              <a:gd name="connsiteX3" fmla="*/ 1686289 w 2742255"/>
+              <a:gd name="connsiteY3" fmla="*/ 1268679 h 1270154"/>
+              <a:gd name="connsiteX4" fmla="*/ 530152 w 2742255"/>
+              <a:gd name="connsiteY4" fmla="*/ 953368 h 1270154"/>
+              <a:gd name="connsiteX5" fmla="*/ 4635 w 2742255"/>
+              <a:gd name="connsiteY5" fmla="*/ 501424 h 1270154"/>
+              <a:gd name="connsiteX6" fmla="*/ 603723 w 2742255"/>
+              <a:gd name="connsiteY6" fmla="*/ 38968 h 1270154"/>
+              <a:gd name="connsiteX0" fmla="*/ 599954 w 2738486"/>
+              <a:gd name="connsiteY0" fmla="*/ 38968 h 1272303"/>
+              <a:gd name="connsiteX1" fmla="*/ 2491816 w 2738486"/>
+              <a:gd name="connsiteY1" fmla="*/ 112541 h 1272303"/>
+              <a:gd name="connsiteX2" fmla="*/ 2628451 w 2738486"/>
+              <a:gd name="connsiteY2" fmla="*/ 806225 h 1272303"/>
+              <a:gd name="connsiteX3" fmla="*/ 1682520 w 2738486"/>
+              <a:gd name="connsiteY3" fmla="*/ 1268679 h 1272303"/>
+              <a:gd name="connsiteX4" fmla="*/ 694548 w 2738486"/>
+              <a:gd name="connsiteY4" fmla="*/ 1090003 h 1272303"/>
+              <a:gd name="connsiteX5" fmla="*/ 866 w 2738486"/>
+              <a:gd name="connsiteY5" fmla="*/ 501424 h 1272303"/>
+              <a:gd name="connsiteX6" fmla="*/ 599954 w 2738486"/>
+              <a:gd name="connsiteY6" fmla="*/ 38968 h 1272303"/>
+            </a:gdLst>
+            <a:ahLst/>
+            <a:cxnLst>
+              <a:cxn ang="0">
+                <a:pos x="connsiteX0" y="connsiteY0"/>
+              </a:cxn>
+              <a:cxn ang="0">
+                <a:pos x="connsiteX1" y="connsiteY1"/>
+              </a:cxn>
+              <a:cxn ang="0">
+                <a:pos x="connsiteX2" y="connsiteY2"/>
+              </a:cxn>
+              <a:cxn ang="0">
+                <a:pos x="connsiteX3" y="connsiteY3"/>
+              </a:cxn>
+              <a:cxn ang="0">
+                <a:pos x="connsiteX4" y="connsiteY4"/>
+              </a:cxn>
+              <a:cxn ang="0">
+                <a:pos x="connsiteX5" y="connsiteY5"/>
+              </a:cxn>
+              <a:cxn ang="0">
+                <a:pos x="connsiteX6" y="connsiteY6"/>
+              </a:cxn>
+            </a:cxnLst>
+            <a:rect l="l" t="t" r="r" b="b"/>
+            <a:pathLst>
+              <a:path w="2738486" h="1272303">
+                <a:moveTo>
+                  <a:pt x="599954" y="38968"/>
+                </a:moveTo>
+                <a:cubicBezTo>
+                  <a:pt x="1015112" y="-25846"/>
+                  <a:pt x="2153733" y="-15335"/>
+                  <a:pt x="2491816" y="112541"/>
+                </a:cubicBezTo>
+                <a:cubicBezTo>
+                  <a:pt x="2829899" y="240417"/>
+                  <a:pt x="2763334" y="613535"/>
+                  <a:pt x="2628451" y="806225"/>
+                </a:cubicBezTo>
+                <a:cubicBezTo>
+                  <a:pt x="2493568" y="998915"/>
+                  <a:pt x="2010092" y="1247659"/>
+                  <a:pt x="1682520" y="1268679"/>
+                </a:cubicBezTo>
+                <a:cubicBezTo>
+                  <a:pt x="1354948" y="1289699"/>
+                  <a:pt x="974824" y="1217879"/>
+                  <a:pt x="694548" y="1090003"/>
+                </a:cubicBezTo>
+                <a:cubicBezTo>
+                  <a:pt x="424783" y="941106"/>
+                  <a:pt x="16632" y="676596"/>
+                  <a:pt x="866" y="501424"/>
+                </a:cubicBezTo>
+                <a:cubicBezTo>
+                  <a:pt x="-14900" y="326252"/>
+                  <a:pt x="184796" y="103782"/>
+                  <a:pt x="599954" y="38968"/>
+                </a:cubicBezTo>
+                <a:close/>
+              </a:path>
+            </a:pathLst>
+          </a:custGeom>
+          <a:gradFill flip="none" rotWithShape="1">
+            <a:gsLst>
+              <a:gs pos="100000">
+                <a:schemeClr val="accent1">
+                  <a:satMod val="110000"/>
+                  <a:lumMod val="100000"/>
+                  <a:shade val="100000"/>
+                </a:schemeClr>
+              </a:gs>
+              <a:gs pos="30000">
+                <a:schemeClr val="bg1"/>
+              </a:gs>
+            </a:gsLst>
+            <a:lin ang="5400000" scaled="1"/>
+            <a:tileRect/>
+          </a:gradFill>
+        </p:spPr>
+        <p:style>
+          <a:lnRef idx="2">
+            <a:schemeClr val="accent1">
+              <a:shade val="50000"/>
+            </a:schemeClr>
+          </a:lnRef>
+          <a:fillRef idx="1">
+            <a:schemeClr val="accent1"/>
+          </a:fillRef>
+          <a:effectRef idx="0">
+            <a:schemeClr val="accent1"/>
+          </a:effectRef>
+          <a:fontRef idx="minor">
+            <a:schemeClr val="lt1"/>
+          </a:fontRef>
+        </p:style>
+        <p:txBody>
+          <a:bodyPr rtlCol="0" anchor="ctr"/>
+          <a:lstStyle/>
+          <a:p>
+            <a:pPr algn="ctr"/>
+            <a:endParaRPr lang="en-US"/>
+          </a:p>
+        </p:txBody>
+      </p:sp>
+      <p:sp>
+        <p:nvSpPr>
+          <p:cNvPr id="21" name="Freeform 20"/>
+          <p:cNvSpPr/>
+          <p:nvPr/>
+        </p:nvSpPr>
+        <p:spPr>
+          <a:xfrm>
+            <a:off x="599944" y="4322376"/>
+            <a:ext cx="2738486" cy="1272303"/>
+          </a:xfrm>
+          <a:custGeom>
+            <a:avLst/>
+            <a:gdLst>
+              <a:gd name="connsiteX0" fmla="*/ 936282 w 2355343"/>
+              <a:gd name="connsiteY0" fmla="*/ 63809 h 1020362"/>
+              <a:gd name="connsiteX1" fmla="*/ 1808641 w 2355343"/>
+              <a:gd name="connsiteY1" fmla="*/ 53299 h 1020362"/>
+              <a:gd name="connsiteX2" fmla="*/ 2334158 w 2355343"/>
+              <a:gd name="connsiteY2" fmla="*/ 505244 h 1020362"/>
+              <a:gd name="connsiteX3" fmla="*/ 1093937 w 2355343"/>
+              <a:gd name="connsiteY3" fmla="*/ 1020251 h 1020362"/>
+              <a:gd name="connsiteX4" fmla="*/ 862 w 2355343"/>
+              <a:gd name="connsiteY4" fmla="*/ 547285 h 1020362"/>
+              <a:gd name="connsiteX5" fmla="*/ 936282 w 2355343"/>
+              <a:gd name="connsiteY5" fmla="*/ 63809 h 1020362"/>
+              <a:gd name="connsiteX0" fmla="*/ 936282 w 2355343"/>
+              <a:gd name="connsiteY0" fmla="*/ 56594 h 1013116"/>
+              <a:gd name="connsiteX1" fmla="*/ 1808641 w 2355343"/>
+              <a:gd name="connsiteY1" fmla="*/ 46084 h 1013116"/>
+              <a:gd name="connsiteX2" fmla="*/ 2334158 w 2355343"/>
+              <a:gd name="connsiteY2" fmla="*/ 498029 h 1013116"/>
+              <a:gd name="connsiteX3" fmla="*/ 1093937 w 2355343"/>
+              <a:gd name="connsiteY3" fmla="*/ 1013036 h 1013116"/>
+              <a:gd name="connsiteX4" fmla="*/ 862 w 2355343"/>
+              <a:gd name="connsiteY4" fmla="*/ 413946 h 1013116"/>
+              <a:gd name="connsiteX5" fmla="*/ 936282 w 2355343"/>
+              <a:gd name="connsiteY5" fmla="*/ 56594 h 1013116"/>
+              <a:gd name="connsiteX0" fmla="*/ 771191 w 2359575"/>
+              <a:gd name="connsiteY0" fmla="*/ 122282 h 984209"/>
+              <a:gd name="connsiteX1" fmla="*/ 1811716 w 2359575"/>
+              <a:gd name="connsiteY1" fmla="*/ 17179 h 984209"/>
+              <a:gd name="connsiteX2" fmla="*/ 2337233 w 2359575"/>
+              <a:gd name="connsiteY2" fmla="*/ 469124 h 984209"/>
+              <a:gd name="connsiteX3" fmla="*/ 1097012 w 2359575"/>
+              <a:gd name="connsiteY3" fmla="*/ 984131 h 984209"/>
+              <a:gd name="connsiteX4" fmla="*/ 3937 w 2359575"/>
+              <a:gd name="connsiteY4" fmla="*/ 385041 h 984209"/>
+              <a:gd name="connsiteX5" fmla="*/ 771191 w 2359575"/>
+              <a:gd name="connsiteY5" fmla="*/ 122282 h 984209"/>
+              <a:gd name="connsiteX0" fmla="*/ 771156 w 2356731"/>
+              <a:gd name="connsiteY0" fmla="*/ 52261 h 914188"/>
+              <a:gd name="connsiteX1" fmla="*/ 1780150 w 2356731"/>
+              <a:gd name="connsiteY1" fmla="*/ 31240 h 914188"/>
+              <a:gd name="connsiteX2" fmla="*/ 2337198 w 2356731"/>
+              <a:gd name="connsiteY2" fmla="*/ 399103 h 914188"/>
+              <a:gd name="connsiteX3" fmla="*/ 1096977 w 2356731"/>
+              <a:gd name="connsiteY3" fmla="*/ 914110 h 914188"/>
+              <a:gd name="connsiteX4" fmla="*/ 3902 w 2356731"/>
+              <a:gd name="connsiteY4" fmla="*/ 315020 h 914188"/>
+              <a:gd name="connsiteX5" fmla="*/ 771156 w 2356731"/>
+              <a:gd name="connsiteY5" fmla="*/ 52261 h 914188"/>
+              <a:gd name="connsiteX0" fmla="*/ 771156 w 2255689"/>
+              <a:gd name="connsiteY0" fmla="*/ 60713 h 922640"/>
+              <a:gd name="connsiteX1" fmla="*/ 1780150 w 2255689"/>
+              <a:gd name="connsiteY1" fmla="*/ 39692 h 922640"/>
+              <a:gd name="connsiteX2" fmla="*/ 2232095 w 2255689"/>
+              <a:gd name="connsiteY2" fmla="*/ 523169 h 922640"/>
+              <a:gd name="connsiteX3" fmla="*/ 1096977 w 2255689"/>
+              <a:gd name="connsiteY3" fmla="*/ 922562 h 922640"/>
+              <a:gd name="connsiteX4" fmla="*/ 3902 w 2255689"/>
+              <a:gd name="connsiteY4" fmla="*/ 323472 h 922640"/>
+              <a:gd name="connsiteX5" fmla="*/ 771156 w 2255689"/>
+              <a:gd name="connsiteY5" fmla="*/ 60713 h 922640"/>
+              <a:gd name="connsiteX0" fmla="*/ 771156 w 2232351"/>
+              <a:gd name="connsiteY0" fmla="*/ 60713 h 922640"/>
+              <a:gd name="connsiteX1" fmla="*/ 1780150 w 2232351"/>
+              <a:gd name="connsiteY1" fmla="*/ 39692 h 922640"/>
+              <a:gd name="connsiteX2" fmla="*/ 2232095 w 2232351"/>
+              <a:gd name="connsiteY2" fmla="*/ 523169 h 922640"/>
+              <a:gd name="connsiteX3" fmla="*/ 1096977 w 2232351"/>
+              <a:gd name="connsiteY3" fmla="*/ 922562 h 922640"/>
+              <a:gd name="connsiteX4" fmla="*/ 3902 w 2232351"/>
+              <a:gd name="connsiteY4" fmla="*/ 323472 h 922640"/>
+              <a:gd name="connsiteX5" fmla="*/ 771156 w 2232351"/>
+              <a:gd name="connsiteY5" fmla="*/ 60713 h 922640"/>
+              <a:gd name="connsiteX0" fmla="*/ 771156 w 2232351"/>
+              <a:gd name="connsiteY0" fmla="*/ 55328 h 917255"/>
+              <a:gd name="connsiteX1" fmla="*/ 1780150 w 2232351"/>
+              <a:gd name="connsiteY1" fmla="*/ 34307 h 917255"/>
+              <a:gd name="connsiteX2" fmla="*/ 2232095 w 2232351"/>
+              <a:gd name="connsiteY2" fmla="*/ 444211 h 917255"/>
+              <a:gd name="connsiteX3" fmla="*/ 1096977 w 2232351"/>
+              <a:gd name="connsiteY3" fmla="*/ 917177 h 917255"/>
+              <a:gd name="connsiteX4" fmla="*/ 3902 w 2232351"/>
+              <a:gd name="connsiteY4" fmla="*/ 318087 h 917255"/>
+              <a:gd name="connsiteX5" fmla="*/ 771156 w 2232351"/>
+              <a:gd name="connsiteY5" fmla="*/ 55328 h 917255"/>
+              <a:gd name="connsiteX0" fmla="*/ 771156 w 2232351"/>
+              <a:gd name="connsiteY0" fmla="*/ 9202 h 1091853"/>
+              <a:gd name="connsiteX1" fmla="*/ 1780150 w 2232351"/>
+              <a:gd name="connsiteY1" fmla="*/ 208898 h 1091853"/>
+              <a:gd name="connsiteX2" fmla="*/ 2232095 w 2232351"/>
+              <a:gd name="connsiteY2" fmla="*/ 618802 h 1091853"/>
+              <a:gd name="connsiteX3" fmla="*/ 1096977 w 2232351"/>
+              <a:gd name="connsiteY3" fmla="*/ 1091768 h 1091853"/>
+              <a:gd name="connsiteX4" fmla="*/ 3902 w 2232351"/>
+              <a:gd name="connsiteY4" fmla="*/ 492678 h 1091853"/>
+              <a:gd name="connsiteX5" fmla="*/ 771156 w 2232351"/>
+              <a:gd name="connsiteY5" fmla="*/ 9202 h 1091853"/>
+              <a:gd name="connsiteX0" fmla="*/ 771405 w 2292176"/>
+              <a:gd name="connsiteY0" fmla="*/ 33877 h 1116528"/>
+              <a:gd name="connsiteX1" fmla="*/ 1990606 w 2292176"/>
+              <a:gd name="connsiteY1" fmla="*/ 107449 h 1116528"/>
+              <a:gd name="connsiteX2" fmla="*/ 2232344 w 2292176"/>
+              <a:gd name="connsiteY2" fmla="*/ 643477 h 1116528"/>
+              <a:gd name="connsiteX3" fmla="*/ 1097226 w 2292176"/>
+              <a:gd name="connsiteY3" fmla="*/ 1116443 h 1116528"/>
+              <a:gd name="connsiteX4" fmla="*/ 4151 w 2292176"/>
+              <a:gd name="connsiteY4" fmla="*/ 517353 h 1116528"/>
+              <a:gd name="connsiteX5" fmla="*/ 771405 w 2292176"/>
+              <a:gd name="connsiteY5" fmla="*/ 33877 h 1116528"/>
+              <a:gd name="connsiteX0" fmla="*/ 771672 w 2371330"/>
+              <a:gd name="connsiteY0" fmla="*/ 19835 h 1102486"/>
+              <a:gd name="connsiteX1" fmla="*/ 2190569 w 2371330"/>
+              <a:gd name="connsiteY1" fmla="*/ 145959 h 1102486"/>
+              <a:gd name="connsiteX2" fmla="*/ 2232611 w 2371330"/>
+              <a:gd name="connsiteY2" fmla="*/ 629435 h 1102486"/>
+              <a:gd name="connsiteX3" fmla="*/ 1097493 w 2371330"/>
+              <a:gd name="connsiteY3" fmla="*/ 1102401 h 1102486"/>
+              <a:gd name="connsiteX4" fmla="*/ 4418 w 2371330"/>
+              <a:gd name="connsiteY4" fmla="*/ 503311 h 1102486"/>
+              <a:gd name="connsiteX5" fmla="*/ 771672 w 2371330"/>
+              <a:gd name="connsiteY5" fmla="*/ 19835 h 1102486"/>
+              <a:gd name="connsiteX0" fmla="*/ 771672 w 2440055"/>
+              <a:gd name="connsiteY0" fmla="*/ 23506 h 1106157"/>
+              <a:gd name="connsiteX1" fmla="*/ 2190569 w 2440055"/>
+              <a:gd name="connsiteY1" fmla="*/ 149630 h 1106157"/>
+              <a:gd name="connsiteX2" fmla="*/ 2337714 w 2440055"/>
+              <a:gd name="connsiteY2" fmla="*/ 790762 h 1106157"/>
+              <a:gd name="connsiteX3" fmla="*/ 1097493 w 2440055"/>
+              <a:gd name="connsiteY3" fmla="*/ 1106072 h 1106157"/>
+              <a:gd name="connsiteX4" fmla="*/ 4418 w 2440055"/>
+              <a:gd name="connsiteY4" fmla="*/ 506982 h 1106157"/>
+              <a:gd name="connsiteX5" fmla="*/ 771672 w 2440055"/>
+              <a:gd name="connsiteY5" fmla="*/ 23506 h 1106157"/>
+              <a:gd name="connsiteX0" fmla="*/ 782486 w 2426409"/>
+              <a:gd name="connsiteY0" fmla="*/ 23506 h 1274301"/>
+              <a:gd name="connsiteX1" fmla="*/ 2201383 w 2426409"/>
+              <a:gd name="connsiteY1" fmla="*/ 149630 h 1274301"/>
+              <a:gd name="connsiteX2" fmla="*/ 2348528 w 2426409"/>
+              <a:gd name="connsiteY2" fmla="*/ 790762 h 1274301"/>
+              <a:gd name="connsiteX3" fmla="*/ 1444638 w 2426409"/>
+              <a:gd name="connsiteY3" fmla="*/ 1274237 h 1274301"/>
+              <a:gd name="connsiteX4" fmla="*/ 15232 w 2426409"/>
+              <a:gd name="connsiteY4" fmla="*/ 506982 h 1274301"/>
+              <a:gd name="connsiteX5" fmla="*/ 782486 w 2426409"/>
+              <a:gd name="connsiteY5" fmla="*/ 23506 h 1274301"/>
+              <a:gd name="connsiteX0" fmla="*/ 1030815 w 2674738"/>
+              <a:gd name="connsiteY0" fmla="*/ 23506 h 1274301"/>
+              <a:gd name="connsiteX1" fmla="*/ 2449712 w 2674738"/>
+              <a:gd name="connsiteY1" fmla="*/ 149630 h 1274301"/>
+              <a:gd name="connsiteX2" fmla="*/ 2596857 w 2674738"/>
+              <a:gd name="connsiteY2" fmla="*/ 790762 h 1274301"/>
+              <a:gd name="connsiteX3" fmla="*/ 1692967 w 2674738"/>
+              <a:gd name="connsiteY3" fmla="*/ 1274237 h 1274301"/>
+              <a:gd name="connsiteX4" fmla="*/ 11313 w 2674738"/>
+              <a:gd name="connsiteY4" fmla="*/ 506982 h 1274301"/>
+              <a:gd name="connsiteX5" fmla="*/ 1030815 w 2674738"/>
+              <a:gd name="connsiteY5" fmla="*/ 23506 h 1274301"/>
+              <a:gd name="connsiteX0" fmla="*/ 794714 w 2703461"/>
+              <a:gd name="connsiteY0" fmla="*/ 27079 h 1256854"/>
+              <a:gd name="connsiteX1" fmla="*/ 2465860 w 2703461"/>
+              <a:gd name="connsiteY1" fmla="*/ 132183 h 1256854"/>
+              <a:gd name="connsiteX2" fmla="*/ 2613005 w 2703461"/>
+              <a:gd name="connsiteY2" fmla="*/ 773315 h 1256854"/>
+              <a:gd name="connsiteX3" fmla="*/ 1709115 w 2703461"/>
+              <a:gd name="connsiteY3" fmla="*/ 1256790 h 1256854"/>
+              <a:gd name="connsiteX4" fmla="*/ 27461 w 2703461"/>
+              <a:gd name="connsiteY4" fmla="*/ 489535 h 1256854"/>
+              <a:gd name="connsiteX5" fmla="*/ 794714 w 2703461"/>
+              <a:gd name="connsiteY5" fmla="*/ 27079 h 1256854"/>
+              <a:gd name="connsiteX0" fmla="*/ 794714 w 2703461"/>
+              <a:gd name="connsiteY0" fmla="*/ 27079 h 1258034"/>
+              <a:gd name="connsiteX1" fmla="*/ 2465860 w 2703461"/>
+              <a:gd name="connsiteY1" fmla="*/ 132183 h 1258034"/>
+              <a:gd name="connsiteX2" fmla="*/ 2613005 w 2703461"/>
+              <a:gd name="connsiteY2" fmla="*/ 773315 h 1258034"/>
+              <a:gd name="connsiteX3" fmla="*/ 1709115 w 2703461"/>
+              <a:gd name="connsiteY3" fmla="*/ 1256790 h 1258034"/>
+              <a:gd name="connsiteX4" fmla="*/ 647571 w 2703461"/>
+              <a:gd name="connsiteY4" fmla="*/ 899437 h 1258034"/>
+              <a:gd name="connsiteX5" fmla="*/ 27461 w 2703461"/>
+              <a:gd name="connsiteY5" fmla="*/ 489535 h 1258034"/>
+              <a:gd name="connsiteX6" fmla="*/ 794714 w 2703461"/>
+              <a:gd name="connsiteY6" fmla="*/ 27079 h 1258034"/>
+              <a:gd name="connsiteX0" fmla="*/ 768429 w 2677176"/>
+              <a:gd name="connsiteY0" fmla="*/ 27079 h 1258708"/>
+              <a:gd name="connsiteX1" fmla="*/ 2439575 w 2677176"/>
+              <a:gd name="connsiteY1" fmla="*/ 132183 h 1258708"/>
+              <a:gd name="connsiteX2" fmla="*/ 2586720 w 2677176"/>
+              <a:gd name="connsiteY2" fmla="*/ 773315 h 1258708"/>
+              <a:gd name="connsiteX3" fmla="*/ 1682830 w 2677176"/>
+              <a:gd name="connsiteY3" fmla="*/ 1256790 h 1258708"/>
+              <a:gd name="connsiteX4" fmla="*/ 621286 w 2677176"/>
+              <a:gd name="connsiteY4" fmla="*/ 994030 h 1258708"/>
+              <a:gd name="connsiteX5" fmla="*/ 1176 w 2677176"/>
+              <a:gd name="connsiteY5" fmla="*/ 489535 h 1258708"/>
+              <a:gd name="connsiteX6" fmla="*/ 768429 w 2677176"/>
+              <a:gd name="connsiteY6" fmla="*/ 27079 h 1258708"/>
+              <a:gd name="connsiteX0" fmla="*/ 599135 w 2685144"/>
+              <a:gd name="connsiteY0" fmla="*/ 27079 h 1258708"/>
+              <a:gd name="connsiteX1" fmla="*/ 2438446 w 2685144"/>
+              <a:gd name="connsiteY1" fmla="*/ 132183 h 1258708"/>
+              <a:gd name="connsiteX2" fmla="*/ 2585591 w 2685144"/>
+              <a:gd name="connsiteY2" fmla="*/ 773315 h 1258708"/>
+              <a:gd name="connsiteX3" fmla="*/ 1681701 w 2685144"/>
+              <a:gd name="connsiteY3" fmla="*/ 1256790 h 1258708"/>
+              <a:gd name="connsiteX4" fmla="*/ 620157 w 2685144"/>
+              <a:gd name="connsiteY4" fmla="*/ 994030 h 1258708"/>
+              <a:gd name="connsiteX5" fmla="*/ 47 w 2685144"/>
+              <a:gd name="connsiteY5" fmla="*/ 489535 h 1258708"/>
+              <a:gd name="connsiteX6" fmla="*/ 599135 w 2685144"/>
+              <a:gd name="connsiteY6" fmla="*/ 27079 h 1258708"/>
+              <a:gd name="connsiteX0" fmla="*/ 599136 w 2713039"/>
+              <a:gd name="connsiteY0" fmla="*/ 38010 h 1269639"/>
+              <a:gd name="connsiteX1" fmla="*/ 2490998 w 2713039"/>
+              <a:gd name="connsiteY1" fmla="*/ 111583 h 1269639"/>
+              <a:gd name="connsiteX2" fmla="*/ 2585592 w 2713039"/>
+              <a:gd name="connsiteY2" fmla="*/ 784246 h 1269639"/>
+              <a:gd name="connsiteX3" fmla="*/ 1681702 w 2713039"/>
+              <a:gd name="connsiteY3" fmla="*/ 1267721 h 1269639"/>
+              <a:gd name="connsiteX4" fmla="*/ 620158 w 2713039"/>
+              <a:gd name="connsiteY4" fmla="*/ 1004961 h 1269639"/>
+              <a:gd name="connsiteX5" fmla="*/ 48 w 2713039"/>
+              <a:gd name="connsiteY5" fmla="*/ 500466 h 1269639"/>
+              <a:gd name="connsiteX6" fmla="*/ 599136 w 2713039"/>
+              <a:gd name="connsiteY6" fmla="*/ 38010 h 1269639"/>
+              <a:gd name="connsiteX0" fmla="*/ 599136 w 2737668"/>
+              <a:gd name="connsiteY0" fmla="*/ 38968 h 1270597"/>
+              <a:gd name="connsiteX1" fmla="*/ 2490998 w 2737668"/>
+              <a:gd name="connsiteY1" fmla="*/ 112541 h 1270597"/>
+              <a:gd name="connsiteX2" fmla="*/ 2627633 w 2737668"/>
+              <a:gd name="connsiteY2" fmla="*/ 806225 h 1270597"/>
+              <a:gd name="connsiteX3" fmla="*/ 1681702 w 2737668"/>
+              <a:gd name="connsiteY3" fmla="*/ 1268679 h 1270597"/>
+              <a:gd name="connsiteX4" fmla="*/ 620158 w 2737668"/>
+              <a:gd name="connsiteY4" fmla="*/ 1005919 h 1270597"/>
+              <a:gd name="connsiteX5" fmla="*/ 48 w 2737668"/>
+              <a:gd name="connsiteY5" fmla="*/ 501424 h 1270597"/>
+              <a:gd name="connsiteX6" fmla="*/ 599136 w 2737668"/>
+              <a:gd name="connsiteY6" fmla="*/ 38968 h 1270597"/>
+              <a:gd name="connsiteX0" fmla="*/ 599508 w 2738040"/>
+              <a:gd name="connsiteY0" fmla="*/ 38968 h 1270154"/>
+              <a:gd name="connsiteX1" fmla="*/ 2491370 w 2738040"/>
+              <a:gd name="connsiteY1" fmla="*/ 112541 h 1270154"/>
+              <a:gd name="connsiteX2" fmla="*/ 2628005 w 2738040"/>
+              <a:gd name="connsiteY2" fmla="*/ 806225 h 1270154"/>
+              <a:gd name="connsiteX3" fmla="*/ 1682074 w 2738040"/>
+              <a:gd name="connsiteY3" fmla="*/ 1268679 h 1270154"/>
+              <a:gd name="connsiteX4" fmla="*/ 525937 w 2738040"/>
+              <a:gd name="connsiteY4" fmla="*/ 953368 h 1270154"/>
+              <a:gd name="connsiteX5" fmla="*/ 420 w 2738040"/>
+              <a:gd name="connsiteY5" fmla="*/ 501424 h 1270154"/>
+              <a:gd name="connsiteX6" fmla="*/ 599508 w 2738040"/>
+              <a:gd name="connsiteY6" fmla="*/ 38968 h 1270154"/>
+              <a:gd name="connsiteX0" fmla="*/ 599494 w 2738026"/>
+              <a:gd name="connsiteY0" fmla="*/ 38968 h 1270154"/>
+              <a:gd name="connsiteX1" fmla="*/ 2491356 w 2738026"/>
+              <a:gd name="connsiteY1" fmla="*/ 112541 h 1270154"/>
+              <a:gd name="connsiteX2" fmla="*/ 2627991 w 2738026"/>
+              <a:gd name="connsiteY2" fmla="*/ 806225 h 1270154"/>
+              <a:gd name="connsiteX3" fmla="*/ 1682060 w 2738026"/>
+              <a:gd name="connsiteY3" fmla="*/ 1268679 h 1270154"/>
+              <a:gd name="connsiteX4" fmla="*/ 525923 w 2738026"/>
+              <a:gd name="connsiteY4" fmla="*/ 953368 h 1270154"/>
+              <a:gd name="connsiteX5" fmla="*/ 406 w 2738026"/>
+              <a:gd name="connsiteY5" fmla="*/ 501424 h 1270154"/>
+              <a:gd name="connsiteX6" fmla="*/ 599494 w 2738026"/>
+              <a:gd name="connsiteY6" fmla="*/ 38968 h 1270154"/>
+              <a:gd name="connsiteX0" fmla="*/ 603723 w 2742255"/>
+              <a:gd name="connsiteY0" fmla="*/ 38968 h 1270154"/>
+              <a:gd name="connsiteX1" fmla="*/ 2495585 w 2742255"/>
+              <a:gd name="connsiteY1" fmla="*/ 112541 h 1270154"/>
+              <a:gd name="connsiteX2" fmla="*/ 2632220 w 2742255"/>
+              <a:gd name="connsiteY2" fmla="*/ 806225 h 1270154"/>
+              <a:gd name="connsiteX3" fmla="*/ 1686289 w 2742255"/>
+              <a:gd name="connsiteY3" fmla="*/ 1268679 h 1270154"/>
+              <a:gd name="connsiteX4" fmla="*/ 530152 w 2742255"/>
+              <a:gd name="connsiteY4" fmla="*/ 953368 h 1270154"/>
+              <a:gd name="connsiteX5" fmla="*/ 4635 w 2742255"/>
+              <a:gd name="connsiteY5" fmla="*/ 501424 h 1270154"/>
+              <a:gd name="connsiteX6" fmla="*/ 603723 w 2742255"/>
+              <a:gd name="connsiteY6" fmla="*/ 38968 h 1270154"/>
+              <a:gd name="connsiteX0" fmla="*/ 599954 w 2738486"/>
+              <a:gd name="connsiteY0" fmla="*/ 38968 h 1272303"/>
+              <a:gd name="connsiteX1" fmla="*/ 2491816 w 2738486"/>
+              <a:gd name="connsiteY1" fmla="*/ 112541 h 1272303"/>
+              <a:gd name="connsiteX2" fmla="*/ 2628451 w 2738486"/>
+              <a:gd name="connsiteY2" fmla="*/ 806225 h 1272303"/>
+              <a:gd name="connsiteX3" fmla="*/ 1682520 w 2738486"/>
+              <a:gd name="connsiteY3" fmla="*/ 1268679 h 1272303"/>
+              <a:gd name="connsiteX4" fmla="*/ 694548 w 2738486"/>
+              <a:gd name="connsiteY4" fmla="*/ 1090003 h 1272303"/>
+              <a:gd name="connsiteX5" fmla="*/ 866 w 2738486"/>
+              <a:gd name="connsiteY5" fmla="*/ 501424 h 1272303"/>
+              <a:gd name="connsiteX6" fmla="*/ 599954 w 2738486"/>
+              <a:gd name="connsiteY6" fmla="*/ 38968 h 1272303"/>
+            </a:gdLst>
+            <a:ahLst/>
+            <a:cxnLst>
+              <a:cxn ang="0">
+                <a:pos x="connsiteX0" y="connsiteY0"/>
+              </a:cxn>
+              <a:cxn ang="0">
+                <a:pos x="connsiteX1" y="connsiteY1"/>
+              </a:cxn>
+              <a:cxn ang="0">
+                <a:pos x="connsiteX2" y="connsiteY2"/>
+              </a:cxn>
+              <a:cxn ang="0">
+                <a:pos x="connsiteX3" y="connsiteY3"/>
+              </a:cxn>
+              <a:cxn ang="0">
+                <a:pos x="connsiteX4" y="connsiteY4"/>
+              </a:cxn>
+              <a:cxn ang="0">
+                <a:pos x="connsiteX5" y="connsiteY5"/>
+              </a:cxn>
+              <a:cxn ang="0">
+                <a:pos x="connsiteX6" y="connsiteY6"/>
+              </a:cxn>
+            </a:cxnLst>
+            <a:rect l="l" t="t" r="r" b="b"/>
+            <a:pathLst>
+              <a:path w="2738486" h="1272303">
+                <a:moveTo>
+                  <a:pt x="599954" y="38968"/>
+                </a:moveTo>
+                <a:cubicBezTo>
+                  <a:pt x="1015112" y="-25846"/>
+                  <a:pt x="2153733" y="-15335"/>
+                  <a:pt x="2491816" y="112541"/>
+                </a:cubicBezTo>
+                <a:cubicBezTo>
+                  <a:pt x="2829899" y="240417"/>
+                  <a:pt x="2763334" y="613535"/>
+                  <a:pt x="2628451" y="806225"/>
+                </a:cubicBezTo>
+                <a:cubicBezTo>
+                  <a:pt x="2493568" y="998915"/>
+                  <a:pt x="2010092" y="1247659"/>
+                  <a:pt x="1682520" y="1268679"/>
+                </a:cubicBezTo>
+                <a:cubicBezTo>
+                  <a:pt x="1354948" y="1289699"/>
+                  <a:pt x="974824" y="1217879"/>
+                  <a:pt x="694548" y="1090003"/>
+                </a:cubicBezTo>
+                <a:cubicBezTo>
+                  <a:pt x="424783" y="941106"/>
+                  <a:pt x="16632" y="676596"/>
+                  <a:pt x="866" y="501424"/>
+                </a:cubicBezTo>
+                <a:cubicBezTo>
+                  <a:pt x="-14900" y="326252"/>
+                  <a:pt x="184796" y="103782"/>
+                  <a:pt x="599954" y="38968"/>
+                </a:cubicBezTo>
+                <a:close/>
+              </a:path>
+            </a:pathLst>
+          </a:custGeom>
+          <a:gradFill flip="none" rotWithShape="1">
+            <a:gsLst>
+              <a:gs pos="100000">
+                <a:schemeClr val="accent1">
+                  <a:satMod val="110000"/>
+                  <a:lumMod val="100000"/>
+                  <a:shade val="100000"/>
+                </a:schemeClr>
+              </a:gs>
+              <a:gs pos="30000">
+                <a:schemeClr val="bg1"/>
+              </a:gs>
+            </a:gsLst>
+            <a:lin ang="16200000" scaled="1"/>
+            <a:tileRect/>
+          </a:gradFill>
+        </p:spPr>
+        <p:style>
+          <a:lnRef idx="2">
+            <a:schemeClr val="accent1">
+              <a:shade val="50000"/>
+            </a:schemeClr>
+          </a:lnRef>
+          <a:fillRef idx="1">
+            <a:schemeClr val="accent1"/>
+          </a:fillRef>
+          <a:effectRef idx="0">
+            <a:schemeClr val="accent1"/>
+          </a:effectRef>
+          <a:fontRef idx="minor">
+            <a:schemeClr val="lt1"/>
+          </a:fontRef>
+        </p:style>
+        <p:txBody>
+          <a:bodyPr rtlCol="0" anchor="ctr"/>
+          <a:lstStyle/>
+          <a:p>
+            <a:pPr algn="ctr"/>
+            <a:endParaRPr lang="en-US"/>
+          </a:p>
+        </p:txBody>
+      </p:sp>
+      <p:sp>
+        <p:nvSpPr>
+          <p:cNvPr id="22" name="Freeform 21"/>
+          <p:cNvSpPr/>
+          <p:nvPr/>
+        </p:nvSpPr>
+        <p:spPr>
+          <a:xfrm>
+            <a:off x="599944" y="2881561"/>
+            <a:ext cx="2738486" cy="1272303"/>
+          </a:xfrm>
+          <a:custGeom>
+            <a:avLst/>
+            <a:gdLst>
+              <a:gd name="connsiteX0" fmla="*/ 936282 w 2355343"/>
+              <a:gd name="connsiteY0" fmla="*/ 63809 h 1020362"/>
+              <a:gd name="connsiteX1" fmla="*/ 1808641 w 2355343"/>
+              <a:gd name="connsiteY1" fmla="*/ 53299 h 1020362"/>
+              <a:gd name="connsiteX2" fmla="*/ 2334158 w 2355343"/>
+              <a:gd name="connsiteY2" fmla="*/ 505244 h 1020362"/>
+              <a:gd name="connsiteX3" fmla="*/ 1093937 w 2355343"/>
+              <a:gd name="connsiteY3" fmla="*/ 1020251 h 1020362"/>
+              <a:gd name="connsiteX4" fmla="*/ 862 w 2355343"/>
+              <a:gd name="connsiteY4" fmla="*/ 547285 h 1020362"/>
+              <a:gd name="connsiteX5" fmla="*/ 936282 w 2355343"/>
+              <a:gd name="connsiteY5" fmla="*/ 63809 h 1020362"/>
+              <a:gd name="connsiteX0" fmla="*/ 936282 w 2355343"/>
+              <a:gd name="connsiteY0" fmla="*/ 56594 h 1013116"/>
+              <a:gd name="connsiteX1" fmla="*/ 1808641 w 2355343"/>
+              <a:gd name="connsiteY1" fmla="*/ 46084 h 1013116"/>
+              <a:gd name="connsiteX2" fmla="*/ 2334158 w 2355343"/>
+              <a:gd name="connsiteY2" fmla="*/ 498029 h 1013116"/>
+              <a:gd name="connsiteX3" fmla="*/ 1093937 w 2355343"/>
+              <a:gd name="connsiteY3" fmla="*/ 1013036 h 1013116"/>
+              <a:gd name="connsiteX4" fmla="*/ 862 w 2355343"/>
+              <a:gd name="connsiteY4" fmla="*/ 413946 h 1013116"/>
+              <a:gd name="connsiteX5" fmla="*/ 936282 w 2355343"/>
+              <a:gd name="connsiteY5" fmla="*/ 56594 h 1013116"/>
+              <a:gd name="connsiteX0" fmla="*/ 771191 w 2359575"/>
+              <a:gd name="connsiteY0" fmla="*/ 122282 h 984209"/>
+              <a:gd name="connsiteX1" fmla="*/ 1811716 w 2359575"/>
+              <a:gd name="connsiteY1" fmla="*/ 17179 h 984209"/>
+              <a:gd name="connsiteX2" fmla="*/ 2337233 w 2359575"/>
+              <a:gd name="connsiteY2" fmla="*/ 469124 h 984209"/>
+              <a:gd name="connsiteX3" fmla="*/ 1097012 w 2359575"/>
+              <a:gd name="connsiteY3" fmla="*/ 984131 h 984209"/>
+              <a:gd name="connsiteX4" fmla="*/ 3937 w 2359575"/>
+              <a:gd name="connsiteY4" fmla="*/ 385041 h 984209"/>
+              <a:gd name="connsiteX5" fmla="*/ 771191 w 2359575"/>
+              <a:gd name="connsiteY5" fmla="*/ 122282 h 984209"/>
+              <a:gd name="connsiteX0" fmla="*/ 771156 w 2356731"/>
+              <a:gd name="connsiteY0" fmla="*/ 52261 h 914188"/>
+              <a:gd name="connsiteX1" fmla="*/ 1780150 w 2356731"/>
+              <a:gd name="connsiteY1" fmla="*/ 31240 h 914188"/>
+              <a:gd name="connsiteX2" fmla="*/ 2337198 w 2356731"/>
+              <a:gd name="connsiteY2" fmla="*/ 399103 h 914188"/>
+              <a:gd name="connsiteX3" fmla="*/ 1096977 w 2356731"/>
+              <a:gd name="connsiteY3" fmla="*/ 914110 h 914188"/>
+              <a:gd name="connsiteX4" fmla="*/ 3902 w 2356731"/>
+              <a:gd name="connsiteY4" fmla="*/ 315020 h 914188"/>
+              <a:gd name="connsiteX5" fmla="*/ 771156 w 2356731"/>
+              <a:gd name="connsiteY5" fmla="*/ 52261 h 914188"/>
+              <a:gd name="connsiteX0" fmla="*/ 771156 w 2255689"/>
+              <a:gd name="connsiteY0" fmla="*/ 60713 h 922640"/>
+              <a:gd name="connsiteX1" fmla="*/ 1780150 w 2255689"/>
+              <a:gd name="connsiteY1" fmla="*/ 39692 h 922640"/>
+              <a:gd name="connsiteX2" fmla="*/ 2232095 w 2255689"/>
+              <a:gd name="connsiteY2" fmla="*/ 523169 h 922640"/>
+              <a:gd name="connsiteX3" fmla="*/ 1096977 w 2255689"/>
+              <a:gd name="connsiteY3" fmla="*/ 922562 h 922640"/>
+              <a:gd name="connsiteX4" fmla="*/ 3902 w 2255689"/>
+              <a:gd name="connsiteY4" fmla="*/ 323472 h 922640"/>
+              <a:gd name="connsiteX5" fmla="*/ 771156 w 2255689"/>
+              <a:gd name="connsiteY5" fmla="*/ 60713 h 922640"/>
+              <a:gd name="connsiteX0" fmla="*/ 771156 w 2232351"/>
+              <a:gd name="connsiteY0" fmla="*/ 60713 h 922640"/>
+              <a:gd name="connsiteX1" fmla="*/ 1780150 w 2232351"/>
+              <a:gd name="connsiteY1" fmla="*/ 39692 h 922640"/>
+              <a:gd name="connsiteX2" fmla="*/ 2232095 w 2232351"/>
+              <a:gd name="connsiteY2" fmla="*/ 523169 h 922640"/>
+              <a:gd name="connsiteX3" fmla="*/ 1096977 w 2232351"/>
+              <a:gd name="connsiteY3" fmla="*/ 922562 h 922640"/>
+              <a:gd name="connsiteX4" fmla="*/ 3902 w 2232351"/>
+              <a:gd name="connsiteY4" fmla="*/ 323472 h 922640"/>
+              <a:gd name="connsiteX5" fmla="*/ 771156 w 2232351"/>
+              <a:gd name="connsiteY5" fmla="*/ 60713 h 922640"/>
+              <a:gd name="connsiteX0" fmla="*/ 771156 w 2232351"/>
+              <a:gd name="connsiteY0" fmla="*/ 55328 h 917255"/>
+              <a:gd name="connsiteX1" fmla="*/ 1780150 w 2232351"/>
+              <a:gd name="connsiteY1" fmla="*/ 34307 h 917255"/>
+              <a:gd name="connsiteX2" fmla="*/ 2232095 w 2232351"/>
+              <a:gd name="connsiteY2" fmla="*/ 444211 h 917255"/>
+              <a:gd name="connsiteX3" fmla="*/ 1096977 w 2232351"/>
+              <a:gd name="connsiteY3" fmla="*/ 917177 h 917255"/>
+              <a:gd name="connsiteX4" fmla="*/ 3902 w 2232351"/>
+              <a:gd name="connsiteY4" fmla="*/ 318087 h 917255"/>
+              <a:gd name="connsiteX5" fmla="*/ 771156 w 2232351"/>
+              <a:gd name="connsiteY5" fmla="*/ 55328 h 917255"/>
+              <a:gd name="connsiteX0" fmla="*/ 771156 w 2232351"/>
+              <a:gd name="connsiteY0" fmla="*/ 9202 h 1091853"/>
+              <a:gd name="connsiteX1" fmla="*/ 1780150 w 2232351"/>
+              <a:gd name="connsiteY1" fmla="*/ 208898 h 1091853"/>
+              <a:gd name="connsiteX2" fmla="*/ 2232095 w 2232351"/>
+              <a:gd name="connsiteY2" fmla="*/ 618802 h 1091853"/>
+              <a:gd name="connsiteX3" fmla="*/ 1096977 w 2232351"/>
+              <a:gd name="connsiteY3" fmla="*/ 1091768 h 1091853"/>
+              <a:gd name="connsiteX4" fmla="*/ 3902 w 2232351"/>
+              <a:gd name="connsiteY4" fmla="*/ 492678 h 1091853"/>
+              <a:gd name="connsiteX5" fmla="*/ 771156 w 2232351"/>
+              <a:gd name="connsiteY5" fmla="*/ 9202 h 1091853"/>
+              <a:gd name="connsiteX0" fmla="*/ 771405 w 2292176"/>
+              <a:gd name="connsiteY0" fmla="*/ 33877 h 1116528"/>
+              <a:gd name="connsiteX1" fmla="*/ 1990606 w 2292176"/>
+              <a:gd name="connsiteY1" fmla="*/ 107449 h 1116528"/>
+              <a:gd name="connsiteX2" fmla="*/ 2232344 w 2292176"/>
+              <a:gd name="connsiteY2" fmla="*/ 643477 h 1116528"/>
+              <a:gd name="connsiteX3" fmla="*/ 1097226 w 2292176"/>
+              <a:gd name="connsiteY3" fmla="*/ 1116443 h 1116528"/>
+              <a:gd name="connsiteX4" fmla="*/ 4151 w 2292176"/>
+              <a:gd name="connsiteY4" fmla="*/ 517353 h 1116528"/>
+              <a:gd name="connsiteX5" fmla="*/ 771405 w 2292176"/>
+              <a:gd name="connsiteY5" fmla="*/ 33877 h 1116528"/>
+              <a:gd name="connsiteX0" fmla="*/ 771672 w 2371330"/>
+              <a:gd name="connsiteY0" fmla="*/ 19835 h 1102486"/>
+              <a:gd name="connsiteX1" fmla="*/ 2190569 w 2371330"/>
+              <a:gd name="connsiteY1" fmla="*/ 145959 h 1102486"/>
+              <a:gd name="connsiteX2" fmla="*/ 2232611 w 2371330"/>
+              <a:gd name="connsiteY2" fmla="*/ 629435 h 1102486"/>
+              <a:gd name="connsiteX3" fmla="*/ 1097493 w 2371330"/>
+              <a:gd name="connsiteY3" fmla="*/ 1102401 h 1102486"/>
+              <a:gd name="connsiteX4" fmla="*/ 4418 w 2371330"/>
+              <a:gd name="connsiteY4" fmla="*/ 503311 h 1102486"/>
+              <a:gd name="connsiteX5" fmla="*/ 771672 w 2371330"/>
+              <a:gd name="connsiteY5" fmla="*/ 19835 h 1102486"/>
+              <a:gd name="connsiteX0" fmla="*/ 771672 w 2440055"/>
+              <a:gd name="connsiteY0" fmla="*/ 23506 h 1106157"/>
+              <a:gd name="connsiteX1" fmla="*/ 2190569 w 2440055"/>
+              <a:gd name="connsiteY1" fmla="*/ 149630 h 1106157"/>
+              <a:gd name="connsiteX2" fmla="*/ 2337714 w 2440055"/>
+              <a:gd name="connsiteY2" fmla="*/ 790762 h 1106157"/>
+              <a:gd name="connsiteX3" fmla="*/ 1097493 w 2440055"/>
+              <a:gd name="connsiteY3" fmla="*/ 1106072 h 1106157"/>
+              <a:gd name="connsiteX4" fmla="*/ 4418 w 2440055"/>
+              <a:gd name="connsiteY4" fmla="*/ 506982 h 1106157"/>
+              <a:gd name="connsiteX5" fmla="*/ 771672 w 2440055"/>
+              <a:gd name="connsiteY5" fmla="*/ 23506 h 1106157"/>
+              <a:gd name="connsiteX0" fmla="*/ 782486 w 2426409"/>
+              <a:gd name="connsiteY0" fmla="*/ 23506 h 1274301"/>
+              <a:gd name="connsiteX1" fmla="*/ 2201383 w 2426409"/>
+              <a:gd name="connsiteY1" fmla="*/ 149630 h 1274301"/>
+              <a:gd name="connsiteX2" fmla="*/ 2348528 w 2426409"/>
+              <a:gd name="connsiteY2" fmla="*/ 790762 h 1274301"/>
+              <a:gd name="connsiteX3" fmla="*/ 1444638 w 2426409"/>
+              <a:gd name="connsiteY3" fmla="*/ 1274237 h 1274301"/>
+              <a:gd name="connsiteX4" fmla="*/ 15232 w 2426409"/>
+              <a:gd name="connsiteY4" fmla="*/ 506982 h 1274301"/>
+              <a:gd name="connsiteX5" fmla="*/ 782486 w 2426409"/>
+              <a:gd name="connsiteY5" fmla="*/ 23506 h 1274301"/>
+              <a:gd name="connsiteX0" fmla="*/ 1030815 w 2674738"/>
+              <a:gd name="connsiteY0" fmla="*/ 23506 h 1274301"/>
+              <a:gd name="connsiteX1" fmla="*/ 2449712 w 2674738"/>
+              <a:gd name="connsiteY1" fmla="*/ 149630 h 1274301"/>
+              <a:gd name="connsiteX2" fmla="*/ 2596857 w 2674738"/>
+              <a:gd name="connsiteY2" fmla="*/ 790762 h 1274301"/>
+              <a:gd name="connsiteX3" fmla="*/ 1692967 w 2674738"/>
+              <a:gd name="connsiteY3" fmla="*/ 1274237 h 1274301"/>
+              <a:gd name="connsiteX4" fmla="*/ 11313 w 2674738"/>
+              <a:gd name="connsiteY4" fmla="*/ 506982 h 1274301"/>
+              <a:gd name="connsiteX5" fmla="*/ 1030815 w 2674738"/>
+              <a:gd name="connsiteY5" fmla="*/ 23506 h 1274301"/>
+              <a:gd name="connsiteX0" fmla="*/ 794714 w 2703461"/>
+              <a:gd name="connsiteY0" fmla="*/ 27079 h 1256854"/>
+              <a:gd name="connsiteX1" fmla="*/ 2465860 w 2703461"/>
+              <a:gd name="connsiteY1" fmla="*/ 132183 h 1256854"/>
+              <a:gd name="connsiteX2" fmla="*/ 2613005 w 2703461"/>
+              <a:gd name="connsiteY2" fmla="*/ 773315 h 1256854"/>
+              <a:gd name="connsiteX3" fmla="*/ 1709115 w 2703461"/>
+              <a:gd name="connsiteY3" fmla="*/ 1256790 h 1256854"/>
+              <a:gd name="connsiteX4" fmla="*/ 27461 w 2703461"/>
+              <a:gd name="connsiteY4" fmla="*/ 489535 h 1256854"/>
+              <a:gd name="connsiteX5" fmla="*/ 794714 w 2703461"/>
+              <a:gd name="connsiteY5" fmla="*/ 27079 h 1256854"/>
+              <a:gd name="connsiteX0" fmla="*/ 794714 w 2703461"/>
+              <a:gd name="connsiteY0" fmla="*/ 27079 h 1258034"/>
+              <a:gd name="connsiteX1" fmla="*/ 2465860 w 2703461"/>
+              <a:gd name="connsiteY1" fmla="*/ 132183 h 1258034"/>
+              <a:gd name="connsiteX2" fmla="*/ 2613005 w 2703461"/>
+              <a:gd name="connsiteY2" fmla="*/ 773315 h 1258034"/>
+              <a:gd name="connsiteX3" fmla="*/ 1709115 w 2703461"/>
+              <a:gd name="connsiteY3" fmla="*/ 1256790 h 1258034"/>
+              <a:gd name="connsiteX4" fmla="*/ 647571 w 2703461"/>
+              <a:gd name="connsiteY4" fmla="*/ 899437 h 1258034"/>
+              <a:gd name="connsiteX5" fmla="*/ 27461 w 2703461"/>
+              <a:gd name="connsiteY5" fmla="*/ 489535 h 1258034"/>
+              <a:gd name="connsiteX6" fmla="*/ 794714 w 2703461"/>
+              <a:gd name="connsiteY6" fmla="*/ 27079 h 1258034"/>
+              <a:gd name="connsiteX0" fmla="*/ 768429 w 2677176"/>
+              <a:gd name="connsiteY0" fmla="*/ 27079 h 1258708"/>
+              <a:gd name="connsiteX1" fmla="*/ 2439575 w 2677176"/>
+              <a:gd name="connsiteY1" fmla="*/ 132183 h 1258708"/>
+              <a:gd name="connsiteX2" fmla="*/ 2586720 w 2677176"/>
+              <a:gd name="connsiteY2" fmla="*/ 773315 h 1258708"/>
+              <a:gd name="connsiteX3" fmla="*/ 1682830 w 2677176"/>
+              <a:gd name="connsiteY3" fmla="*/ 1256790 h 1258708"/>
+              <a:gd name="connsiteX4" fmla="*/ 621286 w 2677176"/>
+              <a:gd name="connsiteY4" fmla="*/ 994030 h 1258708"/>
+              <a:gd name="connsiteX5" fmla="*/ 1176 w 2677176"/>
+              <a:gd name="connsiteY5" fmla="*/ 489535 h 1258708"/>
+              <a:gd name="connsiteX6" fmla="*/ 768429 w 2677176"/>
+              <a:gd name="connsiteY6" fmla="*/ 27079 h 1258708"/>
+              <a:gd name="connsiteX0" fmla="*/ 599135 w 2685144"/>
+              <a:gd name="connsiteY0" fmla="*/ 27079 h 1258708"/>
+              <a:gd name="connsiteX1" fmla="*/ 2438446 w 2685144"/>
+              <a:gd name="connsiteY1" fmla="*/ 132183 h 1258708"/>
+              <a:gd name="connsiteX2" fmla="*/ 2585591 w 2685144"/>
+              <a:gd name="connsiteY2" fmla="*/ 773315 h 1258708"/>
+              <a:gd name="connsiteX3" fmla="*/ 1681701 w 2685144"/>
+              <a:gd name="connsiteY3" fmla="*/ 1256790 h 1258708"/>
+              <a:gd name="connsiteX4" fmla="*/ 620157 w 2685144"/>
+              <a:gd name="connsiteY4" fmla="*/ 994030 h 1258708"/>
+              <a:gd name="connsiteX5" fmla="*/ 47 w 2685144"/>
+              <a:gd name="connsiteY5" fmla="*/ 489535 h 1258708"/>
+              <a:gd name="connsiteX6" fmla="*/ 599135 w 2685144"/>
+              <a:gd name="connsiteY6" fmla="*/ 27079 h 1258708"/>
+              <a:gd name="connsiteX0" fmla="*/ 599136 w 2713039"/>
+              <a:gd name="connsiteY0" fmla="*/ 38010 h 1269639"/>
+              <a:gd name="connsiteX1" fmla="*/ 2490998 w 2713039"/>
+              <a:gd name="connsiteY1" fmla="*/ 111583 h 1269639"/>
+              <a:gd name="connsiteX2" fmla="*/ 2585592 w 2713039"/>
+              <a:gd name="connsiteY2" fmla="*/ 784246 h 1269639"/>
+              <a:gd name="connsiteX3" fmla="*/ 1681702 w 2713039"/>
+              <a:gd name="connsiteY3" fmla="*/ 1267721 h 1269639"/>
+              <a:gd name="connsiteX4" fmla="*/ 620158 w 2713039"/>
+              <a:gd name="connsiteY4" fmla="*/ 1004961 h 1269639"/>
+              <a:gd name="connsiteX5" fmla="*/ 48 w 2713039"/>
+              <a:gd name="connsiteY5" fmla="*/ 500466 h 1269639"/>
+              <a:gd name="connsiteX6" fmla="*/ 599136 w 2713039"/>
+              <a:gd name="connsiteY6" fmla="*/ 38010 h 1269639"/>
+              <a:gd name="connsiteX0" fmla="*/ 599136 w 2737668"/>
+              <a:gd name="connsiteY0" fmla="*/ 38968 h 1270597"/>
+              <a:gd name="connsiteX1" fmla="*/ 2490998 w 2737668"/>
+              <a:gd name="connsiteY1" fmla="*/ 112541 h 1270597"/>
+              <a:gd name="connsiteX2" fmla="*/ 2627633 w 2737668"/>
+              <a:gd name="connsiteY2" fmla="*/ 806225 h 1270597"/>
+              <a:gd name="connsiteX3" fmla="*/ 1681702 w 2737668"/>
+              <a:gd name="connsiteY3" fmla="*/ 1268679 h 1270597"/>
+              <a:gd name="connsiteX4" fmla="*/ 620158 w 2737668"/>
+              <a:gd name="connsiteY4" fmla="*/ 1005919 h 1270597"/>
+              <a:gd name="connsiteX5" fmla="*/ 48 w 2737668"/>
+              <a:gd name="connsiteY5" fmla="*/ 501424 h 1270597"/>
+              <a:gd name="connsiteX6" fmla="*/ 599136 w 2737668"/>
+              <a:gd name="connsiteY6" fmla="*/ 38968 h 1270597"/>
+              <a:gd name="connsiteX0" fmla="*/ 599508 w 2738040"/>
+              <a:gd name="connsiteY0" fmla="*/ 38968 h 1270154"/>
+              <a:gd name="connsiteX1" fmla="*/ 2491370 w 2738040"/>
+              <a:gd name="connsiteY1" fmla="*/ 112541 h 1270154"/>
+              <a:gd name="connsiteX2" fmla="*/ 2628005 w 2738040"/>
+              <a:gd name="connsiteY2" fmla="*/ 806225 h 1270154"/>
+              <a:gd name="connsiteX3" fmla="*/ 1682074 w 2738040"/>
+              <a:gd name="connsiteY3" fmla="*/ 1268679 h 1270154"/>
+              <a:gd name="connsiteX4" fmla="*/ 525937 w 2738040"/>
+              <a:gd name="connsiteY4" fmla="*/ 953368 h 1270154"/>
+              <a:gd name="connsiteX5" fmla="*/ 420 w 2738040"/>
+              <a:gd name="connsiteY5" fmla="*/ 501424 h 1270154"/>
+              <a:gd name="connsiteX6" fmla="*/ 599508 w 2738040"/>
+              <a:gd name="connsiteY6" fmla="*/ 38968 h 1270154"/>
+              <a:gd name="connsiteX0" fmla="*/ 599494 w 2738026"/>
+              <a:gd name="connsiteY0" fmla="*/ 38968 h 1270154"/>
+              <a:gd name="connsiteX1" fmla="*/ 2491356 w 2738026"/>
+              <a:gd name="connsiteY1" fmla="*/ 112541 h 1270154"/>
+              <a:gd name="connsiteX2" fmla="*/ 2627991 w 2738026"/>
+              <a:gd name="connsiteY2" fmla="*/ 806225 h 1270154"/>
+              <a:gd name="connsiteX3" fmla="*/ 1682060 w 2738026"/>
+              <a:gd name="connsiteY3" fmla="*/ 1268679 h 1270154"/>
+              <a:gd name="connsiteX4" fmla="*/ 525923 w 2738026"/>
+              <a:gd name="connsiteY4" fmla="*/ 953368 h 1270154"/>
+              <a:gd name="connsiteX5" fmla="*/ 406 w 2738026"/>
+              <a:gd name="connsiteY5" fmla="*/ 501424 h 1270154"/>
+              <a:gd name="connsiteX6" fmla="*/ 599494 w 2738026"/>
+              <a:gd name="connsiteY6" fmla="*/ 38968 h 1270154"/>
+              <a:gd name="connsiteX0" fmla="*/ 603723 w 2742255"/>
+              <a:gd name="connsiteY0" fmla="*/ 38968 h 1270154"/>
+              <a:gd name="connsiteX1" fmla="*/ 2495585 w 2742255"/>
+              <a:gd name="connsiteY1" fmla="*/ 112541 h 1270154"/>
+              <a:gd name="connsiteX2" fmla="*/ 2632220 w 2742255"/>
+              <a:gd name="connsiteY2" fmla="*/ 806225 h 1270154"/>
+              <a:gd name="connsiteX3" fmla="*/ 1686289 w 2742255"/>
+              <a:gd name="connsiteY3" fmla="*/ 1268679 h 1270154"/>
+              <a:gd name="connsiteX4" fmla="*/ 530152 w 2742255"/>
+              <a:gd name="connsiteY4" fmla="*/ 953368 h 1270154"/>
+              <a:gd name="connsiteX5" fmla="*/ 4635 w 2742255"/>
+              <a:gd name="connsiteY5" fmla="*/ 501424 h 1270154"/>
+              <a:gd name="connsiteX6" fmla="*/ 603723 w 2742255"/>
+              <a:gd name="connsiteY6" fmla="*/ 38968 h 1270154"/>
+              <a:gd name="connsiteX0" fmla="*/ 599954 w 2738486"/>
+              <a:gd name="connsiteY0" fmla="*/ 38968 h 1272303"/>
+              <a:gd name="connsiteX1" fmla="*/ 2491816 w 2738486"/>
+              <a:gd name="connsiteY1" fmla="*/ 112541 h 1272303"/>
+              <a:gd name="connsiteX2" fmla="*/ 2628451 w 2738486"/>
+              <a:gd name="connsiteY2" fmla="*/ 806225 h 1272303"/>
+              <a:gd name="connsiteX3" fmla="*/ 1682520 w 2738486"/>
+              <a:gd name="connsiteY3" fmla="*/ 1268679 h 1272303"/>
+              <a:gd name="connsiteX4" fmla="*/ 694548 w 2738486"/>
+              <a:gd name="connsiteY4" fmla="*/ 1090003 h 1272303"/>
+              <a:gd name="connsiteX5" fmla="*/ 866 w 2738486"/>
+              <a:gd name="connsiteY5" fmla="*/ 501424 h 1272303"/>
+              <a:gd name="connsiteX6" fmla="*/ 599954 w 2738486"/>
+              <a:gd name="connsiteY6" fmla="*/ 38968 h 1272303"/>
+            </a:gdLst>
+            <a:ahLst/>
+            <a:cxnLst>
+              <a:cxn ang="0">
+                <a:pos x="connsiteX0" y="connsiteY0"/>
+              </a:cxn>
+              <a:cxn ang="0">
+                <a:pos x="connsiteX1" y="connsiteY1"/>
+              </a:cxn>
+              <a:cxn ang="0">
+                <a:pos x="connsiteX2" y="connsiteY2"/>
+              </a:cxn>
+              <a:cxn ang="0">
+                <a:pos x="connsiteX3" y="connsiteY3"/>
+              </a:cxn>
+              <a:cxn ang="0">
+                <a:pos x="connsiteX4" y="connsiteY4"/>
+              </a:cxn>
+              <a:cxn ang="0">
+                <a:pos x="connsiteX5" y="connsiteY5"/>
+              </a:cxn>
+              <a:cxn ang="0">
+                <a:pos x="connsiteX6" y="connsiteY6"/>
+              </a:cxn>
+            </a:cxnLst>
+            <a:rect l="l" t="t" r="r" b="b"/>
+            <a:pathLst>
+              <a:path w="2738486" h="1272303">
+                <a:moveTo>
+                  <a:pt x="599954" y="38968"/>
+                </a:moveTo>
+                <a:cubicBezTo>
+                  <a:pt x="1015112" y="-25846"/>
+                  <a:pt x="2153733" y="-15335"/>
+                  <a:pt x="2491816" y="112541"/>
+                </a:cubicBezTo>
+                <a:cubicBezTo>
+                  <a:pt x="2829899" y="240417"/>
+                  <a:pt x="2763334" y="613535"/>
+                  <a:pt x="2628451" y="806225"/>
+                </a:cubicBezTo>
+                <a:cubicBezTo>
+                  <a:pt x="2493568" y="998915"/>
+                  <a:pt x="2010092" y="1247659"/>
+                  <a:pt x="1682520" y="1268679"/>
+                </a:cubicBezTo>
+                <a:cubicBezTo>
+                  <a:pt x="1354948" y="1289699"/>
+                  <a:pt x="974824" y="1217879"/>
+                  <a:pt x="694548" y="1090003"/>
+                </a:cubicBezTo>
+                <a:cubicBezTo>
+                  <a:pt x="424783" y="941106"/>
+                  <a:pt x="16632" y="676596"/>
+                  <a:pt x="866" y="501424"/>
+                </a:cubicBezTo>
+                <a:cubicBezTo>
+                  <a:pt x="-14900" y="326252"/>
+                  <a:pt x="184796" y="103782"/>
+                  <a:pt x="599954" y="38968"/>
+                </a:cubicBezTo>
+                <a:close/>
+              </a:path>
+            </a:pathLst>
+          </a:custGeom>
+          <a:gradFill flip="none" rotWithShape="1">
+            <a:gsLst>
+              <a:gs pos="100000">
+                <a:schemeClr val="accent1">
+                  <a:satMod val="110000"/>
+                  <a:lumMod val="100000"/>
+                  <a:shade val="100000"/>
+                </a:schemeClr>
+              </a:gs>
+              <a:gs pos="30000">
+                <a:schemeClr val="bg1"/>
+              </a:gs>
+            </a:gsLst>
+            <a:lin ang="10800000" scaled="1"/>
+            <a:tileRect/>
+          </a:gradFill>
+        </p:spPr>
+        <p:style>
+          <a:lnRef idx="2">
+            <a:schemeClr val="accent1">
+              <a:shade val="50000"/>
+            </a:schemeClr>
+          </a:lnRef>
+          <a:fillRef idx="1">
+            <a:schemeClr val="accent1"/>
+          </a:fillRef>
+          <a:effectRef idx="0">
+            <a:schemeClr val="accent1"/>
+          </a:effectRef>
+          <a:fontRef idx="minor">
+            <a:schemeClr val="lt1"/>
+          </a:fontRef>
+        </p:style>
+        <p:txBody>
+          <a:bodyPr rtlCol="0" anchor="ctr"/>
+          <a:lstStyle/>
+          <a:p>
+            <a:pPr algn="ctr"/>
+            <a:endParaRPr lang="en-US"/>
+          </a:p>
+        </p:txBody>
+      </p:sp>
+      <p:sp>
+        <p:nvSpPr>
+          <p:cNvPr id="23" name="Freeform 22"/>
+          <p:cNvSpPr/>
+          <p:nvPr/>
+        </p:nvSpPr>
+        <p:spPr>
+          <a:xfrm>
+            <a:off x="3553892" y="2552114"/>
+            <a:ext cx="2738486" cy="1272303"/>
+          </a:xfrm>
+          <a:custGeom>
+            <a:avLst/>
+            <a:gdLst>
+              <a:gd name="connsiteX0" fmla="*/ 936282 w 2355343"/>
+              <a:gd name="connsiteY0" fmla="*/ 63809 h 1020362"/>
+              <a:gd name="connsiteX1" fmla="*/ 1808641 w 2355343"/>
+              <a:gd name="connsiteY1" fmla="*/ 53299 h 1020362"/>
+              <a:gd name="connsiteX2" fmla="*/ 2334158 w 2355343"/>
+              <a:gd name="connsiteY2" fmla="*/ 505244 h 1020362"/>
+              <a:gd name="connsiteX3" fmla="*/ 1093937 w 2355343"/>
+              <a:gd name="connsiteY3" fmla="*/ 1020251 h 1020362"/>
+              <a:gd name="connsiteX4" fmla="*/ 862 w 2355343"/>
+              <a:gd name="connsiteY4" fmla="*/ 547285 h 1020362"/>
+              <a:gd name="connsiteX5" fmla="*/ 936282 w 2355343"/>
+              <a:gd name="connsiteY5" fmla="*/ 63809 h 1020362"/>
+              <a:gd name="connsiteX0" fmla="*/ 936282 w 2355343"/>
+              <a:gd name="connsiteY0" fmla="*/ 56594 h 1013116"/>
+              <a:gd name="connsiteX1" fmla="*/ 1808641 w 2355343"/>
+              <a:gd name="connsiteY1" fmla="*/ 46084 h 1013116"/>
+              <a:gd name="connsiteX2" fmla="*/ 2334158 w 2355343"/>
+              <a:gd name="connsiteY2" fmla="*/ 498029 h 1013116"/>
+              <a:gd name="connsiteX3" fmla="*/ 1093937 w 2355343"/>
+              <a:gd name="connsiteY3" fmla="*/ 1013036 h 1013116"/>
+              <a:gd name="connsiteX4" fmla="*/ 862 w 2355343"/>
+              <a:gd name="connsiteY4" fmla="*/ 413946 h 1013116"/>
+              <a:gd name="connsiteX5" fmla="*/ 936282 w 2355343"/>
+              <a:gd name="connsiteY5" fmla="*/ 56594 h 1013116"/>
+              <a:gd name="connsiteX0" fmla="*/ 771191 w 2359575"/>
+              <a:gd name="connsiteY0" fmla="*/ 122282 h 984209"/>
+              <a:gd name="connsiteX1" fmla="*/ 1811716 w 2359575"/>
+              <a:gd name="connsiteY1" fmla="*/ 17179 h 984209"/>
+              <a:gd name="connsiteX2" fmla="*/ 2337233 w 2359575"/>
+              <a:gd name="connsiteY2" fmla="*/ 469124 h 984209"/>
+              <a:gd name="connsiteX3" fmla="*/ 1097012 w 2359575"/>
+              <a:gd name="connsiteY3" fmla="*/ 984131 h 984209"/>
+              <a:gd name="connsiteX4" fmla="*/ 3937 w 2359575"/>
+              <a:gd name="connsiteY4" fmla="*/ 385041 h 984209"/>
+              <a:gd name="connsiteX5" fmla="*/ 771191 w 2359575"/>
+              <a:gd name="connsiteY5" fmla="*/ 122282 h 984209"/>
+              <a:gd name="connsiteX0" fmla="*/ 771156 w 2356731"/>
+              <a:gd name="connsiteY0" fmla="*/ 52261 h 914188"/>
+              <a:gd name="connsiteX1" fmla="*/ 1780150 w 2356731"/>
+              <a:gd name="connsiteY1" fmla="*/ 31240 h 914188"/>
+              <a:gd name="connsiteX2" fmla="*/ 2337198 w 2356731"/>
+              <a:gd name="connsiteY2" fmla="*/ 399103 h 914188"/>
+              <a:gd name="connsiteX3" fmla="*/ 1096977 w 2356731"/>
+              <a:gd name="connsiteY3" fmla="*/ 914110 h 914188"/>
+              <a:gd name="connsiteX4" fmla="*/ 3902 w 2356731"/>
+              <a:gd name="connsiteY4" fmla="*/ 315020 h 914188"/>
+              <a:gd name="connsiteX5" fmla="*/ 771156 w 2356731"/>
+              <a:gd name="connsiteY5" fmla="*/ 52261 h 914188"/>
+              <a:gd name="connsiteX0" fmla="*/ 771156 w 2255689"/>
+              <a:gd name="connsiteY0" fmla="*/ 60713 h 922640"/>
+              <a:gd name="connsiteX1" fmla="*/ 1780150 w 2255689"/>
+              <a:gd name="connsiteY1" fmla="*/ 39692 h 922640"/>
+              <a:gd name="connsiteX2" fmla="*/ 2232095 w 2255689"/>
+              <a:gd name="connsiteY2" fmla="*/ 523169 h 922640"/>
+              <a:gd name="connsiteX3" fmla="*/ 1096977 w 2255689"/>
+              <a:gd name="connsiteY3" fmla="*/ 922562 h 922640"/>
+              <a:gd name="connsiteX4" fmla="*/ 3902 w 2255689"/>
+              <a:gd name="connsiteY4" fmla="*/ 323472 h 922640"/>
+              <a:gd name="connsiteX5" fmla="*/ 771156 w 2255689"/>
+              <a:gd name="connsiteY5" fmla="*/ 60713 h 922640"/>
+              <a:gd name="connsiteX0" fmla="*/ 771156 w 2232351"/>
+              <a:gd name="connsiteY0" fmla="*/ 60713 h 922640"/>
+              <a:gd name="connsiteX1" fmla="*/ 1780150 w 2232351"/>
+              <a:gd name="connsiteY1" fmla="*/ 39692 h 922640"/>
+              <a:gd name="connsiteX2" fmla="*/ 2232095 w 2232351"/>
+              <a:gd name="connsiteY2" fmla="*/ 523169 h 922640"/>
+              <a:gd name="connsiteX3" fmla="*/ 1096977 w 2232351"/>
+              <a:gd name="connsiteY3" fmla="*/ 922562 h 922640"/>
+              <a:gd name="connsiteX4" fmla="*/ 3902 w 2232351"/>
+              <a:gd name="connsiteY4" fmla="*/ 323472 h 922640"/>
+              <a:gd name="connsiteX5" fmla="*/ 771156 w 2232351"/>
+              <a:gd name="connsiteY5" fmla="*/ 60713 h 922640"/>
+              <a:gd name="connsiteX0" fmla="*/ 771156 w 2232351"/>
+              <a:gd name="connsiteY0" fmla="*/ 55328 h 917255"/>
+              <a:gd name="connsiteX1" fmla="*/ 1780150 w 2232351"/>
+              <a:gd name="connsiteY1" fmla="*/ 34307 h 917255"/>
+              <a:gd name="connsiteX2" fmla="*/ 2232095 w 2232351"/>
+              <a:gd name="connsiteY2" fmla="*/ 444211 h 917255"/>
+              <a:gd name="connsiteX3" fmla="*/ 1096977 w 2232351"/>
+              <a:gd name="connsiteY3" fmla="*/ 917177 h 917255"/>
+              <a:gd name="connsiteX4" fmla="*/ 3902 w 2232351"/>
+              <a:gd name="connsiteY4" fmla="*/ 318087 h 917255"/>
+              <a:gd name="connsiteX5" fmla="*/ 771156 w 2232351"/>
+              <a:gd name="connsiteY5" fmla="*/ 55328 h 917255"/>
+              <a:gd name="connsiteX0" fmla="*/ 771156 w 2232351"/>
+              <a:gd name="connsiteY0" fmla="*/ 9202 h 1091853"/>
+              <a:gd name="connsiteX1" fmla="*/ 1780150 w 2232351"/>
+              <a:gd name="connsiteY1" fmla="*/ 208898 h 1091853"/>
+              <a:gd name="connsiteX2" fmla="*/ 2232095 w 2232351"/>
+              <a:gd name="connsiteY2" fmla="*/ 618802 h 1091853"/>
+              <a:gd name="connsiteX3" fmla="*/ 1096977 w 2232351"/>
+              <a:gd name="connsiteY3" fmla="*/ 1091768 h 1091853"/>
+              <a:gd name="connsiteX4" fmla="*/ 3902 w 2232351"/>
+              <a:gd name="connsiteY4" fmla="*/ 492678 h 1091853"/>
+              <a:gd name="connsiteX5" fmla="*/ 771156 w 2232351"/>
+              <a:gd name="connsiteY5" fmla="*/ 9202 h 1091853"/>
+              <a:gd name="connsiteX0" fmla="*/ 771405 w 2292176"/>
+              <a:gd name="connsiteY0" fmla="*/ 33877 h 1116528"/>
+              <a:gd name="connsiteX1" fmla="*/ 1990606 w 2292176"/>
+              <a:gd name="connsiteY1" fmla="*/ 107449 h 1116528"/>
+              <a:gd name="connsiteX2" fmla="*/ 2232344 w 2292176"/>
+              <a:gd name="connsiteY2" fmla="*/ 643477 h 1116528"/>
+              <a:gd name="connsiteX3" fmla="*/ 1097226 w 2292176"/>
+              <a:gd name="connsiteY3" fmla="*/ 1116443 h 1116528"/>
+              <a:gd name="connsiteX4" fmla="*/ 4151 w 2292176"/>
+              <a:gd name="connsiteY4" fmla="*/ 517353 h 1116528"/>
+              <a:gd name="connsiteX5" fmla="*/ 771405 w 2292176"/>
+              <a:gd name="connsiteY5" fmla="*/ 33877 h 1116528"/>
+              <a:gd name="connsiteX0" fmla="*/ 771672 w 2371330"/>
+              <a:gd name="connsiteY0" fmla="*/ 19835 h 1102486"/>
+              <a:gd name="connsiteX1" fmla="*/ 2190569 w 2371330"/>
+              <a:gd name="connsiteY1" fmla="*/ 145959 h 1102486"/>
+              <a:gd name="connsiteX2" fmla="*/ 2232611 w 2371330"/>
+              <a:gd name="connsiteY2" fmla="*/ 629435 h 1102486"/>
+              <a:gd name="connsiteX3" fmla="*/ 1097493 w 2371330"/>
+              <a:gd name="connsiteY3" fmla="*/ 1102401 h 1102486"/>
+              <a:gd name="connsiteX4" fmla="*/ 4418 w 2371330"/>
+              <a:gd name="connsiteY4" fmla="*/ 503311 h 1102486"/>
+              <a:gd name="connsiteX5" fmla="*/ 771672 w 2371330"/>
+              <a:gd name="connsiteY5" fmla="*/ 19835 h 1102486"/>
+              <a:gd name="connsiteX0" fmla="*/ 771672 w 2440055"/>
+              <a:gd name="connsiteY0" fmla="*/ 23506 h 1106157"/>
+              <a:gd name="connsiteX1" fmla="*/ 2190569 w 2440055"/>
+              <a:gd name="connsiteY1" fmla="*/ 149630 h 1106157"/>
+              <a:gd name="connsiteX2" fmla="*/ 2337714 w 2440055"/>
+              <a:gd name="connsiteY2" fmla="*/ 790762 h 1106157"/>
+              <a:gd name="connsiteX3" fmla="*/ 1097493 w 2440055"/>
+              <a:gd name="connsiteY3" fmla="*/ 1106072 h 1106157"/>
+              <a:gd name="connsiteX4" fmla="*/ 4418 w 2440055"/>
+              <a:gd name="connsiteY4" fmla="*/ 506982 h 1106157"/>
+              <a:gd name="connsiteX5" fmla="*/ 771672 w 2440055"/>
+              <a:gd name="connsiteY5" fmla="*/ 23506 h 1106157"/>
+              <a:gd name="connsiteX0" fmla="*/ 782486 w 2426409"/>
+              <a:gd name="connsiteY0" fmla="*/ 23506 h 1274301"/>
+              <a:gd name="connsiteX1" fmla="*/ 2201383 w 2426409"/>
+              <a:gd name="connsiteY1" fmla="*/ 149630 h 1274301"/>
+              <a:gd name="connsiteX2" fmla="*/ 2348528 w 2426409"/>
+              <a:gd name="connsiteY2" fmla="*/ 790762 h 1274301"/>
+              <a:gd name="connsiteX3" fmla="*/ 1444638 w 2426409"/>
+              <a:gd name="connsiteY3" fmla="*/ 1274237 h 1274301"/>
+              <a:gd name="connsiteX4" fmla="*/ 15232 w 2426409"/>
+              <a:gd name="connsiteY4" fmla="*/ 506982 h 1274301"/>
+              <a:gd name="connsiteX5" fmla="*/ 782486 w 2426409"/>
+              <a:gd name="connsiteY5" fmla="*/ 23506 h 1274301"/>
+              <a:gd name="connsiteX0" fmla="*/ 1030815 w 2674738"/>
+              <a:gd name="connsiteY0" fmla="*/ 23506 h 1274301"/>
+              <a:gd name="connsiteX1" fmla="*/ 2449712 w 2674738"/>
+              <a:gd name="connsiteY1" fmla="*/ 149630 h 1274301"/>
+              <a:gd name="connsiteX2" fmla="*/ 2596857 w 2674738"/>
+              <a:gd name="connsiteY2" fmla="*/ 790762 h 1274301"/>
+              <a:gd name="connsiteX3" fmla="*/ 1692967 w 2674738"/>
+              <a:gd name="connsiteY3" fmla="*/ 1274237 h 1274301"/>
+              <a:gd name="connsiteX4" fmla="*/ 11313 w 2674738"/>
+              <a:gd name="connsiteY4" fmla="*/ 506982 h 1274301"/>
+              <a:gd name="connsiteX5" fmla="*/ 1030815 w 2674738"/>
+              <a:gd name="connsiteY5" fmla="*/ 23506 h 1274301"/>
+              <a:gd name="connsiteX0" fmla="*/ 794714 w 2703461"/>
+              <a:gd name="connsiteY0" fmla="*/ 27079 h 1256854"/>
+              <a:gd name="connsiteX1" fmla="*/ 2465860 w 2703461"/>
+              <a:gd name="connsiteY1" fmla="*/ 132183 h 1256854"/>
+              <a:gd name="connsiteX2" fmla="*/ 2613005 w 2703461"/>
+              <a:gd name="connsiteY2" fmla="*/ 773315 h 1256854"/>
+              <a:gd name="connsiteX3" fmla="*/ 1709115 w 2703461"/>
+              <a:gd name="connsiteY3" fmla="*/ 1256790 h 1256854"/>
+              <a:gd name="connsiteX4" fmla="*/ 27461 w 2703461"/>
+              <a:gd name="connsiteY4" fmla="*/ 489535 h 1256854"/>
+              <a:gd name="connsiteX5" fmla="*/ 794714 w 2703461"/>
+              <a:gd name="connsiteY5" fmla="*/ 27079 h 1256854"/>
+              <a:gd name="connsiteX0" fmla="*/ 794714 w 2703461"/>
+              <a:gd name="connsiteY0" fmla="*/ 27079 h 1258034"/>
+              <a:gd name="connsiteX1" fmla="*/ 2465860 w 2703461"/>
+              <a:gd name="connsiteY1" fmla="*/ 132183 h 1258034"/>
+              <a:gd name="connsiteX2" fmla="*/ 2613005 w 2703461"/>
+              <a:gd name="connsiteY2" fmla="*/ 773315 h 1258034"/>
+              <a:gd name="connsiteX3" fmla="*/ 1709115 w 2703461"/>
+              <a:gd name="connsiteY3" fmla="*/ 1256790 h 1258034"/>
+              <a:gd name="connsiteX4" fmla="*/ 647571 w 2703461"/>
+              <a:gd name="connsiteY4" fmla="*/ 899437 h 1258034"/>
+              <a:gd name="connsiteX5" fmla="*/ 27461 w 2703461"/>
+              <a:gd name="connsiteY5" fmla="*/ 489535 h 1258034"/>
+              <a:gd name="connsiteX6" fmla="*/ 794714 w 2703461"/>
+              <a:gd name="connsiteY6" fmla="*/ 27079 h 1258034"/>
+              <a:gd name="connsiteX0" fmla="*/ 768429 w 2677176"/>
+              <a:gd name="connsiteY0" fmla="*/ 27079 h 1258708"/>
+              <a:gd name="connsiteX1" fmla="*/ 2439575 w 2677176"/>
+              <a:gd name="connsiteY1" fmla="*/ 132183 h 1258708"/>
+              <a:gd name="connsiteX2" fmla="*/ 2586720 w 2677176"/>
+              <a:gd name="connsiteY2" fmla="*/ 773315 h 1258708"/>
+              <a:gd name="connsiteX3" fmla="*/ 1682830 w 2677176"/>
+              <a:gd name="connsiteY3" fmla="*/ 1256790 h 1258708"/>
+              <a:gd name="connsiteX4" fmla="*/ 621286 w 2677176"/>
+              <a:gd name="connsiteY4" fmla="*/ 994030 h 1258708"/>
+              <a:gd name="connsiteX5" fmla="*/ 1176 w 2677176"/>
+              <a:gd name="connsiteY5" fmla="*/ 489535 h 1258708"/>
+              <a:gd name="connsiteX6" fmla="*/ 768429 w 2677176"/>
+              <a:gd name="connsiteY6" fmla="*/ 27079 h 1258708"/>
+              <a:gd name="connsiteX0" fmla="*/ 599135 w 2685144"/>
+              <a:gd name="connsiteY0" fmla="*/ 27079 h 1258708"/>
+              <a:gd name="connsiteX1" fmla="*/ 2438446 w 2685144"/>
+              <a:gd name="connsiteY1" fmla="*/ 132183 h 1258708"/>
+              <a:gd name="connsiteX2" fmla="*/ 2585591 w 2685144"/>
+              <a:gd name="connsiteY2" fmla="*/ 773315 h 1258708"/>
+              <a:gd name="connsiteX3" fmla="*/ 1681701 w 2685144"/>
+              <a:gd name="connsiteY3" fmla="*/ 1256790 h 1258708"/>
+              <a:gd name="connsiteX4" fmla="*/ 620157 w 2685144"/>
+              <a:gd name="connsiteY4" fmla="*/ 994030 h 1258708"/>
+              <a:gd name="connsiteX5" fmla="*/ 47 w 2685144"/>
+              <a:gd name="connsiteY5" fmla="*/ 489535 h 1258708"/>
+              <a:gd name="connsiteX6" fmla="*/ 599135 w 2685144"/>
+              <a:gd name="connsiteY6" fmla="*/ 27079 h 1258708"/>
+              <a:gd name="connsiteX0" fmla="*/ 599136 w 2713039"/>
+              <a:gd name="connsiteY0" fmla="*/ 38010 h 1269639"/>
+              <a:gd name="connsiteX1" fmla="*/ 2490998 w 2713039"/>
+              <a:gd name="connsiteY1" fmla="*/ 111583 h 1269639"/>
+              <a:gd name="connsiteX2" fmla="*/ 2585592 w 2713039"/>
+              <a:gd name="connsiteY2" fmla="*/ 784246 h 1269639"/>
+              <a:gd name="connsiteX3" fmla="*/ 1681702 w 2713039"/>
+              <a:gd name="connsiteY3" fmla="*/ 1267721 h 1269639"/>
+              <a:gd name="connsiteX4" fmla="*/ 620158 w 2713039"/>
+              <a:gd name="connsiteY4" fmla="*/ 1004961 h 1269639"/>
+              <a:gd name="connsiteX5" fmla="*/ 48 w 2713039"/>
+              <a:gd name="connsiteY5" fmla="*/ 500466 h 1269639"/>
+              <a:gd name="connsiteX6" fmla="*/ 599136 w 2713039"/>
+              <a:gd name="connsiteY6" fmla="*/ 38010 h 1269639"/>
+              <a:gd name="connsiteX0" fmla="*/ 599136 w 2737668"/>
+              <a:gd name="connsiteY0" fmla="*/ 38968 h 1270597"/>
+              <a:gd name="connsiteX1" fmla="*/ 2490998 w 2737668"/>
+              <a:gd name="connsiteY1" fmla="*/ 112541 h 1270597"/>
+              <a:gd name="connsiteX2" fmla="*/ 2627633 w 2737668"/>
+              <a:gd name="connsiteY2" fmla="*/ 806225 h 1270597"/>
+              <a:gd name="connsiteX3" fmla="*/ 1681702 w 2737668"/>
+              <a:gd name="connsiteY3" fmla="*/ 1268679 h 1270597"/>
+              <a:gd name="connsiteX4" fmla="*/ 620158 w 2737668"/>
+              <a:gd name="connsiteY4" fmla="*/ 1005919 h 1270597"/>
+              <a:gd name="connsiteX5" fmla="*/ 48 w 2737668"/>
+              <a:gd name="connsiteY5" fmla="*/ 501424 h 1270597"/>
+              <a:gd name="connsiteX6" fmla="*/ 599136 w 2737668"/>
+              <a:gd name="connsiteY6" fmla="*/ 38968 h 1270597"/>
+              <a:gd name="connsiteX0" fmla="*/ 599508 w 2738040"/>
+              <a:gd name="connsiteY0" fmla="*/ 38968 h 1270154"/>
+              <a:gd name="connsiteX1" fmla="*/ 2491370 w 2738040"/>
+              <a:gd name="connsiteY1" fmla="*/ 112541 h 1270154"/>
+              <a:gd name="connsiteX2" fmla="*/ 2628005 w 2738040"/>
+              <a:gd name="connsiteY2" fmla="*/ 806225 h 1270154"/>
+              <a:gd name="connsiteX3" fmla="*/ 1682074 w 2738040"/>
+              <a:gd name="connsiteY3" fmla="*/ 1268679 h 1270154"/>
+              <a:gd name="connsiteX4" fmla="*/ 525937 w 2738040"/>
+              <a:gd name="connsiteY4" fmla="*/ 953368 h 1270154"/>
+              <a:gd name="connsiteX5" fmla="*/ 420 w 2738040"/>
+              <a:gd name="connsiteY5" fmla="*/ 501424 h 1270154"/>
+              <a:gd name="connsiteX6" fmla="*/ 599508 w 2738040"/>
+              <a:gd name="connsiteY6" fmla="*/ 38968 h 1270154"/>
+              <a:gd name="connsiteX0" fmla="*/ 599494 w 2738026"/>
+              <a:gd name="connsiteY0" fmla="*/ 38968 h 1270154"/>
+              <a:gd name="connsiteX1" fmla="*/ 2491356 w 2738026"/>
+              <a:gd name="connsiteY1" fmla="*/ 112541 h 1270154"/>
+              <a:gd name="connsiteX2" fmla="*/ 2627991 w 2738026"/>
+              <a:gd name="connsiteY2" fmla="*/ 806225 h 1270154"/>
+              <a:gd name="connsiteX3" fmla="*/ 1682060 w 2738026"/>
+              <a:gd name="connsiteY3" fmla="*/ 1268679 h 1270154"/>
+              <a:gd name="connsiteX4" fmla="*/ 525923 w 2738026"/>
+              <a:gd name="connsiteY4" fmla="*/ 953368 h 1270154"/>
+              <a:gd name="connsiteX5" fmla="*/ 406 w 2738026"/>
+              <a:gd name="connsiteY5" fmla="*/ 501424 h 1270154"/>
+              <a:gd name="connsiteX6" fmla="*/ 599494 w 2738026"/>
+              <a:gd name="connsiteY6" fmla="*/ 38968 h 1270154"/>
+              <a:gd name="connsiteX0" fmla="*/ 603723 w 2742255"/>
+              <a:gd name="connsiteY0" fmla="*/ 38968 h 1270154"/>
+              <a:gd name="connsiteX1" fmla="*/ 2495585 w 2742255"/>
+              <a:gd name="connsiteY1" fmla="*/ 112541 h 1270154"/>
+              <a:gd name="connsiteX2" fmla="*/ 2632220 w 2742255"/>
+              <a:gd name="connsiteY2" fmla="*/ 806225 h 1270154"/>
+              <a:gd name="connsiteX3" fmla="*/ 1686289 w 2742255"/>
+              <a:gd name="connsiteY3" fmla="*/ 1268679 h 1270154"/>
+              <a:gd name="connsiteX4" fmla="*/ 530152 w 2742255"/>
+              <a:gd name="connsiteY4" fmla="*/ 953368 h 1270154"/>
+              <a:gd name="connsiteX5" fmla="*/ 4635 w 2742255"/>
+              <a:gd name="connsiteY5" fmla="*/ 501424 h 1270154"/>
+              <a:gd name="connsiteX6" fmla="*/ 603723 w 2742255"/>
+              <a:gd name="connsiteY6" fmla="*/ 38968 h 1270154"/>
+              <a:gd name="connsiteX0" fmla="*/ 599954 w 2738486"/>
+              <a:gd name="connsiteY0" fmla="*/ 38968 h 1272303"/>
+              <a:gd name="connsiteX1" fmla="*/ 2491816 w 2738486"/>
+              <a:gd name="connsiteY1" fmla="*/ 112541 h 1272303"/>
+              <a:gd name="connsiteX2" fmla="*/ 2628451 w 2738486"/>
+              <a:gd name="connsiteY2" fmla="*/ 806225 h 1272303"/>
+              <a:gd name="connsiteX3" fmla="*/ 1682520 w 2738486"/>
+              <a:gd name="connsiteY3" fmla="*/ 1268679 h 1272303"/>
+              <a:gd name="connsiteX4" fmla="*/ 694548 w 2738486"/>
+              <a:gd name="connsiteY4" fmla="*/ 1090003 h 1272303"/>
+              <a:gd name="connsiteX5" fmla="*/ 866 w 2738486"/>
+              <a:gd name="connsiteY5" fmla="*/ 501424 h 1272303"/>
+              <a:gd name="connsiteX6" fmla="*/ 599954 w 2738486"/>
+              <a:gd name="connsiteY6" fmla="*/ 38968 h 1272303"/>
+            </a:gdLst>
+            <a:ahLst/>
+            <a:cxnLst>
+              <a:cxn ang="0">
+                <a:pos x="connsiteX0" y="connsiteY0"/>
+              </a:cxn>
+              <a:cxn ang="0">
+                <a:pos x="connsiteX1" y="connsiteY1"/>
+              </a:cxn>
+              <a:cxn ang="0">
+                <a:pos x="connsiteX2" y="connsiteY2"/>
+              </a:cxn>
+              <a:cxn ang="0">
+                <a:pos x="connsiteX3" y="connsiteY3"/>
+              </a:cxn>
+              <a:cxn ang="0">
+                <a:pos x="connsiteX4" y="connsiteY4"/>
+              </a:cxn>
+              <a:cxn ang="0">
+                <a:pos x="connsiteX5" y="connsiteY5"/>
+              </a:cxn>
+              <a:cxn ang="0">
+                <a:pos x="connsiteX6" y="connsiteY6"/>
+              </a:cxn>
+            </a:cxnLst>
+            <a:rect l="l" t="t" r="r" b="b"/>
+            <a:pathLst>
+              <a:path w="2738486" h="1272303">
+                <a:moveTo>
+                  <a:pt x="599954" y="38968"/>
+                </a:moveTo>
+                <a:cubicBezTo>
+                  <a:pt x="1015112" y="-25846"/>
+                  <a:pt x="2153733" y="-15335"/>
+                  <a:pt x="2491816" y="112541"/>
+                </a:cubicBezTo>
+                <a:cubicBezTo>
+                  <a:pt x="2829899" y="240417"/>
+                  <a:pt x="2763334" y="613535"/>
+                  <a:pt x="2628451" y="806225"/>
+                </a:cubicBezTo>
+                <a:cubicBezTo>
+                  <a:pt x="2493568" y="998915"/>
+                  <a:pt x="2010092" y="1247659"/>
+                  <a:pt x="1682520" y="1268679"/>
+                </a:cubicBezTo>
+                <a:cubicBezTo>
+                  <a:pt x="1354948" y="1289699"/>
+                  <a:pt x="974824" y="1217879"/>
+                  <a:pt x="694548" y="1090003"/>
+                </a:cubicBezTo>
+                <a:cubicBezTo>
+                  <a:pt x="424783" y="941106"/>
+                  <a:pt x="16632" y="676596"/>
+                  <a:pt x="866" y="501424"/>
+                </a:cubicBezTo>
+                <a:cubicBezTo>
+                  <a:pt x="-14900" y="326252"/>
+                  <a:pt x="184796" y="103782"/>
+                  <a:pt x="599954" y="38968"/>
+                </a:cubicBezTo>
+                <a:close/>
+              </a:path>
+            </a:pathLst>
+          </a:custGeom>
+          <a:gradFill flip="none" rotWithShape="1">
+            <a:gsLst>
+              <a:gs pos="100000">
+                <a:schemeClr val="accent2"/>
+              </a:gs>
+              <a:gs pos="30000">
+                <a:schemeClr val="bg1"/>
+              </a:gs>
+            </a:gsLst>
+            <a:lin ang="5400000" scaled="1"/>
+            <a:tileRect/>
+          </a:gradFill>
+        </p:spPr>
+        <p:style>
+          <a:lnRef idx="2">
+            <a:schemeClr val="accent1">
+              <a:shade val="50000"/>
+            </a:schemeClr>
+          </a:lnRef>
+          <a:fillRef idx="1">
+            <a:schemeClr val="accent1"/>
+          </a:fillRef>
+          <a:effectRef idx="0">
+            <a:schemeClr val="accent1"/>
+          </a:effectRef>
+          <a:fontRef idx="minor">
+            <a:schemeClr val="lt1"/>
+          </a:fontRef>
+        </p:style>
+        <p:txBody>
+          <a:bodyPr rtlCol="0" anchor="ctr"/>
+          <a:lstStyle/>
+          <a:p>
+            <a:pPr algn="ctr"/>
+            <a:endParaRPr lang="en-US"/>
+          </a:p>
+        </p:txBody>
+      </p:sp>
+      <p:sp>
+        <p:nvSpPr>
+          <p:cNvPr id="24" name="Freeform 23"/>
+          <p:cNvSpPr/>
+          <p:nvPr/>
+        </p:nvSpPr>
+        <p:spPr>
+          <a:xfrm>
+            <a:off x="6405514" y="2544046"/>
+            <a:ext cx="2738486" cy="1272303"/>
+          </a:xfrm>
+          <a:custGeom>
+            <a:avLst/>
+            <a:gdLst>
+              <a:gd name="connsiteX0" fmla="*/ 936282 w 2355343"/>
+              <a:gd name="connsiteY0" fmla="*/ 63809 h 1020362"/>
+              <a:gd name="connsiteX1" fmla="*/ 1808641 w 2355343"/>
+              <a:gd name="connsiteY1" fmla="*/ 53299 h 1020362"/>
+              <a:gd name="connsiteX2" fmla="*/ 2334158 w 2355343"/>
+              <a:gd name="connsiteY2" fmla="*/ 505244 h 1020362"/>
+              <a:gd name="connsiteX3" fmla="*/ 1093937 w 2355343"/>
+              <a:gd name="connsiteY3" fmla="*/ 1020251 h 1020362"/>
+              <a:gd name="connsiteX4" fmla="*/ 862 w 2355343"/>
+              <a:gd name="connsiteY4" fmla="*/ 547285 h 1020362"/>
+              <a:gd name="connsiteX5" fmla="*/ 936282 w 2355343"/>
+              <a:gd name="connsiteY5" fmla="*/ 63809 h 1020362"/>
+              <a:gd name="connsiteX0" fmla="*/ 936282 w 2355343"/>
+              <a:gd name="connsiteY0" fmla="*/ 56594 h 1013116"/>
+              <a:gd name="connsiteX1" fmla="*/ 1808641 w 2355343"/>
+              <a:gd name="connsiteY1" fmla="*/ 46084 h 1013116"/>
+              <a:gd name="connsiteX2" fmla="*/ 2334158 w 2355343"/>
+              <a:gd name="connsiteY2" fmla="*/ 498029 h 1013116"/>
+              <a:gd name="connsiteX3" fmla="*/ 1093937 w 2355343"/>
+              <a:gd name="connsiteY3" fmla="*/ 1013036 h 1013116"/>
+              <a:gd name="connsiteX4" fmla="*/ 862 w 2355343"/>
+              <a:gd name="connsiteY4" fmla="*/ 413946 h 1013116"/>
+              <a:gd name="connsiteX5" fmla="*/ 936282 w 2355343"/>
+              <a:gd name="connsiteY5" fmla="*/ 56594 h 1013116"/>
+              <a:gd name="connsiteX0" fmla="*/ 771191 w 2359575"/>
+              <a:gd name="connsiteY0" fmla="*/ 122282 h 984209"/>
+              <a:gd name="connsiteX1" fmla="*/ 1811716 w 2359575"/>
+              <a:gd name="connsiteY1" fmla="*/ 17179 h 984209"/>
+              <a:gd name="connsiteX2" fmla="*/ 2337233 w 2359575"/>
+              <a:gd name="connsiteY2" fmla="*/ 469124 h 984209"/>
+              <a:gd name="connsiteX3" fmla="*/ 1097012 w 2359575"/>
+              <a:gd name="connsiteY3" fmla="*/ 984131 h 984209"/>
+              <a:gd name="connsiteX4" fmla="*/ 3937 w 2359575"/>
+              <a:gd name="connsiteY4" fmla="*/ 385041 h 984209"/>
+              <a:gd name="connsiteX5" fmla="*/ 771191 w 2359575"/>
+              <a:gd name="connsiteY5" fmla="*/ 122282 h 984209"/>
+              <a:gd name="connsiteX0" fmla="*/ 771156 w 2356731"/>
+              <a:gd name="connsiteY0" fmla="*/ 52261 h 914188"/>
+              <a:gd name="connsiteX1" fmla="*/ 1780150 w 2356731"/>
+              <a:gd name="connsiteY1" fmla="*/ 31240 h 914188"/>
+              <a:gd name="connsiteX2" fmla="*/ 2337198 w 2356731"/>
+              <a:gd name="connsiteY2" fmla="*/ 399103 h 914188"/>
+              <a:gd name="connsiteX3" fmla="*/ 1096977 w 2356731"/>
+              <a:gd name="connsiteY3" fmla="*/ 914110 h 914188"/>
+              <a:gd name="connsiteX4" fmla="*/ 3902 w 2356731"/>
+              <a:gd name="connsiteY4" fmla="*/ 315020 h 914188"/>
+              <a:gd name="connsiteX5" fmla="*/ 771156 w 2356731"/>
+              <a:gd name="connsiteY5" fmla="*/ 52261 h 914188"/>
+              <a:gd name="connsiteX0" fmla="*/ 771156 w 2255689"/>
+              <a:gd name="connsiteY0" fmla="*/ 60713 h 922640"/>
+              <a:gd name="connsiteX1" fmla="*/ 1780150 w 2255689"/>
+              <a:gd name="connsiteY1" fmla="*/ 39692 h 922640"/>
+              <a:gd name="connsiteX2" fmla="*/ 2232095 w 2255689"/>
+              <a:gd name="connsiteY2" fmla="*/ 523169 h 922640"/>
+              <a:gd name="connsiteX3" fmla="*/ 1096977 w 2255689"/>
+              <a:gd name="connsiteY3" fmla="*/ 922562 h 922640"/>
+              <a:gd name="connsiteX4" fmla="*/ 3902 w 2255689"/>
+              <a:gd name="connsiteY4" fmla="*/ 323472 h 922640"/>
+              <a:gd name="connsiteX5" fmla="*/ 771156 w 2255689"/>
+              <a:gd name="connsiteY5" fmla="*/ 60713 h 922640"/>
+              <a:gd name="connsiteX0" fmla="*/ 771156 w 2232351"/>
+              <a:gd name="connsiteY0" fmla="*/ 60713 h 922640"/>
+              <a:gd name="connsiteX1" fmla="*/ 1780150 w 2232351"/>
+              <a:gd name="connsiteY1" fmla="*/ 39692 h 922640"/>
+              <a:gd name="connsiteX2" fmla="*/ 2232095 w 2232351"/>
+              <a:gd name="connsiteY2" fmla="*/ 523169 h 922640"/>
+              <a:gd name="connsiteX3" fmla="*/ 1096977 w 2232351"/>
+              <a:gd name="connsiteY3" fmla="*/ 922562 h 922640"/>
+              <a:gd name="connsiteX4" fmla="*/ 3902 w 2232351"/>
+              <a:gd name="connsiteY4" fmla="*/ 323472 h 922640"/>
+              <a:gd name="connsiteX5" fmla="*/ 771156 w 2232351"/>
+              <a:gd name="connsiteY5" fmla="*/ 60713 h 922640"/>
+              <a:gd name="connsiteX0" fmla="*/ 771156 w 2232351"/>
+              <a:gd name="connsiteY0" fmla="*/ 55328 h 917255"/>
+              <a:gd name="connsiteX1" fmla="*/ 1780150 w 2232351"/>
+              <a:gd name="connsiteY1" fmla="*/ 34307 h 917255"/>
+              <a:gd name="connsiteX2" fmla="*/ 2232095 w 2232351"/>
+              <a:gd name="connsiteY2" fmla="*/ 444211 h 917255"/>
+              <a:gd name="connsiteX3" fmla="*/ 1096977 w 2232351"/>
+              <a:gd name="connsiteY3" fmla="*/ 917177 h 917255"/>
+              <a:gd name="connsiteX4" fmla="*/ 3902 w 2232351"/>
+              <a:gd name="connsiteY4" fmla="*/ 318087 h 917255"/>
+              <a:gd name="connsiteX5" fmla="*/ 771156 w 2232351"/>
+              <a:gd name="connsiteY5" fmla="*/ 55328 h 917255"/>
+              <a:gd name="connsiteX0" fmla="*/ 771156 w 2232351"/>
+              <a:gd name="connsiteY0" fmla="*/ 9202 h 1091853"/>
+              <a:gd name="connsiteX1" fmla="*/ 1780150 w 2232351"/>
+              <a:gd name="connsiteY1" fmla="*/ 208898 h 1091853"/>
+              <a:gd name="connsiteX2" fmla="*/ 2232095 w 2232351"/>
+              <a:gd name="connsiteY2" fmla="*/ 618802 h 1091853"/>
+              <a:gd name="connsiteX3" fmla="*/ 1096977 w 2232351"/>
+              <a:gd name="connsiteY3" fmla="*/ 1091768 h 1091853"/>
+              <a:gd name="connsiteX4" fmla="*/ 3902 w 2232351"/>
+              <a:gd name="connsiteY4" fmla="*/ 492678 h 1091853"/>
+              <a:gd name="connsiteX5" fmla="*/ 771156 w 2232351"/>
+              <a:gd name="connsiteY5" fmla="*/ 9202 h 1091853"/>
+              <a:gd name="connsiteX0" fmla="*/ 771405 w 2292176"/>
+              <a:gd name="connsiteY0" fmla="*/ 33877 h 1116528"/>
+              <a:gd name="connsiteX1" fmla="*/ 1990606 w 2292176"/>
+              <a:gd name="connsiteY1" fmla="*/ 107449 h 1116528"/>
+              <a:gd name="connsiteX2" fmla="*/ 2232344 w 2292176"/>
+              <a:gd name="connsiteY2" fmla="*/ 643477 h 1116528"/>
+              <a:gd name="connsiteX3" fmla="*/ 1097226 w 2292176"/>
+              <a:gd name="connsiteY3" fmla="*/ 1116443 h 1116528"/>
+              <a:gd name="connsiteX4" fmla="*/ 4151 w 2292176"/>
+              <a:gd name="connsiteY4" fmla="*/ 517353 h 1116528"/>
+              <a:gd name="connsiteX5" fmla="*/ 771405 w 2292176"/>
+              <a:gd name="connsiteY5" fmla="*/ 33877 h 1116528"/>
+              <a:gd name="connsiteX0" fmla="*/ 771672 w 2371330"/>
+              <a:gd name="connsiteY0" fmla="*/ 19835 h 1102486"/>
+              <a:gd name="connsiteX1" fmla="*/ 2190569 w 2371330"/>
+              <a:gd name="connsiteY1" fmla="*/ 145959 h 1102486"/>
+              <a:gd name="connsiteX2" fmla="*/ 2232611 w 2371330"/>
+              <a:gd name="connsiteY2" fmla="*/ 629435 h 1102486"/>
+              <a:gd name="connsiteX3" fmla="*/ 1097493 w 2371330"/>
+              <a:gd name="connsiteY3" fmla="*/ 1102401 h 1102486"/>
+              <a:gd name="connsiteX4" fmla="*/ 4418 w 2371330"/>
+              <a:gd name="connsiteY4" fmla="*/ 503311 h 1102486"/>
+              <a:gd name="connsiteX5" fmla="*/ 771672 w 2371330"/>
+              <a:gd name="connsiteY5" fmla="*/ 19835 h 1102486"/>
+              <a:gd name="connsiteX0" fmla="*/ 771672 w 2440055"/>
+              <a:gd name="connsiteY0" fmla="*/ 23506 h 1106157"/>
+              <a:gd name="connsiteX1" fmla="*/ 2190569 w 2440055"/>
+              <a:gd name="connsiteY1" fmla="*/ 149630 h 1106157"/>
+              <a:gd name="connsiteX2" fmla="*/ 2337714 w 2440055"/>
+              <a:gd name="connsiteY2" fmla="*/ 790762 h 1106157"/>
+              <a:gd name="connsiteX3" fmla="*/ 1097493 w 2440055"/>
+              <a:gd name="connsiteY3" fmla="*/ 1106072 h 1106157"/>
+              <a:gd name="connsiteX4" fmla="*/ 4418 w 2440055"/>
+              <a:gd name="connsiteY4" fmla="*/ 506982 h 1106157"/>
+              <a:gd name="connsiteX5" fmla="*/ 771672 w 2440055"/>
+              <a:gd name="connsiteY5" fmla="*/ 23506 h 1106157"/>
+              <a:gd name="connsiteX0" fmla="*/ 782486 w 2426409"/>
+              <a:gd name="connsiteY0" fmla="*/ 23506 h 1274301"/>
+              <a:gd name="connsiteX1" fmla="*/ 2201383 w 2426409"/>
+              <a:gd name="connsiteY1" fmla="*/ 149630 h 1274301"/>
+              <a:gd name="connsiteX2" fmla="*/ 2348528 w 2426409"/>
+              <a:gd name="connsiteY2" fmla="*/ 790762 h 1274301"/>
+              <a:gd name="connsiteX3" fmla="*/ 1444638 w 2426409"/>
+              <a:gd name="connsiteY3" fmla="*/ 1274237 h 1274301"/>
+              <a:gd name="connsiteX4" fmla="*/ 15232 w 2426409"/>
+              <a:gd name="connsiteY4" fmla="*/ 506982 h 1274301"/>
+              <a:gd name="connsiteX5" fmla="*/ 782486 w 2426409"/>
+              <a:gd name="connsiteY5" fmla="*/ 23506 h 1274301"/>
+              <a:gd name="connsiteX0" fmla="*/ 1030815 w 2674738"/>
+              <a:gd name="connsiteY0" fmla="*/ 23506 h 1274301"/>
+              <a:gd name="connsiteX1" fmla="*/ 2449712 w 2674738"/>
+              <a:gd name="connsiteY1" fmla="*/ 149630 h 1274301"/>
+              <a:gd name="connsiteX2" fmla="*/ 2596857 w 2674738"/>
+              <a:gd name="connsiteY2" fmla="*/ 790762 h 1274301"/>
+              <a:gd name="connsiteX3" fmla="*/ 1692967 w 2674738"/>
+              <a:gd name="connsiteY3" fmla="*/ 1274237 h 1274301"/>
+              <a:gd name="connsiteX4" fmla="*/ 11313 w 2674738"/>
+              <a:gd name="connsiteY4" fmla="*/ 506982 h 1274301"/>
+              <a:gd name="connsiteX5" fmla="*/ 1030815 w 2674738"/>
+              <a:gd name="connsiteY5" fmla="*/ 23506 h 1274301"/>
+              <a:gd name="connsiteX0" fmla="*/ 794714 w 2703461"/>
+              <a:gd name="connsiteY0" fmla="*/ 27079 h 1256854"/>
+              <a:gd name="connsiteX1" fmla="*/ 2465860 w 2703461"/>
+              <a:gd name="connsiteY1" fmla="*/ 132183 h 1256854"/>
+              <a:gd name="connsiteX2" fmla="*/ 2613005 w 2703461"/>
+              <a:gd name="connsiteY2" fmla="*/ 773315 h 1256854"/>
+              <a:gd name="connsiteX3" fmla="*/ 1709115 w 2703461"/>
+              <a:gd name="connsiteY3" fmla="*/ 1256790 h 1256854"/>
+              <a:gd name="connsiteX4" fmla="*/ 27461 w 2703461"/>
+              <a:gd name="connsiteY4" fmla="*/ 489535 h 1256854"/>
+              <a:gd name="connsiteX5" fmla="*/ 794714 w 2703461"/>
+              <a:gd name="connsiteY5" fmla="*/ 27079 h 1256854"/>
+              <a:gd name="connsiteX0" fmla="*/ 794714 w 2703461"/>
+              <a:gd name="connsiteY0" fmla="*/ 27079 h 1258034"/>
+              <a:gd name="connsiteX1" fmla="*/ 2465860 w 2703461"/>
+              <a:gd name="connsiteY1" fmla="*/ 132183 h 1258034"/>
+              <a:gd name="connsiteX2" fmla="*/ 2613005 w 2703461"/>
+              <a:gd name="connsiteY2" fmla="*/ 773315 h 1258034"/>
+              <a:gd name="connsiteX3" fmla="*/ 1709115 w 2703461"/>
+              <a:gd name="connsiteY3" fmla="*/ 1256790 h 1258034"/>
+              <a:gd name="connsiteX4" fmla="*/ 647571 w 2703461"/>
+              <a:gd name="connsiteY4" fmla="*/ 899437 h 1258034"/>
+              <a:gd name="connsiteX5" fmla="*/ 27461 w 2703461"/>
+              <a:gd name="connsiteY5" fmla="*/ 489535 h 1258034"/>
+              <a:gd name="connsiteX6" fmla="*/ 794714 w 2703461"/>
+              <a:gd name="connsiteY6" fmla="*/ 27079 h 1258034"/>
+              <a:gd name="connsiteX0" fmla="*/ 768429 w 2677176"/>
+              <a:gd name="connsiteY0" fmla="*/ 27079 h 1258708"/>
+              <a:gd name="connsiteX1" fmla="*/ 2439575 w 2677176"/>
+              <a:gd name="connsiteY1" fmla="*/ 132183 h 1258708"/>
+              <a:gd name="connsiteX2" fmla="*/ 2586720 w 2677176"/>
+              <a:gd name="connsiteY2" fmla="*/ 773315 h 1258708"/>
+              <a:gd name="connsiteX3" fmla="*/ 1682830 w 2677176"/>
+              <a:gd name="connsiteY3" fmla="*/ 1256790 h 1258708"/>
+              <a:gd name="connsiteX4" fmla="*/ 621286 w 2677176"/>
+              <a:gd name="connsiteY4" fmla="*/ 994030 h 1258708"/>
+              <a:gd name="connsiteX5" fmla="*/ 1176 w 2677176"/>
+              <a:gd name="connsiteY5" fmla="*/ 489535 h 1258708"/>
+              <a:gd name="connsiteX6" fmla="*/ 768429 w 2677176"/>
+              <a:gd name="connsiteY6" fmla="*/ 27079 h 1258708"/>
+              <a:gd name="connsiteX0" fmla="*/ 599135 w 2685144"/>
+              <a:gd name="connsiteY0" fmla="*/ 27079 h 1258708"/>
+              <a:gd name="connsiteX1" fmla="*/ 2438446 w 2685144"/>
+              <a:gd name="connsiteY1" fmla="*/ 132183 h 1258708"/>
+              <a:gd name="connsiteX2" fmla="*/ 2585591 w 2685144"/>
+              <a:gd name="connsiteY2" fmla="*/ 773315 h 1258708"/>
+              <a:gd name="connsiteX3" fmla="*/ 1681701 w 2685144"/>
+              <a:gd name="connsiteY3" fmla="*/ 1256790 h 1258708"/>
+              <a:gd name="connsiteX4" fmla="*/ 620157 w 2685144"/>
+              <a:gd name="connsiteY4" fmla="*/ 994030 h 1258708"/>
+              <a:gd name="connsiteX5" fmla="*/ 47 w 2685144"/>
+              <a:gd name="connsiteY5" fmla="*/ 489535 h 1258708"/>
+              <a:gd name="connsiteX6" fmla="*/ 599135 w 2685144"/>
+              <a:gd name="connsiteY6" fmla="*/ 27079 h 1258708"/>
+              <a:gd name="connsiteX0" fmla="*/ 599136 w 2713039"/>
+              <a:gd name="connsiteY0" fmla="*/ 38010 h 1269639"/>
+              <a:gd name="connsiteX1" fmla="*/ 2490998 w 2713039"/>
+              <a:gd name="connsiteY1" fmla="*/ 111583 h 1269639"/>
+              <a:gd name="connsiteX2" fmla="*/ 2585592 w 2713039"/>
+              <a:gd name="connsiteY2" fmla="*/ 784246 h 1269639"/>
+              <a:gd name="connsiteX3" fmla="*/ 1681702 w 2713039"/>
+              <a:gd name="connsiteY3" fmla="*/ 1267721 h 1269639"/>
+              <a:gd name="connsiteX4" fmla="*/ 620158 w 2713039"/>
+              <a:gd name="connsiteY4" fmla="*/ 1004961 h 1269639"/>
+              <a:gd name="connsiteX5" fmla="*/ 48 w 2713039"/>
+              <a:gd name="connsiteY5" fmla="*/ 500466 h 1269639"/>
+              <a:gd name="connsiteX6" fmla="*/ 599136 w 2713039"/>
+              <a:gd name="connsiteY6" fmla="*/ 38010 h 1269639"/>
+              <a:gd name="connsiteX0" fmla="*/ 599136 w 2737668"/>
+              <a:gd name="connsiteY0" fmla="*/ 38968 h 1270597"/>
+              <a:gd name="connsiteX1" fmla="*/ 2490998 w 2737668"/>
+              <a:gd name="connsiteY1" fmla="*/ 112541 h 1270597"/>
+              <a:gd name="connsiteX2" fmla="*/ 2627633 w 2737668"/>
+              <a:gd name="connsiteY2" fmla="*/ 806225 h 1270597"/>
+              <a:gd name="connsiteX3" fmla="*/ 1681702 w 2737668"/>
+              <a:gd name="connsiteY3" fmla="*/ 1268679 h 1270597"/>
+              <a:gd name="connsiteX4" fmla="*/ 620158 w 2737668"/>
+              <a:gd name="connsiteY4" fmla="*/ 1005919 h 1270597"/>
+              <a:gd name="connsiteX5" fmla="*/ 48 w 2737668"/>
+              <a:gd name="connsiteY5" fmla="*/ 501424 h 1270597"/>
+              <a:gd name="connsiteX6" fmla="*/ 599136 w 2737668"/>
+              <a:gd name="connsiteY6" fmla="*/ 38968 h 1270597"/>
+              <a:gd name="connsiteX0" fmla="*/ 599508 w 2738040"/>
+              <a:gd name="connsiteY0" fmla="*/ 38968 h 1270154"/>
+              <a:gd name="connsiteX1" fmla="*/ 2491370 w 2738040"/>
+              <a:gd name="connsiteY1" fmla="*/ 112541 h 1270154"/>
+              <a:gd name="connsiteX2" fmla="*/ 2628005 w 2738040"/>
+              <a:gd name="connsiteY2" fmla="*/ 806225 h 1270154"/>
+              <a:gd name="connsiteX3" fmla="*/ 1682074 w 2738040"/>
+              <a:gd name="connsiteY3" fmla="*/ 1268679 h 1270154"/>
+              <a:gd name="connsiteX4" fmla="*/ 525937 w 2738040"/>
+              <a:gd name="connsiteY4" fmla="*/ 953368 h 1270154"/>
+              <a:gd name="connsiteX5" fmla="*/ 420 w 2738040"/>
+              <a:gd name="connsiteY5" fmla="*/ 501424 h 1270154"/>
+              <a:gd name="connsiteX6" fmla="*/ 599508 w 2738040"/>
+              <a:gd name="connsiteY6" fmla="*/ 38968 h 1270154"/>
+              <a:gd name="connsiteX0" fmla="*/ 599494 w 2738026"/>
+              <a:gd name="connsiteY0" fmla="*/ 38968 h 1270154"/>
+              <a:gd name="connsiteX1" fmla="*/ 2491356 w 2738026"/>
+              <a:gd name="connsiteY1" fmla="*/ 112541 h 1270154"/>
+              <a:gd name="connsiteX2" fmla="*/ 2627991 w 2738026"/>
+              <a:gd name="connsiteY2" fmla="*/ 806225 h 1270154"/>
+              <a:gd name="connsiteX3" fmla="*/ 1682060 w 2738026"/>
+              <a:gd name="connsiteY3" fmla="*/ 1268679 h 1270154"/>
+              <a:gd name="connsiteX4" fmla="*/ 525923 w 2738026"/>
+              <a:gd name="connsiteY4" fmla="*/ 953368 h 1270154"/>
+              <a:gd name="connsiteX5" fmla="*/ 406 w 2738026"/>
+              <a:gd name="connsiteY5" fmla="*/ 501424 h 1270154"/>
+              <a:gd name="connsiteX6" fmla="*/ 599494 w 2738026"/>
+              <a:gd name="connsiteY6" fmla="*/ 38968 h 1270154"/>
+              <a:gd name="connsiteX0" fmla="*/ 603723 w 2742255"/>
+              <a:gd name="connsiteY0" fmla="*/ 38968 h 1270154"/>
+              <a:gd name="connsiteX1" fmla="*/ 2495585 w 2742255"/>
+              <a:gd name="connsiteY1" fmla="*/ 112541 h 1270154"/>
+              <a:gd name="connsiteX2" fmla="*/ 2632220 w 2742255"/>
+              <a:gd name="connsiteY2" fmla="*/ 806225 h 1270154"/>
+              <a:gd name="connsiteX3" fmla="*/ 1686289 w 2742255"/>
+              <a:gd name="connsiteY3" fmla="*/ 1268679 h 1270154"/>
+              <a:gd name="connsiteX4" fmla="*/ 530152 w 2742255"/>
+              <a:gd name="connsiteY4" fmla="*/ 953368 h 1270154"/>
+              <a:gd name="connsiteX5" fmla="*/ 4635 w 2742255"/>
+              <a:gd name="connsiteY5" fmla="*/ 501424 h 1270154"/>
+              <a:gd name="connsiteX6" fmla="*/ 603723 w 2742255"/>
+              <a:gd name="connsiteY6" fmla="*/ 38968 h 1270154"/>
+              <a:gd name="connsiteX0" fmla="*/ 599954 w 2738486"/>
+              <a:gd name="connsiteY0" fmla="*/ 38968 h 1272303"/>
+              <a:gd name="connsiteX1" fmla="*/ 2491816 w 2738486"/>
+              <a:gd name="connsiteY1" fmla="*/ 112541 h 1272303"/>
+              <a:gd name="connsiteX2" fmla="*/ 2628451 w 2738486"/>
+              <a:gd name="connsiteY2" fmla="*/ 806225 h 1272303"/>
+              <a:gd name="connsiteX3" fmla="*/ 1682520 w 2738486"/>
+              <a:gd name="connsiteY3" fmla="*/ 1268679 h 1272303"/>
+              <a:gd name="connsiteX4" fmla="*/ 694548 w 2738486"/>
+              <a:gd name="connsiteY4" fmla="*/ 1090003 h 1272303"/>
+              <a:gd name="connsiteX5" fmla="*/ 866 w 2738486"/>
+              <a:gd name="connsiteY5" fmla="*/ 501424 h 1272303"/>
+              <a:gd name="connsiteX6" fmla="*/ 599954 w 2738486"/>
+              <a:gd name="connsiteY6" fmla="*/ 38968 h 1272303"/>
+            </a:gdLst>
+            <a:ahLst/>
+            <a:cxnLst>
+              <a:cxn ang="0">
+                <a:pos x="connsiteX0" y="connsiteY0"/>
+              </a:cxn>
+              <a:cxn ang="0">
+                <a:pos x="connsiteX1" y="connsiteY1"/>
+              </a:cxn>
+              <a:cxn ang="0">
+                <a:pos x="connsiteX2" y="connsiteY2"/>
+              </a:cxn>
+              <a:cxn ang="0">
+                <a:pos x="connsiteX3" y="connsiteY3"/>
+              </a:cxn>
+              <a:cxn ang="0">
+                <a:pos x="connsiteX4" y="connsiteY4"/>
+              </a:cxn>
+              <a:cxn ang="0">
+                <a:pos x="connsiteX5" y="connsiteY5"/>
+              </a:cxn>
+              <a:cxn ang="0">
+                <a:pos x="connsiteX6" y="connsiteY6"/>
+              </a:cxn>
+            </a:cxnLst>
+            <a:rect l="l" t="t" r="r" b="b"/>
+            <a:pathLst>
+              <a:path w="2738486" h="1272303">
+                <a:moveTo>
+                  <a:pt x="599954" y="38968"/>
+                </a:moveTo>
+                <a:cubicBezTo>
+                  <a:pt x="1015112" y="-25846"/>
+                  <a:pt x="2153733" y="-15335"/>
+                  <a:pt x="2491816" y="112541"/>
+                </a:cubicBezTo>
+                <a:cubicBezTo>
+                  <a:pt x="2829899" y="240417"/>
+                  <a:pt x="2763334" y="613535"/>
+                  <a:pt x="2628451" y="806225"/>
+                </a:cubicBezTo>
+                <a:cubicBezTo>
+                  <a:pt x="2493568" y="998915"/>
+                  <a:pt x="2010092" y="1247659"/>
+                  <a:pt x="1682520" y="1268679"/>
+                </a:cubicBezTo>
+                <a:cubicBezTo>
+                  <a:pt x="1354948" y="1289699"/>
+                  <a:pt x="974824" y="1217879"/>
+                  <a:pt x="694548" y="1090003"/>
+                </a:cubicBezTo>
+                <a:cubicBezTo>
+                  <a:pt x="424783" y="941106"/>
+                  <a:pt x="16632" y="676596"/>
+                  <a:pt x="866" y="501424"/>
+                </a:cubicBezTo>
+                <a:cubicBezTo>
+                  <a:pt x="-14900" y="326252"/>
+                  <a:pt x="184796" y="103782"/>
+                  <a:pt x="599954" y="38968"/>
+                </a:cubicBezTo>
+                <a:close/>
+              </a:path>
+            </a:pathLst>
+          </a:custGeom>
+          <a:gradFill flip="none" rotWithShape="1">
+            <a:gsLst>
+              <a:gs pos="100000">
+                <a:schemeClr val="accent2"/>
+              </a:gs>
+              <a:gs pos="72000">
+                <a:schemeClr val="bg1"/>
+              </a:gs>
+            </a:gsLst>
+            <a:lin ang="5400000" scaled="1"/>
+            <a:tileRect/>
+          </a:gradFill>
+        </p:spPr>
+        <p:style>
+          <a:lnRef idx="2">
+            <a:schemeClr val="accent1">
+              <a:shade val="50000"/>
+            </a:schemeClr>
+          </a:lnRef>
+          <a:fillRef idx="1">
+            <a:schemeClr val="accent1"/>
+          </a:fillRef>
+          <a:effectRef idx="0">
+            <a:schemeClr val="accent1"/>
+          </a:effectRef>
+          <a:fontRef idx="minor">
+            <a:schemeClr val="lt1"/>
+          </a:fontRef>
+        </p:style>
+        <p:txBody>
+          <a:bodyPr rtlCol="0" anchor="ctr"/>
+          <a:lstStyle/>
+          <a:p>
+            <a:pPr algn="ctr"/>
+            <a:endParaRPr lang="en-US"/>
+          </a:p>
+        </p:txBody>
+      </p:sp>
+      <p:sp>
+        <p:nvSpPr>
+          <p:cNvPr id="25" name="Freeform 24"/>
+          <p:cNvSpPr/>
+          <p:nvPr/>
+        </p:nvSpPr>
+        <p:spPr>
+          <a:xfrm>
+            <a:off x="6055054" y="4272436"/>
+            <a:ext cx="2738486" cy="1272303"/>
+          </a:xfrm>
+          <a:custGeom>
+            <a:avLst/>
+            <a:gdLst>
+              <a:gd name="connsiteX0" fmla="*/ 936282 w 2355343"/>
+              <a:gd name="connsiteY0" fmla="*/ 63809 h 1020362"/>
+              <a:gd name="connsiteX1" fmla="*/ 1808641 w 2355343"/>
+              <a:gd name="connsiteY1" fmla="*/ 53299 h 1020362"/>
+              <a:gd name="connsiteX2" fmla="*/ 2334158 w 2355343"/>
+              <a:gd name="connsiteY2" fmla="*/ 505244 h 1020362"/>
+              <a:gd name="connsiteX3" fmla="*/ 1093937 w 2355343"/>
+              <a:gd name="connsiteY3" fmla="*/ 1020251 h 1020362"/>
+              <a:gd name="connsiteX4" fmla="*/ 862 w 2355343"/>
+              <a:gd name="connsiteY4" fmla="*/ 547285 h 1020362"/>
+              <a:gd name="connsiteX5" fmla="*/ 936282 w 2355343"/>
+              <a:gd name="connsiteY5" fmla="*/ 63809 h 1020362"/>
+              <a:gd name="connsiteX0" fmla="*/ 936282 w 2355343"/>
+              <a:gd name="connsiteY0" fmla="*/ 56594 h 1013116"/>
+              <a:gd name="connsiteX1" fmla="*/ 1808641 w 2355343"/>
+              <a:gd name="connsiteY1" fmla="*/ 46084 h 1013116"/>
+              <a:gd name="connsiteX2" fmla="*/ 2334158 w 2355343"/>
+              <a:gd name="connsiteY2" fmla="*/ 498029 h 1013116"/>
+              <a:gd name="connsiteX3" fmla="*/ 1093937 w 2355343"/>
+              <a:gd name="connsiteY3" fmla="*/ 1013036 h 1013116"/>
+              <a:gd name="connsiteX4" fmla="*/ 862 w 2355343"/>
+              <a:gd name="connsiteY4" fmla="*/ 413946 h 1013116"/>
+              <a:gd name="connsiteX5" fmla="*/ 936282 w 2355343"/>
+              <a:gd name="connsiteY5" fmla="*/ 56594 h 1013116"/>
+              <a:gd name="connsiteX0" fmla="*/ 771191 w 2359575"/>
+              <a:gd name="connsiteY0" fmla="*/ 122282 h 984209"/>
+              <a:gd name="connsiteX1" fmla="*/ 1811716 w 2359575"/>
+              <a:gd name="connsiteY1" fmla="*/ 17179 h 984209"/>
+              <a:gd name="connsiteX2" fmla="*/ 2337233 w 2359575"/>
+              <a:gd name="connsiteY2" fmla="*/ 469124 h 984209"/>
+              <a:gd name="connsiteX3" fmla="*/ 1097012 w 2359575"/>
+              <a:gd name="connsiteY3" fmla="*/ 984131 h 984209"/>
+              <a:gd name="connsiteX4" fmla="*/ 3937 w 2359575"/>
+              <a:gd name="connsiteY4" fmla="*/ 385041 h 984209"/>
+              <a:gd name="connsiteX5" fmla="*/ 771191 w 2359575"/>
+              <a:gd name="connsiteY5" fmla="*/ 122282 h 984209"/>
+              <a:gd name="connsiteX0" fmla="*/ 771156 w 2356731"/>
+              <a:gd name="connsiteY0" fmla="*/ 52261 h 914188"/>
+              <a:gd name="connsiteX1" fmla="*/ 1780150 w 2356731"/>
+              <a:gd name="connsiteY1" fmla="*/ 31240 h 914188"/>
+              <a:gd name="connsiteX2" fmla="*/ 2337198 w 2356731"/>
+              <a:gd name="connsiteY2" fmla="*/ 399103 h 914188"/>
+              <a:gd name="connsiteX3" fmla="*/ 1096977 w 2356731"/>
+              <a:gd name="connsiteY3" fmla="*/ 914110 h 914188"/>
+              <a:gd name="connsiteX4" fmla="*/ 3902 w 2356731"/>
+              <a:gd name="connsiteY4" fmla="*/ 315020 h 914188"/>
+              <a:gd name="connsiteX5" fmla="*/ 771156 w 2356731"/>
+              <a:gd name="connsiteY5" fmla="*/ 52261 h 914188"/>
+              <a:gd name="connsiteX0" fmla="*/ 771156 w 2255689"/>
+              <a:gd name="connsiteY0" fmla="*/ 60713 h 922640"/>
+              <a:gd name="connsiteX1" fmla="*/ 1780150 w 2255689"/>
+              <a:gd name="connsiteY1" fmla="*/ 39692 h 922640"/>
+              <a:gd name="connsiteX2" fmla="*/ 2232095 w 2255689"/>
+              <a:gd name="connsiteY2" fmla="*/ 523169 h 922640"/>
+              <a:gd name="connsiteX3" fmla="*/ 1096977 w 2255689"/>
+              <a:gd name="connsiteY3" fmla="*/ 922562 h 922640"/>
+              <a:gd name="connsiteX4" fmla="*/ 3902 w 2255689"/>
+              <a:gd name="connsiteY4" fmla="*/ 323472 h 922640"/>
+              <a:gd name="connsiteX5" fmla="*/ 771156 w 2255689"/>
+              <a:gd name="connsiteY5" fmla="*/ 60713 h 922640"/>
+              <a:gd name="connsiteX0" fmla="*/ 771156 w 2232351"/>
+              <a:gd name="connsiteY0" fmla="*/ 60713 h 922640"/>
+              <a:gd name="connsiteX1" fmla="*/ 1780150 w 2232351"/>
+              <a:gd name="connsiteY1" fmla="*/ 39692 h 922640"/>
+              <a:gd name="connsiteX2" fmla="*/ 2232095 w 2232351"/>
+              <a:gd name="connsiteY2" fmla="*/ 523169 h 922640"/>
+              <a:gd name="connsiteX3" fmla="*/ 1096977 w 2232351"/>
+              <a:gd name="connsiteY3" fmla="*/ 922562 h 922640"/>
+              <a:gd name="connsiteX4" fmla="*/ 3902 w 2232351"/>
+              <a:gd name="connsiteY4" fmla="*/ 323472 h 922640"/>
+              <a:gd name="connsiteX5" fmla="*/ 771156 w 2232351"/>
+              <a:gd name="connsiteY5" fmla="*/ 60713 h 922640"/>
+              <a:gd name="connsiteX0" fmla="*/ 771156 w 2232351"/>
+              <a:gd name="connsiteY0" fmla="*/ 55328 h 917255"/>
+              <a:gd name="connsiteX1" fmla="*/ 1780150 w 2232351"/>
+              <a:gd name="connsiteY1" fmla="*/ 34307 h 917255"/>
+              <a:gd name="connsiteX2" fmla="*/ 2232095 w 2232351"/>
+              <a:gd name="connsiteY2" fmla="*/ 444211 h 917255"/>
+              <a:gd name="connsiteX3" fmla="*/ 1096977 w 2232351"/>
+              <a:gd name="connsiteY3" fmla="*/ 917177 h 917255"/>
+              <a:gd name="connsiteX4" fmla="*/ 3902 w 2232351"/>
+              <a:gd name="connsiteY4" fmla="*/ 318087 h 917255"/>
+              <a:gd name="connsiteX5" fmla="*/ 771156 w 2232351"/>
+              <a:gd name="connsiteY5" fmla="*/ 55328 h 917255"/>
+              <a:gd name="connsiteX0" fmla="*/ 771156 w 2232351"/>
+              <a:gd name="connsiteY0" fmla="*/ 9202 h 1091853"/>
+              <a:gd name="connsiteX1" fmla="*/ 1780150 w 2232351"/>
+              <a:gd name="connsiteY1" fmla="*/ 208898 h 1091853"/>
+              <a:gd name="connsiteX2" fmla="*/ 2232095 w 2232351"/>
+              <a:gd name="connsiteY2" fmla="*/ 618802 h 1091853"/>
+              <a:gd name="connsiteX3" fmla="*/ 1096977 w 2232351"/>
+              <a:gd name="connsiteY3" fmla="*/ 1091768 h 1091853"/>
+              <a:gd name="connsiteX4" fmla="*/ 3902 w 2232351"/>
+              <a:gd name="connsiteY4" fmla="*/ 492678 h 1091853"/>
+              <a:gd name="connsiteX5" fmla="*/ 771156 w 2232351"/>
+              <a:gd name="connsiteY5" fmla="*/ 9202 h 1091853"/>
+              <a:gd name="connsiteX0" fmla="*/ 771405 w 2292176"/>
+              <a:gd name="connsiteY0" fmla="*/ 33877 h 1116528"/>
+              <a:gd name="connsiteX1" fmla="*/ 1990606 w 2292176"/>
+              <a:gd name="connsiteY1" fmla="*/ 107449 h 1116528"/>
+              <a:gd name="connsiteX2" fmla="*/ 2232344 w 2292176"/>
+              <a:gd name="connsiteY2" fmla="*/ 643477 h 1116528"/>
+              <a:gd name="connsiteX3" fmla="*/ 1097226 w 2292176"/>
+              <a:gd name="connsiteY3" fmla="*/ 1116443 h 1116528"/>
+              <a:gd name="connsiteX4" fmla="*/ 4151 w 2292176"/>
+              <a:gd name="connsiteY4" fmla="*/ 517353 h 1116528"/>
+              <a:gd name="connsiteX5" fmla="*/ 771405 w 2292176"/>
+              <a:gd name="connsiteY5" fmla="*/ 33877 h 1116528"/>
+              <a:gd name="connsiteX0" fmla="*/ 771672 w 2371330"/>
+              <a:gd name="connsiteY0" fmla="*/ 19835 h 1102486"/>
+              <a:gd name="connsiteX1" fmla="*/ 2190569 w 2371330"/>
+              <a:gd name="connsiteY1" fmla="*/ 145959 h 1102486"/>
+              <a:gd name="connsiteX2" fmla="*/ 2232611 w 2371330"/>
+              <a:gd name="connsiteY2" fmla="*/ 629435 h 1102486"/>
+              <a:gd name="connsiteX3" fmla="*/ 1097493 w 2371330"/>
+              <a:gd name="connsiteY3" fmla="*/ 1102401 h 1102486"/>
+              <a:gd name="connsiteX4" fmla="*/ 4418 w 2371330"/>
+              <a:gd name="connsiteY4" fmla="*/ 503311 h 1102486"/>
+              <a:gd name="connsiteX5" fmla="*/ 771672 w 2371330"/>
+              <a:gd name="connsiteY5" fmla="*/ 19835 h 1102486"/>
+              <a:gd name="connsiteX0" fmla="*/ 771672 w 2440055"/>
+              <a:gd name="connsiteY0" fmla="*/ 23506 h 1106157"/>
+              <a:gd name="connsiteX1" fmla="*/ 2190569 w 2440055"/>
+              <a:gd name="connsiteY1" fmla="*/ 149630 h 1106157"/>
+              <a:gd name="connsiteX2" fmla="*/ 2337714 w 2440055"/>
+              <a:gd name="connsiteY2" fmla="*/ 790762 h 1106157"/>
+              <a:gd name="connsiteX3" fmla="*/ 1097493 w 2440055"/>
+              <a:gd name="connsiteY3" fmla="*/ 1106072 h 1106157"/>
+              <a:gd name="connsiteX4" fmla="*/ 4418 w 2440055"/>
+              <a:gd name="connsiteY4" fmla="*/ 506982 h 1106157"/>
+              <a:gd name="connsiteX5" fmla="*/ 771672 w 2440055"/>
+              <a:gd name="connsiteY5" fmla="*/ 23506 h 1106157"/>
+              <a:gd name="connsiteX0" fmla="*/ 782486 w 2426409"/>
+              <a:gd name="connsiteY0" fmla="*/ 23506 h 1274301"/>
+              <a:gd name="connsiteX1" fmla="*/ 2201383 w 2426409"/>
+              <a:gd name="connsiteY1" fmla="*/ 149630 h 1274301"/>
+              <a:gd name="connsiteX2" fmla="*/ 2348528 w 2426409"/>
+              <a:gd name="connsiteY2" fmla="*/ 790762 h 1274301"/>
+              <a:gd name="connsiteX3" fmla="*/ 1444638 w 2426409"/>
+              <a:gd name="connsiteY3" fmla="*/ 1274237 h 1274301"/>
+              <a:gd name="connsiteX4" fmla="*/ 15232 w 2426409"/>
+              <a:gd name="connsiteY4" fmla="*/ 506982 h 1274301"/>
+              <a:gd name="connsiteX5" fmla="*/ 782486 w 2426409"/>
+              <a:gd name="connsiteY5" fmla="*/ 23506 h 1274301"/>
+              <a:gd name="connsiteX0" fmla="*/ 1030815 w 2674738"/>
+              <a:gd name="connsiteY0" fmla="*/ 23506 h 1274301"/>
+              <a:gd name="connsiteX1" fmla="*/ 2449712 w 2674738"/>
+              <a:gd name="connsiteY1" fmla="*/ 149630 h 1274301"/>
+              <a:gd name="connsiteX2" fmla="*/ 2596857 w 2674738"/>
+              <a:gd name="connsiteY2" fmla="*/ 790762 h 1274301"/>
+              <a:gd name="connsiteX3" fmla="*/ 1692967 w 2674738"/>
+              <a:gd name="connsiteY3" fmla="*/ 1274237 h 1274301"/>
+              <a:gd name="connsiteX4" fmla="*/ 11313 w 2674738"/>
+              <a:gd name="connsiteY4" fmla="*/ 506982 h 1274301"/>
+              <a:gd name="connsiteX5" fmla="*/ 1030815 w 2674738"/>
+              <a:gd name="connsiteY5" fmla="*/ 23506 h 1274301"/>
+              <a:gd name="connsiteX0" fmla="*/ 794714 w 2703461"/>
+              <a:gd name="connsiteY0" fmla="*/ 27079 h 1256854"/>
+              <a:gd name="connsiteX1" fmla="*/ 2465860 w 2703461"/>
+              <a:gd name="connsiteY1" fmla="*/ 132183 h 1256854"/>
+              <a:gd name="connsiteX2" fmla="*/ 2613005 w 2703461"/>
+              <a:gd name="connsiteY2" fmla="*/ 773315 h 1256854"/>
+              <a:gd name="connsiteX3" fmla="*/ 1709115 w 2703461"/>
+              <a:gd name="connsiteY3" fmla="*/ 1256790 h 1256854"/>
+              <a:gd name="connsiteX4" fmla="*/ 27461 w 2703461"/>
+              <a:gd name="connsiteY4" fmla="*/ 489535 h 1256854"/>
+              <a:gd name="connsiteX5" fmla="*/ 794714 w 2703461"/>
+              <a:gd name="connsiteY5" fmla="*/ 27079 h 1256854"/>
+              <a:gd name="connsiteX0" fmla="*/ 794714 w 2703461"/>
+              <a:gd name="connsiteY0" fmla="*/ 27079 h 1258034"/>
+              <a:gd name="connsiteX1" fmla="*/ 2465860 w 2703461"/>
+              <a:gd name="connsiteY1" fmla="*/ 132183 h 1258034"/>
+              <a:gd name="connsiteX2" fmla="*/ 2613005 w 2703461"/>
+              <a:gd name="connsiteY2" fmla="*/ 773315 h 1258034"/>
+              <a:gd name="connsiteX3" fmla="*/ 1709115 w 2703461"/>
+              <a:gd name="connsiteY3" fmla="*/ 1256790 h 1258034"/>
+              <a:gd name="connsiteX4" fmla="*/ 647571 w 2703461"/>
+              <a:gd name="connsiteY4" fmla="*/ 899437 h 1258034"/>
+              <a:gd name="connsiteX5" fmla="*/ 27461 w 2703461"/>
+              <a:gd name="connsiteY5" fmla="*/ 489535 h 1258034"/>
+              <a:gd name="connsiteX6" fmla="*/ 794714 w 2703461"/>
+              <a:gd name="connsiteY6" fmla="*/ 27079 h 1258034"/>
+              <a:gd name="connsiteX0" fmla="*/ 768429 w 2677176"/>
+              <a:gd name="connsiteY0" fmla="*/ 27079 h 1258708"/>
+              <a:gd name="connsiteX1" fmla="*/ 2439575 w 2677176"/>
+              <a:gd name="connsiteY1" fmla="*/ 132183 h 1258708"/>
+              <a:gd name="connsiteX2" fmla="*/ 2586720 w 2677176"/>
+              <a:gd name="connsiteY2" fmla="*/ 773315 h 1258708"/>
+              <a:gd name="connsiteX3" fmla="*/ 1682830 w 2677176"/>
+              <a:gd name="connsiteY3" fmla="*/ 1256790 h 1258708"/>
+              <a:gd name="connsiteX4" fmla="*/ 621286 w 2677176"/>
+              <a:gd name="connsiteY4" fmla="*/ 994030 h 1258708"/>
+              <a:gd name="connsiteX5" fmla="*/ 1176 w 2677176"/>
+              <a:gd name="connsiteY5" fmla="*/ 489535 h 1258708"/>
+              <a:gd name="connsiteX6" fmla="*/ 768429 w 2677176"/>
+              <a:gd name="connsiteY6" fmla="*/ 27079 h 1258708"/>
+              <a:gd name="connsiteX0" fmla="*/ 599135 w 2685144"/>
+              <a:gd name="connsiteY0" fmla="*/ 27079 h 1258708"/>
+              <a:gd name="connsiteX1" fmla="*/ 2438446 w 2685144"/>
+              <a:gd name="connsiteY1" fmla="*/ 132183 h 1258708"/>
+              <a:gd name="connsiteX2" fmla="*/ 2585591 w 2685144"/>
+              <a:gd name="connsiteY2" fmla="*/ 773315 h 1258708"/>
+              <a:gd name="connsiteX3" fmla="*/ 1681701 w 2685144"/>
+              <a:gd name="connsiteY3" fmla="*/ 1256790 h 1258708"/>
+              <a:gd name="connsiteX4" fmla="*/ 620157 w 2685144"/>
+              <a:gd name="connsiteY4" fmla="*/ 994030 h 1258708"/>
+              <a:gd name="connsiteX5" fmla="*/ 47 w 2685144"/>
+              <a:gd name="connsiteY5" fmla="*/ 489535 h 1258708"/>
+              <a:gd name="connsiteX6" fmla="*/ 599135 w 2685144"/>
+              <a:gd name="connsiteY6" fmla="*/ 27079 h 1258708"/>
+              <a:gd name="connsiteX0" fmla="*/ 599136 w 2713039"/>
+              <a:gd name="connsiteY0" fmla="*/ 38010 h 1269639"/>
+              <a:gd name="connsiteX1" fmla="*/ 2490998 w 2713039"/>
+              <a:gd name="connsiteY1" fmla="*/ 111583 h 1269639"/>
+              <a:gd name="connsiteX2" fmla="*/ 2585592 w 2713039"/>
+              <a:gd name="connsiteY2" fmla="*/ 784246 h 1269639"/>
+              <a:gd name="connsiteX3" fmla="*/ 1681702 w 2713039"/>
+              <a:gd name="connsiteY3" fmla="*/ 1267721 h 1269639"/>
+              <a:gd name="connsiteX4" fmla="*/ 620158 w 2713039"/>
+              <a:gd name="connsiteY4" fmla="*/ 1004961 h 1269639"/>
+              <a:gd name="connsiteX5" fmla="*/ 48 w 2713039"/>
+              <a:gd name="connsiteY5" fmla="*/ 500466 h 1269639"/>
+              <a:gd name="connsiteX6" fmla="*/ 599136 w 2713039"/>
+              <a:gd name="connsiteY6" fmla="*/ 38010 h 1269639"/>
+              <a:gd name="connsiteX0" fmla="*/ 599136 w 2737668"/>
+              <a:gd name="connsiteY0" fmla="*/ 38968 h 1270597"/>
+              <a:gd name="connsiteX1" fmla="*/ 2490998 w 2737668"/>
+              <a:gd name="connsiteY1" fmla="*/ 112541 h 1270597"/>
+              <a:gd name="connsiteX2" fmla="*/ 2627633 w 2737668"/>
+              <a:gd name="connsiteY2" fmla="*/ 806225 h 1270597"/>
+              <a:gd name="connsiteX3" fmla="*/ 1681702 w 2737668"/>
+              <a:gd name="connsiteY3" fmla="*/ 1268679 h 1270597"/>
+              <a:gd name="connsiteX4" fmla="*/ 620158 w 2737668"/>
+              <a:gd name="connsiteY4" fmla="*/ 1005919 h 1270597"/>
+              <a:gd name="connsiteX5" fmla="*/ 48 w 2737668"/>
+              <a:gd name="connsiteY5" fmla="*/ 501424 h 1270597"/>
+              <a:gd name="connsiteX6" fmla="*/ 599136 w 2737668"/>
+              <a:gd name="connsiteY6" fmla="*/ 38968 h 1270597"/>
+              <a:gd name="connsiteX0" fmla="*/ 599508 w 2738040"/>
+              <a:gd name="connsiteY0" fmla="*/ 38968 h 1270154"/>
+              <a:gd name="connsiteX1" fmla="*/ 2491370 w 2738040"/>
+              <a:gd name="connsiteY1" fmla="*/ 112541 h 1270154"/>
+              <a:gd name="connsiteX2" fmla="*/ 2628005 w 2738040"/>
+              <a:gd name="connsiteY2" fmla="*/ 806225 h 1270154"/>
+              <a:gd name="connsiteX3" fmla="*/ 1682074 w 2738040"/>
+              <a:gd name="connsiteY3" fmla="*/ 1268679 h 1270154"/>
+              <a:gd name="connsiteX4" fmla="*/ 525937 w 2738040"/>
+              <a:gd name="connsiteY4" fmla="*/ 953368 h 1270154"/>
+              <a:gd name="connsiteX5" fmla="*/ 420 w 2738040"/>
+              <a:gd name="connsiteY5" fmla="*/ 501424 h 1270154"/>
+              <a:gd name="connsiteX6" fmla="*/ 599508 w 2738040"/>
+              <a:gd name="connsiteY6" fmla="*/ 38968 h 1270154"/>
+              <a:gd name="connsiteX0" fmla="*/ 599494 w 2738026"/>
+              <a:gd name="connsiteY0" fmla="*/ 38968 h 1270154"/>
+              <a:gd name="connsiteX1" fmla="*/ 2491356 w 2738026"/>
+              <a:gd name="connsiteY1" fmla="*/ 112541 h 1270154"/>
+              <a:gd name="connsiteX2" fmla="*/ 2627991 w 2738026"/>
+              <a:gd name="connsiteY2" fmla="*/ 806225 h 1270154"/>
+              <a:gd name="connsiteX3" fmla="*/ 1682060 w 2738026"/>
+              <a:gd name="connsiteY3" fmla="*/ 1268679 h 1270154"/>
+              <a:gd name="connsiteX4" fmla="*/ 525923 w 2738026"/>
+              <a:gd name="connsiteY4" fmla="*/ 953368 h 1270154"/>
+              <a:gd name="connsiteX5" fmla="*/ 406 w 2738026"/>
+              <a:gd name="connsiteY5" fmla="*/ 501424 h 1270154"/>
+              <a:gd name="connsiteX6" fmla="*/ 599494 w 2738026"/>
+              <a:gd name="connsiteY6" fmla="*/ 38968 h 1270154"/>
+              <a:gd name="connsiteX0" fmla="*/ 603723 w 2742255"/>
+              <a:gd name="connsiteY0" fmla="*/ 38968 h 1270154"/>
+              <a:gd name="connsiteX1" fmla="*/ 2495585 w 2742255"/>
+              <a:gd name="connsiteY1" fmla="*/ 112541 h 1270154"/>
+              <a:gd name="connsiteX2" fmla="*/ 2632220 w 2742255"/>
+              <a:gd name="connsiteY2" fmla="*/ 806225 h 1270154"/>
+              <a:gd name="connsiteX3" fmla="*/ 1686289 w 2742255"/>
+              <a:gd name="connsiteY3" fmla="*/ 1268679 h 1270154"/>
+              <a:gd name="connsiteX4" fmla="*/ 530152 w 2742255"/>
+              <a:gd name="connsiteY4" fmla="*/ 953368 h 1270154"/>
+              <a:gd name="connsiteX5" fmla="*/ 4635 w 2742255"/>
+              <a:gd name="connsiteY5" fmla="*/ 501424 h 1270154"/>
+              <a:gd name="connsiteX6" fmla="*/ 603723 w 2742255"/>
+              <a:gd name="connsiteY6" fmla="*/ 38968 h 1270154"/>
+              <a:gd name="connsiteX0" fmla="*/ 599954 w 2738486"/>
+              <a:gd name="connsiteY0" fmla="*/ 38968 h 1272303"/>
+              <a:gd name="connsiteX1" fmla="*/ 2491816 w 2738486"/>
+              <a:gd name="connsiteY1" fmla="*/ 112541 h 1272303"/>
+              <a:gd name="connsiteX2" fmla="*/ 2628451 w 2738486"/>
+              <a:gd name="connsiteY2" fmla="*/ 806225 h 1272303"/>
+              <a:gd name="connsiteX3" fmla="*/ 1682520 w 2738486"/>
+              <a:gd name="connsiteY3" fmla="*/ 1268679 h 1272303"/>
+              <a:gd name="connsiteX4" fmla="*/ 694548 w 2738486"/>
+              <a:gd name="connsiteY4" fmla="*/ 1090003 h 1272303"/>
+              <a:gd name="connsiteX5" fmla="*/ 866 w 2738486"/>
+              <a:gd name="connsiteY5" fmla="*/ 501424 h 1272303"/>
+              <a:gd name="connsiteX6" fmla="*/ 599954 w 2738486"/>
+              <a:gd name="connsiteY6" fmla="*/ 38968 h 1272303"/>
+            </a:gdLst>
+            <a:ahLst/>
+            <a:cxnLst>
+              <a:cxn ang="0">
+                <a:pos x="connsiteX0" y="connsiteY0"/>
+              </a:cxn>
+              <a:cxn ang="0">
+                <a:pos x="connsiteX1" y="connsiteY1"/>
+              </a:cxn>
+              <a:cxn ang="0">
+                <a:pos x="connsiteX2" y="connsiteY2"/>
+              </a:cxn>
+              <a:cxn ang="0">
+                <a:pos x="connsiteX3" y="connsiteY3"/>
+              </a:cxn>
+              <a:cxn ang="0">
+                <a:pos x="connsiteX4" y="connsiteY4"/>
+              </a:cxn>
+              <a:cxn ang="0">
+                <a:pos x="connsiteX5" y="connsiteY5"/>
+              </a:cxn>
+              <a:cxn ang="0">
+                <a:pos x="connsiteX6" y="connsiteY6"/>
+              </a:cxn>
+            </a:cxnLst>
+            <a:rect l="l" t="t" r="r" b="b"/>
+            <a:pathLst>
+              <a:path w="2738486" h="1272303">
+                <a:moveTo>
+                  <a:pt x="599954" y="38968"/>
+                </a:moveTo>
+                <a:cubicBezTo>
+                  <a:pt x="1015112" y="-25846"/>
+                  <a:pt x="2153733" y="-15335"/>
+                  <a:pt x="2491816" y="112541"/>
+                </a:cubicBezTo>
+                <a:cubicBezTo>
+                  <a:pt x="2829899" y="240417"/>
+                  <a:pt x="2763334" y="613535"/>
+                  <a:pt x="2628451" y="806225"/>
+                </a:cubicBezTo>
+                <a:cubicBezTo>
+                  <a:pt x="2493568" y="998915"/>
+                  <a:pt x="2010092" y="1247659"/>
+                  <a:pt x="1682520" y="1268679"/>
+                </a:cubicBezTo>
+                <a:cubicBezTo>
+                  <a:pt x="1354948" y="1289699"/>
+                  <a:pt x="974824" y="1217879"/>
+                  <a:pt x="694548" y="1090003"/>
+                </a:cubicBezTo>
+                <a:cubicBezTo>
+                  <a:pt x="424783" y="941106"/>
+                  <a:pt x="16632" y="676596"/>
+                  <a:pt x="866" y="501424"/>
+                </a:cubicBezTo>
+                <a:cubicBezTo>
+                  <a:pt x="-14900" y="326252"/>
+                  <a:pt x="184796" y="103782"/>
+                  <a:pt x="599954" y="38968"/>
+                </a:cubicBezTo>
+                <a:close/>
+              </a:path>
+            </a:pathLst>
+          </a:custGeom>
+          <a:gradFill flip="none" rotWithShape="1">
+            <a:gsLst>
+              <a:gs pos="100000">
+                <a:schemeClr val="accent2"/>
+              </a:gs>
+              <a:gs pos="30000">
+                <a:schemeClr val="bg1"/>
+              </a:gs>
+            </a:gsLst>
+            <a:lin ang="16200000" scaled="1"/>
+            <a:tileRect/>
+          </a:gradFill>
+        </p:spPr>
+        <p:style>
+          <a:lnRef idx="2">
+            <a:schemeClr val="accent1">
+              <a:shade val="50000"/>
+            </a:schemeClr>
+          </a:lnRef>
+          <a:fillRef idx="1">
+            <a:schemeClr val="accent1"/>
+          </a:fillRef>
+          <a:effectRef idx="0">
+            <a:schemeClr val="accent1"/>
+          </a:effectRef>
+          <a:fontRef idx="minor">
+            <a:schemeClr val="lt1"/>
+          </a:fontRef>
+        </p:style>
+        <p:txBody>
+          <a:bodyPr rtlCol="0" anchor="ctr"/>
+          <a:lstStyle/>
+          <a:p>
+            <a:pPr algn="ctr"/>
+            <a:endParaRPr lang="en-US"/>
+          </a:p>
+        </p:txBody>
+      </p:sp>
+    </p:spTree>
+    <p:extLst>
+      <p:ext uri="{BB962C8B-B14F-4D97-AF65-F5344CB8AC3E}">
+        <p14:creationId xmlns:p14="http://schemas.microsoft.com/office/powerpoint/2010/main" val="536855362"/>
+      </p:ext>
+    </p:extLst>
+  </p:cSld>
+  <p:clrMapOvr>
+    <a:masterClrMapping/>
+  </p:clrMapOvr>
+</p:sld>
+</file>
+
+<file path=ppt/slides/slide19.xml><?xml version="1.0" encoding="utf-8"?>
+<p:sld xmlns:a="http://schemas.openxmlformats.org/drawingml/2006/main" xmlns:r="http://schemas.openxmlformats.org/officeDocument/2006/relationships" xmlns:p="http://schemas.openxmlformats.org/presentationml/2006/main">
+  <p:cSld>
+    <p:spTree>
+      <p:nvGrpSpPr>
+        <p:cNvPr id="1" name=""/>
+        <p:cNvGrpSpPr/>
+        <p:nvPr/>
+      </p:nvGrpSpPr>
+      <p:grpSpPr>
+        <a:xfrm>
+          <a:off x="0" y="0"/>
+          <a:ext cx="0" cy="0"/>
+          <a:chOff x="0" y="0"/>
+          <a:chExt cx="0" cy="0"/>
+        </a:xfrm>
+      </p:grpSpPr>
+      <p:sp>
+        <p:nvSpPr>
+          <p:cNvPr id="2" name="Freeform 1"/>
+          <p:cNvSpPr/>
+          <p:nvPr/>
+        </p:nvSpPr>
+        <p:spPr>
+          <a:xfrm>
+            <a:off x="205806" y="2986019"/>
+            <a:ext cx="1770438" cy="822547"/>
+          </a:xfrm>
+          <a:custGeom>
+            <a:avLst/>
+            <a:gdLst>
+              <a:gd name="connsiteX0" fmla="*/ 936282 w 2355343"/>
+              <a:gd name="connsiteY0" fmla="*/ 63809 h 1020362"/>
+              <a:gd name="connsiteX1" fmla="*/ 1808641 w 2355343"/>
+              <a:gd name="connsiteY1" fmla="*/ 53299 h 1020362"/>
+              <a:gd name="connsiteX2" fmla="*/ 2334158 w 2355343"/>
+              <a:gd name="connsiteY2" fmla="*/ 505244 h 1020362"/>
+              <a:gd name="connsiteX3" fmla="*/ 1093937 w 2355343"/>
+              <a:gd name="connsiteY3" fmla="*/ 1020251 h 1020362"/>
+              <a:gd name="connsiteX4" fmla="*/ 862 w 2355343"/>
+              <a:gd name="connsiteY4" fmla="*/ 547285 h 1020362"/>
+              <a:gd name="connsiteX5" fmla="*/ 936282 w 2355343"/>
+              <a:gd name="connsiteY5" fmla="*/ 63809 h 1020362"/>
+              <a:gd name="connsiteX0" fmla="*/ 936282 w 2355343"/>
+              <a:gd name="connsiteY0" fmla="*/ 56594 h 1013116"/>
+              <a:gd name="connsiteX1" fmla="*/ 1808641 w 2355343"/>
+              <a:gd name="connsiteY1" fmla="*/ 46084 h 1013116"/>
+              <a:gd name="connsiteX2" fmla="*/ 2334158 w 2355343"/>
+              <a:gd name="connsiteY2" fmla="*/ 498029 h 1013116"/>
+              <a:gd name="connsiteX3" fmla="*/ 1093937 w 2355343"/>
+              <a:gd name="connsiteY3" fmla="*/ 1013036 h 1013116"/>
+              <a:gd name="connsiteX4" fmla="*/ 862 w 2355343"/>
+              <a:gd name="connsiteY4" fmla="*/ 413946 h 1013116"/>
+              <a:gd name="connsiteX5" fmla="*/ 936282 w 2355343"/>
+              <a:gd name="connsiteY5" fmla="*/ 56594 h 1013116"/>
+              <a:gd name="connsiteX0" fmla="*/ 771191 w 2359575"/>
+              <a:gd name="connsiteY0" fmla="*/ 122282 h 984209"/>
+              <a:gd name="connsiteX1" fmla="*/ 1811716 w 2359575"/>
+              <a:gd name="connsiteY1" fmla="*/ 17179 h 984209"/>
+              <a:gd name="connsiteX2" fmla="*/ 2337233 w 2359575"/>
+              <a:gd name="connsiteY2" fmla="*/ 469124 h 984209"/>
+              <a:gd name="connsiteX3" fmla="*/ 1097012 w 2359575"/>
+              <a:gd name="connsiteY3" fmla="*/ 984131 h 984209"/>
+              <a:gd name="connsiteX4" fmla="*/ 3937 w 2359575"/>
+              <a:gd name="connsiteY4" fmla="*/ 385041 h 984209"/>
+              <a:gd name="connsiteX5" fmla="*/ 771191 w 2359575"/>
+              <a:gd name="connsiteY5" fmla="*/ 122282 h 984209"/>
+              <a:gd name="connsiteX0" fmla="*/ 771156 w 2356731"/>
+              <a:gd name="connsiteY0" fmla="*/ 52261 h 914188"/>
+              <a:gd name="connsiteX1" fmla="*/ 1780150 w 2356731"/>
+              <a:gd name="connsiteY1" fmla="*/ 31240 h 914188"/>
+              <a:gd name="connsiteX2" fmla="*/ 2337198 w 2356731"/>
+              <a:gd name="connsiteY2" fmla="*/ 399103 h 914188"/>
+              <a:gd name="connsiteX3" fmla="*/ 1096977 w 2356731"/>
+              <a:gd name="connsiteY3" fmla="*/ 914110 h 914188"/>
+              <a:gd name="connsiteX4" fmla="*/ 3902 w 2356731"/>
+              <a:gd name="connsiteY4" fmla="*/ 315020 h 914188"/>
+              <a:gd name="connsiteX5" fmla="*/ 771156 w 2356731"/>
+              <a:gd name="connsiteY5" fmla="*/ 52261 h 914188"/>
+              <a:gd name="connsiteX0" fmla="*/ 771156 w 2255689"/>
+              <a:gd name="connsiteY0" fmla="*/ 60713 h 922640"/>
+              <a:gd name="connsiteX1" fmla="*/ 1780150 w 2255689"/>
+              <a:gd name="connsiteY1" fmla="*/ 39692 h 922640"/>
+              <a:gd name="connsiteX2" fmla="*/ 2232095 w 2255689"/>
+              <a:gd name="connsiteY2" fmla="*/ 523169 h 922640"/>
+              <a:gd name="connsiteX3" fmla="*/ 1096977 w 2255689"/>
+              <a:gd name="connsiteY3" fmla="*/ 922562 h 922640"/>
+              <a:gd name="connsiteX4" fmla="*/ 3902 w 2255689"/>
+              <a:gd name="connsiteY4" fmla="*/ 323472 h 922640"/>
+              <a:gd name="connsiteX5" fmla="*/ 771156 w 2255689"/>
+              <a:gd name="connsiteY5" fmla="*/ 60713 h 922640"/>
+              <a:gd name="connsiteX0" fmla="*/ 771156 w 2232351"/>
+              <a:gd name="connsiteY0" fmla="*/ 60713 h 922640"/>
+              <a:gd name="connsiteX1" fmla="*/ 1780150 w 2232351"/>
+              <a:gd name="connsiteY1" fmla="*/ 39692 h 922640"/>
+              <a:gd name="connsiteX2" fmla="*/ 2232095 w 2232351"/>
+              <a:gd name="connsiteY2" fmla="*/ 523169 h 922640"/>
+              <a:gd name="connsiteX3" fmla="*/ 1096977 w 2232351"/>
+              <a:gd name="connsiteY3" fmla="*/ 922562 h 922640"/>
+              <a:gd name="connsiteX4" fmla="*/ 3902 w 2232351"/>
+              <a:gd name="connsiteY4" fmla="*/ 323472 h 922640"/>
+              <a:gd name="connsiteX5" fmla="*/ 771156 w 2232351"/>
+              <a:gd name="connsiteY5" fmla="*/ 60713 h 922640"/>
+              <a:gd name="connsiteX0" fmla="*/ 771156 w 2232351"/>
+              <a:gd name="connsiteY0" fmla="*/ 55328 h 917255"/>
+              <a:gd name="connsiteX1" fmla="*/ 1780150 w 2232351"/>
+              <a:gd name="connsiteY1" fmla="*/ 34307 h 917255"/>
+              <a:gd name="connsiteX2" fmla="*/ 2232095 w 2232351"/>
+              <a:gd name="connsiteY2" fmla="*/ 444211 h 917255"/>
+              <a:gd name="connsiteX3" fmla="*/ 1096977 w 2232351"/>
+              <a:gd name="connsiteY3" fmla="*/ 917177 h 917255"/>
+              <a:gd name="connsiteX4" fmla="*/ 3902 w 2232351"/>
+              <a:gd name="connsiteY4" fmla="*/ 318087 h 917255"/>
+              <a:gd name="connsiteX5" fmla="*/ 771156 w 2232351"/>
+              <a:gd name="connsiteY5" fmla="*/ 55328 h 917255"/>
+              <a:gd name="connsiteX0" fmla="*/ 771156 w 2232351"/>
+              <a:gd name="connsiteY0" fmla="*/ 9202 h 1091853"/>
+              <a:gd name="connsiteX1" fmla="*/ 1780150 w 2232351"/>
+              <a:gd name="connsiteY1" fmla="*/ 208898 h 1091853"/>
+              <a:gd name="connsiteX2" fmla="*/ 2232095 w 2232351"/>
+              <a:gd name="connsiteY2" fmla="*/ 618802 h 1091853"/>
+              <a:gd name="connsiteX3" fmla="*/ 1096977 w 2232351"/>
+              <a:gd name="connsiteY3" fmla="*/ 1091768 h 1091853"/>
+              <a:gd name="connsiteX4" fmla="*/ 3902 w 2232351"/>
+              <a:gd name="connsiteY4" fmla="*/ 492678 h 1091853"/>
+              <a:gd name="connsiteX5" fmla="*/ 771156 w 2232351"/>
+              <a:gd name="connsiteY5" fmla="*/ 9202 h 1091853"/>
+              <a:gd name="connsiteX0" fmla="*/ 771405 w 2292176"/>
+              <a:gd name="connsiteY0" fmla="*/ 33877 h 1116528"/>
+              <a:gd name="connsiteX1" fmla="*/ 1990606 w 2292176"/>
+              <a:gd name="connsiteY1" fmla="*/ 107449 h 1116528"/>
+              <a:gd name="connsiteX2" fmla="*/ 2232344 w 2292176"/>
+              <a:gd name="connsiteY2" fmla="*/ 643477 h 1116528"/>
+              <a:gd name="connsiteX3" fmla="*/ 1097226 w 2292176"/>
+              <a:gd name="connsiteY3" fmla="*/ 1116443 h 1116528"/>
+              <a:gd name="connsiteX4" fmla="*/ 4151 w 2292176"/>
+              <a:gd name="connsiteY4" fmla="*/ 517353 h 1116528"/>
+              <a:gd name="connsiteX5" fmla="*/ 771405 w 2292176"/>
+              <a:gd name="connsiteY5" fmla="*/ 33877 h 1116528"/>
+              <a:gd name="connsiteX0" fmla="*/ 771672 w 2371330"/>
+              <a:gd name="connsiteY0" fmla="*/ 19835 h 1102486"/>
+              <a:gd name="connsiteX1" fmla="*/ 2190569 w 2371330"/>
+              <a:gd name="connsiteY1" fmla="*/ 145959 h 1102486"/>
+              <a:gd name="connsiteX2" fmla="*/ 2232611 w 2371330"/>
+              <a:gd name="connsiteY2" fmla="*/ 629435 h 1102486"/>
+              <a:gd name="connsiteX3" fmla="*/ 1097493 w 2371330"/>
+              <a:gd name="connsiteY3" fmla="*/ 1102401 h 1102486"/>
+              <a:gd name="connsiteX4" fmla="*/ 4418 w 2371330"/>
+              <a:gd name="connsiteY4" fmla="*/ 503311 h 1102486"/>
+              <a:gd name="connsiteX5" fmla="*/ 771672 w 2371330"/>
+              <a:gd name="connsiteY5" fmla="*/ 19835 h 1102486"/>
+              <a:gd name="connsiteX0" fmla="*/ 771672 w 2440055"/>
+              <a:gd name="connsiteY0" fmla="*/ 23506 h 1106157"/>
+              <a:gd name="connsiteX1" fmla="*/ 2190569 w 2440055"/>
+              <a:gd name="connsiteY1" fmla="*/ 149630 h 1106157"/>
+              <a:gd name="connsiteX2" fmla="*/ 2337714 w 2440055"/>
+              <a:gd name="connsiteY2" fmla="*/ 790762 h 1106157"/>
+              <a:gd name="connsiteX3" fmla="*/ 1097493 w 2440055"/>
+              <a:gd name="connsiteY3" fmla="*/ 1106072 h 1106157"/>
+              <a:gd name="connsiteX4" fmla="*/ 4418 w 2440055"/>
+              <a:gd name="connsiteY4" fmla="*/ 506982 h 1106157"/>
+              <a:gd name="connsiteX5" fmla="*/ 771672 w 2440055"/>
+              <a:gd name="connsiteY5" fmla="*/ 23506 h 1106157"/>
+              <a:gd name="connsiteX0" fmla="*/ 782486 w 2426409"/>
+              <a:gd name="connsiteY0" fmla="*/ 23506 h 1274301"/>
+              <a:gd name="connsiteX1" fmla="*/ 2201383 w 2426409"/>
+              <a:gd name="connsiteY1" fmla="*/ 149630 h 1274301"/>
+              <a:gd name="connsiteX2" fmla="*/ 2348528 w 2426409"/>
+              <a:gd name="connsiteY2" fmla="*/ 790762 h 1274301"/>
+              <a:gd name="connsiteX3" fmla="*/ 1444638 w 2426409"/>
+              <a:gd name="connsiteY3" fmla="*/ 1274237 h 1274301"/>
+              <a:gd name="connsiteX4" fmla="*/ 15232 w 2426409"/>
+              <a:gd name="connsiteY4" fmla="*/ 506982 h 1274301"/>
+              <a:gd name="connsiteX5" fmla="*/ 782486 w 2426409"/>
+              <a:gd name="connsiteY5" fmla="*/ 23506 h 1274301"/>
+              <a:gd name="connsiteX0" fmla="*/ 1030815 w 2674738"/>
+              <a:gd name="connsiteY0" fmla="*/ 23506 h 1274301"/>
+              <a:gd name="connsiteX1" fmla="*/ 2449712 w 2674738"/>
+              <a:gd name="connsiteY1" fmla="*/ 149630 h 1274301"/>
+              <a:gd name="connsiteX2" fmla="*/ 2596857 w 2674738"/>
+              <a:gd name="connsiteY2" fmla="*/ 790762 h 1274301"/>
+              <a:gd name="connsiteX3" fmla="*/ 1692967 w 2674738"/>
+              <a:gd name="connsiteY3" fmla="*/ 1274237 h 1274301"/>
+              <a:gd name="connsiteX4" fmla="*/ 11313 w 2674738"/>
+              <a:gd name="connsiteY4" fmla="*/ 506982 h 1274301"/>
+              <a:gd name="connsiteX5" fmla="*/ 1030815 w 2674738"/>
+              <a:gd name="connsiteY5" fmla="*/ 23506 h 1274301"/>
+              <a:gd name="connsiteX0" fmla="*/ 794714 w 2703461"/>
+              <a:gd name="connsiteY0" fmla="*/ 27079 h 1256854"/>
+              <a:gd name="connsiteX1" fmla="*/ 2465860 w 2703461"/>
+              <a:gd name="connsiteY1" fmla="*/ 132183 h 1256854"/>
+              <a:gd name="connsiteX2" fmla="*/ 2613005 w 2703461"/>
+              <a:gd name="connsiteY2" fmla="*/ 773315 h 1256854"/>
+              <a:gd name="connsiteX3" fmla="*/ 1709115 w 2703461"/>
+              <a:gd name="connsiteY3" fmla="*/ 1256790 h 1256854"/>
+              <a:gd name="connsiteX4" fmla="*/ 27461 w 2703461"/>
+              <a:gd name="connsiteY4" fmla="*/ 489535 h 1256854"/>
+              <a:gd name="connsiteX5" fmla="*/ 794714 w 2703461"/>
+              <a:gd name="connsiteY5" fmla="*/ 27079 h 1256854"/>
+              <a:gd name="connsiteX0" fmla="*/ 794714 w 2703461"/>
+              <a:gd name="connsiteY0" fmla="*/ 27079 h 1258034"/>
+              <a:gd name="connsiteX1" fmla="*/ 2465860 w 2703461"/>
+              <a:gd name="connsiteY1" fmla="*/ 132183 h 1258034"/>
+              <a:gd name="connsiteX2" fmla="*/ 2613005 w 2703461"/>
+              <a:gd name="connsiteY2" fmla="*/ 773315 h 1258034"/>
+              <a:gd name="connsiteX3" fmla="*/ 1709115 w 2703461"/>
+              <a:gd name="connsiteY3" fmla="*/ 1256790 h 1258034"/>
+              <a:gd name="connsiteX4" fmla="*/ 647571 w 2703461"/>
+              <a:gd name="connsiteY4" fmla="*/ 899437 h 1258034"/>
+              <a:gd name="connsiteX5" fmla="*/ 27461 w 2703461"/>
+              <a:gd name="connsiteY5" fmla="*/ 489535 h 1258034"/>
+              <a:gd name="connsiteX6" fmla="*/ 794714 w 2703461"/>
+              <a:gd name="connsiteY6" fmla="*/ 27079 h 1258034"/>
+              <a:gd name="connsiteX0" fmla="*/ 768429 w 2677176"/>
+              <a:gd name="connsiteY0" fmla="*/ 27079 h 1258708"/>
+              <a:gd name="connsiteX1" fmla="*/ 2439575 w 2677176"/>
+              <a:gd name="connsiteY1" fmla="*/ 132183 h 1258708"/>
+              <a:gd name="connsiteX2" fmla="*/ 2586720 w 2677176"/>
+              <a:gd name="connsiteY2" fmla="*/ 773315 h 1258708"/>
+              <a:gd name="connsiteX3" fmla="*/ 1682830 w 2677176"/>
+              <a:gd name="connsiteY3" fmla="*/ 1256790 h 1258708"/>
+              <a:gd name="connsiteX4" fmla="*/ 621286 w 2677176"/>
+              <a:gd name="connsiteY4" fmla="*/ 994030 h 1258708"/>
+              <a:gd name="connsiteX5" fmla="*/ 1176 w 2677176"/>
+              <a:gd name="connsiteY5" fmla="*/ 489535 h 1258708"/>
+              <a:gd name="connsiteX6" fmla="*/ 768429 w 2677176"/>
+              <a:gd name="connsiteY6" fmla="*/ 27079 h 1258708"/>
+              <a:gd name="connsiteX0" fmla="*/ 599135 w 2685144"/>
+              <a:gd name="connsiteY0" fmla="*/ 27079 h 1258708"/>
+              <a:gd name="connsiteX1" fmla="*/ 2438446 w 2685144"/>
+              <a:gd name="connsiteY1" fmla="*/ 132183 h 1258708"/>
+              <a:gd name="connsiteX2" fmla="*/ 2585591 w 2685144"/>
+              <a:gd name="connsiteY2" fmla="*/ 773315 h 1258708"/>
+              <a:gd name="connsiteX3" fmla="*/ 1681701 w 2685144"/>
+              <a:gd name="connsiteY3" fmla="*/ 1256790 h 1258708"/>
+              <a:gd name="connsiteX4" fmla="*/ 620157 w 2685144"/>
+              <a:gd name="connsiteY4" fmla="*/ 994030 h 1258708"/>
+              <a:gd name="connsiteX5" fmla="*/ 47 w 2685144"/>
+              <a:gd name="connsiteY5" fmla="*/ 489535 h 1258708"/>
+              <a:gd name="connsiteX6" fmla="*/ 599135 w 2685144"/>
+              <a:gd name="connsiteY6" fmla="*/ 27079 h 1258708"/>
+              <a:gd name="connsiteX0" fmla="*/ 599136 w 2713039"/>
+              <a:gd name="connsiteY0" fmla="*/ 38010 h 1269639"/>
+              <a:gd name="connsiteX1" fmla="*/ 2490998 w 2713039"/>
+              <a:gd name="connsiteY1" fmla="*/ 111583 h 1269639"/>
+              <a:gd name="connsiteX2" fmla="*/ 2585592 w 2713039"/>
+              <a:gd name="connsiteY2" fmla="*/ 784246 h 1269639"/>
+              <a:gd name="connsiteX3" fmla="*/ 1681702 w 2713039"/>
+              <a:gd name="connsiteY3" fmla="*/ 1267721 h 1269639"/>
+              <a:gd name="connsiteX4" fmla="*/ 620158 w 2713039"/>
+              <a:gd name="connsiteY4" fmla="*/ 1004961 h 1269639"/>
+              <a:gd name="connsiteX5" fmla="*/ 48 w 2713039"/>
+              <a:gd name="connsiteY5" fmla="*/ 500466 h 1269639"/>
+              <a:gd name="connsiteX6" fmla="*/ 599136 w 2713039"/>
+              <a:gd name="connsiteY6" fmla="*/ 38010 h 1269639"/>
+              <a:gd name="connsiteX0" fmla="*/ 599136 w 2737668"/>
+              <a:gd name="connsiteY0" fmla="*/ 38968 h 1270597"/>
+              <a:gd name="connsiteX1" fmla="*/ 2490998 w 2737668"/>
+              <a:gd name="connsiteY1" fmla="*/ 112541 h 1270597"/>
+              <a:gd name="connsiteX2" fmla="*/ 2627633 w 2737668"/>
+              <a:gd name="connsiteY2" fmla="*/ 806225 h 1270597"/>
+              <a:gd name="connsiteX3" fmla="*/ 1681702 w 2737668"/>
+              <a:gd name="connsiteY3" fmla="*/ 1268679 h 1270597"/>
+              <a:gd name="connsiteX4" fmla="*/ 620158 w 2737668"/>
+              <a:gd name="connsiteY4" fmla="*/ 1005919 h 1270597"/>
+              <a:gd name="connsiteX5" fmla="*/ 48 w 2737668"/>
+              <a:gd name="connsiteY5" fmla="*/ 501424 h 1270597"/>
+              <a:gd name="connsiteX6" fmla="*/ 599136 w 2737668"/>
+              <a:gd name="connsiteY6" fmla="*/ 38968 h 1270597"/>
+              <a:gd name="connsiteX0" fmla="*/ 599508 w 2738040"/>
+              <a:gd name="connsiteY0" fmla="*/ 38968 h 1270154"/>
+              <a:gd name="connsiteX1" fmla="*/ 2491370 w 2738040"/>
+              <a:gd name="connsiteY1" fmla="*/ 112541 h 1270154"/>
+              <a:gd name="connsiteX2" fmla="*/ 2628005 w 2738040"/>
+              <a:gd name="connsiteY2" fmla="*/ 806225 h 1270154"/>
+              <a:gd name="connsiteX3" fmla="*/ 1682074 w 2738040"/>
+              <a:gd name="connsiteY3" fmla="*/ 1268679 h 1270154"/>
+              <a:gd name="connsiteX4" fmla="*/ 525937 w 2738040"/>
+              <a:gd name="connsiteY4" fmla="*/ 953368 h 1270154"/>
+              <a:gd name="connsiteX5" fmla="*/ 420 w 2738040"/>
+              <a:gd name="connsiteY5" fmla="*/ 501424 h 1270154"/>
+              <a:gd name="connsiteX6" fmla="*/ 599508 w 2738040"/>
+              <a:gd name="connsiteY6" fmla="*/ 38968 h 1270154"/>
+              <a:gd name="connsiteX0" fmla="*/ 599494 w 2738026"/>
+              <a:gd name="connsiteY0" fmla="*/ 38968 h 1270154"/>
+              <a:gd name="connsiteX1" fmla="*/ 2491356 w 2738026"/>
+              <a:gd name="connsiteY1" fmla="*/ 112541 h 1270154"/>
+              <a:gd name="connsiteX2" fmla="*/ 2627991 w 2738026"/>
+              <a:gd name="connsiteY2" fmla="*/ 806225 h 1270154"/>
+              <a:gd name="connsiteX3" fmla="*/ 1682060 w 2738026"/>
+              <a:gd name="connsiteY3" fmla="*/ 1268679 h 1270154"/>
+              <a:gd name="connsiteX4" fmla="*/ 525923 w 2738026"/>
+              <a:gd name="connsiteY4" fmla="*/ 953368 h 1270154"/>
+              <a:gd name="connsiteX5" fmla="*/ 406 w 2738026"/>
+              <a:gd name="connsiteY5" fmla="*/ 501424 h 1270154"/>
+              <a:gd name="connsiteX6" fmla="*/ 599494 w 2738026"/>
+              <a:gd name="connsiteY6" fmla="*/ 38968 h 1270154"/>
+              <a:gd name="connsiteX0" fmla="*/ 603723 w 2742255"/>
+              <a:gd name="connsiteY0" fmla="*/ 38968 h 1270154"/>
+              <a:gd name="connsiteX1" fmla="*/ 2495585 w 2742255"/>
+              <a:gd name="connsiteY1" fmla="*/ 112541 h 1270154"/>
+              <a:gd name="connsiteX2" fmla="*/ 2632220 w 2742255"/>
+              <a:gd name="connsiteY2" fmla="*/ 806225 h 1270154"/>
+              <a:gd name="connsiteX3" fmla="*/ 1686289 w 2742255"/>
+              <a:gd name="connsiteY3" fmla="*/ 1268679 h 1270154"/>
+              <a:gd name="connsiteX4" fmla="*/ 530152 w 2742255"/>
+              <a:gd name="connsiteY4" fmla="*/ 953368 h 1270154"/>
+              <a:gd name="connsiteX5" fmla="*/ 4635 w 2742255"/>
+              <a:gd name="connsiteY5" fmla="*/ 501424 h 1270154"/>
+              <a:gd name="connsiteX6" fmla="*/ 603723 w 2742255"/>
+              <a:gd name="connsiteY6" fmla="*/ 38968 h 1270154"/>
+              <a:gd name="connsiteX0" fmla="*/ 599954 w 2738486"/>
+              <a:gd name="connsiteY0" fmla="*/ 38968 h 1272303"/>
+              <a:gd name="connsiteX1" fmla="*/ 2491816 w 2738486"/>
+              <a:gd name="connsiteY1" fmla="*/ 112541 h 1272303"/>
+              <a:gd name="connsiteX2" fmla="*/ 2628451 w 2738486"/>
+              <a:gd name="connsiteY2" fmla="*/ 806225 h 1272303"/>
+              <a:gd name="connsiteX3" fmla="*/ 1682520 w 2738486"/>
+              <a:gd name="connsiteY3" fmla="*/ 1268679 h 1272303"/>
+              <a:gd name="connsiteX4" fmla="*/ 694548 w 2738486"/>
+              <a:gd name="connsiteY4" fmla="*/ 1090003 h 1272303"/>
+              <a:gd name="connsiteX5" fmla="*/ 866 w 2738486"/>
+              <a:gd name="connsiteY5" fmla="*/ 501424 h 1272303"/>
+              <a:gd name="connsiteX6" fmla="*/ 599954 w 2738486"/>
+              <a:gd name="connsiteY6" fmla="*/ 38968 h 1272303"/>
+            </a:gdLst>
+            <a:ahLst/>
+            <a:cxnLst>
+              <a:cxn ang="0">
+                <a:pos x="connsiteX0" y="connsiteY0"/>
+              </a:cxn>
+              <a:cxn ang="0">
+                <a:pos x="connsiteX1" y="connsiteY1"/>
+              </a:cxn>
+              <a:cxn ang="0">
+                <a:pos x="connsiteX2" y="connsiteY2"/>
+              </a:cxn>
+              <a:cxn ang="0">
+                <a:pos x="connsiteX3" y="connsiteY3"/>
+              </a:cxn>
+              <a:cxn ang="0">
+                <a:pos x="connsiteX4" y="connsiteY4"/>
+              </a:cxn>
+              <a:cxn ang="0">
+                <a:pos x="connsiteX5" y="connsiteY5"/>
+              </a:cxn>
+              <a:cxn ang="0">
+                <a:pos x="connsiteX6" y="connsiteY6"/>
+              </a:cxn>
+            </a:cxnLst>
+            <a:rect l="l" t="t" r="r" b="b"/>
+            <a:pathLst>
+              <a:path w="2738486" h="1272303">
+                <a:moveTo>
+                  <a:pt x="599954" y="38968"/>
+                </a:moveTo>
+                <a:cubicBezTo>
+                  <a:pt x="1015112" y="-25846"/>
+                  <a:pt x="2153733" y="-15335"/>
+                  <a:pt x="2491816" y="112541"/>
+                </a:cubicBezTo>
+                <a:cubicBezTo>
+                  <a:pt x="2829899" y="240417"/>
+                  <a:pt x="2763334" y="613535"/>
+                  <a:pt x="2628451" y="806225"/>
+                </a:cubicBezTo>
+                <a:cubicBezTo>
+                  <a:pt x="2493568" y="998915"/>
+                  <a:pt x="2010092" y="1247659"/>
+                  <a:pt x="1682520" y="1268679"/>
+                </a:cubicBezTo>
+                <a:cubicBezTo>
+                  <a:pt x="1354948" y="1289699"/>
+                  <a:pt x="974824" y="1217879"/>
+                  <a:pt x="694548" y="1090003"/>
+                </a:cubicBezTo>
+                <a:cubicBezTo>
+                  <a:pt x="424783" y="941106"/>
+                  <a:pt x="16632" y="676596"/>
+                  <a:pt x="866" y="501424"/>
+                </a:cubicBezTo>
+                <a:cubicBezTo>
+                  <a:pt x="-14900" y="326252"/>
+                  <a:pt x="184796" y="103782"/>
+                  <a:pt x="599954" y="38968"/>
+                </a:cubicBezTo>
+                <a:close/>
+              </a:path>
+            </a:pathLst>
+          </a:custGeom>
+          <a:gradFill flip="none" rotWithShape="1">
+            <a:gsLst>
+              <a:gs pos="100000">
+                <a:schemeClr val="accent1">
+                  <a:satMod val="110000"/>
+                  <a:lumMod val="100000"/>
+                  <a:shade val="100000"/>
+                </a:schemeClr>
+              </a:gs>
+              <a:gs pos="30000">
+                <a:schemeClr val="bg1"/>
+              </a:gs>
+            </a:gsLst>
+            <a:lin ang="5400000" scaled="1"/>
+            <a:tileRect/>
+          </a:gradFill>
+        </p:spPr>
+        <p:style>
+          <a:lnRef idx="2">
+            <a:schemeClr val="accent1">
+              <a:shade val="50000"/>
+            </a:schemeClr>
+          </a:lnRef>
+          <a:fillRef idx="1">
+            <a:schemeClr val="accent1"/>
+          </a:fillRef>
+          <a:effectRef idx="0">
+            <a:schemeClr val="accent1"/>
+          </a:effectRef>
+          <a:fontRef idx="minor">
+            <a:schemeClr val="lt1"/>
+          </a:fontRef>
+        </p:style>
+        <p:txBody>
+          <a:bodyPr rtlCol="0" anchor="ctr"/>
+          <a:lstStyle/>
+          <a:p>
+            <a:pPr algn="ctr"/>
+            <a:endParaRPr lang="en-US"/>
+          </a:p>
+        </p:txBody>
+      </p:sp>
+      <p:sp>
+        <p:nvSpPr>
+          <p:cNvPr id="3" name="Freeform 2"/>
+          <p:cNvSpPr/>
+          <p:nvPr/>
+        </p:nvSpPr>
+        <p:spPr>
+          <a:xfrm>
+            <a:off x="3379631" y="3460353"/>
+            <a:ext cx="1770438" cy="822547"/>
+          </a:xfrm>
+          <a:custGeom>
+            <a:avLst/>
+            <a:gdLst>
+              <a:gd name="connsiteX0" fmla="*/ 936282 w 2355343"/>
+              <a:gd name="connsiteY0" fmla="*/ 63809 h 1020362"/>
+              <a:gd name="connsiteX1" fmla="*/ 1808641 w 2355343"/>
+              <a:gd name="connsiteY1" fmla="*/ 53299 h 1020362"/>
+              <a:gd name="connsiteX2" fmla="*/ 2334158 w 2355343"/>
+              <a:gd name="connsiteY2" fmla="*/ 505244 h 1020362"/>
+              <a:gd name="connsiteX3" fmla="*/ 1093937 w 2355343"/>
+              <a:gd name="connsiteY3" fmla="*/ 1020251 h 1020362"/>
+              <a:gd name="connsiteX4" fmla="*/ 862 w 2355343"/>
+              <a:gd name="connsiteY4" fmla="*/ 547285 h 1020362"/>
+              <a:gd name="connsiteX5" fmla="*/ 936282 w 2355343"/>
+              <a:gd name="connsiteY5" fmla="*/ 63809 h 1020362"/>
+              <a:gd name="connsiteX0" fmla="*/ 936282 w 2355343"/>
+              <a:gd name="connsiteY0" fmla="*/ 56594 h 1013116"/>
+              <a:gd name="connsiteX1" fmla="*/ 1808641 w 2355343"/>
+              <a:gd name="connsiteY1" fmla="*/ 46084 h 1013116"/>
+              <a:gd name="connsiteX2" fmla="*/ 2334158 w 2355343"/>
+              <a:gd name="connsiteY2" fmla="*/ 498029 h 1013116"/>
+              <a:gd name="connsiteX3" fmla="*/ 1093937 w 2355343"/>
+              <a:gd name="connsiteY3" fmla="*/ 1013036 h 1013116"/>
+              <a:gd name="connsiteX4" fmla="*/ 862 w 2355343"/>
+              <a:gd name="connsiteY4" fmla="*/ 413946 h 1013116"/>
+              <a:gd name="connsiteX5" fmla="*/ 936282 w 2355343"/>
+              <a:gd name="connsiteY5" fmla="*/ 56594 h 1013116"/>
+              <a:gd name="connsiteX0" fmla="*/ 771191 w 2359575"/>
+              <a:gd name="connsiteY0" fmla="*/ 122282 h 984209"/>
+              <a:gd name="connsiteX1" fmla="*/ 1811716 w 2359575"/>
+              <a:gd name="connsiteY1" fmla="*/ 17179 h 984209"/>
+              <a:gd name="connsiteX2" fmla="*/ 2337233 w 2359575"/>
+              <a:gd name="connsiteY2" fmla="*/ 469124 h 984209"/>
+              <a:gd name="connsiteX3" fmla="*/ 1097012 w 2359575"/>
+              <a:gd name="connsiteY3" fmla="*/ 984131 h 984209"/>
+              <a:gd name="connsiteX4" fmla="*/ 3937 w 2359575"/>
+              <a:gd name="connsiteY4" fmla="*/ 385041 h 984209"/>
+              <a:gd name="connsiteX5" fmla="*/ 771191 w 2359575"/>
+              <a:gd name="connsiteY5" fmla="*/ 122282 h 984209"/>
+              <a:gd name="connsiteX0" fmla="*/ 771156 w 2356731"/>
+              <a:gd name="connsiteY0" fmla="*/ 52261 h 914188"/>
+              <a:gd name="connsiteX1" fmla="*/ 1780150 w 2356731"/>
+              <a:gd name="connsiteY1" fmla="*/ 31240 h 914188"/>
+              <a:gd name="connsiteX2" fmla="*/ 2337198 w 2356731"/>
+              <a:gd name="connsiteY2" fmla="*/ 399103 h 914188"/>
+              <a:gd name="connsiteX3" fmla="*/ 1096977 w 2356731"/>
+              <a:gd name="connsiteY3" fmla="*/ 914110 h 914188"/>
+              <a:gd name="connsiteX4" fmla="*/ 3902 w 2356731"/>
+              <a:gd name="connsiteY4" fmla="*/ 315020 h 914188"/>
+              <a:gd name="connsiteX5" fmla="*/ 771156 w 2356731"/>
+              <a:gd name="connsiteY5" fmla="*/ 52261 h 914188"/>
+              <a:gd name="connsiteX0" fmla="*/ 771156 w 2255689"/>
+              <a:gd name="connsiteY0" fmla="*/ 60713 h 922640"/>
+              <a:gd name="connsiteX1" fmla="*/ 1780150 w 2255689"/>
+              <a:gd name="connsiteY1" fmla="*/ 39692 h 922640"/>
+              <a:gd name="connsiteX2" fmla="*/ 2232095 w 2255689"/>
+              <a:gd name="connsiteY2" fmla="*/ 523169 h 922640"/>
+              <a:gd name="connsiteX3" fmla="*/ 1096977 w 2255689"/>
+              <a:gd name="connsiteY3" fmla="*/ 922562 h 922640"/>
+              <a:gd name="connsiteX4" fmla="*/ 3902 w 2255689"/>
+              <a:gd name="connsiteY4" fmla="*/ 323472 h 922640"/>
+              <a:gd name="connsiteX5" fmla="*/ 771156 w 2255689"/>
+              <a:gd name="connsiteY5" fmla="*/ 60713 h 922640"/>
+              <a:gd name="connsiteX0" fmla="*/ 771156 w 2232351"/>
+              <a:gd name="connsiteY0" fmla="*/ 60713 h 922640"/>
+              <a:gd name="connsiteX1" fmla="*/ 1780150 w 2232351"/>
+              <a:gd name="connsiteY1" fmla="*/ 39692 h 922640"/>
+              <a:gd name="connsiteX2" fmla="*/ 2232095 w 2232351"/>
+              <a:gd name="connsiteY2" fmla="*/ 523169 h 922640"/>
+              <a:gd name="connsiteX3" fmla="*/ 1096977 w 2232351"/>
+              <a:gd name="connsiteY3" fmla="*/ 922562 h 922640"/>
+              <a:gd name="connsiteX4" fmla="*/ 3902 w 2232351"/>
+              <a:gd name="connsiteY4" fmla="*/ 323472 h 922640"/>
+              <a:gd name="connsiteX5" fmla="*/ 771156 w 2232351"/>
+              <a:gd name="connsiteY5" fmla="*/ 60713 h 922640"/>
+              <a:gd name="connsiteX0" fmla="*/ 771156 w 2232351"/>
+              <a:gd name="connsiteY0" fmla="*/ 55328 h 917255"/>
+              <a:gd name="connsiteX1" fmla="*/ 1780150 w 2232351"/>
+              <a:gd name="connsiteY1" fmla="*/ 34307 h 917255"/>
+              <a:gd name="connsiteX2" fmla="*/ 2232095 w 2232351"/>
+              <a:gd name="connsiteY2" fmla="*/ 444211 h 917255"/>
+              <a:gd name="connsiteX3" fmla="*/ 1096977 w 2232351"/>
+              <a:gd name="connsiteY3" fmla="*/ 917177 h 917255"/>
+              <a:gd name="connsiteX4" fmla="*/ 3902 w 2232351"/>
+              <a:gd name="connsiteY4" fmla="*/ 318087 h 917255"/>
+              <a:gd name="connsiteX5" fmla="*/ 771156 w 2232351"/>
+              <a:gd name="connsiteY5" fmla="*/ 55328 h 917255"/>
+              <a:gd name="connsiteX0" fmla="*/ 771156 w 2232351"/>
+              <a:gd name="connsiteY0" fmla="*/ 9202 h 1091853"/>
+              <a:gd name="connsiteX1" fmla="*/ 1780150 w 2232351"/>
+              <a:gd name="connsiteY1" fmla="*/ 208898 h 1091853"/>
+              <a:gd name="connsiteX2" fmla="*/ 2232095 w 2232351"/>
+              <a:gd name="connsiteY2" fmla="*/ 618802 h 1091853"/>
+              <a:gd name="connsiteX3" fmla="*/ 1096977 w 2232351"/>
+              <a:gd name="connsiteY3" fmla="*/ 1091768 h 1091853"/>
+              <a:gd name="connsiteX4" fmla="*/ 3902 w 2232351"/>
+              <a:gd name="connsiteY4" fmla="*/ 492678 h 1091853"/>
+              <a:gd name="connsiteX5" fmla="*/ 771156 w 2232351"/>
+              <a:gd name="connsiteY5" fmla="*/ 9202 h 1091853"/>
+              <a:gd name="connsiteX0" fmla="*/ 771405 w 2292176"/>
+              <a:gd name="connsiteY0" fmla="*/ 33877 h 1116528"/>
+              <a:gd name="connsiteX1" fmla="*/ 1990606 w 2292176"/>
+              <a:gd name="connsiteY1" fmla="*/ 107449 h 1116528"/>
+              <a:gd name="connsiteX2" fmla="*/ 2232344 w 2292176"/>
+              <a:gd name="connsiteY2" fmla="*/ 643477 h 1116528"/>
+              <a:gd name="connsiteX3" fmla="*/ 1097226 w 2292176"/>
+              <a:gd name="connsiteY3" fmla="*/ 1116443 h 1116528"/>
+              <a:gd name="connsiteX4" fmla="*/ 4151 w 2292176"/>
+              <a:gd name="connsiteY4" fmla="*/ 517353 h 1116528"/>
+              <a:gd name="connsiteX5" fmla="*/ 771405 w 2292176"/>
+              <a:gd name="connsiteY5" fmla="*/ 33877 h 1116528"/>
+              <a:gd name="connsiteX0" fmla="*/ 771672 w 2371330"/>
+              <a:gd name="connsiteY0" fmla="*/ 19835 h 1102486"/>
+              <a:gd name="connsiteX1" fmla="*/ 2190569 w 2371330"/>
+              <a:gd name="connsiteY1" fmla="*/ 145959 h 1102486"/>
+              <a:gd name="connsiteX2" fmla="*/ 2232611 w 2371330"/>
+              <a:gd name="connsiteY2" fmla="*/ 629435 h 1102486"/>
+              <a:gd name="connsiteX3" fmla="*/ 1097493 w 2371330"/>
+              <a:gd name="connsiteY3" fmla="*/ 1102401 h 1102486"/>
+              <a:gd name="connsiteX4" fmla="*/ 4418 w 2371330"/>
+              <a:gd name="connsiteY4" fmla="*/ 503311 h 1102486"/>
+              <a:gd name="connsiteX5" fmla="*/ 771672 w 2371330"/>
+              <a:gd name="connsiteY5" fmla="*/ 19835 h 1102486"/>
+              <a:gd name="connsiteX0" fmla="*/ 771672 w 2440055"/>
+              <a:gd name="connsiteY0" fmla="*/ 23506 h 1106157"/>
+              <a:gd name="connsiteX1" fmla="*/ 2190569 w 2440055"/>
+              <a:gd name="connsiteY1" fmla="*/ 149630 h 1106157"/>
+              <a:gd name="connsiteX2" fmla="*/ 2337714 w 2440055"/>
+              <a:gd name="connsiteY2" fmla="*/ 790762 h 1106157"/>
+              <a:gd name="connsiteX3" fmla="*/ 1097493 w 2440055"/>
+              <a:gd name="connsiteY3" fmla="*/ 1106072 h 1106157"/>
+              <a:gd name="connsiteX4" fmla="*/ 4418 w 2440055"/>
+              <a:gd name="connsiteY4" fmla="*/ 506982 h 1106157"/>
+              <a:gd name="connsiteX5" fmla="*/ 771672 w 2440055"/>
+              <a:gd name="connsiteY5" fmla="*/ 23506 h 1106157"/>
+              <a:gd name="connsiteX0" fmla="*/ 782486 w 2426409"/>
+              <a:gd name="connsiteY0" fmla="*/ 23506 h 1274301"/>
+              <a:gd name="connsiteX1" fmla="*/ 2201383 w 2426409"/>
+              <a:gd name="connsiteY1" fmla="*/ 149630 h 1274301"/>
+              <a:gd name="connsiteX2" fmla="*/ 2348528 w 2426409"/>
+              <a:gd name="connsiteY2" fmla="*/ 790762 h 1274301"/>
+              <a:gd name="connsiteX3" fmla="*/ 1444638 w 2426409"/>
+              <a:gd name="connsiteY3" fmla="*/ 1274237 h 1274301"/>
+              <a:gd name="connsiteX4" fmla="*/ 15232 w 2426409"/>
+              <a:gd name="connsiteY4" fmla="*/ 506982 h 1274301"/>
+              <a:gd name="connsiteX5" fmla="*/ 782486 w 2426409"/>
+              <a:gd name="connsiteY5" fmla="*/ 23506 h 1274301"/>
+              <a:gd name="connsiteX0" fmla="*/ 1030815 w 2674738"/>
+              <a:gd name="connsiteY0" fmla="*/ 23506 h 1274301"/>
+              <a:gd name="connsiteX1" fmla="*/ 2449712 w 2674738"/>
+              <a:gd name="connsiteY1" fmla="*/ 149630 h 1274301"/>
+              <a:gd name="connsiteX2" fmla="*/ 2596857 w 2674738"/>
+              <a:gd name="connsiteY2" fmla="*/ 790762 h 1274301"/>
+              <a:gd name="connsiteX3" fmla="*/ 1692967 w 2674738"/>
+              <a:gd name="connsiteY3" fmla="*/ 1274237 h 1274301"/>
+              <a:gd name="connsiteX4" fmla="*/ 11313 w 2674738"/>
+              <a:gd name="connsiteY4" fmla="*/ 506982 h 1274301"/>
+              <a:gd name="connsiteX5" fmla="*/ 1030815 w 2674738"/>
+              <a:gd name="connsiteY5" fmla="*/ 23506 h 1274301"/>
+              <a:gd name="connsiteX0" fmla="*/ 794714 w 2703461"/>
+              <a:gd name="connsiteY0" fmla="*/ 27079 h 1256854"/>
+              <a:gd name="connsiteX1" fmla="*/ 2465860 w 2703461"/>
+              <a:gd name="connsiteY1" fmla="*/ 132183 h 1256854"/>
+              <a:gd name="connsiteX2" fmla="*/ 2613005 w 2703461"/>
+              <a:gd name="connsiteY2" fmla="*/ 773315 h 1256854"/>
+              <a:gd name="connsiteX3" fmla="*/ 1709115 w 2703461"/>
+              <a:gd name="connsiteY3" fmla="*/ 1256790 h 1256854"/>
+              <a:gd name="connsiteX4" fmla="*/ 27461 w 2703461"/>
+              <a:gd name="connsiteY4" fmla="*/ 489535 h 1256854"/>
+              <a:gd name="connsiteX5" fmla="*/ 794714 w 2703461"/>
+              <a:gd name="connsiteY5" fmla="*/ 27079 h 1256854"/>
+              <a:gd name="connsiteX0" fmla="*/ 794714 w 2703461"/>
+              <a:gd name="connsiteY0" fmla="*/ 27079 h 1258034"/>
+              <a:gd name="connsiteX1" fmla="*/ 2465860 w 2703461"/>
+              <a:gd name="connsiteY1" fmla="*/ 132183 h 1258034"/>
+              <a:gd name="connsiteX2" fmla="*/ 2613005 w 2703461"/>
+              <a:gd name="connsiteY2" fmla="*/ 773315 h 1258034"/>
+              <a:gd name="connsiteX3" fmla="*/ 1709115 w 2703461"/>
+              <a:gd name="connsiteY3" fmla="*/ 1256790 h 1258034"/>
+              <a:gd name="connsiteX4" fmla="*/ 647571 w 2703461"/>
+              <a:gd name="connsiteY4" fmla="*/ 899437 h 1258034"/>
+              <a:gd name="connsiteX5" fmla="*/ 27461 w 2703461"/>
+              <a:gd name="connsiteY5" fmla="*/ 489535 h 1258034"/>
+              <a:gd name="connsiteX6" fmla="*/ 794714 w 2703461"/>
+              <a:gd name="connsiteY6" fmla="*/ 27079 h 1258034"/>
+              <a:gd name="connsiteX0" fmla="*/ 768429 w 2677176"/>
+              <a:gd name="connsiteY0" fmla="*/ 27079 h 1258708"/>
+              <a:gd name="connsiteX1" fmla="*/ 2439575 w 2677176"/>
+              <a:gd name="connsiteY1" fmla="*/ 132183 h 1258708"/>
+              <a:gd name="connsiteX2" fmla="*/ 2586720 w 2677176"/>
+              <a:gd name="connsiteY2" fmla="*/ 773315 h 1258708"/>
+              <a:gd name="connsiteX3" fmla="*/ 1682830 w 2677176"/>
+              <a:gd name="connsiteY3" fmla="*/ 1256790 h 1258708"/>
+              <a:gd name="connsiteX4" fmla="*/ 621286 w 2677176"/>
+              <a:gd name="connsiteY4" fmla="*/ 994030 h 1258708"/>
+              <a:gd name="connsiteX5" fmla="*/ 1176 w 2677176"/>
+              <a:gd name="connsiteY5" fmla="*/ 489535 h 1258708"/>
+              <a:gd name="connsiteX6" fmla="*/ 768429 w 2677176"/>
+              <a:gd name="connsiteY6" fmla="*/ 27079 h 1258708"/>
+              <a:gd name="connsiteX0" fmla="*/ 599135 w 2685144"/>
+              <a:gd name="connsiteY0" fmla="*/ 27079 h 1258708"/>
+              <a:gd name="connsiteX1" fmla="*/ 2438446 w 2685144"/>
+              <a:gd name="connsiteY1" fmla="*/ 132183 h 1258708"/>
+              <a:gd name="connsiteX2" fmla="*/ 2585591 w 2685144"/>
+              <a:gd name="connsiteY2" fmla="*/ 773315 h 1258708"/>
+              <a:gd name="connsiteX3" fmla="*/ 1681701 w 2685144"/>
+              <a:gd name="connsiteY3" fmla="*/ 1256790 h 1258708"/>
+              <a:gd name="connsiteX4" fmla="*/ 620157 w 2685144"/>
+              <a:gd name="connsiteY4" fmla="*/ 994030 h 1258708"/>
+              <a:gd name="connsiteX5" fmla="*/ 47 w 2685144"/>
+              <a:gd name="connsiteY5" fmla="*/ 489535 h 1258708"/>
+              <a:gd name="connsiteX6" fmla="*/ 599135 w 2685144"/>
+              <a:gd name="connsiteY6" fmla="*/ 27079 h 1258708"/>
+              <a:gd name="connsiteX0" fmla="*/ 599136 w 2713039"/>
+              <a:gd name="connsiteY0" fmla="*/ 38010 h 1269639"/>
+              <a:gd name="connsiteX1" fmla="*/ 2490998 w 2713039"/>
+              <a:gd name="connsiteY1" fmla="*/ 111583 h 1269639"/>
+              <a:gd name="connsiteX2" fmla="*/ 2585592 w 2713039"/>
+              <a:gd name="connsiteY2" fmla="*/ 784246 h 1269639"/>
+              <a:gd name="connsiteX3" fmla="*/ 1681702 w 2713039"/>
+              <a:gd name="connsiteY3" fmla="*/ 1267721 h 1269639"/>
+              <a:gd name="connsiteX4" fmla="*/ 620158 w 2713039"/>
+              <a:gd name="connsiteY4" fmla="*/ 1004961 h 1269639"/>
+              <a:gd name="connsiteX5" fmla="*/ 48 w 2713039"/>
+              <a:gd name="connsiteY5" fmla="*/ 500466 h 1269639"/>
+              <a:gd name="connsiteX6" fmla="*/ 599136 w 2713039"/>
+              <a:gd name="connsiteY6" fmla="*/ 38010 h 1269639"/>
+              <a:gd name="connsiteX0" fmla="*/ 599136 w 2737668"/>
+              <a:gd name="connsiteY0" fmla="*/ 38968 h 1270597"/>
+              <a:gd name="connsiteX1" fmla="*/ 2490998 w 2737668"/>
+              <a:gd name="connsiteY1" fmla="*/ 112541 h 1270597"/>
+              <a:gd name="connsiteX2" fmla="*/ 2627633 w 2737668"/>
+              <a:gd name="connsiteY2" fmla="*/ 806225 h 1270597"/>
+              <a:gd name="connsiteX3" fmla="*/ 1681702 w 2737668"/>
+              <a:gd name="connsiteY3" fmla="*/ 1268679 h 1270597"/>
+              <a:gd name="connsiteX4" fmla="*/ 620158 w 2737668"/>
+              <a:gd name="connsiteY4" fmla="*/ 1005919 h 1270597"/>
+              <a:gd name="connsiteX5" fmla="*/ 48 w 2737668"/>
+              <a:gd name="connsiteY5" fmla="*/ 501424 h 1270597"/>
+              <a:gd name="connsiteX6" fmla="*/ 599136 w 2737668"/>
+              <a:gd name="connsiteY6" fmla="*/ 38968 h 1270597"/>
+              <a:gd name="connsiteX0" fmla="*/ 599508 w 2738040"/>
+              <a:gd name="connsiteY0" fmla="*/ 38968 h 1270154"/>
+              <a:gd name="connsiteX1" fmla="*/ 2491370 w 2738040"/>
+              <a:gd name="connsiteY1" fmla="*/ 112541 h 1270154"/>
+              <a:gd name="connsiteX2" fmla="*/ 2628005 w 2738040"/>
+              <a:gd name="connsiteY2" fmla="*/ 806225 h 1270154"/>
+              <a:gd name="connsiteX3" fmla="*/ 1682074 w 2738040"/>
+              <a:gd name="connsiteY3" fmla="*/ 1268679 h 1270154"/>
+              <a:gd name="connsiteX4" fmla="*/ 525937 w 2738040"/>
+              <a:gd name="connsiteY4" fmla="*/ 953368 h 1270154"/>
+              <a:gd name="connsiteX5" fmla="*/ 420 w 2738040"/>
+              <a:gd name="connsiteY5" fmla="*/ 501424 h 1270154"/>
+              <a:gd name="connsiteX6" fmla="*/ 599508 w 2738040"/>
+              <a:gd name="connsiteY6" fmla="*/ 38968 h 1270154"/>
+              <a:gd name="connsiteX0" fmla="*/ 599494 w 2738026"/>
+              <a:gd name="connsiteY0" fmla="*/ 38968 h 1270154"/>
+              <a:gd name="connsiteX1" fmla="*/ 2491356 w 2738026"/>
+              <a:gd name="connsiteY1" fmla="*/ 112541 h 1270154"/>
+              <a:gd name="connsiteX2" fmla="*/ 2627991 w 2738026"/>
+              <a:gd name="connsiteY2" fmla="*/ 806225 h 1270154"/>
+              <a:gd name="connsiteX3" fmla="*/ 1682060 w 2738026"/>
+              <a:gd name="connsiteY3" fmla="*/ 1268679 h 1270154"/>
+              <a:gd name="connsiteX4" fmla="*/ 525923 w 2738026"/>
+              <a:gd name="connsiteY4" fmla="*/ 953368 h 1270154"/>
+              <a:gd name="connsiteX5" fmla="*/ 406 w 2738026"/>
+              <a:gd name="connsiteY5" fmla="*/ 501424 h 1270154"/>
+              <a:gd name="connsiteX6" fmla="*/ 599494 w 2738026"/>
+              <a:gd name="connsiteY6" fmla="*/ 38968 h 1270154"/>
+              <a:gd name="connsiteX0" fmla="*/ 603723 w 2742255"/>
+              <a:gd name="connsiteY0" fmla="*/ 38968 h 1270154"/>
+              <a:gd name="connsiteX1" fmla="*/ 2495585 w 2742255"/>
+              <a:gd name="connsiteY1" fmla="*/ 112541 h 1270154"/>
+              <a:gd name="connsiteX2" fmla="*/ 2632220 w 2742255"/>
+              <a:gd name="connsiteY2" fmla="*/ 806225 h 1270154"/>
+              <a:gd name="connsiteX3" fmla="*/ 1686289 w 2742255"/>
+              <a:gd name="connsiteY3" fmla="*/ 1268679 h 1270154"/>
+              <a:gd name="connsiteX4" fmla="*/ 530152 w 2742255"/>
+              <a:gd name="connsiteY4" fmla="*/ 953368 h 1270154"/>
+              <a:gd name="connsiteX5" fmla="*/ 4635 w 2742255"/>
+              <a:gd name="connsiteY5" fmla="*/ 501424 h 1270154"/>
+              <a:gd name="connsiteX6" fmla="*/ 603723 w 2742255"/>
+              <a:gd name="connsiteY6" fmla="*/ 38968 h 1270154"/>
+              <a:gd name="connsiteX0" fmla="*/ 599954 w 2738486"/>
+              <a:gd name="connsiteY0" fmla="*/ 38968 h 1272303"/>
+              <a:gd name="connsiteX1" fmla="*/ 2491816 w 2738486"/>
+              <a:gd name="connsiteY1" fmla="*/ 112541 h 1272303"/>
+              <a:gd name="connsiteX2" fmla="*/ 2628451 w 2738486"/>
+              <a:gd name="connsiteY2" fmla="*/ 806225 h 1272303"/>
+              <a:gd name="connsiteX3" fmla="*/ 1682520 w 2738486"/>
+              <a:gd name="connsiteY3" fmla="*/ 1268679 h 1272303"/>
+              <a:gd name="connsiteX4" fmla="*/ 694548 w 2738486"/>
+              <a:gd name="connsiteY4" fmla="*/ 1090003 h 1272303"/>
+              <a:gd name="connsiteX5" fmla="*/ 866 w 2738486"/>
+              <a:gd name="connsiteY5" fmla="*/ 501424 h 1272303"/>
+              <a:gd name="connsiteX6" fmla="*/ 599954 w 2738486"/>
+              <a:gd name="connsiteY6" fmla="*/ 38968 h 1272303"/>
+            </a:gdLst>
+            <a:ahLst/>
+            <a:cxnLst>
+              <a:cxn ang="0">
+                <a:pos x="connsiteX0" y="connsiteY0"/>
+              </a:cxn>
+              <a:cxn ang="0">
+                <a:pos x="connsiteX1" y="connsiteY1"/>
+              </a:cxn>
+              <a:cxn ang="0">
+                <a:pos x="connsiteX2" y="connsiteY2"/>
+              </a:cxn>
+              <a:cxn ang="0">
+                <a:pos x="connsiteX3" y="connsiteY3"/>
+              </a:cxn>
+              <a:cxn ang="0">
+                <a:pos x="connsiteX4" y="connsiteY4"/>
+              </a:cxn>
+              <a:cxn ang="0">
+                <a:pos x="connsiteX5" y="connsiteY5"/>
+              </a:cxn>
+              <a:cxn ang="0">
+                <a:pos x="connsiteX6" y="connsiteY6"/>
+              </a:cxn>
+            </a:cxnLst>
+            <a:rect l="l" t="t" r="r" b="b"/>
+            <a:pathLst>
+              <a:path w="2738486" h="1272303">
+                <a:moveTo>
+                  <a:pt x="599954" y="38968"/>
+                </a:moveTo>
+                <a:cubicBezTo>
+                  <a:pt x="1015112" y="-25846"/>
+                  <a:pt x="2153733" y="-15335"/>
+                  <a:pt x="2491816" y="112541"/>
+                </a:cubicBezTo>
+                <a:cubicBezTo>
+                  <a:pt x="2829899" y="240417"/>
+                  <a:pt x="2763334" y="613535"/>
+                  <a:pt x="2628451" y="806225"/>
+                </a:cubicBezTo>
+                <a:cubicBezTo>
+                  <a:pt x="2493568" y="998915"/>
+                  <a:pt x="2010092" y="1247659"/>
+                  <a:pt x="1682520" y="1268679"/>
+                </a:cubicBezTo>
+                <a:cubicBezTo>
+                  <a:pt x="1354948" y="1289699"/>
+                  <a:pt x="974824" y="1217879"/>
+                  <a:pt x="694548" y="1090003"/>
+                </a:cubicBezTo>
+                <a:cubicBezTo>
+                  <a:pt x="424783" y="941106"/>
+                  <a:pt x="16632" y="676596"/>
+                  <a:pt x="866" y="501424"/>
+                </a:cubicBezTo>
+                <a:cubicBezTo>
+                  <a:pt x="-14900" y="326252"/>
+                  <a:pt x="184796" y="103782"/>
+                  <a:pt x="599954" y="38968"/>
+                </a:cubicBezTo>
+                <a:close/>
+              </a:path>
+            </a:pathLst>
+          </a:custGeom>
+          <a:gradFill flip="none" rotWithShape="1">
+            <a:gsLst>
+              <a:gs pos="100000">
+                <a:schemeClr val="accent2"/>
+              </a:gs>
+              <a:gs pos="30000">
+                <a:schemeClr val="bg1"/>
+              </a:gs>
+            </a:gsLst>
+            <a:lin ang="5400000" scaled="1"/>
+            <a:tileRect/>
+          </a:gradFill>
+        </p:spPr>
+        <p:style>
+          <a:lnRef idx="2">
+            <a:schemeClr val="accent1">
+              <a:shade val="50000"/>
+            </a:schemeClr>
+          </a:lnRef>
+          <a:fillRef idx="1">
+            <a:schemeClr val="accent1"/>
+          </a:fillRef>
+          <a:effectRef idx="0">
+            <a:schemeClr val="accent1"/>
+          </a:effectRef>
+          <a:fontRef idx="minor">
+            <a:schemeClr val="lt1"/>
+          </a:fontRef>
+        </p:style>
+        <p:txBody>
+          <a:bodyPr rtlCol="0" anchor="ctr"/>
+          <a:lstStyle/>
+          <a:p>
+            <a:pPr algn="ctr"/>
+            <a:endParaRPr lang="en-US"/>
+          </a:p>
+        </p:txBody>
+      </p:sp>
+      <p:sp>
+        <p:nvSpPr>
+          <p:cNvPr id="4" name="Freeform 3"/>
+          <p:cNvSpPr/>
+          <p:nvPr/>
+        </p:nvSpPr>
+        <p:spPr>
+          <a:xfrm>
+            <a:off x="3379631" y="4719684"/>
+            <a:ext cx="1770438" cy="822547"/>
+          </a:xfrm>
+          <a:custGeom>
+            <a:avLst/>
+            <a:gdLst>
+              <a:gd name="connsiteX0" fmla="*/ 936282 w 2355343"/>
+              <a:gd name="connsiteY0" fmla="*/ 63809 h 1020362"/>
+              <a:gd name="connsiteX1" fmla="*/ 1808641 w 2355343"/>
+              <a:gd name="connsiteY1" fmla="*/ 53299 h 1020362"/>
+              <a:gd name="connsiteX2" fmla="*/ 2334158 w 2355343"/>
+              <a:gd name="connsiteY2" fmla="*/ 505244 h 1020362"/>
+              <a:gd name="connsiteX3" fmla="*/ 1093937 w 2355343"/>
+              <a:gd name="connsiteY3" fmla="*/ 1020251 h 1020362"/>
+              <a:gd name="connsiteX4" fmla="*/ 862 w 2355343"/>
+              <a:gd name="connsiteY4" fmla="*/ 547285 h 1020362"/>
+              <a:gd name="connsiteX5" fmla="*/ 936282 w 2355343"/>
+              <a:gd name="connsiteY5" fmla="*/ 63809 h 1020362"/>
+              <a:gd name="connsiteX0" fmla="*/ 936282 w 2355343"/>
+              <a:gd name="connsiteY0" fmla="*/ 56594 h 1013116"/>
+              <a:gd name="connsiteX1" fmla="*/ 1808641 w 2355343"/>
+              <a:gd name="connsiteY1" fmla="*/ 46084 h 1013116"/>
+              <a:gd name="connsiteX2" fmla="*/ 2334158 w 2355343"/>
+              <a:gd name="connsiteY2" fmla="*/ 498029 h 1013116"/>
+              <a:gd name="connsiteX3" fmla="*/ 1093937 w 2355343"/>
+              <a:gd name="connsiteY3" fmla="*/ 1013036 h 1013116"/>
+              <a:gd name="connsiteX4" fmla="*/ 862 w 2355343"/>
+              <a:gd name="connsiteY4" fmla="*/ 413946 h 1013116"/>
+              <a:gd name="connsiteX5" fmla="*/ 936282 w 2355343"/>
+              <a:gd name="connsiteY5" fmla="*/ 56594 h 1013116"/>
+              <a:gd name="connsiteX0" fmla="*/ 771191 w 2359575"/>
+              <a:gd name="connsiteY0" fmla="*/ 122282 h 984209"/>
+              <a:gd name="connsiteX1" fmla="*/ 1811716 w 2359575"/>
+              <a:gd name="connsiteY1" fmla="*/ 17179 h 984209"/>
+              <a:gd name="connsiteX2" fmla="*/ 2337233 w 2359575"/>
+              <a:gd name="connsiteY2" fmla="*/ 469124 h 984209"/>
+              <a:gd name="connsiteX3" fmla="*/ 1097012 w 2359575"/>
+              <a:gd name="connsiteY3" fmla="*/ 984131 h 984209"/>
+              <a:gd name="connsiteX4" fmla="*/ 3937 w 2359575"/>
+              <a:gd name="connsiteY4" fmla="*/ 385041 h 984209"/>
+              <a:gd name="connsiteX5" fmla="*/ 771191 w 2359575"/>
+              <a:gd name="connsiteY5" fmla="*/ 122282 h 984209"/>
+              <a:gd name="connsiteX0" fmla="*/ 771156 w 2356731"/>
+              <a:gd name="connsiteY0" fmla="*/ 52261 h 914188"/>
+              <a:gd name="connsiteX1" fmla="*/ 1780150 w 2356731"/>
+              <a:gd name="connsiteY1" fmla="*/ 31240 h 914188"/>
+              <a:gd name="connsiteX2" fmla="*/ 2337198 w 2356731"/>
+              <a:gd name="connsiteY2" fmla="*/ 399103 h 914188"/>
+              <a:gd name="connsiteX3" fmla="*/ 1096977 w 2356731"/>
+              <a:gd name="connsiteY3" fmla="*/ 914110 h 914188"/>
+              <a:gd name="connsiteX4" fmla="*/ 3902 w 2356731"/>
+              <a:gd name="connsiteY4" fmla="*/ 315020 h 914188"/>
+              <a:gd name="connsiteX5" fmla="*/ 771156 w 2356731"/>
+              <a:gd name="connsiteY5" fmla="*/ 52261 h 914188"/>
+              <a:gd name="connsiteX0" fmla="*/ 771156 w 2255689"/>
+              <a:gd name="connsiteY0" fmla="*/ 60713 h 922640"/>
+              <a:gd name="connsiteX1" fmla="*/ 1780150 w 2255689"/>
+              <a:gd name="connsiteY1" fmla="*/ 39692 h 922640"/>
+              <a:gd name="connsiteX2" fmla="*/ 2232095 w 2255689"/>
+              <a:gd name="connsiteY2" fmla="*/ 523169 h 922640"/>
+              <a:gd name="connsiteX3" fmla="*/ 1096977 w 2255689"/>
+              <a:gd name="connsiteY3" fmla="*/ 922562 h 922640"/>
+              <a:gd name="connsiteX4" fmla="*/ 3902 w 2255689"/>
+              <a:gd name="connsiteY4" fmla="*/ 323472 h 922640"/>
+              <a:gd name="connsiteX5" fmla="*/ 771156 w 2255689"/>
+              <a:gd name="connsiteY5" fmla="*/ 60713 h 922640"/>
+              <a:gd name="connsiteX0" fmla="*/ 771156 w 2232351"/>
+              <a:gd name="connsiteY0" fmla="*/ 60713 h 922640"/>
+              <a:gd name="connsiteX1" fmla="*/ 1780150 w 2232351"/>
+              <a:gd name="connsiteY1" fmla="*/ 39692 h 922640"/>
+              <a:gd name="connsiteX2" fmla="*/ 2232095 w 2232351"/>
+              <a:gd name="connsiteY2" fmla="*/ 523169 h 922640"/>
+              <a:gd name="connsiteX3" fmla="*/ 1096977 w 2232351"/>
+              <a:gd name="connsiteY3" fmla="*/ 922562 h 922640"/>
+              <a:gd name="connsiteX4" fmla="*/ 3902 w 2232351"/>
+              <a:gd name="connsiteY4" fmla="*/ 323472 h 922640"/>
+              <a:gd name="connsiteX5" fmla="*/ 771156 w 2232351"/>
+              <a:gd name="connsiteY5" fmla="*/ 60713 h 922640"/>
+              <a:gd name="connsiteX0" fmla="*/ 771156 w 2232351"/>
+              <a:gd name="connsiteY0" fmla="*/ 55328 h 917255"/>
+              <a:gd name="connsiteX1" fmla="*/ 1780150 w 2232351"/>
+              <a:gd name="connsiteY1" fmla="*/ 34307 h 917255"/>
+              <a:gd name="connsiteX2" fmla="*/ 2232095 w 2232351"/>
+              <a:gd name="connsiteY2" fmla="*/ 444211 h 917255"/>
+              <a:gd name="connsiteX3" fmla="*/ 1096977 w 2232351"/>
+              <a:gd name="connsiteY3" fmla="*/ 917177 h 917255"/>
+              <a:gd name="connsiteX4" fmla="*/ 3902 w 2232351"/>
+              <a:gd name="connsiteY4" fmla="*/ 318087 h 917255"/>
+              <a:gd name="connsiteX5" fmla="*/ 771156 w 2232351"/>
+              <a:gd name="connsiteY5" fmla="*/ 55328 h 917255"/>
+              <a:gd name="connsiteX0" fmla="*/ 771156 w 2232351"/>
+              <a:gd name="connsiteY0" fmla="*/ 9202 h 1091853"/>
+              <a:gd name="connsiteX1" fmla="*/ 1780150 w 2232351"/>
+              <a:gd name="connsiteY1" fmla="*/ 208898 h 1091853"/>
+              <a:gd name="connsiteX2" fmla="*/ 2232095 w 2232351"/>
+              <a:gd name="connsiteY2" fmla="*/ 618802 h 1091853"/>
+              <a:gd name="connsiteX3" fmla="*/ 1096977 w 2232351"/>
+              <a:gd name="connsiteY3" fmla="*/ 1091768 h 1091853"/>
+              <a:gd name="connsiteX4" fmla="*/ 3902 w 2232351"/>
+              <a:gd name="connsiteY4" fmla="*/ 492678 h 1091853"/>
+              <a:gd name="connsiteX5" fmla="*/ 771156 w 2232351"/>
+              <a:gd name="connsiteY5" fmla="*/ 9202 h 1091853"/>
+              <a:gd name="connsiteX0" fmla="*/ 771405 w 2292176"/>
+              <a:gd name="connsiteY0" fmla="*/ 33877 h 1116528"/>
+              <a:gd name="connsiteX1" fmla="*/ 1990606 w 2292176"/>
+              <a:gd name="connsiteY1" fmla="*/ 107449 h 1116528"/>
+              <a:gd name="connsiteX2" fmla="*/ 2232344 w 2292176"/>
+              <a:gd name="connsiteY2" fmla="*/ 643477 h 1116528"/>
+              <a:gd name="connsiteX3" fmla="*/ 1097226 w 2292176"/>
+              <a:gd name="connsiteY3" fmla="*/ 1116443 h 1116528"/>
+              <a:gd name="connsiteX4" fmla="*/ 4151 w 2292176"/>
+              <a:gd name="connsiteY4" fmla="*/ 517353 h 1116528"/>
+              <a:gd name="connsiteX5" fmla="*/ 771405 w 2292176"/>
+              <a:gd name="connsiteY5" fmla="*/ 33877 h 1116528"/>
+              <a:gd name="connsiteX0" fmla="*/ 771672 w 2371330"/>
+              <a:gd name="connsiteY0" fmla="*/ 19835 h 1102486"/>
+              <a:gd name="connsiteX1" fmla="*/ 2190569 w 2371330"/>
+              <a:gd name="connsiteY1" fmla="*/ 145959 h 1102486"/>
+              <a:gd name="connsiteX2" fmla="*/ 2232611 w 2371330"/>
+              <a:gd name="connsiteY2" fmla="*/ 629435 h 1102486"/>
+              <a:gd name="connsiteX3" fmla="*/ 1097493 w 2371330"/>
+              <a:gd name="connsiteY3" fmla="*/ 1102401 h 1102486"/>
+              <a:gd name="connsiteX4" fmla="*/ 4418 w 2371330"/>
+              <a:gd name="connsiteY4" fmla="*/ 503311 h 1102486"/>
+              <a:gd name="connsiteX5" fmla="*/ 771672 w 2371330"/>
+              <a:gd name="connsiteY5" fmla="*/ 19835 h 1102486"/>
+              <a:gd name="connsiteX0" fmla="*/ 771672 w 2440055"/>
+              <a:gd name="connsiteY0" fmla="*/ 23506 h 1106157"/>
+              <a:gd name="connsiteX1" fmla="*/ 2190569 w 2440055"/>
+              <a:gd name="connsiteY1" fmla="*/ 149630 h 1106157"/>
+              <a:gd name="connsiteX2" fmla="*/ 2337714 w 2440055"/>
+              <a:gd name="connsiteY2" fmla="*/ 790762 h 1106157"/>
+              <a:gd name="connsiteX3" fmla="*/ 1097493 w 2440055"/>
+              <a:gd name="connsiteY3" fmla="*/ 1106072 h 1106157"/>
+              <a:gd name="connsiteX4" fmla="*/ 4418 w 2440055"/>
+              <a:gd name="connsiteY4" fmla="*/ 506982 h 1106157"/>
+              <a:gd name="connsiteX5" fmla="*/ 771672 w 2440055"/>
+              <a:gd name="connsiteY5" fmla="*/ 23506 h 1106157"/>
+              <a:gd name="connsiteX0" fmla="*/ 782486 w 2426409"/>
+              <a:gd name="connsiteY0" fmla="*/ 23506 h 1274301"/>
+              <a:gd name="connsiteX1" fmla="*/ 2201383 w 2426409"/>
+              <a:gd name="connsiteY1" fmla="*/ 149630 h 1274301"/>
+              <a:gd name="connsiteX2" fmla="*/ 2348528 w 2426409"/>
+              <a:gd name="connsiteY2" fmla="*/ 790762 h 1274301"/>
+              <a:gd name="connsiteX3" fmla="*/ 1444638 w 2426409"/>
+              <a:gd name="connsiteY3" fmla="*/ 1274237 h 1274301"/>
+              <a:gd name="connsiteX4" fmla="*/ 15232 w 2426409"/>
+              <a:gd name="connsiteY4" fmla="*/ 506982 h 1274301"/>
+              <a:gd name="connsiteX5" fmla="*/ 782486 w 2426409"/>
+              <a:gd name="connsiteY5" fmla="*/ 23506 h 1274301"/>
+              <a:gd name="connsiteX0" fmla="*/ 1030815 w 2674738"/>
+              <a:gd name="connsiteY0" fmla="*/ 23506 h 1274301"/>
+              <a:gd name="connsiteX1" fmla="*/ 2449712 w 2674738"/>
+              <a:gd name="connsiteY1" fmla="*/ 149630 h 1274301"/>
+              <a:gd name="connsiteX2" fmla="*/ 2596857 w 2674738"/>
+              <a:gd name="connsiteY2" fmla="*/ 790762 h 1274301"/>
+              <a:gd name="connsiteX3" fmla="*/ 1692967 w 2674738"/>
+              <a:gd name="connsiteY3" fmla="*/ 1274237 h 1274301"/>
+              <a:gd name="connsiteX4" fmla="*/ 11313 w 2674738"/>
+              <a:gd name="connsiteY4" fmla="*/ 506982 h 1274301"/>
+              <a:gd name="connsiteX5" fmla="*/ 1030815 w 2674738"/>
+              <a:gd name="connsiteY5" fmla="*/ 23506 h 1274301"/>
+              <a:gd name="connsiteX0" fmla="*/ 794714 w 2703461"/>
+              <a:gd name="connsiteY0" fmla="*/ 27079 h 1256854"/>
+              <a:gd name="connsiteX1" fmla="*/ 2465860 w 2703461"/>
+              <a:gd name="connsiteY1" fmla="*/ 132183 h 1256854"/>
+              <a:gd name="connsiteX2" fmla="*/ 2613005 w 2703461"/>
+              <a:gd name="connsiteY2" fmla="*/ 773315 h 1256854"/>
+              <a:gd name="connsiteX3" fmla="*/ 1709115 w 2703461"/>
+              <a:gd name="connsiteY3" fmla="*/ 1256790 h 1256854"/>
+              <a:gd name="connsiteX4" fmla="*/ 27461 w 2703461"/>
+              <a:gd name="connsiteY4" fmla="*/ 489535 h 1256854"/>
+              <a:gd name="connsiteX5" fmla="*/ 794714 w 2703461"/>
+              <a:gd name="connsiteY5" fmla="*/ 27079 h 1256854"/>
+              <a:gd name="connsiteX0" fmla="*/ 794714 w 2703461"/>
+              <a:gd name="connsiteY0" fmla="*/ 27079 h 1258034"/>
+              <a:gd name="connsiteX1" fmla="*/ 2465860 w 2703461"/>
+              <a:gd name="connsiteY1" fmla="*/ 132183 h 1258034"/>
+              <a:gd name="connsiteX2" fmla="*/ 2613005 w 2703461"/>
+              <a:gd name="connsiteY2" fmla="*/ 773315 h 1258034"/>
+              <a:gd name="connsiteX3" fmla="*/ 1709115 w 2703461"/>
+              <a:gd name="connsiteY3" fmla="*/ 1256790 h 1258034"/>
+              <a:gd name="connsiteX4" fmla="*/ 647571 w 2703461"/>
+              <a:gd name="connsiteY4" fmla="*/ 899437 h 1258034"/>
+              <a:gd name="connsiteX5" fmla="*/ 27461 w 2703461"/>
+              <a:gd name="connsiteY5" fmla="*/ 489535 h 1258034"/>
+              <a:gd name="connsiteX6" fmla="*/ 794714 w 2703461"/>
+              <a:gd name="connsiteY6" fmla="*/ 27079 h 1258034"/>
+              <a:gd name="connsiteX0" fmla="*/ 768429 w 2677176"/>
+              <a:gd name="connsiteY0" fmla="*/ 27079 h 1258708"/>
+              <a:gd name="connsiteX1" fmla="*/ 2439575 w 2677176"/>
+              <a:gd name="connsiteY1" fmla="*/ 132183 h 1258708"/>
+              <a:gd name="connsiteX2" fmla="*/ 2586720 w 2677176"/>
+              <a:gd name="connsiteY2" fmla="*/ 773315 h 1258708"/>
+              <a:gd name="connsiteX3" fmla="*/ 1682830 w 2677176"/>
+              <a:gd name="connsiteY3" fmla="*/ 1256790 h 1258708"/>
+              <a:gd name="connsiteX4" fmla="*/ 621286 w 2677176"/>
+              <a:gd name="connsiteY4" fmla="*/ 994030 h 1258708"/>
+              <a:gd name="connsiteX5" fmla="*/ 1176 w 2677176"/>
+              <a:gd name="connsiteY5" fmla="*/ 489535 h 1258708"/>
+              <a:gd name="connsiteX6" fmla="*/ 768429 w 2677176"/>
+              <a:gd name="connsiteY6" fmla="*/ 27079 h 1258708"/>
+              <a:gd name="connsiteX0" fmla="*/ 599135 w 2685144"/>
+              <a:gd name="connsiteY0" fmla="*/ 27079 h 1258708"/>
+              <a:gd name="connsiteX1" fmla="*/ 2438446 w 2685144"/>
+              <a:gd name="connsiteY1" fmla="*/ 132183 h 1258708"/>
+              <a:gd name="connsiteX2" fmla="*/ 2585591 w 2685144"/>
+              <a:gd name="connsiteY2" fmla="*/ 773315 h 1258708"/>
+              <a:gd name="connsiteX3" fmla="*/ 1681701 w 2685144"/>
+              <a:gd name="connsiteY3" fmla="*/ 1256790 h 1258708"/>
+              <a:gd name="connsiteX4" fmla="*/ 620157 w 2685144"/>
+              <a:gd name="connsiteY4" fmla="*/ 994030 h 1258708"/>
+              <a:gd name="connsiteX5" fmla="*/ 47 w 2685144"/>
+              <a:gd name="connsiteY5" fmla="*/ 489535 h 1258708"/>
+              <a:gd name="connsiteX6" fmla="*/ 599135 w 2685144"/>
+              <a:gd name="connsiteY6" fmla="*/ 27079 h 1258708"/>
+              <a:gd name="connsiteX0" fmla="*/ 599136 w 2713039"/>
+              <a:gd name="connsiteY0" fmla="*/ 38010 h 1269639"/>
+              <a:gd name="connsiteX1" fmla="*/ 2490998 w 2713039"/>
+              <a:gd name="connsiteY1" fmla="*/ 111583 h 1269639"/>
+              <a:gd name="connsiteX2" fmla="*/ 2585592 w 2713039"/>
+              <a:gd name="connsiteY2" fmla="*/ 784246 h 1269639"/>
+              <a:gd name="connsiteX3" fmla="*/ 1681702 w 2713039"/>
+              <a:gd name="connsiteY3" fmla="*/ 1267721 h 1269639"/>
+              <a:gd name="connsiteX4" fmla="*/ 620158 w 2713039"/>
+              <a:gd name="connsiteY4" fmla="*/ 1004961 h 1269639"/>
+              <a:gd name="connsiteX5" fmla="*/ 48 w 2713039"/>
+              <a:gd name="connsiteY5" fmla="*/ 500466 h 1269639"/>
+              <a:gd name="connsiteX6" fmla="*/ 599136 w 2713039"/>
+              <a:gd name="connsiteY6" fmla="*/ 38010 h 1269639"/>
+              <a:gd name="connsiteX0" fmla="*/ 599136 w 2737668"/>
+              <a:gd name="connsiteY0" fmla="*/ 38968 h 1270597"/>
+              <a:gd name="connsiteX1" fmla="*/ 2490998 w 2737668"/>
+              <a:gd name="connsiteY1" fmla="*/ 112541 h 1270597"/>
+              <a:gd name="connsiteX2" fmla="*/ 2627633 w 2737668"/>
+              <a:gd name="connsiteY2" fmla="*/ 806225 h 1270597"/>
+              <a:gd name="connsiteX3" fmla="*/ 1681702 w 2737668"/>
+              <a:gd name="connsiteY3" fmla="*/ 1268679 h 1270597"/>
+              <a:gd name="connsiteX4" fmla="*/ 620158 w 2737668"/>
+              <a:gd name="connsiteY4" fmla="*/ 1005919 h 1270597"/>
+              <a:gd name="connsiteX5" fmla="*/ 48 w 2737668"/>
+              <a:gd name="connsiteY5" fmla="*/ 501424 h 1270597"/>
+              <a:gd name="connsiteX6" fmla="*/ 599136 w 2737668"/>
+              <a:gd name="connsiteY6" fmla="*/ 38968 h 1270597"/>
+              <a:gd name="connsiteX0" fmla="*/ 599508 w 2738040"/>
+              <a:gd name="connsiteY0" fmla="*/ 38968 h 1270154"/>
+              <a:gd name="connsiteX1" fmla="*/ 2491370 w 2738040"/>
+              <a:gd name="connsiteY1" fmla="*/ 112541 h 1270154"/>
+              <a:gd name="connsiteX2" fmla="*/ 2628005 w 2738040"/>
+              <a:gd name="connsiteY2" fmla="*/ 806225 h 1270154"/>
+              <a:gd name="connsiteX3" fmla="*/ 1682074 w 2738040"/>
+              <a:gd name="connsiteY3" fmla="*/ 1268679 h 1270154"/>
+              <a:gd name="connsiteX4" fmla="*/ 525937 w 2738040"/>
+              <a:gd name="connsiteY4" fmla="*/ 953368 h 1270154"/>
+              <a:gd name="connsiteX5" fmla="*/ 420 w 2738040"/>
+              <a:gd name="connsiteY5" fmla="*/ 501424 h 1270154"/>
+              <a:gd name="connsiteX6" fmla="*/ 599508 w 2738040"/>
+              <a:gd name="connsiteY6" fmla="*/ 38968 h 1270154"/>
+              <a:gd name="connsiteX0" fmla="*/ 599494 w 2738026"/>
+              <a:gd name="connsiteY0" fmla="*/ 38968 h 1270154"/>
+              <a:gd name="connsiteX1" fmla="*/ 2491356 w 2738026"/>
+              <a:gd name="connsiteY1" fmla="*/ 112541 h 1270154"/>
+              <a:gd name="connsiteX2" fmla="*/ 2627991 w 2738026"/>
+              <a:gd name="connsiteY2" fmla="*/ 806225 h 1270154"/>
+              <a:gd name="connsiteX3" fmla="*/ 1682060 w 2738026"/>
+              <a:gd name="connsiteY3" fmla="*/ 1268679 h 1270154"/>
+              <a:gd name="connsiteX4" fmla="*/ 525923 w 2738026"/>
+              <a:gd name="connsiteY4" fmla="*/ 953368 h 1270154"/>
+              <a:gd name="connsiteX5" fmla="*/ 406 w 2738026"/>
+              <a:gd name="connsiteY5" fmla="*/ 501424 h 1270154"/>
+              <a:gd name="connsiteX6" fmla="*/ 599494 w 2738026"/>
+              <a:gd name="connsiteY6" fmla="*/ 38968 h 1270154"/>
+              <a:gd name="connsiteX0" fmla="*/ 603723 w 2742255"/>
+              <a:gd name="connsiteY0" fmla="*/ 38968 h 1270154"/>
+              <a:gd name="connsiteX1" fmla="*/ 2495585 w 2742255"/>
+              <a:gd name="connsiteY1" fmla="*/ 112541 h 1270154"/>
+              <a:gd name="connsiteX2" fmla="*/ 2632220 w 2742255"/>
+              <a:gd name="connsiteY2" fmla="*/ 806225 h 1270154"/>
+              <a:gd name="connsiteX3" fmla="*/ 1686289 w 2742255"/>
+              <a:gd name="connsiteY3" fmla="*/ 1268679 h 1270154"/>
+              <a:gd name="connsiteX4" fmla="*/ 530152 w 2742255"/>
+              <a:gd name="connsiteY4" fmla="*/ 953368 h 1270154"/>
+              <a:gd name="connsiteX5" fmla="*/ 4635 w 2742255"/>
+              <a:gd name="connsiteY5" fmla="*/ 501424 h 1270154"/>
+              <a:gd name="connsiteX6" fmla="*/ 603723 w 2742255"/>
+              <a:gd name="connsiteY6" fmla="*/ 38968 h 1270154"/>
+              <a:gd name="connsiteX0" fmla="*/ 599954 w 2738486"/>
+              <a:gd name="connsiteY0" fmla="*/ 38968 h 1272303"/>
+              <a:gd name="connsiteX1" fmla="*/ 2491816 w 2738486"/>
+              <a:gd name="connsiteY1" fmla="*/ 112541 h 1272303"/>
+              <a:gd name="connsiteX2" fmla="*/ 2628451 w 2738486"/>
+              <a:gd name="connsiteY2" fmla="*/ 806225 h 1272303"/>
+              <a:gd name="connsiteX3" fmla="*/ 1682520 w 2738486"/>
+              <a:gd name="connsiteY3" fmla="*/ 1268679 h 1272303"/>
+              <a:gd name="connsiteX4" fmla="*/ 694548 w 2738486"/>
+              <a:gd name="connsiteY4" fmla="*/ 1090003 h 1272303"/>
+              <a:gd name="connsiteX5" fmla="*/ 866 w 2738486"/>
+              <a:gd name="connsiteY5" fmla="*/ 501424 h 1272303"/>
+              <a:gd name="connsiteX6" fmla="*/ 599954 w 2738486"/>
+              <a:gd name="connsiteY6" fmla="*/ 38968 h 1272303"/>
+            </a:gdLst>
+            <a:ahLst/>
+            <a:cxnLst>
+              <a:cxn ang="0">
+                <a:pos x="connsiteX0" y="connsiteY0"/>
+              </a:cxn>
+              <a:cxn ang="0">
+                <a:pos x="connsiteX1" y="connsiteY1"/>
+              </a:cxn>
+              <a:cxn ang="0">
+                <a:pos x="connsiteX2" y="connsiteY2"/>
+              </a:cxn>
+              <a:cxn ang="0">
+                <a:pos x="connsiteX3" y="connsiteY3"/>
+              </a:cxn>
+              <a:cxn ang="0">
+                <a:pos x="connsiteX4" y="connsiteY4"/>
+              </a:cxn>
+              <a:cxn ang="0">
+                <a:pos x="connsiteX5" y="connsiteY5"/>
+              </a:cxn>
+              <a:cxn ang="0">
+                <a:pos x="connsiteX6" y="connsiteY6"/>
+              </a:cxn>
+            </a:cxnLst>
+            <a:rect l="l" t="t" r="r" b="b"/>
+            <a:pathLst>
+              <a:path w="2738486" h="1272303">
+                <a:moveTo>
+                  <a:pt x="599954" y="38968"/>
+                </a:moveTo>
+                <a:cubicBezTo>
+                  <a:pt x="1015112" y="-25846"/>
+                  <a:pt x="2153733" y="-15335"/>
+                  <a:pt x="2491816" y="112541"/>
+                </a:cubicBezTo>
+                <a:cubicBezTo>
+                  <a:pt x="2829899" y="240417"/>
+                  <a:pt x="2763334" y="613535"/>
+                  <a:pt x="2628451" y="806225"/>
+                </a:cubicBezTo>
+                <a:cubicBezTo>
+                  <a:pt x="2493568" y="998915"/>
+                  <a:pt x="2010092" y="1247659"/>
+                  <a:pt x="1682520" y="1268679"/>
+                </a:cubicBezTo>
+                <a:cubicBezTo>
+                  <a:pt x="1354948" y="1289699"/>
+                  <a:pt x="974824" y="1217879"/>
+                  <a:pt x="694548" y="1090003"/>
+                </a:cubicBezTo>
+                <a:cubicBezTo>
+                  <a:pt x="424783" y="941106"/>
+                  <a:pt x="16632" y="676596"/>
+                  <a:pt x="866" y="501424"/>
+                </a:cubicBezTo>
+                <a:cubicBezTo>
+                  <a:pt x="-14900" y="326252"/>
+                  <a:pt x="184796" y="103782"/>
+                  <a:pt x="599954" y="38968"/>
+                </a:cubicBezTo>
+                <a:close/>
+              </a:path>
+            </a:pathLst>
+          </a:custGeom>
+          <a:gradFill flip="none" rotWithShape="1">
+            <a:gsLst>
+              <a:gs pos="100000">
+                <a:schemeClr val="accent2"/>
+              </a:gs>
+              <a:gs pos="72000">
+                <a:schemeClr val="bg1"/>
+              </a:gs>
+            </a:gsLst>
+            <a:lin ang="5400000" scaled="1"/>
+            <a:tileRect/>
+          </a:gradFill>
+        </p:spPr>
+        <p:style>
+          <a:lnRef idx="2">
+            <a:schemeClr val="accent1">
+              <a:shade val="50000"/>
+            </a:schemeClr>
+          </a:lnRef>
+          <a:fillRef idx="1">
+            <a:schemeClr val="accent1"/>
+          </a:fillRef>
+          <a:effectRef idx="0">
+            <a:schemeClr val="accent1"/>
+          </a:effectRef>
+          <a:fontRef idx="minor">
+            <a:schemeClr val="lt1"/>
+          </a:fontRef>
+        </p:style>
+        <p:txBody>
+          <a:bodyPr rtlCol="0" anchor="ctr"/>
+          <a:lstStyle/>
+          <a:p>
+            <a:pPr algn="ctr"/>
+            <a:endParaRPr lang="en-US"/>
+          </a:p>
+        </p:txBody>
+      </p:sp>
+      <p:sp>
+        <p:nvSpPr>
+          <p:cNvPr id="5" name="Freeform 4"/>
+          <p:cNvSpPr/>
+          <p:nvPr/>
+        </p:nvSpPr>
+        <p:spPr>
+          <a:xfrm>
+            <a:off x="3379631" y="1973204"/>
+            <a:ext cx="1770438" cy="822547"/>
+          </a:xfrm>
+          <a:custGeom>
+            <a:avLst/>
+            <a:gdLst>
+              <a:gd name="connsiteX0" fmla="*/ 936282 w 2355343"/>
+              <a:gd name="connsiteY0" fmla="*/ 63809 h 1020362"/>
+              <a:gd name="connsiteX1" fmla="*/ 1808641 w 2355343"/>
+              <a:gd name="connsiteY1" fmla="*/ 53299 h 1020362"/>
+              <a:gd name="connsiteX2" fmla="*/ 2334158 w 2355343"/>
+              <a:gd name="connsiteY2" fmla="*/ 505244 h 1020362"/>
+              <a:gd name="connsiteX3" fmla="*/ 1093937 w 2355343"/>
+              <a:gd name="connsiteY3" fmla="*/ 1020251 h 1020362"/>
+              <a:gd name="connsiteX4" fmla="*/ 862 w 2355343"/>
+              <a:gd name="connsiteY4" fmla="*/ 547285 h 1020362"/>
+              <a:gd name="connsiteX5" fmla="*/ 936282 w 2355343"/>
+              <a:gd name="connsiteY5" fmla="*/ 63809 h 1020362"/>
+              <a:gd name="connsiteX0" fmla="*/ 936282 w 2355343"/>
+              <a:gd name="connsiteY0" fmla="*/ 56594 h 1013116"/>
+              <a:gd name="connsiteX1" fmla="*/ 1808641 w 2355343"/>
+              <a:gd name="connsiteY1" fmla="*/ 46084 h 1013116"/>
+              <a:gd name="connsiteX2" fmla="*/ 2334158 w 2355343"/>
+              <a:gd name="connsiteY2" fmla="*/ 498029 h 1013116"/>
+              <a:gd name="connsiteX3" fmla="*/ 1093937 w 2355343"/>
+              <a:gd name="connsiteY3" fmla="*/ 1013036 h 1013116"/>
+              <a:gd name="connsiteX4" fmla="*/ 862 w 2355343"/>
+              <a:gd name="connsiteY4" fmla="*/ 413946 h 1013116"/>
+              <a:gd name="connsiteX5" fmla="*/ 936282 w 2355343"/>
+              <a:gd name="connsiteY5" fmla="*/ 56594 h 1013116"/>
+              <a:gd name="connsiteX0" fmla="*/ 771191 w 2359575"/>
+              <a:gd name="connsiteY0" fmla="*/ 122282 h 984209"/>
+              <a:gd name="connsiteX1" fmla="*/ 1811716 w 2359575"/>
+              <a:gd name="connsiteY1" fmla="*/ 17179 h 984209"/>
+              <a:gd name="connsiteX2" fmla="*/ 2337233 w 2359575"/>
+              <a:gd name="connsiteY2" fmla="*/ 469124 h 984209"/>
+              <a:gd name="connsiteX3" fmla="*/ 1097012 w 2359575"/>
+              <a:gd name="connsiteY3" fmla="*/ 984131 h 984209"/>
+              <a:gd name="connsiteX4" fmla="*/ 3937 w 2359575"/>
+              <a:gd name="connsiteY4" fmla="*/ 385041 h 984209"/>
+              <a:gd name="connsiteX5" fmla="*/ 771191 w 2359575"/>
+              <a:gd name="connsiteY5" fmla="*/ 122282 h 984209"/>
+              <a:gd name="connsiteX0" fmla="*/ 771156 w 2356731"/>
+              <a:gd name="connsiteY0" fmla="*/ 52261 h 914188"/>
+              <a:gd name="connsiteX1" fmla="*/ 1780150 w 2356731"/>
+              <a:gd name="connsiteY1" fmla="*/ 31240 h 914188"/>
+              <a:gd name="connsiteX2" fmla="*/ 2337198 w 2356731"/>
+              <a:gd name="connsiteY2" fmla="*/ 399103 h 914188"/>
+              <a:gd name="connsiteX3" fmla="*/ 1096977 w 2356731"/>
+              <a:gd name="connsiteY3" fmla="*/ 914110 h 914188"/>
+              <a:gd name="connsiteX4" fmla="*/ 3902 w 2356731"/>
+              <a:gd name="connsiteY4" fmla="*/ 315020 h 914188"/>
+              <a:gd name="connsiteX5" fmla="*/ 771156 w 2356731"/>
+              <a:gd name="connsiteY5" fmla="*/ 52261 h 914188"/>
+              <a:gd name="connsiteX0" fmla="*/ 771156 w 2255689"/>
+              <a:gd name="connsiteY0" fmla="*/ 60713 h 922640"/>
+              <a:gd name="connsiteX1" fmla="*/ 1780150 w 2255689"/>
+              <a:gd name="connsiteY1" fmla="*/ 39692 h 922640"/>
+              <a:gd name="connsiteX2" fmla="*/ 2232095 w 2255689"/>
+              <a:gd name="connsiteY2" fmla="*/ 523169 h 922640"/>
+              <a:gd name="connsiteX3" fmla="*/ 1096977 w 2255689"/>
+              <a:gd name="connsiteY3" fmla="*/ 922562 h 922640"/>
+              <a:gd name="connsiteX4" fmla="*/ 3902 w 2255689"/>
+              <a:gd name="connsiteY4" fmla="*/ 323472 h 922640"/>
+              <a:gd name="connsiteX5" fmla="*/ 771156 w 2255689"/>
+              <a:gd name="connsiteY5" fmla="*/ 60713 h 922640"/>
+              <a:gd name="connsiteX0" fmla="*/ 771156 w 2232351"/>
+              <a:gd name="connsiteY0" fmla="*/ 60713 h 922640"/>
+              <a:gd name="connsiteX1" fmla="*/ 1780150 w 2232351"/>
+              <a:gd name="connsiteY1" fmla="*/ 39692 h 922640"/>
+              <a:gd name="connsiteX2" fmla="*/ 2232095 w 2232351"/>
+              <a:gd name="connsiteY2" fmla="*/ 523169 h 922640"/>
+              <a:gd name="connsiteX3" fmla="*/ 1096977 w 2232351"/>
+              <a:gd name="connsiteY3" fmla="*/ 922562 h 922640"/>
+              <a:gd name="connsiteX4" fmla="*/ 3902 w 2232351"/>
+              <a:gd name="connsiteY4" fmla="*/ 323472 h 922640"/>
+              <a:gd name="connsiteX5" fmla="*/ 771156 w 2232351"/>
+              <a:gd name="connsiteY5" fmla="*/ 60713 h 922640"/>
+              <a:gd name="connsiteX0" fmla="*/ 771156 w 2232351"/>
+              <a:gd name="connsiteY0" fmla="*/ 55328 h 917255"/>
+              <a:gd name="connsiteX1" fmla="*/ 1780150 w 2232351"/>
+              <a:gd name="connsiteY1" fmla="*/ 34307 h 917255"/>
+              <a:gd name="connsiteX2" fmla="*/ 2232095 w 2232351"/>
+              <a:gd name="connsiteY2" fmla="*/ 444211 h 917255"/>
+              <a:gd name="connsiteX3" fmla="*/ 1096977 w 2232351"/>
+              <a:gd name="connsiteY3" fmla="*/ 917177 h 917255"/>
+              <a:gd name="connsiteX4" fmla="*/ 3902 w 2232351"/>
+              <a:gd name="connsiteY4" fmla="*/ 318087 h 917255"/>
+              <a:gd name="connsiteX5" fmla="*/ 771156 w 2232351"/>
+              <a:gd name="connsiteY5" fmla="*/ 55328 h 917255"/>
+              <a:gd name="connsiteX0" fmla="*/ 771156 w 2232351"/>
+              <a:gd name="connsiteY0" fmla="*/ 9202 h 1091853"/>
+              <a:gd name="connsiteX1" fmla="*/ 1780150 w 2232351"/>
+              <a:gd name="connsiteY1" fmla="*/ 208898 h 1091853"/>
+              <a:gd name="connsiteX2" fmla="*/ 2232095 w 2232351"/>
+              <a:gd name="connsiteY2" fmla="*/ 618802 h 1091853"/>
+              <a:gd name="connsiteX3" fmla="*/ 1096977 w 2232351"/>
+              <a:gd name="connsiteY3" fmla="*/ 1091768 h 1091853"/>
+              <a:gd name="connsiteX4" fmla="*/ 3902 w 2232351"/>
+              <a:gd name="connsiteY4" fmla="*/ 492678 h 1091853"/>
+              <a:gd name="connsiteX5" fmla="*/ 771156 w 2232351"/>
+              <a:gd name="connsiteY5" fmla="*/ 9202 h 1091853"/>
+              <a:gd name="connsiteX0" fmla="*/ 771405 w 2292176"/>
+              <a:gd name="connsiteY0" fmla="*/ 33877 h 1116528"/>
+              <a:gd name="connsiteX1" fmla="*/ 1990606 w 2292176"/>
+              <a:gd name="connsiteY1" fmla="*/ 107449 h 1116528"/>
+              <a:gd name="connsiteX2" fmla="*/ 2232344 w 2292176"/>
+              <a:gd name="connsiteY2" fmla="*/ 643477 h 1116528"/>
+              <a:gd name="connsiteX3" fmla="*/ 1097226 w 2292176"/>
+              <a:gd name="connsiteY3" fmla="*/ 1116443 h 1116528"/>
+              <a:gd name="connsiteX4" fmla="*/ 4151 w 2292176"/>
+              <a:gd name="connsiteY4" fmla="*/ 517353 h 1116528"/>
+              <a:gd name="connsiteX5" fmla="*/ 771405 w 2292176"/>
+              <a:gd name="connsiteY5" fmla="*/ 33877 h 1116528"/>
+              <a:gd name="connsiteX0" fmla="*/ 771672 w 2371330"/>
+              <a:gd name="connsiteY0" fmla="*/ 19835 h 1102486"/>
+              <a:gd name="connsiteX1" fmla="*/ 2190569 w 2371330"/>
+              <a:gd name="connsiteY1" fmla="*/ 145959 h 1102486"/>
+              <a:gd name="connsiteX2" fmla="*/ 2232611 w 2371330"/>
+              <a:gd name="connsiteY2" fmla="*/ 629435 h 1102486"/>
+              <a:gd name="connsiteX3" fmla="*/ 1097493 w 2371330"/>
+              <a:gd name="connsiteY3" fmla="*/ 1102401 h 1102486"/>
+              <a:gd name="connsiteX4" fmla="*/ 4418 w 2371330"/>
+              <a:gd name="connsiteY4" fmla="*/ 503311 h 1102486"/>
+              <a:gd name="connsiteX5" fmla="*/ 771672 w 2371330"/>
+              <a:gd name="connsiteY5" fmla="*/ 19835 h 1102486"/>
+              <a:gd name="connsiteX0" fmla="*/ 771672 w 2440055"/>
+              <a:gd name="connsiteY0" fmla="*/ 23506 h 1106157"/>
+              <a:gd name="connsiteX1" fmla="*/ 2190569 w 2440055"/>
+              <a:gd name="connsiteY1" fmla="*/ 149630 h 1106157"/>
+              <a:gd name="connsiteX2" fmla="*/ 2337714 w 2440055"/>
+              <a:gd name="connsiteY2" fmla="*/ 790762 h 1106157"/>
+              <a:gd name="connsiteX3" fmla="*/ 1097493 w 2440055"/>
+              <a:gd name="connsiteY3" fmla="*/ 1106072 h 1106157"/>
+              <a:gd name="connsiteX4" fmla="*/ 4418 w 2440055"/>
+              <a:gd name="connsiteY4" fmla="*/ 506982 h 1106157"/>
+              <a:gd name="connsiteX5" fmla="*/ 771672 w 2440055"/>
+              <a:gd name="connsiteY5" fmla="*/ 23506 h 1106157"/>
+              <a:gd name="connsiteX0" fmla="*/ 782486 w 2426409"/>
+              <a:gd name="connsiteY0" fmla="*/ 23506 h 1274301"/>
+              <a:gd name="connsiteX1" fmla="*/ 2201383 w 2426409"/>
+              <a:gd name="connsiteY1" fmla="*/ 149630 h 1274301"/>
+              <a:gd name="connsiteX2" fmla="*/ 2348528 w 2426409"/>
+              <a:gd name="connsiteY2" fmla="*/ 790762 h 1274301"/>
+              <a:gd name="connsiteX3" fmla="*/ 1444638 w 2426409"/>
+              <a:gd name="connsiteY3" fmla="*/ 1274237 h 1274301"/>
+              <a:gd name="connsiteX4" fmla="*/ 15232 w 2426409"/>
+              <a:gd name="connsiteY4" fmla="*/ 506982 h 1274301"/>
+              <a:gd name="connsiteX5" fmla="*/ 782486 w 2426409"/>
+              <a:gd name="connsiteY5" fmla="*/ 23506 h 1274301"/>
+              <a:gd name="connsiteX0" fmla="*/ 1030815 w 2674738"/>
+              <a:gd name="connsiteY0" fmla="*/ 23506 h 1274301"/>
+              <a:gd name="connsiteX1" fmla="*/ 2449712 w 2674738"/>
+              <a:gd name="connsiteY1" fmla="*/ 149630 h 1274301"/>
+              <a:gd name="connsiteX2" fmla="*/ 2596857 w 2674738"/>
+              <a:gd name="connsiteY2" fmla="*/ 790762 h 1274301"/>
+              <a:gd name="connsiteX3" fmla="*/ 1692967 w 2674738"/>
+              <a:gd name="connsiteY3" fmla="*/ 1274237 h 1274301"/>
+              <a:gd name="connsiteX4" fmla="*/ 11313 w 2674738"/>
+              <a:gd name="connsiteY4" fmla="*/ 506982 h 1274301"/>
+              <a:gd name="connsiteX5" fmla="*/ 1030815 w 2674738"/>
+              <a:gd name="connsiteY5" fmla="*/ 23506 h 1274301"/>
+              <a:gd name="connsiteX0" fmla="*/ 794714 w 2703461"/>
+              <a:gd name="connsiteY0" fmla="*/ 27079 h 1256854"/>
+              <a:gd name="connsiteX1" fmla="*/ 2465860 w 2703461"/>
+              <a:gd name="connsiteY1" fmla="*/ 132183 h 1256854"/>
+              <a:gd name="connsiteX2" fmla="*/ 2613005 w 2703461"/>
+              <a:gd name="connsiteY2" fmla="*/ 773315 h 1256854"/>
+              <a:gd name="connsiteX3" fmla="*/ 1709115 w 2703461"/>
+              <a:gd name="connsiteY3" fmla="*/ 1256790 h 1256854"/>
+              <a:gd name="connsiteX4" fmla="*/ 27461 w 2703461"/>
+              <a:gd name="connsiteY4" fmla="*/ 489535 h 1256854"/>
+              <a:gd name="connsiteX5" fmla="*/ 794714 w 2703461"/>
+              <a:gd name="connsiteY5" fmla="*/ 27079 h 1256854"/>
+              <a:gd name="connsiteX0" fmla="*/ 794714 w 2703461"/>
+              <a:gd name="connsiteY0" fmla="*/ 27079 h 1258034"/>
+              <a:gd name="connsiteX1" fmla="*/ 2465860 w 2703461"/>
+              <a:gd name="connsiteY1" fmla="*/ 132183 h 1258034"/>
+              <a:gd name="connsiteX2" fmla="*/ 2613005 w 2703461"/>
+              <a:gd name="connsiteY2" fmla="*/ 773315 h 1258034"/>
+              <a:gd name="connsiteX3" fmla="*/ 1709115 w 2703461"/>
+              <a:gd name="connsiteY3" fmla="*/ 1256790 h 1258034"/>
+              <a:gd name="connsiteX4" fmla="*/ 647571 w 2703461"/>
+              <a:gd name="connsiteY4" fmla="*/ 899437 h 1258034"/>
+              <a:gd name="connsiteX5" fmla="*/ 27461 w 2703461"/>
+              <a:gd name="connsiteY5" fmla="*/ 489535 h 1258034"/>
+              <a:gd name="connsiteX6" fmla="*/ 794714 w 2703461"/>
+              <a:gd name="connsiteY6" fmla="*/ 27079 h 1258034"/>
+              <a:gd name="connsiteX0" fmla="*/ 768429 w 2677176"/>
+              <a:gd name="connsiteY0" fmla="*/ 27079 h 1258708"/>
+              <a:gd name="connsiteX1" fmla="*/ 2439575 w 2677176"/>
+              <a:gd name="connsiteY1" fmla="*/ 132183 h 1258708"/>
+              <a:gd name="connsiteX2" fmla="*/ 2586720 w 2677176"/>
+              <a:gd name="connsiteY2" fmla="*/ 773315 h 1258708"/>
+              <a:gd name="connsiteX3" fmla="*/ 1682830 w 2677176"/>
+              <a:gd name="connsiteY3" fmla="*/ 1256790 h 1258708"/>
+              <a:gd name="connsiteX4" fmla="*/ 621286 w 2677176"/>
+              <a:gd name="connsiteY4" fmla="*/ 994030 h 1258708"/>
+              <a:gd name="connsiteX5" fmla="*/ 1176 w 2677176"/>
+              <a:gd name="connsiteY5" fmla="*/ 489535 h 1258708"/>
+              <a:gd name="connsiteX6" fmla="*/ 768429 w 2677176"/>
+              <a:gd name="connsiteY6" fmla="*/ 27079 h 1258708"/>
+              <a:gd name="connsiteX0" fmla="*/ 599135 w 2685144"/>
+              <a:gd name="connsiteY0" fmla="*/ 27079 h 1258708"/>
+              <a:gd name="connsiteX1" fmla="*/ 2438446 w 2685144"/>
+              <a:gd name="connsiteY1" fmla="*/ 132183 h 1258708"/>
+              <a:gd name="connsiteX2" fmla="*/ 2585591 w 2685144"/>
+              <a:gd name="connsiteY2" fmla="*/ 773315 h 1258708"/>
+              <a:gd name="connsiteX3" fmla="*/ 1681701 w 2685144"/>
+              <a:gd name="connsiteY3" fmla="*/ 1256790 h 1258708"/>
+              <a:gd name="connsiteX4" fmla="*/ 620157 w 2685144"/>
+              <a:gd name="connsiteY4" fmla="*/ 994030 h 1258708"/>
+              <a:gd name="connsiteX5" fmla="*/ 47 w 2685144"/>
+              <a:gd name="connsiteY5" fmla="*/ 489535 h 1258708"/>
+              <a:gd name="connsiteX6" fmla="*/ 599135 w 2685144"/>
+              <a:gd name="connsiteY6" fmla="*/ 27079 h 1258708"/>
+              <a:gd name="connsiteX0" fmla="*/ 599136 w 2713039"/>
+              <a:gd name="connsiteY0" fmla="*/ 38010 h 1269639"/>
+              <a:gd name="connsiteX1" fmla="*/ 2490998 w 2713039"/>
+              <a:gd name="connsiteY1" fmla="*/ 111583 h 1269639"/>
+              <a:gd name="connsiteX2" fmla="*/ 2585592 w 2713039"/>
+              <a:gd name="connsiteY2" fmla="*/ 784246 h 1269639"/>
+              <a:gd name="connsiteX3" fmla="*/ 1681702 w 2713039"/>
+              <a:gd name="connsiteY3" fmla="*/ 1267721 h 1269639"/>
+              <a:gd name="connsiteX4" fmla="*/ 620158 w 2713039"/>
+              <a:gd name="connsiteY4" fmla="*/ 1004961 h 1269639"/>
+              <a:gd name="connsiteX5" fmla="*/ 48 w 2713039"/>
+              <a:gd name="connsiteY5" fmla="*/ 500466 h 1269639"/>
+              <a:gd name="connsiteX6" fmla="*/ 599136 w 2713039"/>
+              <a:gd name="connsiteY6" fmla="*/ 38010 h 1269639"/>
+              <a:gd name="connsiteX0" fmla="*/ 599136 w 2737668"/>
+              <a:gd name="connsiteY0" fmla="*/ 38968 h 1270597"/>
+              <a:gd name="connsiteX1" fmla="*/ 2490998 w 2737668"/>
+              <a:gd name="connsiteY1" fmla="*/ 112541 h 1270597"/>
+              <a:gd name="connsiteX2" fmla="*/ 2627633 w 2737668"/>
+              <a:gd name="connsiteY2" fmla="*/ 806225 h 1270597"/>
+              <a:gd name="connsiteX3" fmla="*/ 1681702 w 2737668"/>
+              <a:gd name="connsiteY3" fmla="*/ 1268679 h 1270597"/>
+              <a:gd name="connsiteX4" fmla="*/ 620158 w 2737668"/>
+              <a:gd name="connsiteY4" fmla="*/ 1005919 h 1270597"/>
+              <a:gd name="connsiteX5" fmla="*/ 48 w 2737668"/>
+              <a:gd name="connsiteY5" fmla="*/ 501424 h 1270597"/>
+              <a:gd name="connsiteX6" fmla="*/ 599136 w 2737668"/>
+              <a:gd name="connsiteY6" fmla="*/ 38968 h 1270597"/>
+              <a:gd name="connsiteX0" fmla="*/ 599508 w 2738040"/>
+              <a:gd name="connsiteY0" fmla="*/ 38968 h 1270154"/>
+              <a:gd name="connsiteX1" fmla="*/ 2491370 w 2738040"/>
+              <a:gd name="connsiteY1" fmla="*/ 112541 h 1270154"/>
+              <a:gd name="connsiteX2" fmla="*/ 2628005 w 2738040"/>
+              <a:gd name="connsiteY2" fmla="*/ 806225 h 1270154"/>
+              <a:gd name="connsiteX3" fmla="*/ 1682074 w 2738040"/>
+              <a:gd name="connsiteY3" fmla="*/ 1268679 h 1270154"/>
+              <a:gd name="connsiteX4" fmla="*/ 525937 w 2738040"/>
+              <a:gd name="connsiteY4" fmla="*/ 953368 h 1270154"/>
+              <a:gd name="connsiteX5" fmla="*/ 420 w 2738040"/>
+              <a:gd name="connsiteY5" fmla="*/ 501424 h 1270154"/>
+              <a:gd name="connsiteX6" fmla="*/ 599508 w 2738040"/>
+              <a:gd name="connsiteY6" fmla="*/ 38968 h 1270154"/>
+              <a:gd name="connsiteX0" fmla="*/ 599494 w 2738026"/>
+              <a:gd name="connsiteY0" fmla="*/ 38968 h 1270154"/>
+              <a:gd name="connsiteX1" fmla="*/ 2491356 w 2738026"/>
+              <a:gd name="connsiteY1" fmla="*/ 112541 h 1270154"/>
+              <a:gd name="connsiteX2" fmla="*/ 2627991 w 2738026"/>
+              <a:gd name="connsiteY2" fmla="*/ 806225 h 1270154"/>
+              <a:gd name="connsiteX3" fmla="*/ 1682060 w 2738026"/>
+              <a:gd name="connsiteY3" fmla="*/ 1268679 h 1270154"/>
+              <a:gd name="connsiteX4" fmla="*/ 525923 w 2738026"/>
+              <a:gd name="connsiteY4" fmla="*/ 953368 h 1270154"/>
+              <a:gd name="connsiteX5" fmla="*/ 406 w 2738026"/>
+              <a:gd name="connsiteY5" fmla="*/ 501424 h 1270154"/>
+              <a:gd name="connsiteX6" fmla="*/ 599494 w 2738026"/>
+              <a:gd name="connsiteY6" fmla="*/ 38968 h 1270154"/>
+              <a:gd name="connsiteX0" fmla="*/ 603723 w 2742255"/>
+              <a:gd name="connsiteY0" fmla="*/ 38968 h 1270154"/>
+              <a:gd name="connsiteX1" fmla="*/ 2495585 w 2742255"/>
+              <a:gd name="connsiteY1" fmla="*/ 112541 h 1270154"/>
+              <a:gd name="connsiteX2" fmla="*/ 2632220 w 2742255"/>
+              <a:gd name="connsiteY2" fmla="*/ 806225 h 1270154"/>
+              <a:gd name="connsiteX3" fmla="*/ 1686289 w 2742255"/>
+              <a:gd name="connsiteY3" fmla="*/ 1268679 h 1270154"/>
+              <a:gd name="connsiteX4" fmla="*/ 530152 w 2742255"/>
+              <a:gd name="connsiteY4" fmla="*/ 953368 h 1270154"/>
+              <a:gd name="connsiteX5" fmla="*/ 4635 w 2742255"/>
+              <a:gd name="connsiteY5" fmla="*/ 501424 h 1270154"/>
+              <a:gd name="connsiteX6" fmla="*/ 603723 w 2742255"/>
+              <a:gd name="connsiteY6" fmla="*/ 38968 h 1270154"/>
+              <a:gd name="connsiteX0" fmla="*/ 599954 w 2738486"/>
+              <a:gd name="connsiteY0" fmla="*/ 38968 h 1272303"/>
+              <a:gd name="connsiteX1" fmla="*/ 2491816 w 2738486"/>
+              <a:gd name="connsiteY1" fmla="*/ 112541 h 1272303"/>
+              <a:gd name="connsiteX2" fmla="*/ 2628451 w 2738486"/>
+              <a:gd name="connsiteY2" fmla="*/ 806225 h 1272303"/>
+              <a:gd name="connsiteX3" fmla="*/ 1682520 w 2738486"/>
+              <a:gd name="connsiteY3" fmla="*/ 1268679 h 1272303"/>
+              <a:gd name="connsiteX4" fmla="*/ 694548 w 2738486"/>
+              <a:gd name="connsiteY4" fmla="*/ 1090003 h 1272303"/>
+              <a:gd name="connsiteX5" fmla="*/ 866 w 2738486"/>
+              <a:gd name="connsiteY5" fmla="*/ 501424 h 1272303"/>
+              <a:gd name="connsiteX6" fmla="*/ 599954 w 2738486"/>
+              <a:gd name="connsiteY6" fmla="*/ 38968 h 1272303"/>
+            </a:gdLst>
+            <a:ahLst/>
+            <a:cxnLst>
+              <a:cxn ang="0">
+                <a:pos x="connsiteX0" y="connsiteY0"/>
+              </a:cxn>
+              <a:cxn ang="0">
+                <a:pos x="connsiteX1" y="connsiteY1"/>
+              </a:cxn>
+              <a:cxn ang="0">
+                <a:pos x="connsiteX2" y="connsiteY2"/>
+              </a:cxn>
+              <a:cxn ang="0">
+                <a:pos x="connsiteX3" y="connsiteY3"/>
+              </a:cxn>
+              <a:cxn ang="0">
+                <a:pos x="connsiteX4" y="connsiteY4"/>
+              </a:cxn>
+              <a:cxn ang="0">
+                <a:pos x="connsiteX5" y="connsiteY5"/>
+              </a:cxn>
+              <a:cxn ang="0">
+                <a:pos x="connsiteX6" y="connsiteY6"/>
+              </a:cxn>
+            </a:cxnLst>
+            <a:rect l="l" t="t" r="r" b="b"/>
+            <a:pathLst>
+              <a:path w="2738486" h="1272303">
+                <a:moveTo>
+                  <a:pt x="599954" y="38968"/>
+                </a:moveTo>
+                <a:cubicBezTo>
+                  <a:pt x="1015112" y="-25846"/>
+                  <a:pt x="2153733" y="-15335"/>
+                  <a:pt x="2491816" y="112541"/>
+                </a:cubicBezTo>
+                <a:cubicBezTo>
+                  <a:pt x="2829899" y="240417"/>
+                  <a:pt x="2763334" y="613535"/>
+                  <a:pt x="2628451" y="806225"/>
+                </a:cubicBezTo>
+                <a:cubicBezTo>
+                  <a:pt x="2493568" y="998915"/>
+                  <a:pt x="2010092" y="1247659"/>
+                  <a:pt x="1682520" y="1268679"/>
+                </a:cubicBezTo>
+                <a:cubicBezTo>
+                  <a:pt x="1354948" y="1289699"/>
+                  <a:pt x="974824" y="1217879"/>
+                  <a:pt x="694548" y="1090003"/>
+                </a:cubicBezTo>
+                <a:cubicBezTo>
+                  <a:pt x="424783" y="941106"/>
+                  <a:pt x="16632" y="676596"/>
+                  <a:pt x="866" y="501424"/>
+                </a:cubicBezTo>
+                <a:cubicBezTo>
+                  <a:pt x="-14900" y="326252"/>
+                  <a:pt x="184796" y="103782"/>
+                  <a:pt x="599954" y="38968"/>
+                </a:cubicBezTo>
+                <a:close/>
+              </a:path>
+            </a:pathLst>
+          </a:custGeom>
+          <a:gradFill flip="none" rotWithShape="1">
+            <a:gsLst>
+              <a:gs pos="100000">
+                <a:schemeClr val="accent2"/>
+              </a:gs>
+              <a:gs pos="30000">
+                <a:schemeClr val="bg1"/>
+              </a:gs>
+            </a:gsLst>
+            <a:lin ang="16200000" scaled="1"/>
+            <a:tileRect/>
+          </a:gradFill>
+        </p:spPr>
+        <p:style>
+          <a:lnRef idx="2">
+            <a:schemeClr val="accent1">
+              <a:shade val="50000"/>
+            </a:schemeClr>
+          </a:lnRef>
+          <a:fillRef idx="1">
+            <a:schemeClr val="accent1"/>
+          </a:fillRef>
+          <a:effectRef idx="0">
+            <a:schemeClr val="accent1"/>
+          </a:effectRef>
+          <a:fontRef idx="minor">
+            <a:schemeClr val="lt1"/>
+          </a:fontRef>
+        </p:style>
+        <p:txBody>
+          <a:bodyPr rtlCol="0" anchor="ctr"/>
+          <a:lstStyle/>
+          <a:p>
+            <a:pPr algn="ctr"/>
+            <a:endParaRPr lang="en-US"/>
+          </a:p>
+        </p:txBody>
+      </p:sp>
+      <p:sp>
+        <p:nvSpPr>
+          <p:cNvPr id="6" name="Freeform 5"/>
+          <p:cNvSpPr/>
+          <p:nvPr/>
+        </p:nvSpPr>
+        <p:spPr>
+          <a:xfrm>
+            <a:off x="6553456" y="3808566"/>
+            <a:ext cx="1770438" cy="822547"/>
+          </a:xfrm>
+          <a:custGeom>
+            <a:avLst/>
+            <a:gdLst>
+              <a:gd name="connsiteX0" fmla="*/ 936282 w 2355343"/>
+              <a:gd name="connsiteY0" fmla="*/ 63809 h 1020362"/>
+              <a:gd name="connsiteX1" fmla="*/ 1808641 w 2355343"/>
+              <a:gd name="connsiteY1" fmla="*/ 53299 h 1020362"/>
+              <a:gd name="connsiteX2" fmla="*/ 2334158 w 2355343"/>
+              <a:gd name="connsiteY2" fmla="*/ 505244 h 1020362"/>
+              <a:gd name="connsiteX3" fmla="*/ 1093937 w 2355343"/>
+              <a:gd name="connsiteY3" fmla="*/ 1020251 h 1020362"/>
+              <a:gd name="connsiteX4" fmla="*/ 862 w 2355343"/>
+              <a:gd name="connsiteY4" fmla="*/ 547285 h 1020362"/>
+              <a:gd name="connsiteX5" fmla="*/ 936282 w 2355343"/>
+              <a:gd name="connsiteY5" fmla="*/ 63809 h 1020362"/>
+              <a:gd name="connsiteX0" fmla="*/ 936282 w 2355343"/>
+              <a:gd name="connsiteY0" fmla="*/ 56594 h 1013116"/>
+              <a:gd name="connsiteX1" fmla="*/ 1808641 w 2355343"/>
+              <a:gd name="connsiteY1" fmla="*/ 46084 h 1013116"/>
+              <a:gd name="connsiteX2" fmla="*/ 2334158 w 2355343"/>
+              <a:gd name="connsiteY2" fmla="*/ 498029 h 1013116"/>
+              <a:gd name="connsiteX3" fmla="*/ 1093937 w 2355343"/>
+              <a:gd name="connsiteY3" fmla="*/ 1013036 h 1013116"/>
+              <a:gd name="connsiteX4" fmla="*/ 862 w 2355343"/>
+              <a:gd name="connsiteY4" fmla="*/ 413946 h 1013116"/>
+              <a:gd name="connsiteX5" fmla="*/ 936282 w 2355343"/>
+              <a:gd name="connsiteY5" fmla="*/ 56594 h 1013116"/>
+              <a:gd name="connsiteX0" fmla="*/ 771191 w 2359575"/>
+              <a:gd name="connsiteY0" fmla="*/ 122282 h 984209"/>
+              <a:gd name="connsiteX1" fmla="*/ 1811716 w 2359575"/>
+              <a:gd name="connsiteY1" fmla="*/ 17179 h 984209"/>
+              <a:gd name="connsiteX2" fmla="*/ 2337233 w 2359575"/>
+              <a:gd name="connsiteY2" fmla="*/ 469124 h 984209"/>
+              <a:gd name="connsiteX3" fmla="*/ 1097012 w 2359575"/>
+              <a:gd name="connsiteY3" fmla="*/ 984131 h 984209"/>
+              <a:gd name="connsiteX4" fmla="*/ 3937 w 2359575"/>
+              <a:gd name="connsiteY4" fmla="*/ 385041 h 984209"/>
+              <a:gd name="connsiteX5" fmla="*/ 771191 w 2359575"/>
+              <a:gd name="connsiteY5" fmla="*/ 122282 h 984209"/>
+              <a:gd name="connsiteX0" fmla="*/ 771156 w 2356731"/>
+              <a:gd name="connsiteY0" fmla="*/ 52261 h 914188"/>
+              <a:gd name="connsiteX1" fmla="*/ 1780150 w 2356731"/>
+              <a:gd name="connsiteY1" fmla="*/ 31240 h 914188"/>
+              <a:gd name="connsiteX2" fmla="*/ 2337198 w 2356731"/>
+              <a:gd name="connsiteY2" fmla="*/ 399103 h 914188"/>
+              <a:gd name="connsiteX3" fmla="*/ 1096977 w 2356731"/>
+              <a:gd name="connsiteY3" fmla="*/ 914110 h 914188"/>
+              <a:gd name="connsiteX4" fmla="*/ 3902 w 2356731"/>
+              <a:gd name="connsiteY4" fmla="*/ 315020 h 914188"/>
+              <a:gd name="connsiteX5" fmla="*/ 771156 w 2356731"/>
+              <a:gd name="connsiteY5" fmla="*/ 52261 h 914188"/>
+              <a:gd name="connsiteX0" fmla="*/ 771156 w 2255689"/>
+              <a:gd name="connsiteY0" fmla="*/ 60713 h 922640"/>
+              <a:gd name="connsiteX1" fmla="*/ 1780150 w 2255689"/>
+              <a:gd name="connsiteY1" fmla="*/ 39692 h 922640"/>
+              <a:gd name="connsiteX2" fmla="*/ 2232095 w 2255689"/>
+              <a:gd name="connsiteY2" fmla="*/ 523169 h 922640"/>
+              <a:gd name="connsiteX3" fmla="*/ 1096977 w 2255689"/>
+              <a:gd name="connsiteY3" fmla="*/ 922562 h 922640"/>
+              <a:gd name="connsiteX4" fmla="*/ 3902 w 2255689"/>
+              <a:gd name="connsiteY4" fmla="*/ 323472 h 922640"/>
+              <a:gd name="connsiteX5" fmla="*/ 771156 w 2255689"/>
+              <a:gd name="connsiteY5" fmla="*/ 60713 h 922640"/>
+              <a:gd name="connsiteX0" fmla="*/ 771156 w 2232351"/>
+              <a:gd name="connsiteY0" fmla="*/ 60713 h 922640"/>
+              <a:gd name="connsiteX1" fmla="*/ 1780150 w 2232351"/>
+              <a:gd name="connsiteY1" fmla="*/ 39692 h 922640"/>
+              <a:gd name="connsiteX2" fmla="*/ 2232095 w 2232351"/>
+              <a:gd name="connsiteY2" fmla="*/ 523169 h 922640"/>
+              <a:gd name="connsiteX3" fmla="*/ 1096977 w 2232351"/>
+              <a:gd name="connsiteY3" fmla="*/ 922562 h 922640"/>
+              <a:gd name="connsiteX4" fmla="*/ 3902 w 2232351"/>
+              <a:gd name="connsiteY4" fmla="*/ 323472 h 922640"/>
+              <a:gd name="connsiteX5" fmla="*/ 771156 w 2232351"/>
+              <a:gd name="connsiteY5" fmla="*/ 60713 h 922640"/>
+              <a:gd name="connsiteX0" fmla="*/ 771156 w 2232351"/>
+              <a:gd name="connsiteY0" fmla="*/ 55328 h 917255"/>
+              <a:gd name="connsiteX1" fmla="*/ 1780150 w 2232351"/>
+              <a:gd name="connsiteY1" fmla="*/ 34307 h 917255"/>
+              <a:gd name="connsiteX2" fmla="*/ 2232095 w 2232351"/>
+              <a:gd name="connsiteY2" fmla="*/ 444211 h 917255"/>
+              <a:gd name="connsiteX3" fmla="*/ 1096977 w 2232351"/>
+              <a:gd name="connsiteY3" fmla="*/ 917177 h 917255"/>
+              <a:gd name="connsiteX4" fmla="*/ 3902 w 2232351"/>
+              <a:gd name="connsiteY4" fmla="*/ 318087 h 917255"/>
+              <a:gd name="connsiteX5" fmla="*/ 771156 w 2232351"/>
+              <a:gd name="connsiteY5" fmla="*/ 55328 h 917255"/>
+              <a:gd name="connsiteX0" fmla="*/ 771156 w 2232351"/>
+              <a:gd name="connsiteY0" fmla="*/ 9202 h 1091853"/>
+              <a:gd name="connsiteX1" fmla="*/ 1780150 w 2232351"/>
+              <a:gd name="connsiteY1" fmla="*/ 208898 h 1091853"/>
+              <a:gd name="connsiteX2" fmla="*/ 2232095 w 2232351"/>
+              <a:gd name="connsiteY2" fmla="*/ 618802 h 1091853"/>
+              <a:gd name="connsiteX3" fmla="*/ 1096977 w 2232351"/>
+              <a:gd name="connsiteY3" fmla="*/ 1091768 h 1091853"/>
+              <a:gd name="connsiteX4" fmla="*/ 3902 w 2232351"/>
+              <a:gd name="connsiteY4" fmla="*/ 492678 h 1091853"/>
+              <a:gd name="connsiteX5" fmla="*/ 771156 w 2232351"/>
+              <a:gd name="connsiteY5" fmla="*/ 9202 h 1091853"/>
+              <a:gd name="connsiteX0" fmla="*/ 771405 w 2292176"/>
+              <a:gd name="connsiteY0" fmla="*/ 33877 h 1116528"/>
+              <a:gd name="connsiteX1" fmla="*/ 1990606 w 2292176"/>
+              <a:gd name="connsiteY1" fmla="*/ 107449 h 1116528"/>
+              <a:gd name="connsiteX2" fmla="*/ 2232344 w 2292176"/>
+              <a:gd name="connsiteY2" fmla="*/ 643477 h 1116528"/>
+              <a:gd name="connsiteX3" fmla="*/ 1097226 w 2292176"/>
+              <a:gd name="connsiteY3" fmla="*/ 1116443 h 1116528"/>
+              <a:gd name="connsiteX4" fmla="*/ 4151 w 2292176"/>
+              <a:gd name="connsiteY4" fmla="*/ 517353 h 1116528"/>
+              <a:gd name="connsiteX5" fmla="*/ 771405 w 2292176"/>
+              <a:gd name="connsiteY5" fmla="*/ 33877 h 1116528"/>
+              <a:gd name="connsiteX0" fmla="*/ 771672 w 2371330"/>
+              <a:gd name="connsiteY0" fmla="*/ 19835 h 1102486"/>
+              <a:gd name="connsiteX1" fmla="*/ 2190569 w 2371330"/>
+              <a:gd name="connsiteY1" fmla="*/ 145959 h 1102486"/>
+              <a:gd name="connsiteX2" fmla="*/ 2232611 w 2371330"/>
+              <a:gd name="connsiteY2" fmla="*/ 629435 h 1102486"/>
+              <a:gd name="connsiteX3" fmla="*/ 1097493 w 2371330"/>
+              <a:gd name="connsiteY3" fmla="*/ 1102401 h 1102486"/>
+              <a:gd name="connsiteX4" fmla="*/ 4418 w 2371330"/>
+              <a:gd name="connsiteY4" fmla="*/ 503311 h 1102486"/>
+              <a:gd name="connsiteX5" fmla="*/ 771672 w 2371330"/>
+              <a:gd name="connsiteY5" fmla="*/ 19835 h 1102486"/>
+              <a:gd name="connsiteX0" fmla="*/ 771672 w 2440055"/>
+              <a:gd name="connsiteY0" fmla="*/ 23506 h 1106157"/>
+              <a:gd name="connsiteX1" fmla="*/ 2190569 w 2440055"/>
+              <a:gd name="connsiteY1" fmla="*/ 149630 h 1106157"/>
+              <a:gd name="connsiteX2" fmla="*/ 2337714 w 2440055"/>
+              <a:gd name="connsiteY2" fmla="*/ 790762 h 1106157"/>
+              <a:gd name="connsiteX3" fmla="*/ 1097493 w 2440055"/>
+              <a:gd name="connsiteY3" fmla="*/ 1106072 h 1106157"/>
+              <a:gd name="connsiteX4" fmla="*/ 4418 w 2440055"/>
+              <a:gd name="connsiteY4" fmla="*/ 506982 h 1106157"/>
+              <a:gd name="connsiteX5" fmla="*/ 771672 w 2440055"/>
+              <a:gd name="connsiteY5" fmla="*/ 23506 h 1106157"/>
+              <a:gd name="connsiteX0" fmla="*/ 782486 w 2426409"/>
+              <a:gd name="connsiteY0" fmla="*/ 23506 h 1274301"/>
+              <a:gd name="connsiteX1" fmla="*/ 2201383 w 2426409"/>
+              <a:gd name="connsiteY1" fmla="*/ 149630 h 1274301"/>
+              <a:gd name="connsiteX2" fmla="*/ 2348528 w 2426409"/>
+              <a:gd name="connsiteY2" fmla="*/ 790762 h 1274301"/>
+              <a:gd name="connsiteX3" fmla="*/ 1444638 w 2426409"/>
+              <a:gd name="connsiteY3" fmla="*/ 1274237 h 1274301"/>
+              <a:gd name="connsiteX4" fmla="*/ 15232 w 2426409"/>
+              <a:gd name="connsiteY4" fmla="*/ 506982 h 1274301"/>
+              <a:gd name="connsiteX5" fmla="*/ 782486 w 2426409"/>
+              <a:gd name="connsiteY5" fmla="*/ 23506 h 1274301"/>
+              <a:gd name="connsiteX0" fmla="*/ 1030815 w 2674738"/>
+              <a:gd name="connsiteY0" fmla="*/ 23506 h 1274301"/>
+              <a:gd name="connsiteX1" fmla="*/ 2449712 w 2674738"/>
+              <a:gd name="connsiteY1" fmla="*/ 149630 h 1274301"/>
+              <a:gd name="connsiteX2" fmla="*/ 2596857 w 2674738"/>
+              <a:gd name="connsiteY2" fmla="*/ 790762 h 1274301"/>
+              <a:gd name="connsiteX3" fmla="*/ 1692967 w 2674738"/>
+              <a:gd name="connsiteY3" fmla="*/ 1274237 h 1274301"/>
+              <a:gd name="connsiteX4" fmla="*/ 11313 w 2674738"/>
+              <a:gd name="connsiteY4" fmla="*/ 506982 h 1274301"/>
+              <a:gd name="connsiteX5" fmla="*/ 1030815 w 2674738"/>
+              <a:gd name="connsiteY5" fmla="*/ 23506 h 1274301"/>
+              <a:gd name="connsiteX0" fmla="*/ 794714 w 2703461"/>
+              <a:gd name="connsiteY0" fmla="*/ 27079 h 1256854"/>
+              <a:gd name="connsiteX1" fmla="*/ 2465860 w 2703461"/>
+              <a:gd name="connsiteY1" fmla="*/ 132183 h 1256854"/>
+              <a:gd name="connsiteX2" fmla="*/ 2613005 w 2703461"/>
+              <a:gd name="connsiteY2" fmla="*/ 773315 h 1256854"/>
+              <a:gd name="connsiteX3" fmla="*/ 1709115 w 2703461"/>
+              <a:gd name="connsiteY3" fmla="*/ 1256790 h 1256854"/>
+              <a:gd name="connsiteX4" fmla="*/ 27461 w 2703461"/>
+              <a:gd name="connsiteY4" fmla="*/ 489535 h 1256854"/>
+              <a:gd name="connsiteX5" fmla="*/ 794714 w 2703461"/>
+              <a:gd name="connsiteY5" fmla="*/ 27079 h 1256854"/>
+              <a:gd name="connsiteX0" fmla="*/ 794714 w 2703461"/>
+              <a:gd name="connsiteY0" fmla="*/ 27079 h 1258034"/>
+              <a:gd name="connsiteX1" fmla="*/ 2465860 w 2703461"/>
+              <a:gd name="connsiteY1" fmla="*/ 132183 h 1258034"/>
+              <a:gd name="connsiteX2" fmla="*/ 2613005 w 2703461"/>
+              <a:gd name="connsiteY2" fmla="*/ 773315 h 1258034"/>
+              <a:gd name="connsiteX3" fmla="*/ 1709115 w 2703461"/>
+              <a:gd name="connsiteY3" fmla="*/ 1256790 h 1258034"/>
+              <a:gd name="connsiteX4" fmla="*/ 647571 w 2703461"/>
+              <a:gd name="connsiteY4" fmla="*/ 899437 h 1258034"/>
+              <a:gd name="connsiteX5" fmla="*/ 27461 w 2703461"/>
+              <a:gd name="connsiteY5" fmla="*/ 489535 h 1258034"/>
+              <a:gd name="connsiteX6" fmla="*/ 794714 w 2703461"/>
+              <a:gd name="connsiteY6" fmla="*/ 27079 h 1258034"/>
+              <a:gd name="connsiteX0" fmla="*/ 768429 w 2677176"/>
+              <a:gd name="connsiteY0" fmla="*/ 27079 h 1258708"/>
+              <a:gd name="connsiteX1" fmla="*/ 2439575 w 2677176"/>
+              <a:gd name="connsiteY1" fmla="*/ 132183 h 1258708"/>
+              <a:gd name="connsiteX2" fmla="*/ 2586720 w 2677176"/>
+              <a:gd name="connsiteY2" fmla="*/ 773315 h 1258708"/>
+              <a:gd name="connsiteX3" fmla="*/ 1682830 w 2677176"/>
+              <a:gd name="connsiteY3" fmla="*/ 1256790 h 1258708"/>
+              <a:gd name="connsiteX4" fmla="*/ 621286 w 2677176"/>
+              <a:gd name="connsiteY4" fmla="*/ 994030 h 1258708"/>
+              <a:gd name="connsiteX5" fmla="*/ 1176 w 2677176"/>
+              <a:gd name="connsiteY5" fmla="*/ 489535 h 1258708"/>
+              <a:gd name="connsiteX6" fmla="*/ 768429 w 2677176"/>
+              <a:gd name="connsiteY6" fmla="*/ 27079 h 1258708"/>
+              <a:gd name="connsiteX0" fmla="*/ 599135 w 2685144"/>
+              <a:gd name="connsiteY0" fmla="*/ 27079 h 1258708"/>
+              <a:gd name="connsiteX1" fmla="*/ 2438446 w 2685144"/>
+              <a:gd name="connsiteY1" fmla="*/ 132183 h 1258708"/>
+              <a:gd name="connsiteX2" fmla="*/ 2585591 w 2685144"/>
+              <a:gd name="connsiteY2" fmla="*/ 773315 h 1258708"/>
+              <a:gd name="connsiteX3" fmla="*/ 1681701 w 2685144"/>
+              <a:gd name="connsiteY3" fmla="*/ 1256790 h 1258708"/>
+              <a:gd name="connsiteX4" fmla="*/ 620157 w 2685144"/>
+              <a:gd name="connsiteY4" fmla="*/ 994030 h 1258708"/>
+              <a:gd name="connsiteX5" fmla="*/ 47 w 2685144"/>
+              <a:gd name="connsiteY5" fmla="*/ 489535 h 1258708"/>
+              <a:gd name="connsiteX6" fmla="*/ 599135 w 2685144"/>
+              <a:gd name="connsiteY6" fmla="*/ 27079 h 1258708"/>
+              <a:gd name="connsiteX0" fmla="*/ 599136 w 2713039"/>
+              <a:gd name="connsiteY0" fmla="*/ 38010 h 1269639"/>
+              <a:gd name="connsiteX1" fmla="*/ 2490998 w 2713039"/>
+              <a:gd name="connsiteY1" fmla="*/ 111583 h 1269639"/>
+              <a:gd name="connsiteX2" fmla="*/ 2585592 w 2713039"/>
+              <a:gd name="connsiteY2" fmla="*/ 784246 h 1269639"/>
+              <a:gd name="connsiteX3" fmla="*/ 1681702 w 2713039"/>
+              <a:gd name="connsiteY3" fmla="*/ 1267721 h 1269639"/>
+              <a:gd name="connsiteX4" fmla="*/ 620158 w 2713039"/>
+              <a:gd name="connsiteY4" fmla="*/ 1004961 h 1269639"/>
+              <a:gd name="connsiteX5" fmla="*/ 48 w 2713039"/>
+              <a:gd name="connsiteY5" fmla="*/ 500466 h 1269639"/>
+              <a:gd name="connsiteX6" fmla="*/ 599136 w 2713039"/>
+              <a:gd name="connsiteY6" fmla="*/ 38010 h 1269639"/>
+              <a:gd name="connsiteX0" fmla="*/ 599136 w 2737668"/>
+              <a:gd name="connsiteY0" fmla="*/ 38968 h 1270597"/>
+              <a:gd name="connsiteX1" fmla="*/ 2490998 w 2737668"/>
+              <a:gd name="connsiteY1" fmla="*/ 112541 h 1270597"/>
+              <a:gd name="connsiteX2" fmla="*/ 2627633 w 2737668"/>
+              <a:gd name="connsiteY2" fmla="*/ 806225 h 1270597"/>
+              <a:gd name="connsiteX3" fmla="*/ 1681702 w 2737668"/>
+              <a:gd name="connsiteY3" fmla="*/ 1268679 h 1270597"/>
+              <a:gd name="connsiteX4" fmla="*/ 620158 w 2737668"/>
+              <a:gd name="connsiteY4" fmla="*/ 1005919 h 1270597"/>
+              <a:gd name="connsiteX5" fmla="*/ 48 w 2737668"/>
+              <a:gd name="connsiteY5" fmla="*/ 501424 h 1270597"/>
+              <a:gd name="connsiteX6" fmla="*/ 599136 w 2737668"/>
+              <a:gd name="connsiteY6" fmla="*/ 38968 h 1270597"/>
+              <a:gd name="connsiteX0" fmla="*/ 599508 w 2738040"/>
+              <a:gd name="connsiteY0" fmla="*/ 38968 h 1270154"/>
+              <a:gd name="connsiteX1" fmla="*/ 2491370 w 2738040"/>
+              <a:gd name="connsiteY1" fmla="*/ 112541 h 1270154"/>
+              <a:gd name="connsiteX2" fmla="*/ 2628005 w 2738040"/>
+              <a:gd name="connsiteY2" fmla="*/ 806225 h 1270154"/>
+              <a:gd name="connsiteX3" fmla="*/ 1682074 w 2738040"/>
+              <a:gd name="connsiteY3" fmla="*/ 1268679 h 1270154"/>
+              <a:gd name="connsiteX4" fmla="*/ 525937 w 2738040"/>
+              <a:gd name="connsiteY4" fmla="*/ 953368 h 1270154"/>
+              <a:gd name="connsiteX5" fmla="*/ 420 w 2738040"/>
+              <a:gd name="connsiteY5" fmla="*/ 501424 h 1270154"/>
+              <a:gd name="connsiteX6" fmla="*/ 599508 w 2738040"/>
+              <a:gd name="connsiteY6" fmla="*/ 38968 h 1270154"/>
+              <a:gd name="connsiteX0" fmla="*/ 599494 w 2738026"/>
+              <a:gd name="connsiteY0" fmla="*/ 38968 h 1270154"/>
+              <a:gd name="connsiteX1" fmla="*/ 2491356 w 2738026"/>
+              <a:gd name="connsiteY1" fmla="*/ 112541 h 1270154"/>
+              <a:gd name="connsiteX2" fmla="*/ 2627991 w 2738026"/>
+              <a:gd name="connsiteY2" fmla="*/ 806225 h 1270154"/>
+              <a:gd name="connsiteX3" fmla="*/ 1682060 w 2738026"/>
+              <a:gd name="connsiteY3" fmla="*/ 1268679 h 1270154"/>
+              <a:gd name="connsiteX4" fmla="*/ 525923 w 2738026"/>
+              <a:gd name="connsiteY4" fmla="*/ 953368 h 1270154"/>
+              <a:gd name="connsiteX5" fmla="*/ 406 w 2738026"/>
+              <a:gd name="connsiteY5" fmla="*/ 501424 h 1270154"/>
+              <a:gd name="connsiteX6" fmla="*/ 599494 w 2738026"/>
+              <a:gd name="connsiteY6" fmla="*/ 38968 h 1270154"/>
+              <a:gd name="connsiteX0" fmla="*/ 603723 w 2742255"/>
+              <a:gd name="connsiteY0" fmla="*/ 38968 h 1270154"/>
+              <a:gd name="connsiteX1" fmla="*/ 2495585 w 2742255"/>
+              <a:gd name="connsiteY1" fmla="*/ 112541 h 1270154"/>
+              <a:gd name="connsiteX2" fmla="*/ 2632220 w 2742255"/>
+              <a:gd name="connsiteY2" fmla="*/ 806225 h 1270154"/>
+              <a:gd name="connsiteX3" fmla="*/ 1686289 w 2742255"/>
+              <a:gd name="connsiteY3" fmla="*/ 1268679 h 1270154"/>
+              <a:gd name="connsiteX4" fmla="*/ 530152 w 2742255"/>
+              <a:gd name="connsiteY4" fmla="*/ 953368 h 1270154"/>
+              <a:gd name="connsiteX5" fmla="*/ 4635 w 2742255"/>
+              <a:gd name="connsiteY5" fmla="*/ 501424 h 1270154"/>
+              <a:gd name="connsiteX6" fmla="*/ 603723 w 2742255"/>
+              <a:gd name="connsiteY6" fmla="*/ 38968 h 1270154"/>
+              <a:gd name="connsiteX0" fmla="*/ 599954 w 2738486"/>
+              <a:gd name="connsiteY0" fmla="*/ 38968 h 1272303"/>
+              <a:gd name="connsiteX1" fmla="*/ 2491816 w 2738486"/>
+              <a:gd name="connsiteY1" fmla="*/ 112541 h 1272303"/>
+              <a:gd name="connsiteX2" fmla="*/ 2628451 w 2738486"/>
+              <a:gd name="connsiteY2" fmla="*/ 806225 h 1272303"/>
+              <a:gd name="connsiteX3" fmla="*/ 1682520 w 2738486"/>
+              <a:gd name="connsiteY3" fmla="*/ 1268679 h 1272303"/>
+              <a:gd name="connsiteX4" fmla="*/ 694548 w 2738486"/>
+              <a:gd name="connsiteY4" fmla="*/ 1090003 h 1272303"/>
+              <a:gd name="connsiteX5" fmla="*/ 866 w 2738486"/>
+              <a:gd name="connsiteY5" fmla="*/ 501424 h 1272303"/>
+              <a:gd name="connsiteX6" fmla="*/ 599954 w 2738486"/>
+              <a:gd name="connsiteY6" fmla="*/ 38968 h 1272303"/>
+            </a:gdLst>
+            <a:ahLst/>
+            <a:cxnLst>
+              <a:cxn ang="0">
+                <a:pos x="connsiteX0" y="connsiteY0"/>
+              </a:cxn>
+              <a:cxn ang="0">
+                <a:pos x="connsiteX1" y="connsiteY1"/>
+              </a:cxn>
+              <a:cxn ang="0">
+                <a:pos x="connsiteX2" y="connsiteY2"/>
+              </a:cxn>
+              <a:cxn ang="0">
+                <a:pos x="connsiteX3" y="connsiteY3"/>
+              </a:cxn>
+              <a:cxn ang="0">
+                <a:pos x="connsiteX4" y="connsiteY4"/>
+              </a:cxn>
+              <a:cxn ang="0">
+                <a:pos x="connsiteX5" y="connsiteY5"/>
+              </a:cxn>
+              <a:cxn ang="0">
+                <a:pos x="connsiteX6" y="connsiteY6"/>
+              </a:cxn>
+            </a:cxnLst>
+            <a:rect l="l" t="t" r="r" b="b"/>
+            <a:pathLst>
+              <a:path w="2738486" h="1272303">
+                <a:moveTo>
+                  <a:pt x="599954" y="38968"/>
+                </a:moveTo>
+                <a:cubicBezTo>
+                  <a:pt x="1015112" y="-25846"/>
+                  <a:pt x="2153733" y="-15335"/>
+                  <a:pt x="2491816" y="112541"/>
+                </a:cubicBezTo>
+                <a:cubicBezTo>
+                  <a:pt x="2829899" y="240417"/>
+                  <a:pt x="2763334" y="613535"/>
+                  <a:pt x="2628451" y="806225"/>
+                </a:cubicBezTo>
+                <a:cubicBezTo>
+                  <a:pt x="2493568" y="998915"/>
+                  <a:pt x="2010092" y="1247659"/>
+                  <a:pt x="1682520" y="1268679"/>
+                </a:cubicBezTo>
+                <a:cubicBezTo>
+                  <a:pt x="1354948" y="1289699"/>
+                  <a:pt x="974824" y="1217879"/>
+                  <a:pt x="694548" y="1090003"/>
+                </a:cubicBezTo>
+                <a:cubicBezTo>
+                  <a:pt x="424783" y="941106"/>
+                  <a:pt x="16632" y="676596"/>
+                  <a:pt x="866" y="501424"/>
+                </a:cubicBezTo>
+                <a:cubicBezTo>
+                  <a:pt x="-14900" y="326252"/>
+                  <a:pt x="184796" y="103782"/>
+                  <a:pt x="599954" y="38968"/>
+                </a:cubicBezTo>
+                <a:close/>
+              </a:path>
+            </a:pathLst>
+          </a:custGeom>
+          <a:gradFill flip="none" rotWithShape="1">
+            <a:gsLst>
+              <a:gs pos="65000">
+                <a:schemeClr val="bg2">
+                  <a:lumMod val="50000"/>
+                </a:schemeClr>
+              </a:gs>
+              <a:gs pos="85000">
+                <a:schemeClr val="bg1"/>
+              </a:gs>
+              <a:gs pos="30000">
+                <a:schemeClr val="bg1"/>
+              </a:gs>
+            </a:gsLst>
+            <a:lin ang="5400000" scaled="1"/>
+            <a:tileRect/>
+          </a:gradFill>
+        </p:spPr>
+        <p:style>
+          <a:lnRef idx="2">
+            <a:schemeClr val="accent1">
+              <a:shade val="50000"/>
+            </a:schemeClr>
+          </a:lnRef>
+          <a:fillRef idx="1">
+            <a:schemeClr val="accent1"/>
+          </a:fillRef>
+          <a:effectRef idx="0">
+            <a:schemeClr val="accent1"/>
+          </a:effectRef>
+          <a:fontRef idx="minor">
+            <a:schemeClr val="lt1"/>
+          </a:fontRef>
+        </p:style>
+        <p:txBody>
+          <a:bodyPr rtlCol="0" anchor="ctr"/>
+          <a:lstStyle/>
+          <a:p>
+            <a:pPr algn="ctr"/>
+            <a:endParaRPr lang="en-US"/>
+          </a:p>
+        </p:txBody>
+      </p:sp>
+      <p:cxnSp>
+        <p:nvCxnSpPr>
+          <p:cNvPr id="8" name="Straight Arrow Connector 7"/>
+          <p:cNvCxnSpPr/>
+          <p:nvPr/>
+        </p:nvCxnSpPr>
+        <p:spPr>
+          <a:xfrm flipV="1">
+            <a:off x="2210227" y="2795752"/>
+            <a:ext cx="935421" cy="475415"/>
+          </a:xfrm>
+          <a:prstGeom prst="straightConnector1">
+            <a:avLst/>
+          </a:prstGeom>
+          <a:ln w="38100">
+            <a:solidFill>
+              <a:schemeClr val="tx1"/>
+            </a:solidFill>
+            <a:tailEnd type="triangle"/>
+          </a:ln>
+        </p:spPr>
+        <p:style>
+          <a:lnRef idx="1">
+            <a:schemeClr val="accent1"/>
+          </a:lnRef>
+          <a:fillRef idx="0">
+            <a:schemeClr val="accent1"/>
+          </a:fillRef>
+          <a:effectRef idx="0">
+            <a:schemeClr val="accent1"/>
+          </a:effectRef>
+          <a:fontRef idx="minor">
+            <a:schemeClr val="tx1"/>
+          </a:fontRef>
+        </p:style>
+      </p:cxnSp>
+      <p:sp>
+        <p:nvSpPr>
+          <p:cNvPr id="9" name="TextBox 8"/>
+          <p:cNvSpPr txBox="1"/>
+          <p:nvPr/>
+        </p:nvSpPr>
+        <p:spPr>
+          <a:xfrm rot="19877012">
+            <a:off x="1933283" y="2611085"/>
+            <a:ext cx="1211678" cy="369332"/>
+          </a:xfrm>
+          <a:prstGeom prst="rect">
+            <a:avLst/>
+          </a:prstGeom>
+          <a:noFill/>
+        </p:spPr>
+        <p:txBody>
+          <a:bodyPr wrap="none" rtlCol="0">
+            <a:spAutoFit/>
+          </a:bodyPr>
+          <a:lstStyle/>
+          <a:p>
+            <a:r>
+              <a:rPr lang="en-US" smtClean="0"/>
+              <a:t>Repression</a:t>
+            </a:r>
+            <a:endParaRPr lang="en-US"/>
+          </a:p>
+        </p:txBody>
+      </p:sp>
+      <p:cxnSp>
+        <p:nvCxnSpPr>
+          <p:cNvPr id="10" name="Straight Arrow Connector 9"/>
+          <p:cNvCxnSpPr/>
+          <p:nvPr/>
+        </p:nvCxnSpPr>
+        <p:spPr>
+          <a:xfrm>
+            <a:off x="5368954" y="3747437"/>
+            <a:ext cx="965406" cy="458714"/>
+          </a:xfrm>
+          <a:prstGeom prst="straightConnector1">
+            <a:avLst/>
+          </a:prstGeom>
+          <a:ln w="38100">
+            <a:solidFill>
+              <a:schemeClr val="tx1"/>
+            </a:solidFill>
+            <a:tailEnd type="triangle"/>
+          </a:ln>
+        </p:spPr>
+        <p:style>
+          <a:lnRef idx="1">
+            <a:schemeClr val="accent1"/>
+          </a:lnRef>
+          <a:fillRef idx="0">
+            <a:schemeClr val="accent1"/>
+          </a:fillRef>
+          <a:effectRef idx="0">
+            <a:schemeClr val="accent1"/>
+          </a:effectRef>
+          <a:fontRef idx="minor">
+            <a:schemeClr val="tx1"/>
+          </a:fontRef>
+        </p:style>
+      </p:cxnSp>
+      <p:sp>
+        <p:nvSpPr>
+          <p:cNvPr id="12" name="TextBox 11"/>
+          <p:cNvSpPr txBox="1"/>
+          <p:nvPr/>
+        </p:nvSpPr>
+        <p:spPr>
+          <a:xfrm rot="1655532">
+            <a:off x="1940432" y="3792128"/>
+            <a:ext cx="1128386" cy="369332"/>
+          </a:xfrm>
+          <a:prstGeom prst="rect">
+            <a:avLst/>
+          </a:prstGeom>
+          <a:noFill/>
+        </p:spPr>
+        <p:txBody>
+          <a:bodyPr wrap="none" rtlCol="0">
+            <a:spAutoFit/>
+          </a:bodyPr>
+          <a:lstStyle/>
+          <a:p>
+            <a:r>
+              <a:rPr lang="en-US" dirty="0" smtClean="0"/>
+              <a:t>Activation</a:t>
+            </a:r>
+            <a:endParaRPr lang="en-US" dirty="0"/>
+          </a:p>
+        </p:txBody>
+      </p:sp>
+      <p:sp>
+        <p:nvSpPr>
+          <p:cNvPr id="13" name="TextBox 12"/>
+          <p:cNvSpPr txBox="1"/>
+          <p:nvPr/>
+        </p:nvSpPr>
+        <p:spPr>
+          <a:xfrm>
+            <a:off x="3625444" y="3091021"/>
+            <a:ext cx="1322798" cy="369332"/>
+          </a:xfrm>
+          <a:prstGeom prst="rect">
+            <a:avLst/>
+          </a:prstGeom>
+          <a:noFill/>
+        </p:spPr>
+        <p:txBody>
+          <a:bodyPr wrap="none" rtlCol="0">
+            <a:spAutoFit/>
+          </a:bodyPr>
+          <a:lstStyle/>
+          <a:p>
+            <a:r>
+              <a:rPr lang="en-US" smtClean="0"/>
+              <a:t>High affinity</a:t>
+            </a:r>
+            <a:endParaRPr lang="en-US"/>
+          </a:p>
+        </p:txBody>
+      </p:sp>
+      <p:sp>
+        <p:nvSpPr>
+          <p:cNvPr id="14" name="TextBox 13"/>
+          <p:cNvSpPr txBox="1"/>
+          <p:nvPr/>
+        </p:nvSpPr>
+        <p:spPr>
+          <a:xfrm>
+            <a:off x="3625444" y="4350352"/>
+            <a:ext cx="1278812" cy="369332"/>
+          </a:xfrm>
+          <a:prstGeom prst="rect">
+            <a:avLst/>
+          </a:prstGeom>
+          <a:noFill/>
+        </p:spPr>
+        <p:txBody>
+          <a:bodyPr wrap="none" rtlCol="0">
+            <a:spAutoFit/>
+          </a:bodyPr>
+          <a:lstStyle/>
+          <a:p>
+            <a:r>
+              <a:rPr lang="en-US" dirty="0" smtClean="0"/>
+              <a:t>Low affinity</a:t>
+            </a:r>
+            <a:endParaRPr lang="en-US" dirty="0"/>
+          </a:p>
+        </p:txBody>
+      </p:sp>
+      <p:cxnSp>
+        <p:nvCxnSpPr>
+          <p:cNvPr id="15" name="Straight Arrow Connector 14"/>
+          <p:cNvCxnSpPr/>
+          <p:nvPr/>
+        </p:nvCxnSpPr>
+        <p:spPr>
+          <a:xfrm flipV="1">
+            <a:off x="5399150" y="4535018"/>
+            <a:ext cx="935421" cy="475415"/>
+          </a:xfrm>
+          <a:prstGeom prst="straightConnector1">
+            <a:avLst/>
+          </a:prstGeom>
+          <a:ln w="38100">
+            <a:solidFill>
+              <a:schemeClr val="tx1"/>
+            </a:solidFill>
+            <a:tailEnd type="triangle"/>
+          </a:ln>
+        </p:spPr>
+        <p:style>
+          <a:lnRef idx="1">
+            <a:schemeClr val="accent1"/>
+          </a:lnRef>
+          <a:fillRef idx="0">
+            <a:schemeClr val="accent1"/>
+          </a:fillRef>
+          <a:effectRef idx="0">
+            <a:schemeClr val="accent1"/>
+          </a:effectRef>
+          <a:fontRef idx="minor">
+            <a:schemeClr val="tx1"/>
+          </a:fontRef>
+        </p:style>
+      </p:cxnSp>
+      <p:cxnSp>
+        <p:nvCxnSpPr>
+          <p:cNvPr id="16" name="Straight Arrow Connector 15"/>
+          <p:cNvCxnSpPr/>
+          <p:nvPr/>
+        </p:nvCxnSpPr>
+        <p:spPr>
+          <a:xfrm>
+            <a:off x="2195234" y="3607601"/>
+            <a:ext cx="965406" cy="458714"/>
+          </a:xfrm>
+          <a:prstGeom prst="straightConnector1">
+            <a:avLst/>
+          </a:prstGeom>
+          <a:ln w="38100">
+            <a:solidFill>
+              <a:schemeClr val="tx1"/>
+            </a:solidFill>
+            <a:tailEnd type="triangle"/>
+          </a:ln>
+        </p:spPr>
+        <p:style>
+          <a:lnRef idx="1">
+            <a:schemeClr val="accent1"/>
+          </a:lnRef>
+          <a:fillRef idx="0">
+            <a:schemeClr val="accent1"/>
+          </a:fillRef>
+          <a:effectRef idx="0">
+            <a:schemeClr val="accent1"/>
+          </a:effectRef>
+          <a:fontRef idx="minor">
+            <a:schemeClr val="tx1"/>
+          </a:fontRef>
+        </p:style>
+      </p:cxnSp>
+      <p:sp>
+        <p:nvSpPr>
+          <p:cNvPr id="17" name="TextBox 16"/>
+          <p:cNvSpPr txBox="1"/>
+          <p:nvPr/>
+        </p:nvSpPr>
+        <p:spPr>
+          <a:xfrm rot="19877012">
+            <a:off x="5327565" y="4803397"/>
+            <a:ext cx="1211678" cy="369332"/>
+          </a:xfrm>
+          <a:prstGeom prst="rect">
+            <a:avLst/>
+          </a:prstGeom>
+          <a:noFill/>
+        </p:spPr>
+        <p:txBody>
+          <a:bodyPr wrap="none" rtlCol="0">
+            <a:spAutoFit/>
+          </a:bodyPr>
+          <a:lstStyle/>
+          <a:p>
+            <a:r>
+              <a:rPr lang="en-US" smtClean="0"/>
+              <a:t>Repression</a:t>
+            </a:r>
+            <a:endParaRPr lang="en-US"/>
+          </a:p>
+        </p:txBody>
+      </p:sp>
+      <p:sp>
+        <p:nvSpPr>
+          <p:cNvPr id="18" name="TextBox 17"/>
+          <p:cNvSpPr txBox="1"/>
+          <p:nvPr/>
+        </p:nvSpPr>
+        <p:spPr>
+          <a:xfrm rot="1655532">
+            <a:off x="5287464" y="3569603"/>
+            <a:ext cx="1128386" cy="369332"/>
+          </a:xfrm>
+          <a:prstGeom prst="rect">
+            <a:avLst/>
+          </a:prstGeom>
+          <a:noFill/>
+        </p:spPr>
+        <p:txBody>
+          <a:bodyPr wrap="none" rtlCol="0">
+            <a:spAutoFit/>
+          </a:bodyPr>
+          <a:lstStyle/>
+          <a:p>
+            <a:r>
+              <a:rPr lang="en-US" dirty="0" smtClean="0"/>
+              <a:t>Activation</a:t>
+            </a:r>
+            <a:endParaRPr lang="en-US" dirty="0"/>
+          </a:p>
+        </p:txBody>
+      </p:sp>
+    </p:spTree>
+    <p:extLst>
+      <p:ext uri="{BB962C8B-B14F-4D97-AF65-F5344CB8AC3E}">
+        <p14:creationId xmlns:p14="http://schemas.microsoft.com/office/powerpoint/2010/main" val="1266265346"/>
       </p:ext>
     </p:extLst>
   </p:cSld>
@@ -7737,6 +15456,98 @@
 </p:sld>
 </file>
 
+<file path=ppt/slides/slide20.xml><?xml version="1.0" encoding="utf-8"?>
+<p:sld xmlns:a="http://schemas.openxmlformats.org/drawingml/2006/main" xmlns:r="http://schemas.openxmlformats.org/officeDocument/2006/relationships" xmlns:p="http://schemas.openxmlformats.org/presentationml/2006/main">
+  <p:cSld>
+    <p:spTree>
+      <p:nvGrpSpPr>
+        <p:cNvPr id="1" name=""/>
+        <p:cNvGrpSpPr/>
+        <p:nvPr/>
+      </p:nvGrpSpPr>
+      <p:grpSpPr>
+        <a:xfrm>
+          <a:off x="0" y="0"/>
+          <a:ext cx="0" cy="0"/>
+          <a:chOff x="0" y="0"/>
+          <a:chExt cx="0" cy="0"/>
+        </a:xfrm>
+      </p:grpSpPr>
+      <p:sp>
+        <p:nvSpPr>
+          <p:cNvPr id="2" name="Title 1"/>
+          <p:cNvSpPr>
+            <a:spLocks noGrp="1"/>
+          </p:cNvSpPr>
+          <p:nvPr>
+            <p:ph type="title"/>
+          </p:nvPr>
+        </p:nvSpPr>
+        <p:spPr/>
+        <p:txBody>
+          <a:bodyPr>
+            <a:normAutofit fontScale="90000"/>
+          </a:bodyPr>
+          <a:lstStyle/>
+          <a:p>
+            <a:r>
+              <a:rPr lang="en-US" dirty="0" smtClean="0"/>
+              <a:t>If Gro spreading is rare, how does it participate in long-range repression?</a:t>
+            </a:r>
+            <a:endParaRPr lang="en-US" dirty="0"/>
+          </a:p>
+        </p:txBody>
+      </p:sp>
+      <p:pic>
+        <p:nvPicPr>
+          <p:cNvPr id="4" name="Picture 3"/>
+          <p:cNvPicPr>
+            <a:picLocks noChangeAspect="1"/>
+          </p:cNvPicPr>
+          <p:nvPr/>
+        </p:nvPicPr>
+        <p:blipFill>
+          <a:blip r:embed="rId2">
+            <a:extLst>
+              <a:ext uri="{28A0092B-C50C-407E-A947-70E740481C1C}">
+                <a14:useLocalDpi xmlns:a14="http://schemas.microsoft.com/office/drawing/2010/main" val="0"/>
+              </a:ext>
+            </a:extLst>
+          </a:blip>
+          <a:stretch>
+            <a:fillRect/>
+          </a:stretch>
+        </p:blipFill>
+        <p:spPr>
+          <a:xfrm>
+            <a:off x="1495778" y="1786466"/>
+            <a:ext cx="6152444" cy="3076222"/>
+          </a:xfrm>
+          <a:prstGeom prst="rect">
+            <a:avLst/>
+          </a:prstGeom>
+        </p:spPr>
+      </p:pic>
+    </p:spTree>
+    <p:extLst>
+      <p:ext uri="{BB962C8B-B14F-4D97-AF65-F5344CB8AC3E}">
+        <p14:creationId xmlns:p14="http://schemas.microsoft.com/office/powerpoint/2010/main" val="1042682473"/>
+      </p:ext>
+    </p:extLst>
+  </p:cSld>
+  <p:clrMapOvr>
+    <a:masterClrMapping/>
+  </p:clrMapOvr>
+  <p:timing>
+    <p:tnLst>
+      <p:par>
+        <p:cTn id="1" dur="indefinite" restart="never" nodeType="tmRoot"/>
+      </p:par>
+    </p:tnLst>
+  </p:timing>
+</p:sld>
+</file>
+
 <file path=ppt/slides/slide3.xml><?xml version="1.0" encoding="utf-8"?>
 <p:sld xmlns:a="http://schemas.openxmlformats.org/drawingml/2006/main" xmlns:r="http://schemas.openxmlformats.org/officeDocument/2006/relationships" xmlns:p="http://schemas.openxmlformats.org/presentationml/2006/main">
   <p:cSld>
